--- a/ppt/SST.pptx
+++ b/ppt/SST.pptx
@@ -1,9 +1,12 @@
 
 <file path=ppt/presentation.xml><?xml version="1.0" encoding="utf-8"?>
-<p:presentation xmlns:a="http://schemas.openxmlformats.org/drawingml/2006/main" xmlns:r="http://schemas.openxmlformats.org/officeDocument/2006/relationships" xmlns:p="http://schemas.openxmlformats.org/presentationml/2006/main" saveSubsetFonts="1">
+<p:presentation xmlns:a="http://schemas.openxmlformats.org/drawingml/2006/main" xmlns:r="http://schemas.openxmlformats.org/officeDocument/2006/relationships" xmlns:p="http://schemas.openxmlformats.org/presentationml/2006/main" showSpecialPlsOnTitleSld="0" saveSubsetFonts="1">
   <p:sldMasterIdLst>
     <p:sldMasterId id="2147483673" r:id="rId1"/>
   </p:sldMasterIdLst>
+  <p:notesMasterIdLst>
+    <p:notesMasterId r:id="rId15"/>
+  </p:notesMasterIdLst>
   <p:sldIdLst>
     <p:sldId id="256" r:id="rId2"/>
     <p:sldId id="258" r:id="rId3"/>
@@ -12,6 +15,12 @@
     <p:sldId id="262" r:id="rId6"/>
     <p:sldId id="261" r:id="rId7"/>
     <p:sldId id="257" r:id="rId8"/>
+    <p:sldId id="263" r:id="rId9"/>
+    <p:sldId id="264" r:id="rId10"/>
+    <p:sldId id="265" r:id="rId11"/>
+    <p:sldId id="266" r:id="rId12"/>
+    <p:sldId id="267" r:id="rId13"/>
+    <p:sldId id="268" r:id="rId14"/>
   </p:sldIdLst>
   <p:sldSz cx="9144000" cy="6858000" type="screen4x3"/>
   <p:notesSz cx="6858000" cy="9144000"/>
@@ -113,6 +122,355 @@
 </p:presentation>
 </file>
 
+<file path=ppt/notesMasters/notesMaster1.xml><?xml version="1.0" encoding="utf-8"?>
+<p:notesMaster xmlns:a="http://schemas.openxmlformats.org/drawingml/2006/main" xmlns:r="http://schemas.openxmlformats.org/officeDocument/2006/relationships" xmlns:p="http://schemas.openxmlformats.org/presentationml/2006/main">
+  <p:cSld>
+    <p:bg>
+      <p:bgRef idx="1001">
+        <a:schemeClr val="bg1"/>
+      </p:bgRef>
+    </p:bg>
+    <p:spTree>
+      <p:nvGrpSpPr>
+        <p:cNvPr id="1" name=""/>
+        <p:cNvGrpSpPr/>
+        <p:nvPr/>
+      </p:nvGrpSpPr>
+      <p:grpSpPr>
+        <a:xfrm>
+          <a:off x="0" y="0"/>
+          <a:ext cx="0" cy="0"/>
+          <a:chOff x="0" y="0"/>
+          <a:chExt cx="0" cy="0"/>
+        </a:xfrm>
+      </p:grpSpPr>
+      <p:sp>
+        <p:nvSpPr>
+          <p:cNvPr id="2" name="页眉占位符 1"/>
+          <p:cNvSpPr>
+            <a:spLocks noGrp="1"/>
+          </p:cNvSpPr>
+          <p:nvPr>
+            <p:ph type="hdr" sz="quarter"/>
+          </p:nvPr>
+        </p:nvSpPr>
+        <p:spPr>
+          <a:xfrm>
+            <a:off x="0" y="0"/>
+            <a:ext cx="2971800" cy="457200"/>
+          </a:xfrm>
+          <a:prstGeom prst="rect">
+            <a:avLst/>
+          </a:prstGeom>
+        </p:spPr>
+        <p:txBody>
+          <a:bodyPr vert="horz" lIns="91440" tIns="45720" rIns="91440" bIns="45720" rtlCol="0"/>
+          <a:lstStyle>
+            <a:lvl1pPr algn="l">
+              <a:defRPr sz="1200"/>
+            </a:lvl1pPr>
+          </a:lstStyle>
+          <a:p>
+            <a:endParaRPr lang="zh-CN" altLang="en-US"/>
+          </a:p>
+        </p:txBody>
+      </p:sp>
+      <p:sp>
+        <p:nvSpPr>
+          <p:cNvPr id="3" name="日期占位符 2"/>
+          <p:cNvSpPr>
+            <a:spLocks noGrp="1"/>
+          </p:cNvSpPr>
+          <p:nvPr>
+            <p:ph type="dt" idx="1"/>
+          </p:nvPr>
+        </p:nvSpPr>
+        <p:spPr>
+          <a:xfrm>
+            <a:off x="3884613" y="0"/>
+            <a:ext cx="2971800" cy="457200"/>
+          </a:xfrm>
+          <a:prstGeom prst="rect">
+            <a:avLst/>
+          </a:prstGeom>
+        </p:spPr>
+        <p:txBody>
+          <a:bodyPr vert="horz" lIns="91440" tIns="45720" rIns="91440" bIns="45720" rtlCol="0"/>
+          <a:lstStyle>
+            <a:lvl1pPr algn="r">
+              <a:defRPr sz="1200"/>
+            </a:lvl1pPr>
+          </a:lstStyle>
+          <a:p>
+            <a:fld id="{E02A487C-6838-4A0E-A1DD-90604E3C1CFD}" type="datetimeFigureOut">
+              <a:rPr lang="zh-CN" altLang="en-US" smtClean="0"/>
+              <a:pPr/>
+              <a:t>2017/6/16</a:t>
+            </a:fld>
+            <a:endParaRPr lang="zh-CN" altLang="en-US"/>
+          </a:p>
+        </p:txBody>
+      </p:sp>
+      <p:sp>
+        <p:nvSpPr>
+          <p:cNvPr id="4" name="幻灯片图像占位符 3"/>
+          <p:cNvSpPr>
+            <a:spLocks noGrp="1" noRot="1" noChangeAspect="1"/>
+          </p:cNvSpPr>
+          <p:nvPr>
+            <p:ph type="sldImg" idx="2"/>
+          </p:nvPr>
+        </p:nvSpPr>
+        <p:spPr>
+          <a:xfrm>
+            <a:off x="1143000" y="685800"/>
+            <a:ext cx="4572000" cy="3429000"/>
+          </a:xfrm>
+          <a:prstGeom prst="rect">
+            <a:avLst/>
+          </a:prstGeom>
+          <a:noFill/>
+          <a:ln w="12700">
+            <a:solidFill>
+              <a:prstClr val="black"/>
+            </a:solidFill>
+          </a:ln>
+        </p:spPr>
+        <p:txBody>
+          <a:bodyPr vert="horz" lIns="91440" tIns="45720" rIns="91440" bIns="45720" rtlCol="0" anchor="ctr"/>
+          <a:lstStyle/>
+          <a:p>
+            <a:endParaRPr lang="zh-CN" altLang="en-US"/>
+          </a:p>
+        </p:txBody>
+      </p:sp>
+      <p:sp>
+        <p:nvSpPr>
+          <p:cNvPr id="5" name="备注占位符 4"/>
+          <p:cNvSpPr>
+            <a:spLocks noGrp="1"/>
+          </p:cNvSpPr>
+          <p:nvPr>
+            <p:ph type="body" sz="quarter" idx="3"/>
+          </p:nvPr>
+        </p:nvSpPr>
+        <p:spPr>
+          <a:xfrm>
+            <a:off x="685800" y="4343400"/>
+            <a:ext cx="5486400" cy="4114800"/>
+          </a:xfrm>
+          <a:prstGeom prst="rect">
+            <a:avLst/>
+          </a:prstGeom>
+        </p:spPr>
+        <p:txBody>
+          <a:bodyPr vert="horz" lIns="91440" tIns="45720" rIns="91440" bIns="45720" rtlCol="0">
+            <a:normAutofit/>
+          </a:bodyPr>
+          <a:lstStyle/>
+          <a:p>
+            <a:pPr lvl="0"/>
+            <a:r>
+              <a:rPr lang="zh-CN" altLang="en-US" smtClean="0"/>
+              <a:t>单击此处编辑母版文本样式</a:t>
+            </a:r>
+          </a:p>
+          <a:p>
+            <a:pPr lvl="1"/>
+            <a:r>
+              <a:rPr lang="zh-CN" altLang="en-US" smtClean="0"/>
+              <a:t>第二级</a:t>
+            </a:r>
+          </a:p>
+          <a:p>
+            <a:pPr lvl="2"/>
+            <a:r>
+              <a:rPr lang="zh-CN" altLang="en-US" smtClean="0"/>
+              <a:t>第三级</a:t>
+            </a:r>
+          </a:p>
+          <a:p>
+            <a:pPr lvl="3"/>
+            <a:r>
+              <a:rPr lang="zh-CN" altLang="en-US" smtClean="0"/>
+              <a:t>第四级</a:t>
+            </a:r>
+          </a:p>
+          <a:p>
+            <a:pPr lvl="4"/>
+            <a:r>
+              <a:rPr lang="zh-CN" altLang="en-US" smtClean="0"/>
+              <a:t>第五级</a:t>
+            </a:r>
+            <a:endParaRPr lang="zh-CN" altLang="en-US"/>
+          </a:p>
+        </p:txBody>
+      </p:sp>
+      <p:sp>
+        <p:nvSpPr>
+          <p:cNvPr id="6" name="页脚占位符 5"/>
+          <p:cNvSpPr>
+            <a:spLocks noGrp="1"/>
+          </p:cNvSpPr>
+          <p:nvPr>
+            <p:ph type="ftr" sz="quarter" idx="4"/>
+          </p:nvPr>
+        </p:nvSpPr>
+        <p:spPr>
+          <a:xfrm>
+            <a:off x="0" y="8685213"/>
+            <a:ext cx="2971800" cy="457200"/>
+          </a:xfrm>
+          <a:prstGeom prst="rect">
+            <a:avLst/>
+          </a:prstGeom>
+        </p:spPr>
+        <p:txBody>
+          <a:bodyPr vert="horz" lIns="91440" tIns="45720" rIns="91440" bIns="45720" rtlCol="0" anchor="b"/>
+          <a:lstStyle>
+            <a:lvl1pPr algn="l">
+              <a:defRPr sz="1200"/>
+            </a:lvl1pPr>
+          </a:lstStyle>
+          <a:p>
+            <a:endParaRPr lang="zh-CN" altLang="en-US"/>
+          </a:p>
+        </p:txBody>
+      </p:sp>
+      <p:sp>
+        <p:nvSpPr>
+          <p:cNvPr id="7" name="灯片编号占位符 6"/>
+          <p:cNvSpPr>
+            <a:spLocks noGrp="1"/>
+          </p:cNvSpPr>
+          <p:nvPr>
+            <p:ph type="sldNum" sz="quarter" idx="5"/>
+          </p:nvPr>
+        </p:nvSpPr>
+        <p:spPr>
+          <a:xfrm>
+            <a:off x="3884613" y="8685213"/>
+            <a:ext cx="2971800" cy="457200"/>
+          </a:xfrm>
+          <a:prstGeom prst="rect">
+            <a:avLst/>
+          </a:prstGeom>
+        </p:spPr>
+        <p:txBody>
+          <a:bodyPr vert="horz" lIns="91440" tIns="45720" rIns="91440" bIns="45720" rtlCol="0" anchor="b"/>
+          <a:lstStyle>
+            <a:lvl1pPr algn="r">
+              <a:defRPr sz="1200"/>
+            </a:lvl1pPr>
+          </a:lstStyle>
+          <a:p>
+            <a:fld id="{0549FB0E-4BFF-42DE-941A-8D5D8D68E2BD}" type="slidenum">
+              <a:rPr lang="zh-CN" altLang="en-US" smtClean="0"/>
+              <a:pPr/>
+              <a:t>‹#›</a:t>
+            </a:fld>
+            <a:endParaRPr lang="zh-CN" altLang="en-US"/>
+          </a:p>
+        </p:txBody>
+      </p:sp>
+    </p:spTree>
+  </p:cSld>
+  <p:clrMap bg1="lt1" tx1="dk1" bg2="lt2" tx2="dk2" accent1="accent1" accent2="accent2" accent3="accent3" accent4="accent4" accent5="accent5" accent6="accent6" hlink="hlink" folHlink="folHlink"/>
+  <p:notesStyle>
+    <a:lvl1pPr marL="0" algn="l" defTabSz="914400" rtl="0" eaLnBrk="1" latinLnBrk="0" hangingPunct="1">
+      <a:defRPr sz="1200" kern="1200">
+        <a:solidFill>
+          <a:schemeClr val="tx1"/>
+        </a:solidFill>
+        <a:latin typeface="+mn-lt"/>
+        <a:ea typeface="+mn-ea"/>
+        <a:cs typeface="+mn-cs"/>
+      </a:defRPr>
+    </a:lvl1pPr>
+    <a:lvl2pPr marL="457200" algn="l" defTabSz="914400" rtl="0" eaLnBrk="1" latinLnBrk="0" hangingPunct="1">
+      <a:defRPr sz="1200" kern="1200">
+        <a:solidFill>
+          <a:schemeClr val="tx1"/>
+        </a:solidFill>
+        <a:latin typeface="+mn-lt"/>
+        <a:ea typeface="+mn-ea"/>
+        <a:cs typeface="+mn-cs"/>
+      </a:defRPr>
+    </a:lvl2pPr>
+    <a:lvl3pPr marL="914400" algn="l" defTabSz="914400" rtl="0" eaLnBrk="1" latinLnBrk="0" hangingPunct="1">
+      <a:defRPr sz="1200" kern="1200">
+        <a:solidFill>
+          <a:schemeClr val="tx1"/>
+        </a:solidFill>
+        <a:latin typeface="+mn-lt"/>
+        <a:ea typeface="+mn-ea"/>
+        <a:cs typeface="+mn-cs"/>
+      </a:defRPr>
+    </a:lvl3pPr>
+    <a:lvl4pPr marL="1371600" algn="l" defTabSz="914400" rtl="0" eaLnBrk="1" latinLnBrk="0" hangingPunct="1">
+      <a:defRPr sz="1200" kern="1200">
+        <a:solidFill>
+          <a:schemeClr val="tx1"/>
+        </a:solidFill>
+        <a:latin typeface="+mn-lt"/>
+        <a:ea typeface="+mn-ea"/>
+        <a:cs typeface="+mn-cs"/>
+      </a:defRPr>
+    </a:lvl4pPr>
+    <a:lvl5pPr marL="1828800" algn="l" defTabSz="914400" rtl="0" eaLnBrk="1" latinLnBrk="0" hangingPunct="1">
+      <a:defRPr sz="1200" kern="1200">
+        <a:solidFill>
+          <a:schemeClr val="tx1"/>
+        </a:solidFill>
+        <a:latin typeface="+mn-lt"/>
+        <a:ea typeface="+mn-ea"/>
+        <a:cs typeface="+mn-cs"/>
+      </a:defRPr>
+    </a:lvl5pPr>
+    <a:lvl6pPr marL="2286000" algn="l" defTabSz="914400" rtl="0" eaLnBrk="1" latinLnBrk="0" hangingPunct="1">
+      <a:defRPr sz="1200" kern="1200">
+        <a:solidFill>
+          <a:schemeClr val="tx1"/>
+        </a:solidFill>
+        <a:latin typeface="+mn-lt"/>
+        <a:ea typeface="+mn-ea"/>
+        <a:cs typeface="+mn-cs"/>
+      </a:defRPr>
+    </a:lvl6pPr>
+    <a:lvl7pPr marL="2743200" algn="l" defTabSz="914400" rtl="0" eaLnBrk="1" latinLnBrk="0" hangingPunct="1">
+      <a:defRPr sz="1200" kern="1200">
+        <a:solidFill>
+          <a:schemeClr val="tx1"/>
+        </a:solidFill>
+        <a:latin typeface="+mn-lt"/>
+        <a:ea typeface="+mn-ea"/>
+        <a:cs typeface="+mn-cs"/>
+      </a:defRPr>
+    </a:lvl7pPr>
+    <a:lvl8pPr marL="3200400" algn="l" defTabSz="914400" rtl="0" eaLnBrk="1" latinLnBrk="0" hangingPunct="1">
+      <a:defRPr sz="1200" kern="1200">
+        <a:solidFill>
+          <a:schemeClr val="tx1"/>
+        </a:solidFill>
+        <a:latin typeface="+mn-lt"/>
+        <a:ea typeface="+mn-ea"/>
+        <a:cs typeface="+mn-cs"/>
+      </a:defRPr>
+    </a:lvl8pPr>
+    <a:lvl9pPr marL="3657600" algn="l" defTabSz="914400" rtl="0" eaLnBrk="1" latinLnBrk="0" hangingPunct="1">
+      <a:defRPr sz="1200" kern="1200">
+        <a:solidFill>
+          <a:schemeClr val="tx1"/>
+        </a:solidFill>
+        <a:latin typeface="+mn-lt"/>
+        <a:ea typeface="+mn-ea"/>
+        <a:cs typeface="+mn-cs"/>
+      </a:defRPr>
+    </a:lvl9pPr>
+  </p:notesStyle>
+</p:notesMaster>
+</file>
+
 <file path=ppt/slideLayouts/slideLayout1.xml><?xml version="1.0" encoding="utf-8"?>
 <p:sldLayout xmlns:a="http://schemas.openxmlformats.org/drawingml/2006/main" xmlns:r="http://schemas.openxmlformats.org/officeDocument/2006/relationships" xmlns:p="http://schemas.openxmlformats.org/presentationml/2006/main" preserve="1">
   <p:cSld name="标题">
@@ -145,11 +503,10 @@
           <a:bodyPr/>
           <a:lstStyle/>
           <a:p>
-            <a:fld id="{530820CF-B880-4189-942D-D702A7CBA730}" type="datetimeFigureOut">
-              <a:rPr lang="zh-CN" altLang="en-US" smtClean="0"/>
-              <a:pPr/>
-              <a:t>2017/6/16</a:t>
-            </a:fld>
+            <a:r>
+              <a:rPr lang="en-US" altLang="zh-CN" smtClean="0"/>
+              <a:t>2017/6/17</a:t>
+            </a:r>
             <a:endParaRPr lang="zh-CN" altLang="en-US"/>
           </a:p>
         </p:txBody>
@@ -169,6 +526,10 @@
           <a:bodyPr/>
           <a:lstStyle/>
           <a:p>
+            <a:r>
+              <a:rPr lang="en-US" altLang="zh-CN" smtClean="0"/>
+              <a:t>Zishuo Zhao &amp; Haoyun Wang, IIIS, Tsinghua </a:t>
+            </a:r>
             <a:endParaRPr lang="zh-CN" altLang="en-US"/>
           </a:p>
         </p:txBody>
@@ -399,11 +760,10 @@
           <a:bodyPr/>
           <a:lstStyle/>
           <a:p>
-            <a:fld id="{530820CF-B880-4189-942D-D702A7CBA730}" type="datetimeFigureOut">
-              <a:rPr lang="zh-CN" altLang="en-US" smtClean="0"/>
-              <a:pPr/>
-              <a:t>2017/6/16</a:t>
-            </a:fld>
+            <a:r>
+              <a:rPr lang="en-US" altLang="zh-CN" smtClean="0"/>
+              <a:t>2017/6/17</a:t>
+            </a:r>
             <a:endParaRPr lang="zh-CN" altLang="en-US"/>
           </a:p>
         </p:txBody>
@@ -423,6 +783,10 @@
           <a:bodyPr/>
           <a:lstStyle/>
           <a:p>
+            <a:r>
+              <a:rPr lang="en-US" altLang="zh-CN" smtClean="0"/>
+              <a:t>Zishuo Zhao &amp; Haoyun Wang, IIIS, Tsinghua </a:t>
+            </a:r>
             <a:endParaRPr lang="zh-CN" altLang="en-US"/>
           </a:p>
         </p:txBody>
@@ -583,11 +947,10 @@
           <a:bodyPr/>
           <a:lstStyle/>
           <a:p>
-            <a:fld id="{530820CF-B880-4189-942D-D702A7CBA730}" type="datetimeFigureOut">
-              <a:rPr lang="zh-CN" altLang="en-US" smtClean="0"/>
-              <a:pPr/>
-              <a:t>2017/6/16</a:t>
-            </a:fld>
+            <a:r>
+              <a:rPr lang="en-US" altLang="zh-CN" smtClean="0"/>
+              <a:t>2017/6/17</a:t>
+            </a:r>
             <a:endParaRPr lang="zh-CN" altLang="en-US"/>
           </a:p>
         </p:txBody>
@@ -607,6 +970,10 @@
           <a:bodyPr/>
           <a:lstStyle/>
           <a:p>
+            <a:r>
+              <a:rPr lang="en-US" altLang="zh-CN" smtClean="0"/>
+              <a:t>Zishuo Zhao &amp; Haoyun Wang, IIIS, Tsinghua </a:t>
+            </a:r>
             <a:endParaRPr lang="zh-CN" altLang="en-US"/>
           </a:p>
         </p:txBody>
@@ -675,11 +1042,10 @@
           <a:bodyPr/>
           <a:lstStyle/>
           <a:p>
-            <a:fld id="{530820CF-B880-4189-942D-D702A7CBA730}" type="datetimeFigureOut">
-              <a:rPr lang="zh-CN" altLang="en-US" smtClean="0"/>
-              <a:pPr/>
-              <a:t>2017/6/16</a:t>
-            </a:fld>
+            <a:r>
+              <a:rPr lang="en-US" altLang="zh-CN" smtClean="0"/>
+              <a:t>2017/6/17</a:t>
+            </a:r>
             <a:endParaRPr lang="zh-CN" altLang="en-US"/>
           </a:p>
         </p:txBody>
@@ -699,6 +1065,10 @@
           <a:bodyPr/>
           <a:lstStyle/>
           <a:p>
+            <a:r>
+              <a:rPr lang="en-US" altLang="zh-CN" smtClean="0"/>
+              <a:t>Zishuo Zhao &amp; Haoyun Wang, IIIS, Tsinghua </a:t>
+            </a:r>
             <a:endParaRPr lang="zh-CN" altLang="en-US"/>
           </a:p>
         </p:txBody>
@@ -1653,14 +2023,21 @@
         <p:spPr/>
         <p:txBody>
           <a:bodyPr/>
-          <a:lstStyle/>
-          <a:p>
-            <a:fld id="{530820CF-B880-4189-942D-D702A7CBA730}" type="datetimeFigureOut">
-              <a:rPr lang="zh-CN" altLang="en-US" smtClean="0"/>
-              <a:pPr/>
-              <a:t>2017/6/16</a:t>
-            </a:fld>
-            <a:endParaRPr lang="zh-CN" altLang="en-US"/>
+          <a:lstStyle>
+            <a:lvl1pPr>
+              <a:defRPr>
+                <a:solidFill>
+                  <a:srgbClr val="E0E0FF"/>
+                </a:solidFill>
+              </a:defRPr>
+            </a:lvl1pPr>
+          </a:lstStyle>
+          <a:p>
+            <a:r>
+              <a:rPr lang="en-US" altLang="zh-CN" smtClean="0"/>
+              <a:t>2017/6/17</a:t>
+            </a:r>
+            <a:endParaRPr lang="zh-CN" altLang="en-US" dirty="0"/>
           </a:p>
         </p:txBody>
       </p:sp>
@@ -1677,9 +2054,21 @@
         <p:spPr/>
         <p:txBody>
           <a:bodyPr/>
-          <a:lstStyle/>
-          <a:p>
-            <a:endParaRPr lang="zh-CN" altLang="en-US"/>
+          <a:lstStyle>
+            <a:lvl1pPr>
+              <a:defRPr>
+                <a:solidFill>
+                  <a:srgbClr val="E0E0FF"/>
+                </a:solidFill>
+              </a:defRPr>
+            </a:lvl1pPr>
+          </a:lstStyle>
+          <a:p>
+            <a:r>
+              <a:rPr lang="en-US" altLang="zh-CN" dirty="0" smtClean="0"/>
+              <a:t>Zishuo Zhao &amp; Haoyun Wang, IIIS, Tsinghua </a:t>
+            </a:r>
+            <a:endParaRPr lang="zh-CN" altLang="en-US" dirty="0"/>
           </a:p>
         </p:txBody>
       </p:sp>
@@ -1696,14 +2085,22 @@
         <p:spPr/>
         <p:txBody>
           <a:bodyPr/>
-          <a:lstStyle/>
+          <a:lstStyle>
+            <a:lvl1pPr>
+              <a:defRPr>
+                <a:solidFill>
+                  <a:srgbClr val="E0E0FF"/>
+                </a:solidFill>
+              </a:defRPr>
+            </a:lvl1pPr>
+          </a:lstStyle>
           <a:p>
             <a:fld id="{0C913308-F349-4B6D-A68A-DD1791B4A57B}" type="slidenum">
               <a:rPr lang="zh-CN" altLang="en-US" smtClean="0"/>
               <a:pPr/>
               <a:t>‹#›</a:t>
             </a:fld>
-            <a:endParaRPr lang="zh-CN" altLang="en-US"/>
+            <a:endParaRPr lang="zh-CN" altLang="en-US" dirty="0"/>
           </a:p>
         </p:txBody>
       </p:sp>
@@ -1903,11 +2300,10 @@
           <a:bodyPr/>
           <a:lstStyle/>
           <a:p>
-            <a:fld id="{530820CF-B880-4189-942D-D702A7CBA730}" type="datetimeFigureOut">
-              <a:rPr lang="zh-CN" altLang="en-US" smtClean="0"/>
-              <a:pPr/>
-              <a:t>2017/6/16</a:t>
-            </a:fld>
+            <a:r>
+              <a:rPr lang="en-US" altLang="zh-CN" smtClean="0"/>
+              <a:t>2017/6/17</a:t>
+            </a:r>
             <a:endParaRPr lang="zh-CN" altLang="en-US"/>
           </a:p>
         </p:txBody>
@@ -1927,6 +2323,10 @@
           <a:bodyPr/>
           <a:lstStyle/>
           <a:p>
+            <a:r>
+              <a:rPr lang="en-US" altLang="zh-CN" smtClean="0"/>
+              <a:t>Zishuo Zhao &amp; Haoyun Wang, IIIS, Tsinghua </a:t>
+            </a:r>
             <a:endParaRPr lang="zh-CN" altLang="en-US"/>
           </a:p>
         </p:txBody>
@@ -2188,11 +2588,10 @@
           <a:bodyPr/>
           <a:lstStyle/>
           <a:p>
-            <a:fld id="{530820CF-B880-4189-942D-D702A7CBA730}" type="datetimeFigureOut">
-              <a:rPr lang="zh-CN" altLang="en-US" smtClean="0"/>
-              <a:pPr/>
-              <a:t>2017/6/16</a:t>
-            </a:fld>
+            <a:r>
+              <a:rPr lang="en-US" altLang="zh-CN" smtClean="0"/>
+              <a:t>2017/6/17</a:t>
+            </a:r>
             <a:endParaRPr lang="zh-CN" altLang="en-US"/>
           </a:p>
         </p:txBody>
@@ -2212,6 +2611,10 @@
           <a:bodyPr/>
           <a:lstStyle/>
           <a:p>
+            <a:r>
+              <a:rPr lang="en-US" altLang="zh-CN" smtClean="0"/>
+              <a:t>Zishuo Zhao &amp; Haoyun Wang, IIIS, Tsinghua </a:t>
+            </a:r>
             <a:endParaRPr lang="zh-CN" altLang="en-US"/>
           </a:p>
         </p:txBody>
@@ -2607,11 +3010,10 @@
           <a:bodyPr/>
           <a:lstStyle/>
           <a:p>
-            <a:fld id="{530820CF-B880-4189-942D-D702A7CBA730}" type="datetimeFigureOut">
-              <a:rPr lang="zh-CN" altLang="en-US" smtClean="0"/>
-              <a:pPr/>
-              <a:t>2017/6/16</a:t>
-            </a:fld>
+            <a:r>
+              <a:rPr lang="en-US" altLang="zh-CN" smtClean="0"/>
+              <a:t>2017/6/17</a:t>
+            </a:r>
             <a:endParaRPr lang="zh-CN" altLang="en-US"/>
           </a:p>
         </p:txBody>
@@ -2631,6 +3033,10 @@
           <a:bodyPr/>
           <a:lstStyle/>
           <a:p>
+            <a:r>
+              <a:rPr lang="en-US" altLang="zh-CN" smtClean="0"/>
+              <a:t>Zishuo Zhao &amp; Haoyun Wang, IIIS, Tsinghua </a:t>
+            </a:r>
             <a:endParaRPr lang="zh-CN" altLang="en-US"/>
           </a:p>
         </p:txBody>
@@ -2722,11 +3128,10 @@
           <a:bodyPr/>
           <a:lstStyle/>
           <a:p>
-            <a:fld id="{530820CF-B880-4189-942D-D702A7CBA730}" type="datetimeFigureOut">
-              <a:rPr lang="zh-CN" altLang="en-US" smtClean="0"/>
-              <a:pPr/>
-              <a:t>2017/6/16</a:t>
-            </a:fld>
+            <a:r>
+              <a:rPr lang="en-US" altLang="zh-CN" smtClean="0"/>
+              <a:t>2017/6/17</a:t>
+            </a:r>
             <a:endParaRPr lang="zh-CN" altLang="en-US"/>
           </a:p>
         </p:txBody>
@@ -2746,6 +3151,10 @@
           <a:bodyPr/>
           <a:lstStyle/>
           <a:p>
+            <a:r>
+              <a:rPr lang="en-US" altLang="zh-CN" smtClean="0"/>
+              <a:t>Zishuo Zhao &amp; Haoyun Wang, IIIS, Tsinghua </a:t>
+            </a:r>
             <a:endParaRPr lang="zh-CN" altLang="en-US"/>
           </a:p>
         </p:txBody>
@@ -2814,11 +3223,10 @@
           <a:bodyPr/>
           <a:lstStyle/>
           <a:p>
-            <a:fld id="{530820CF-B880-4189-942D-D702A7CBA730}" type="datetimeFigureOut">
-              <a:rPr lang="zh-CN" altLang="en-US" smtClean="0"/>
-              <a:pPr/>
-              <a:t>2017/6/16</a:t>
-            </a:fld>
+            <a:r>
+              <a:rPr lang="en-US" altLang="zh-CN" smtClean="0"/>
+              <a:t>2017/6/17</a:t>
+            </a:r>
             <a:endParaRPr lang="zh-CN" altLang="en-US"/>
           </a:p>
         </p:txBody>
@@ -2838,6 +3246,10 @@
           <a:bodyPr/>
           <a:lstStyle/>
           <a:p>
+            <a:r>
+              <a:rPr lang="en-US" altLang="zh-CN" smtClean="0"/>
+              <a:t>Zishuo Zhao &amp; Haoyun Wang, IIIS, Tsinghua </a:t>
+            </a:r>
             <a:endParaRPr lang="zh-CN" altLang="en-US"/>
           </a:p>
         </p:txBody>
@@ -3095,11 +3507,10 @@
           <a:bodyPr/>
           <a:lstStyle/>
           <a:p>
-            <a:fld id="{530820CF-B880-4189-942D-D702A7CBA730}" type="datetimeFigureOut">
-              <a:rPr lang="zh-CN" altLang="en-US" smtClean="0"/>
-              <a:pPr/>
-              <a:t>2017/6/16</a:t>
-            </a:fld>
+            <a:r>
+              <a:rPr lang="en-US" altLang="zh-CN" smtClean="0"/>
+              <a:t>2017/6/17</a:t>
+            </a:r>
             <a:endParaRPr lang="zh-CN" altLang="en-US"/>
           </a:p>
         </p:txBody>
@@ -3119,6 +3530,10 @@
           <a:bodyPr/>
           <a:lstStyle/>
           <a:p>
+            <a:r>
+              <a:rPr lang="en-US" altLang="zh-CN" smtClean="0"/>
+              <a:t>Zishuo Zhao &amp; Haoyun Wang, IIIS, Tsinghua </a:t>
+            </a:r>
             <a:endParaRPr lang="zh-CN" altLang="en-US"/>
           </a:p>
         </p:txBody>
@@ -3349,11 +3764,10 @@
           <a:bodyPr/>
           <a:lstStyle/>
           <a:p>
-            <a:fld id="{530820CF-B880-4189-942D-D702A7CBA730}" type="datetimeFigureOut">
-              <a:rPr lang="zh-CN" altLang="en-US" smtClean="0"/>
-              <a:pPr/>
-              <a:t>2017/6/16</a:t>
-            </a:fld>
+            <a:r>
+              <a:rPr lang="en-US" altLang="zh-CN" smtClean="0"/>
+              <a:t>2017/6/17</a:t>
+            </a:r>
             <a:endParaRPr lang="zh-CN" altLang="en-US"/>
           </a:p>
         </p:txBody>
@@ -3373,6 +3787,10 @@
           <a:bodyPr/>
           <a:lstStyle/>
           <a:p>
+            <a:r>
+              <a:rPr lang="en-US" altLang="zh-CN" smtClean="0"/>
+              <a:t>Zishuo Zhao &amp; Haoyun Wang, IIIS, Tsinghua </a:t>
+            </a:r>
             <a:endParaRPr lang="zh-CN" altLang="en-US"/>
           </a:p>
         </p:txBody>
@@ -3563,20 +3981,17 @@
             <a:lvl1pPr algn="l">
               <a:defRPr sz="1200">
                 <a:solidFill>
-                  <a:schemeClr val="tx1">
-                    <a:tint val="75000"/>
-                  </a:schemeClr>
+                  <a:srgbClr val="E0E0FF"/>
                 </a:solidFill>
               </a:defRPr>
             </a:lvl1pPr>
           </a:lstStyle>
           <a:p>
-            <a:fld id="{530820CF-B880-4189-942D-D702A7CBA730}" type="datetimeFigureOut">
-              <a:rPr lang="zh-CN" altLang="en-US" smtClean="0"/>
-              <a:pPr/>
-              <a:t>2017/6/16</a:t>
-            </a:fld>
-            <a:endParaRPr lang="zh-CN" altLang="en-US"/>
+            <a:r>
+              <a:rPr lang="en-US" altLang="zh-CN" smtClean="0"/>
+              <a:t>2017/6/17</a:t>
+            </a:r>
+            <a:endParaRPr lang="zh-CN" altLang="en-US" dirty="0"/>
           </a:p>
         </p:txBody>
       </p:sp>
@@ -3605,15 +4020,17 @@
             <a:lvl1pPr algn="ctr">
               <a:defRPr sz="1200">
                 <a:solidFill>
-                  <a:schemeClr val="tx1">
-                    <a:tint val="75000"/>
-                  </a:schemeClr>
+                  <a:srgbClr val="E0E0FF"/>
                 </a:solidFill>
               </a:defRPr>
             </a:lvl1pPr>
           </a:lstStyle>
           <a:p>
-            <a:endParaRPr lang="zh-CN" altLang="en-US"/>
+            <a:r>
+              <a:rPr lang="en-US" altLang="zh-CN" dirty="0" smtClean="0"/>
+              <a:t>Zishuo Zhao &amp; Haoyun Wang, IIIS, Tsinghua </a:t>
+            </a:r>
+            <a:endParaRPr lang="zh-CN" altLang="en-US" dirty="0" smtClean="0"/>
           </a:p>
         </p:txBody>
       </p:sp>
@@ -3642,9 +4059,7 @@
             <a:lvl1pPr algn="r">
               <a:defRPr sz="1200">
                 <a:solidFill>
-                  <a:schemeClr val="tx1">
-                    <a:tint val="75000"/>
-                  </a:schemeClr>
+                  <a:srgbClr val="E0E0FF"/>
                 </a:solidFill>
               </a:defRPr>
             </a:lvl1pPr>
@@ -3655,7 +4070,7 @@
               <a:pPr/>
               <a:t>‹#›</a:t>
             </a:fld>
-            <a:endParaRPr lang="zh-CN" altLang="en-US"/>
+            <a:endParaRPr lang="zh-CN" altLang="en-US" dirty="0"/>
           </a:p>
         </p:txBody>
       </p:sp>
@@ -3683,6 +4098,7 @@
       </p:par>
     </p:tnLst>
   </p:timing>
+  <p:hf sldNum="0" hdr="0" ftr="0" dt="0"/>
   <p:txStyles>
     <p:titleStyle>
       <a:lvl1pPr algn="ctr" defTabSz="914400" rtl="0" eaLnBrk="1" latinLnBrk="0" hangingPunct="1">
@@ -4098,6 +4514,1116 @@
 </p:sld>
 </file>
 
+<file path=ppt/slides/slide10.xml><?xml version="1.0" encoding="utf-8"?>
+<p:sld xmlns:a="http://schemas.openxmlformats.org/drawingml/2006/main" xmlns:r="http://schemas.openxmlformats.org/officeDocument/2006/relationships" xmlns:p="http://schemas.openxmlformats.org/presentationml/2006/main">
+  <p:cSld>
+    <p:spTree>
+      <p:nvGrpSpPr>
+        <p:cNvPr id="1" name=""/>
+        <p:cNvGrpSpPr/>
+        <p:nvPr/>
+      </p:nvGrpSpPr>
+      <p:grpSpPr>
+        <a:xfrm>
+          <a:off x="0" y="0"/>
+          <a:ext cx="0" cy="0"/>
+          <a:chOff x="0" y="0"/>
+          <a:chExt cx="0" cy="0"/>
+        </a:xfrm>
+      </p:grpSpPr>
+      <p:sp>
+        <p:nvSpPr>
+          <p:cNvPr id="2" name="标题 1"/>
+          <p:cNvSpPr>
+            <a:spLocks noGrp="1"/>
+          </p:cNvSpPr>
+          <p:nvPr>
+            <p:ph type="title"/>
+          </p:nvPr>
+        </p:nvSpPr>
+        <p:spPr/>
+        <p:txBody>
+          <a:bodyPr/>
+          <a:lstStyle/>
+          <a:p>
+            <a:r>
+              <a:rPr lang="en-US" altLang="zh-CN" dirty="0" smtClean="0"/>
+              <a:t>Intuition</a:t>
+            </a:r>
+            <a:endParaRPr lang="zh-CN" altLang="en-US" dirty="0"/>
+          </a:p>
+        </p:txBody>
+      </p:sp>
+      <p:sp>
+        <p:nvSpPr>
+          <p:cNvPr id="3" name="内容占位符 2"/>
+          <p:cNvSpPr>
+            <a:spLocks noGrp="1"/>
+          </p:cNvSpPr>
+          <p:nvPr>
+            <p:ph idx="1"/>
+          </p:nvPr>
+        </p:nvSpPr>
+        <p:spPr/>
+        <p:txBody>
+          <a:bodyPr/>
+          <a:lstStyle/>
+          <a:p>
+            <a:r>
+              <a:rPr lang="en-US" altLang="zh-CN" dirty="0" smtClean="0"/>
+              <a:t>But they seem to have similar outline…</a:t>
+            </a:r>
+          </a:p>
+          <a:p>
+            <a:r>
+              <a:rPr lang="en-US" altLang="zh-CN" dirty="0" smtClean="0"/>
+              <a:t>Resonance at certain frequencies</a:t>
+            </a:r>
+          </a:p>
+          <a:p>
+            <a:r>
+              <a:rPr lang="en-US" altLang="zh-CN" dirty="0" smtClean="0"/>
+              <a:t>“formant”</a:t>
+            </a:r>
+          </a:p>
+          <a:p>
+            <a:r>
+              <a:rPr lang="en-US" altLang="zh-CN" dirty="0" smtClean="0"/>
+              <a:t>Working as a filter!</a:t>
+            </a:r>
+            <a:endParaRPr lang="zh-CN" altLang="en-US" dirty="0"/>
+          </a:p>
+        </p:txBody>
+      </p:sp>
+      <p:pic>
+        <p:nvPicPr>
+          <p:cNvPr id="4" name="图片 3" descr="sp1.png"/>
+          <p:cNvPicPr>
+            <a:picLocks noChangeAspect="1"/>
+          </p:cNvPicPr>
+          <p:nvPr/>
+        </p:nvPicPr>
+        <p:blipFill>
+          <a:blip r:embed="rId2" cstate="print"/>
+          <a:stretch>
+            <a:fillRect/>
+          </a:stretch>
+        </p:blipFill>
+        <p:spPr>
+          <a:xfrm>
+            <a:off x="2411760" y="3212976"/>
+            <a:ext cx="4248472" cy="3475586"/>
+          </a:xfrm>
+          <a:prstGeom prst="rect">
+            <a:avLst/>
+          </a:prstGeom>
+        </p:spPr>
+      </p:pic>
+    </p:spTree>
+  </p:cSld>
+  <p:clrMapOvr>
+    <a:masterClrMapping/>
+  </p:clrMapOvr>
+  <p:timing>
+    <p:tnLst>
+      <p:par>
+        <p:cTn id="1" dur="indefinite" restart="never" nodeType="tmRoot">
+          <p:childTnLst>
+            <p:seq concurrent="1" nextAc="seek">
+              <p:cTn id="2" dur="indefinite" nodeType="mainSeq">
+                <p:childTnLst>
+                  <p:par>
+                    <p:cTn id="3" fill="hold">
+                      <p:stCondLst>
+                        <p:cond delay="indefinite"/>
+                      </p:stCondLst>
+                      <p:childTnLst>
+                        <p:par>
+                          <p:cTn id="4" fill="hold">
+                            <p:stCondLst>
+                              <p:cond delay="0"/>
+                            </p:stCondLst>
+                            <p:childTnLst>
+                              <p:par>
+                                <p:cTn id="5" presetID="1" presetClass="entr" presetSubtype="0" fill="hold" nodeType="clickEffect">
+                                  <p:stCondLst>
+                                    <p:cond delay="0"/>
+                                  </p:stCondLst>
+                                  <p:childTnLst>
+                                    <p:set>
+                                      <p:cBhvr>
+                                        <p:cTn id="6" dur="1" fill="hold">
+                                          <p:stCondLst>
+                                            <p:cond delay="0"/>
+                                          </p:stCondLst>
+                                        </p:cTn>
+                                        <p:tgtEl>
+                                          <p:spTgt spid="3">
+                                            <p:txEl>
+                                              <p:pRg st="0" end="0"/>
+                                            </p:txEl>
+                                          </p:spTgt>
+                                        </p:tgtEl>
+                                        <p:attrNameLst>
+                                          <p:attrName>style.visibility</p:attrName>
+                                        </p:attrNameLst>
+                                      </p:cBhvr>
+                                      <p:to>
+                                        <p:strVal val="visible"/>
+                                      </p:to>
+                                    </p:set>
+                                  </p:childTnLst>
+                                </p:cTn>
+                              </p:par>
+                            </p:childTnLst>
+                          </p:cTn>
+                        </p:par>
+                      </p:childTnLst>
+                    </p:cTn>
+                  </p:par>
+                  <p:par>
+                    <p:cTn id="7" fill="hold">
+                      <p:stCondLst>
+                        <p:cond delay="indefinite"/>
+                      </p:stCondLst>
+                      <p:childTnLst>
+                        <p:par>
+                          <p:cTn id="8" fill="hold">
+                            <p:stCondLst>
+                              <p:cond delay="0"/>
+                            </p:stCondLst>
+                            <p:childTnLst>
+                              <p:par>
+                                <p:cTn id="9" presetID="1" presetClass="entr" presetSubtype="0" fill="hold" nodeType="clickEffect">
+                                  <p:stCondLst>
+                                    <p:cond delay="0"/>
+                                  </p:stCondLst>
+                                  <p:childTnLst>
+                                    <p:set>
+                                      <p:cBhvr>
+                                        <p:cTn id="10" dur="1" fill="hold">
+                                          <p:stCondLst>
+                                            <p:cond delay="0"/>
+                                          </p:stCondLst>
+                                        </p:cTn>
+                                        <p:tgtEl>
+                                          <p:spTgt spid="3">
+                                            <p:txEl>
+                                              <p:pRg st="1" end="1"/>
+                                            </p:txEl>
+                                          </p:spTgt>
+                                        </p:tgtEl>
+                                        <p:attrNameLst>
+                                          <p:attrName>style.visibility</p:attrName>
+                                        </p:attrNameLst>
+                                      </p:cBhvr>
+                                      <p:to>
+                                        <p:strVal val="visible"/>
+                                      </p:to>
+                                    </p:set>
+                                  </p:childTnLst>
+                                </p:cTn>
+                              </p:par>
+                            </p:childTnLst>
+                          </p:cTn>
+                        </p:par>
+                      </p:childTnLst>
+                    </p:cTn>
+                  </p:par>
+                  <p:par>
+                    <p:cTn id="11" fill="hold">
+                      <p:stCondLst>
+                        <p:cond delay="indefinite"/>
+                      </p:stCondLst>
+                      <p:childTnLst>
+                        <p:par>
+                          <p:cTn id="12" fill="hold">
+                            <p:stCondLst>
+                              <p:cond delay="0"/>
+                            </p:stCondLst>
+                            <p:childTnLst>
+                              <p:par>
+                                <p:cTn id="13" presetID="1" presetClass="entr" presetSubtype="0" fill="hold" nodeType="clickEffect">
+                                  <p:stCondLst>
+                                    <p:cond delay="0"/>
+                                  </p:stCondLst>
+                                  <p:childTnLst>
+                                    <p:set>
+                                      <p:cBhvr>
+                                        <p:cTn id="14" dur="1" fill="hold">
+                                          <p:stCondLst>
+                                            <p:cond delay="0"/>
+                                          </p:stCondLst>
+                                        </p:cTn>
+                                        <p:tgtEl>
+                                          <p:spTgt spid="3">
+                                            <p:txEl>
+                                              <p:pRg st="2" end="2"/>
+                                            </p:txEl>
+                                          </p:spTgt>
+                                        </p:tgtEl>
+                                        <p:attrNameLst>
+                                          <p:attrName>style.visibility</p:attrName>
+                                        </p:attrNameLst>
+                                      </p:cBhvr>
+                                      <p:to>
+                                        <p:strVal val="visible"/>
+                                      </p:to>
+                                    </p:set>
+                                  </p:childTnLst>
+                                </p:cTn>
+                              </p:par>
+                              <p:par>
+                                <p:cTn id="15" presetID="4" presetClass="exit" presetSubtype="16" fill="hold" nodeType="withEffect">
+                                  <p:stCondLst>
+                                    <p:cond delay="0"/>
+                                  </p:stCondLst>
+                                  <p:childTnLst>
+                                    <p:animEffect transition="out" filter="box(in)">
+                                      <p:cBhvr>
+                                        <p:cTn id="16" dur="500"/>
+                                        <p:tgtEl>
+                                          <p:spTgt spid="4"/>
+                                        </p:tgtEl>
+                                      </p:cBhvr>
+                                    </p:animEffect>
+                                    <p:set>
+                                      <p:cBhvr>
+                                        <p:cTn id="17" dur="1" fill="hold">
+                                          <p:stCondLst>
+                                            <p:cond delay="499"/>
+                                          </p:stCondLst>
+                                        </p:cTn>
+                                        <p:tgtEl>
+                                          <p:spTgt spid="4"/>
+                                        </p:tgtEl>
+                                        <p:attrNameLst>
+                                          <p:attrName>style.visibility</p:attrName>
+                                        </p:attrNameLst>
+                                      </p:cBhvr>
+                                      <p:to>
+                                        <p:strVal val="hidden"/>
+                                      </p:to>
+                                    </p:set>
+                                  </p:childTnLst>
+                                </p:cTn>
+                              </p:par>
+                            </p:childTnLst>
+                          </p:cTn>
+                        </p:par>
+                      </p:childTnLst>
+                    </p:cTn>
+                  </p:par>
+                  <p:par>
+                    <p:cTn id="18" fill="hold">
+                      <p:stCondLst>
+                        <p:cond delay="indefinite"/>
+                      </p:stCondLst>
+                      <p:childTnLst>
+                        <p:par>
+                          <p:cTn id="19" fill="hold">
+                            <p:stCondLst>
+                              <p:cond delay="0"/>
+                            </p:stCondLst>
+                            <p:childTnLst>
+                              <p:par>
+                                <p:cTn id="20" presetID="1" presetClass="entr" presetSubtype="0" fill="hold" nodeType="clickEffect">
+                                  <p:stCondLst>
+                                    <p:cond delay="0"/>
+                                  </p:stCondLst>
+                                  <p:childTnLst>
+                                    <p:set>
+                                      <p:cBhvr>
+                                        <p:cTn id="21" dur="1" fill="hold">
+                                          <p:stCondLst>
+                                            <p:cond delay="0"/>
+                                          </p:stCondLst>
+                                        </p:cTn>
+                                        <p:tgtEl>
+                                          <p:spTgt spid="3">
+                                            <p:txEl>
+                                              <p:pRg st="3" end="3"/>
+                                            </p:txEl>
+                                          </p:spTgt>
+                                        </p:tgtEl>
+                                        <p:attrNameLst>
+                                          <p:attrName>style.visibility</p:attrName>
+                                        </p:attrNameLst>
+                                      </p:cBhvr>
+                                      <p:to>
+                                        <p:strVal val="visible"/>
+                                      </p:to>
+                                    </p:set>
+                                  </p:childTnLst>
+                                </p:cTn>
+                              </p:par>
+                            </p:childTnLst>
+                          </p:cTn>
+                        </p:par>
+                      </p:childTnLst>
+                    </p:cTn>
+                  </p:par>
+                </p:childTnLst>
+              </p:cTn>
+              <p:prevCondLst>
+                <p:cond evt="onPrev" delay="0">
+                  <p:tgtEl>
+                    <p:sldTgt/>
+                  </p:tgtEl>
+                </p:cond>
+              </p:prevCondLst>
+              <p:nextCondLst>
+                <p:cond evt="onNext" delay="0">
+                  <p:tgtEl>
+                    <p:sldTgt/>
+                  </p:tgtEl>
+                </p:cond>
+              </p:nextCondLst>
+            </p:seq>
+          </p:childTnLst>
+        </p:cTn>
+      </p:par>
+    </p:tnLst>
+  </p:timing>
+</p:sld>
+</file>
+
+<file path=ppt/slides/slide11.xml><?xml version="1.0" encoding="utf-8"?>
+<p:sld xmlns:a="http://schemas.openxmlformats.org/drawingml/2006/main" xmlns:r="http://schemas.openxmlformats.org/officeDocument/2006/relationships" xmlns:p="http://schemas.openxmlformats.org/presentationml/2006/main">
+  <p:cSld>
+    <p:spTree>
+      <p:nvGrpSpPr>
+        <p:cNvPr id="1" name=""/>
+        <p:cNvGrpSpPr/>
+        <p:nvPr/>
+      </p:nvGrpSpPr>
+      <p:grpSpPr>
+        <a:xfrm>
+          <a:off x="0" y="0"/>
+          <a:ext cx="0" cy="0"/>
+          <a:chOff x="0" y="0"/>
+          <a:chExt cx="0" cy="0"/>
+        </a:xfrm>
+      </p:grpSpPr>
+      <p:sp>
+        <p:nvSpPr>
+          <p:cNvPr id="2" name="标题 1"/>
+          <p:cNvSpPr>
+            <a:spLocks noGrp="1"/>
+          </p:cNvSpPr>
+          <p:nvPr>
+            <p:ph type="title"/>
+          </p:nvPr>
+        </p:nvSpPr>
+        <p:spPr/>
+        <p:txBody>
+          <a:bodyPr/>
+          <a:lstStyle/>
+          <a:p>
+            <a:r>
+              <a:rPr lang="en-US" altLang="zh-CN" dirty="0" smtClean="0"/>
+              <a:t>LP coefficients</a:t>
+            </a:r>
+            <a:endParaRPr lang="zh-CN" altLang="en-US" dirty="0"/>
+          </a:p>
+        </p:txBody>
+      </p:sp>
+      <p:sp>
+        <p:nvSpPr>
+          <p:cNvPr id="3" name="内容占位符 2"/>
+          <p:cNvSpPr>
+            <a:spLocks noGrp="1"/>
+          </p:cNvSpPr>
+          <p:nvPr>
+            <p:ph idx="1"/>
+          </p:nvPr>
+        </p:nvSpPr>
+        <p:spPr/>
+        <p:txBody>
+          <a:bodyPr/>
+          <a:lstStyle/>
+          <a:p>
+            <a:r>
+              <a:rPr lang="en-US" altLang="zh-CN" dirty="0" smtClean="0"/>
+              <a:t>To compute a filter to diminish the sound into white noise</a:t>
+            </a:r>
+          </a:p>
+          <a:p>
+            <a:r>
+              <a:rPr lang="en-US" altLang="zh-CN" dirty="0" smtClean="0"/>
+              <a:t>Inverse: to make white noise resonate as the music!</a:t>
+            </a:r>
+          </a:p>
+          <a:p>
+            <a:r>
+              <a:rPr lang="en-US" altLang="zh-CN" dirty="0" smtClean="0"/>
+              <a:t>Showing resonance features</a:t>
+            </a:r>
+            <a:endParaRPr lang="zh-CN" altLang="en-US" dirty="0"/>
+          </a:p>
+        </p:txBody>
+      </p:sp>
+    </p:spTree>
+  </p:cSld>
+  <p:clrMapOvr>
+    <a:masterClrMapping/>
+  </p:clrMapOvr>
+  <p:timing>
+    <p:tnLst>
+      <p:par>
+        <p:cTn id="1" dur="indefinite" restart="never" nodeType="tmRoot">
+          <p:childTnLst>
+            <p:seq concurrent="1" nextAc="seek">
+              <p:cTn id="2" dur="indefinite" nodeType="mainSeq">
+                <p:childTnLst>
+                  <p:par>
+                    <p:cTn id="3" fill="hold">
+                      <p:stCondLst>
+                        <p:cond delay="indefinite"/>
+                      </p:stCondLst>
+                      <p:childTnLst>
+                        <p:par>
+                          <p:cTn id="4" fill="hold">
+                            <p:stCondLst>
+                              <p:cond delay="0"/>
+                            </p:stCondLst>
+                            <p:childTnLst>
+                              <p:par>
+                                <p:cTn id="5" presetID="1" presetClass="entr" presetSubtype="0" fill="hold" nodeType="clickEffect">
+                                  <p:stCondLst>
+                                    <p:cond delay="0"/>
+                                  </p:stCondLst>
+                                  <p:childTnLst>
+                                    <p:set>
+                                      <p:cBhvr>
+                                        <p:cTn id="6" dur="1" fill="hold">
+                                          <p:stCondLst>
+                                            <p:cond delay="0"/>
+                                          </p:stCondLst>
+                                        </p:cTn>
+                                        <p:tgtEl>
+                                          <p:spTgt spid="3">
+                                            <p:txEl>
+                                              <p:pRg st="0" end="0"/>
+                                            </p:txEl>
+                                          </p:spTgt>
+                                        </p:tgtEl>
+                                        <p:attrNameLst>
+                                          <p:attrName>style.visibility</p:attrName>
+                                        </p:attrNameLst>
+                                      </p:cBhvr>
+                                      <p:to>
+                                        <p:strVal val="visible"/>
+                                      </p:to>
+                                    </p:set>
+                                  </p:childTnLst>
+                                </p:cTn>
+                              </p:par>
+                            </p:childTnLst>
+                          </p:cTn>
+                        </p:par>
+                      </p:childTnLst>
+                    </p:cTn>
+                  </p:par>
+                  <p:par>
+                    <p:cTn id="7" fill="hold">
+                      <p:stCondLst>
+                        <p:cond delay="indefinite"/>
+                      </p:stCondLst>
+                      <p:childTnLst>
+                        <p:par>
+                          <p:cTn id="8" fill="hold">
+                            <p:stCondLst>
+                              <p:cond delay="0"/>
+                            </p:stCondLst>
+                            <p:childTnLst>
+                              <p:par>
+                                <p:cTn id="9" presetID="1" presetClass="entr" presetSubtype="0" fill="hold" nodeType="clickEffect">
+                                  <p:stCondLst>
+                                    <p:cond delay="0"/>
+                                  </p:stCondLst>
+                                  <p:childTnLst>
+                                    <p:set>
+                                      <p:cBhvr>
+                                        <p:cTn id="10" dur="1" fill="hold">
+                                          <p:stCondLst>
+                                            <p:cond delay="0"/>
+                                          </p:stCondLst>
+                                        </p:cTn>
+                                        <p:tgtEl>
+                                          <p:spTgt spid="3">
+                                            <p:txEl>
+                                              <p:pRg st="1" end="1"/>
+                                            </p:txEl>
+                                          </p:spTgt>
+                                        </p:tgtEl>
+                                        <p:attrNameLst>
+                                          <p:attrName>style.visibility</p:attrName>
+                                        </p:attrNameLst>
+                                      </p:cBhvr>
+                                      <p:to>
+                                        <p:strVal val="visible"/>
+                                      </p:to>
+                                    </p:set>
+                                  </p:childTnLst>
+                                </p:cTn>
+                              </p:par>
+                            </p:childTnLst>
+                          </p:cTn>
+                        </p:par>
+                      </p:childTnLst>
+                    </p:cTn>
+                  </p:par>
+                  <p:par>
+                    <p:cTn id="11" fill="hold">
+                      <p:stCondLst>
+                        <p:cond delay="indefinite"/>
+                      </p:stCondLst>
+                      <p:childTnLst>
+                        <p:par>
+                          <p:cTn id="12" fill="hold">
+                            <p:stCondLst>
+                              <p:cond delay="0"/>
+                            </p:stCondLst>
+                            <p:childTnLst>
+                              <p:par>
+                                <p:cTn id="13" presetID="1" presetClass="entr" presetSubtype="0" fill="hold" nodeType="clickEffect">
+                                  <p:stCondLst>
+                                    <p:cond delay="0"/>
+                                  </p:stCondLst>
+                                  <p:childTnLst>
+                                    <p:set>
+                                      <p:cBhvr>
+                                        <p:cTn id="14" dur="1" fill="hold">
+                                          <p:stCondLst>
+                                            <p:cond delay="0"/>
+                                          </p:stCondLst>
+                                        </p:cTn>
+                                        <p:tgtEl>
+                                          <p:spTgt spid="3">
+                                            <p:txEl>
+                                              <p:pRg st="2" end="2"/>
+                                            </p:txEl>
+                                          </p:spTgt>
+                                        </p:tgtEl>
+                                        <p:attrNameLst>
+                                          <p:attrName>style.visibility</p:attrName>
+                                        </p:attrNameLst>
+                                      </p:cBhvr>
+                                      <p:to>
+                                        <p:strVal val="visible"/>
+                                      </p:to>
+                                    </p:set>
+                                  </p:childTnLst>
+                                </p:cTn>
+                              </p:par>
+                            </p:childTnLst>
+                          </p:cTn>
+                        </p:par>
+                      </p:childTnLst>
+                    </p:cTn>
+                  </p:par>
+                </p:childTnLst>
+              </p:cTn>
+              <p:prevCondLst>
+                <p:cond evt="onPrev" delay="0">
+                  <p:tgtEl>
+                    <p:sldTgt/>
+                  </p:tgtEl>
+                </p:cond>
+              </p:prevCondLst>
+              <p:nextCondLst>
+                <p:cond evt="onNext" delay="0">
+                  <p:tgtEl>
+                    <p:sldTgt/>
+                  </p:tgtEl>
+                </p:cond>
+              </p:nextCondLst>
+            </p:seq>
+          </p:childTnLst>
+        </p:cTn>
+      </p:par>
+    </p:tnLst>
+  </p:timing>
+</p:sld>
+</file>
+
+<file path=ppt/slides/slide12.xml><?xml version="1.0" encoding="utf-8"?>
+<p:sld xmlns:a="http://schemas.openxmlformats.org/drawingml/2006/main" xmlns:r="http://schemas.openxmlformats.org/officeDocument/2006/relationships" xmlns:p="http://schemas.openxmlformats.org/presentationml/2006/main">
+  <p:cSld>
+    <p:spTree>
+      <p:nvGrpSpPr>
+        <p:cNvPr id="1" name=""/>
+        <p:cNvGrpSpPr/>
+        <p:nvPr/>
+      </p:nvGrpSpPr>
+      <p:grpSpPr>
+        <a:xfrm>
+          <a:off x="0" y="0"/>
+          <a:ext cx="0" cy="0"/>
+          <a:chOff x="0" y="0"/>
+          <a:chExt cx="0" cy="0"/>
+        </a:xfrm>
+      </p:grpSpPr>
+      <p:sp>
+        <p:nvSpPr>
+          <p:cNvPr id="2" name="标题 1"/>
+          <p:cNvSpPr>
+            <a:spLocks noGrp="1"/>
+          </p:cNvSpPr>
+          <p:nvPr>
+            <p:ph type="title"/>
+          </p:nvPr>
+        </p:nvSpPr>
+        <p:spPr/>
+        <p:txBody>
+          <a:bodyPr/>
+          <a:lstStyle/>
+          <a:p>
+            <a:r>
+              <a:rPr lang="en-US" altLang="zh-CN" dirty="0" smtClean="0"/>
+              <a:t>LP coefficients</a:t>
+            </a:r>
+            <a:endParaRPr lang="zh-CN" altLang="en-US" dirty="0"/>
+          </a:p>
+        </p:txBody>
+      </p:sp>
+      <p:sp>
+        <p:nvSpPr>
+          <p:cNvPr id="3" name="内容占位符 2"/>
+          <p:cNvSpPr>
+            <a:spLocks noGrp="1"/>
+          </p:cNvSpPr>
+          <p:nvPr>
+            <p:ph idx="1"/>
+          </p:nvPr>
+        </p:nvSpPr>
+        <p:spPr/>
+        <p:txBody>
+          <a:bodyPr/>
+          <a:lstStyle/>
+          <a:p>
+            <a:r>
+              <a:rPr lang="en-US" altLang="zh-CN" dirty="0" smtClean="0"/>
+              <a:t>It seems to work</a:t>
+            </a:r>
+          </a:p>
+          <a:p>
+            <a:endParaRPr lang="zh-CN" altLang="en-US" dirty="0"/>
+          </a:p>
+        </p:txBody>
+      </p:sp>
+      <p:pic>
+        <p:nvPicPr>
+          <p:cNvPr id="5" name="图片 4"/>
+          <p:cNvPicPr/>
+          <p:nvPr/>
+        </p:nvPicPr>
+        <p:blipFill>
+          <a:blip r:embed="rId2" cstate="print">
+            <a:extLst>
+              <a:ext uri="{28A0092B-C50C-407E-A947-70E740481C1C}">
+                <a14:useLocalDpi xmlns="" xmlns:wpc="http://schemas.microsoft.com/office/word/2010/wordprocessingCanvas" xmlns:mo="http://schemas.microsoft.com/office/mac/office/2008/main" xmlns:mc="http://schemas.openxmlformats.org/markup-compatibility/2006" xmlns:mv="urn:schemas-microsoft-com:mac:vml" xmlns:o="urn:schemas-microsoft-com:office:office" xmlns:m="http://schemas.openxmlformats.org/officeDocument/2006/math" xmlns:v="urn:schemas-microsoft-com:vml" xmlns:wp14="http://schemas.microsoft.com/office/word/2010/wordprocessingDrawing" xmlns:wp="http://schemas.openxmlformats.org/drawingml/2006/wordprocessingDrawing" xmlns:w10="urn:schemas-microsoft-com:office:word" xmlns:w="http://schemas.openxmlformats.org/wordprocessingml/2006/main" xmlns:w14="http://schemas.microsoft.com/office/word/2010/wordml" xmlns:wpg="http://schemas.microsoft.com/office/word/2010/wordprocessingGroup" xmlns:wpi="http://schemas.microsoft.com/office/word/2010/wordprocessingInk" xmlns:wne="http://schemas.microsoft.com/office/word/2006/wordml" xmlns:wps="http://schemas.microsoft.com/office/word/2010/wordprocessingShape" xmlns:a14="http://schemas.microsoft.com/office/drawing/2010/main" xmlns:pic="http://schemas.openxmlformats.org/drawingml/2006/picture" xmlns:lc="http://schemas.openxmlformats.org/drawingml/2006/lockedCanvas" val="0"/>
+              </a:ext>
+            </a:extLst>
+          </a:blip>
+          <a:stretch>
+            <a:fillRect/>
+          </a:stretch>
+        </p:blipFill>
+        <p:spPr>
+          <a:xfrm>
+            <a:off x="683568" y="2105472"/>
+            <a:ext cx="7805041" cy="4752528"/>
+          </a:xfrm>
+          <a:prstGeom prst="rect">
+            <a:avLst/>
+          </a:prstGeom>
+        </p:spPr>
+      </p:pic>
+    </p:spTree>
+  </p:cSld>
+  <p:clrMapOvr>
+    <a:masterClrMapping/>
+  </p:clrMapOvr>
+  <p:timing>
+    <p:tnLst>
+      <p:par>
+        <p:cTn id="1" dur="indefinite" restart="never" nodeType="tmRoot"/>
+      </p:par>
+    </p:tnLst>
+  </p:timing>
+</p:sld>
+</file>
+
+<file path=ppt/slides/slide13.xml><?xml version="1.0" encoding="utf-8"?>
+<p:sld xmlns:a="http://schemas.openxmlformats.org/drawingml/2006/main" xmlns:r="http://schemas.openxmlformats.org/officeDocument/2006/relationships" xmlns:p="http://schemas.openxmlformats.org/presentationml/2006/main">
+  <p:cSld>
+    <p:spTree>
+      <p:nvGrpSpPr>
+        <p:cNvPr id="1" name=""/>
+        <p:cNvGrpSpPr/>
+        <p:nvPr/>
+      </p:nvGrpSpPr>
+      <p:grpSpPr>
+        <a:xfrm>
+          <a:off x="0" y="0"/>
+          <a:ext cx="0" cy="0"/>
+          <a:chOff x="0" y="0"/>
+          <a:chExt cx="0" cy="0"/>
+        </a:xfrm>
+      </p:grpSpPr>
+      <p:pic>
+        <p:nvPicPr>
+          <p:cNvPr id="5" name="图片 4"/>
+          <p:cNvPicPr/>
+          <p:nvPr/>
+        </p:nvPicPr>
+        <p:blipFill>
+          <a:blip r:embed="rId2" cstate="print">
+            <a:extLst>
+              <a:ext uri="{28A0092B-C50C-407E-A947-70E740481C1C}">
+                <a14:useLocalDpi xmlns="" xmlns:wpc="http://schemas.microsoft.com/office/word/2010/wordprocessingCanvas" xmlns:mo="http://schemas.microsoft.com/office/mac/office/2008/main" xmlns:mc="http://schemas.openxmlformats.org/markup-compatibility/2006" xmlns:mv="urn:schemas-microsoft-com:mac:vml" xmlns:o="urn:schemas-microsoft-com:office:office" xmlns:m="http://schemas.openxmlformats.org/officeDocument/2006/math" xmlns:v="urn:schemas-microsoft-com:vml" xmlns:wp14="http://schemas.microsoft.com/office/word/2010/wordprocessingDrawing" xmlns:wp="http://schemas.openxmlformats.org/drawingml/2006/wordprocessingDrawing" xmlns:w10="urn:schemas-microsoft-com:office:word" xmlns:w="http://schemas.openxmlformats.org/wordprocessingml/2006/main" xmlns:w14="http://schemas.microsoft.com/office/word/2010/wordml" xmlns:wpg="http://schemas.microsoft.com/office/word/2010/wordprocessingGroup" xmlns:wpi="http://schemas.microsoft.com/office/word/2010/wordprocessingInk" xmlns:wne="http://schemas.microsoft.com/office/word/2006/wordml" xmlns:wps="http://schemas.microsoft.com/office/word/2010/wordprocessingShape" xmlns:a14="http://schemas.microsoft.com/office/drawing/2010/main" xmlns:pic="http://schemas.openxmlformats.org/drawingml/2006/picture" xmlns:lc="http://schemas.openxmlformats.org/drawingml/2006/lockedCanvas" val="0"/>
+              </a:ext>
+            </a:extLst>
+          </a:blip>
+          <a:stretch>
+            <a:fillRect/>
+          </a:stretch>
+        </p:blipFill>
+        <p:spPr>
+          <a:xfrm>
+            <a:off x="683568" y="2105472"/>
+            <a:ext cx="7805041" cy="4752528"/>
+          </a:xfrm>
+          <a:prstGeom prst="rect">
+            <a:avLst/>
+          </a:prstGeom>
+        </p:spPr>
+      </p:pic>
+      <p:sp>
+        <p:nvSpPr>
+          <p:cNvPr id="2" name="标题 1"/>
+          <p:cNvSpPr>
+            <a:spLocks noGrp="1"/>
+          </p:cNvSpPr>
+          <p:nvPr>
+            <p:ph type="title"/>
+          </p:nvPr>
+        </p:nvSpPr>
+        <p:spPr/>
+        <p:txBody>
+          <a:bodyPr/>
+          <a:lstStyle/>
+          <a:p>
+            <a:r>
+              <a:rPr lang="en-US" altLang="zh-CN" dirty="0" smtClean="0"/>
+              <a:t>Normalization trick</a:t>
+            </a:r>
+            <a:endParaRPr lang="zh-CN" altLang="en-US" dirty="0"/>
+          </a:p>
+        </p:txBody>
+      </p:sp>
+      <p:sp>
+        <p:nvSpPr>
+          <p:cNvPr id="3" name="内容占位符 2"/>
+          <p:cNvSpPr>
+            <a:spLocks noGrp="1"/>
+          </p:cNvSpPr>
+          <p:nvPr>
+            <p:ph idx="1"/>
+          </p:nvPr>
+        </p:nvSpPr>
+        <p:spPr/>
+        <p:txBody>
+          <a:bodyPr/>
+          <a:lstStyle/>
+          <a:p>
+            <a:r>
+              <a:rPr lang="en-US" altLang="zh-CN" dirty="0" smtClean="0"/>
+              <a:t>Magnitude may distinguish in a way</a:t>
+            </a:r>
+          </a:p>
+          <a:p>
+            <a:r>
+              <a:rPr lang="en-US" altLang="zh-CN" dirty="0" smtClean="0"/>
+              <a:t>Normalize their STDEV to 1.</a:t>
+            </a:r>
+          </a:p>
+          <a:p>
+            <a:r>
+              <a:rPr lang="en-US" altLang="zh-CN" dirty="0" smtClean="0"/>
+              <a:t>14 dimensions, 67% accuracy</a:t>
+            </a:r>
+          </a:p>
+          <a:p>
+            <a:endParaRPr lang="zh-CN" altLang="en-US" dirty="0"/>
+          </a:p>
+        </p:txBody>
+      </p:sp>
+    </p:spTree>
+  </p:cSld>
+  <p:clrMapOvr>
+    <a:masterClrMapping/>
+  </p:clrMapOvr>
+  <p:timing>
+    <p:tnLst>
+      <p:par>
+        <p:cTn id="1" dur="indefinite" restart="never" nodeType="tmRoot">
+          <p:childTnLst>
+            <p:seq concurrent="1" nextAc="seek">
+              <p:cTn id="2" dur="indefinite" nodeType="mainSeq">
+                <p:childTnLst>
+                  <p:par>
+                    <p:cTn id="3" fill="hold">
+                      <p:stCondLst>
+                        <p:cond delay="indefinite"/>
+                      </p:stCondLst>
+                      <p:childTnLst>
+                        <p:par>
+                          <p:cTn id="4" fill="hold">
+                            <p:stCondLst>
+                              <p:cond delay="0"/>
+                            </p:stCondLst>
+                            <p:childTnLst>
+                              <p:par>
+                                <p:cTn id="5" presetID="9" presetClass="exit" presetSubtype="0" fill="hold" nodeType="clickEffect">
+                                  <p:stCondLst>
+                                    <p:cond delay="0"/>
+                                  </p:stCondLst>
+                                  <p:childTnLst>
+                                    <p:animEffect transition="out" filter="dissolve">
+                                      <p:cBhvr>
+                                        <p:cTn id="6" dur="500"/>
+                                        <p:tgtEl>
+                                          <p:spTgt spid="5"/>
+                                        </p:tgtEl>
+                                      </p:cBhvr>
+                                    </p:animEffect>
+                                    <p:set>
+                                      <p:cBhvr>
+                                        <p:cTn id="7" dur="1" fill="hold">
+                                          <p:stCondLst>
+                                            <p:cond delay="499"/>
+                                          </p:stCondLst>
+                                        </p:cTn>
+                                        <p:tgtEl>
+                                          <p:spTgt spid="5"/>
+                                        </p:tgtEl>
+                                        <p:attrNameLst>
+                                          <p:attrName>style.visibility</p:attrName>
+                                        </p:attrNameLst>
+                                      </p:cBhvr>
+                                      <p:to>
+                                        <p:strVal val="hidden"/>
+                                      </p:to>
+                                    </p:set>
+                                  </p:childTnLst>
+                                </p:cTn>
+                              </p:par>
+                            </p:childTnLst>
+                          </p:cTn>
+                        </p:par>
+                        <p:par>
+                          <p:cTn id="8" fill="hold">
+                            <p:stCondLst>
+                              <p:cond delay="500"/>
+                            </p:stCondLst>
+                            <p:childTnLst>
+                              <p:par>
+                                <p:cTn id="9" presetID="27" presetClass="entr" presetSubtype="0" fill="hold" nodeType="afterEffect">
+                                  <p:stCondLst>
+                                    <p:cond delay="0"/>
+                                  </p:stCondLst>
+                                  <p:iterate type="lt">
+                                    <p:tmPct val="50000"/>
+                                  </p:iterate>
+                                  <p:childTnLst>
+                                    <p:set>
+                                      <p:cBhvr>
+                                        <p:cTn id="10" dur="1" fill="hold">
+                                          <p:stCondLst>
+                                            <p:cond delay="0"/>
+                                          </p:stCondLst>
+                                        </p:cTn>
+                                        <p:tgtEl>
+                                          <p:spTgt spid="3">
+                                            <p:txEl>
+                                              <p:pRg st="1" end="1"/>
+                                            </p:txEl>
+                                          </p:spTgt>
+                                        </p:tgtEl>
+                                        <p:attrNameLst>
+                                          <p:attrName>style.visibility</p:attrName>
+                                        </p:attrNameLst>
+                                      </p:cBhvr>
+                                      <p:to>
+                                        <p:strVal val="visible"/>
+                                      </p:to>
+                                    </p:set>
+                                    <p:anim calcmode="discrete" valueType="clr">
+                                      <p:cBhvr override="childStyle">
+                                        <p:cTn id="11" dur="80"/>
+                                        <p:tgtEl>
+                                          <p:spTgt spid="3">
+                                            <p:txEl>
+                                              <p:pRg st="1" end="1"/>
+                                            </p:txEl>
+                                          </p:spTgt>
+                                        </p:tgtEl>
+                                        <p:attrNameLst>
+                                          <p:attrName>style.color</p:attrName>
+                                        </p:attrNameLst>
+                                      </p:cBhvr>
+                                      <p:tavLst>
+                                        <p:tav tm="0">
+                                          <p:val>
+                                            <p:clrVal>
+                                              <a:schemeClr val="accent2"/>
+                                            </p:clrVal>
+                                          </p:val>
+                                        </p:tav>
+                                        <p:tav tm="50000">
+                                          <p:val>
+                                            <p:clrVal>
+                                              <a:schemeClr val="hlink"/>
+                                            </p:clrVal>
+                                          </p:val>
+                                        </p:tav>
+                                      </p:tavLst>
+                                    </p:anim>
+                                    <p:anim calcmode="discrete" valueType="clr">
+                                      <p:cBhvr>
+                                        <p:cTn id="12" dur="80"/>
+                                        <p:tgtEl>
+                                          <p:spTgt spid="3">
+                                            <p:txEl>
+                                              <p:pRg st="1" end="1"/>
+                                            </p:txEl>
+                                          </p:spTgt>
+                                        </p:tgtEl>
+                                        <p:attrNameLst>
+                                          <p:attrName>fillcolor</p:attrName>
+                                        </p:attrNameLst>
+                                      </p:cBhvr>
+                                      <p:tavLst>
+                                        <p:tav tm="0">
+                                          <p:val>
+                                            <p:clrVal>
+                                              <a:schemeClr val="accent2"/>
+                                            </p:clrVal>
+                                          </p:val>
+                                        </p:tav>
+                                        <p:tav tm="50000">
+                                          <p:val>
+                                            <p:clrVal>
+                                              <a:schemeClr val="hlink"/>
+                                            </p:clrVal>
+                                          </p:val>
+                                        </p:tav>
+                                      </p:tavLst>
+                                    </p:anim>
+                                    <p:set>
+                                      <p:cBhvr>
+                                        <p:cTn id="13" dur="80"/>
+                                        <p:tgtEl>
+                                          <p:spTgt spid="3">
+                                            <p:txEl>
+                                              <p:pRg st="1" end="1"/>
+                                            </p:txEl>
+                                          </p:spTgt>
+                                        </p:tgtEl>
+                                        <p:attrNameLst>
+                                          <p:attrName>fill.type</p:attrName>
+                                        </p:attrNameLst>
+                                      </p:cBhvr>
+                                      <p:to>
+                                        <p:strVal val="solid"/>
+                                      </p:to>
+                                    </p:set>
+                                  </p:childTnLst>
+                                </p:cTn>
+                              </p:par>
+                            </p:childTnLst>
+                          </p:cTn>
+                        </p:par>
+                      </p:childTnLst>
+                    </p:cTn>
+                  </p:par>
+                  <p:par>
+                    <p:cTn id="14" fill="hold">
+                      <p:stCondLst>
+                        <p:cond delay="indefinite"/>
+                      </p:stCondLst>
+                      <p:childTnLst>
+                        <p:par>
+                          <p:cTn id="15" fill="hold">
+                            <p:stCondLst>
+                              <p:cond delay="0"/>
+                            </p:stCondLst>
+                            <p:childTnLst>
+                              <p:par>
+                                <p:cTn id="16" presetID="1" presetClass="entr" presetSubtype="0" fill="hold" nodeType="clickEffect">
+                                  <p:stCondLst>
+                                    <p:cond delay="0"/>
+                                  </p:stCondLst>
+                                  <p:childTnLst>
+                                    <p:set>
+                                      <p:cBhvr>
+                                        <p:cTn id="17" dur="1" fill="hold">
+                                          <p:stCondLst>
+                                            <p:cond delay="0"/>
+                                          </p:stCondLst>
+                                        </p:cTn>
+                                        <p:tgtEl>
+                                          <p:spTgt spid="3">
+                                            <p:txEl>
+                                              <p:pRg st="2" end="2"/>
+                                            </p:txEl>
+                                          </p:spTgt>
+                                        </p:tgtEl>
+                                        <p:attrNameLst>
+                                          <p:attrName>style.visibility</p:attrName>
+                                        </p:attrNameLst>
+                                      </p:cBhvr>
+                                      <p:to>
+                                        <p:strVal val="visible"/>
+                                      </p:to>
+                                    </p:set>
+                                  </p:childTnLst>
+                                </p:cTn>
+                              </p:par>
+                            </p:childTnLst>
+                          </p:cTn>
+                        </p:par>
+                      </p:childTnLst>
+                    </p:cTn>
+                  </p:par>
+                </p:childTnLst>
+              </p:cTn>
+              <p:prevCondLst>
+                <p:cond evt="onPrev" delay="0">
+                  <p:tgtEl>
+                    <p:sldTgt/>
+                  </p:tgtEl>
+                </p:cond>
+              </p:prevCondLst>
+              <p:nextCondLst>
+                <p:cond evt="onNext" delay="0">
+                  <p:tgtEl>
+                    <p:sldTgt/>
+                  </p:tgtEl>
+                </p:cond>
+              </p:nextCondLst>
+            </p:seq>
+          </p:childTnLst>
+        </p:cTn>
+      </p:par>
+    </p:tnLst>
+  </p:timing>
+</p:sld>
+</file>
+
 <file path=ppt/slides/slide2.xml><?xml version="1.0" encoding="utf-8"?>
 <p:sld xmlns:a="http://schemas.openxmlformats.org/drawingml/2006/main" xmlns:r="http://schemas.openxmlformats.org/officeDocument/2006/relationships" xmlns:p="http://schemas.openxmlformats.org/presentationml/2006/main">
   <p:cSld>
@@ -4146,33 +5672,21 @@
             </a:br>
             <a:r>
               <a:rPr lang="en-US" altLang="zh-CN" sz="2000" dirty="0" smtClean="0"/>
-              <a:t>As well as the</a:t>
-            </a:r>
-            <a:r>
-              <a:rPr lang="en-US" altLang="zh-CN" sz="2000" dirty="0" smtClean="0"/>
-              <a:t> scenery around, </a:t>
+              <a:t>As well as the scenery around, </a:t>
             </a:r>
             <a:br>
               <a:rPr lang="en-US" altLang="zh-CN" sz="2000" dirty="0" smtClean="0"/>
             </a:br>
             <a:r>
               <a:rPr lang="en-US" altLang="zh-CN" sz="2000" dirty="0" smtClean="0"/>
-              <a:t>All begin to take on vivid colors.</a:t>
-            </a:r>
-            <a:r>
-              <a:rPr lang="en-US" altLang="zh-CN" sz="2000" dirty="0" smtClean="0"/>
-              <a:t>”</a:t>
+              <a:t>All begin to take on vivid colors.”</a:t>
             </a:r>
             <a:br>
               <a:rPr lang="en-US" altLang="zh-CN" sz="2000" dirty="0" smtClean="0"/>
             </a:br>
             <a:r>
               <a:rPr lang="en-US" altLang="zh-CN" sz="2000" dirty="0" smtClean="0"/>
-              <a:t>                                                                            </a:t>
-            </a:r>
-            <a:r>
-              <a:rPr lang="en-US" altLang="zh-CN" sz="2000" dirty="0" smtClean="0"/>
-              <a:t>----</a:t>
+              <a:t>                                                                            ----</a:t>
             </a:r>
             <a:r>
               <a:rPr lang="en-US" altLang="zh-CN" sz="2000" i="1" dirty="0" smtClean="0"/>
@@ -6112,6 +7626,599 @@
 </p:sld>
 </file>
 
+<file path=ppt/slides/slide8.xml><?xml version="1.0" encoding="utf-8"?>
+<p:sld xmlns:a="http://schemas.openxmlformats.org/drawingml/2006/main" xmlns:r="http://schemas.openxmlformats.org/officeDocument/2006/relationships" xmlns:p="http://schemas.openxmlformats.org/presentationml/2006/main">
+  <p:cSld>
+    <p:spTree>
+      <p:nvGrpSpPr>
+        <p:cNvPr id="1" name=""/>
+        <p:cNvGrpSpPr/>
+        <p:nvPr/>
+      </p:nvGrpSpPr>
+      <p:grpSpPr>
+        <a:xfrm>
+          <a:off x="0" y="0"/>
+          <a:ext cx="0" cy="0"/>
+          <a:chOff x="0" y="0"/>
+          <a:chExt cx="0" cy="0"/>
+        </a:xfrm>
+      </p:grpSpPr>
+      <p:sp>
+        <p:nvSpPr>
+          <p:cNvPr id="2" name="标题 1"/>
+          <p:cNvSpPr>
+            <a:spLocks noGrp="1"/>
+          </p:cNvSpPr>
+          <p:nvPr>
+            <p:ph type="title"/>
+          </p:nvPr>
+        </p:nvSpPr>
+        <p:spPr/>
+        <p:txBody>
+          <a:bodyPr/>
+          <a:lstStyle/>
+          <a:p>
+            <a:r>
+              <a:rPr lang="en-US" altLang="zh-CN" dirty="0" smtClean="0"/>
+              <a:t>Intuition</a:t>
+            </a:r>
+            <a:endParaRPr lang="zh-CN" altLang="en-US" dirty="0"/>
+          </a:p>
+        </p:txBody>
+      </p:sp>
+      <p:sp>
+        <p:nvSpPr>
+          <p:cNvPr id="3" name="内容占位符 2"/>
+          <p:cNvSpPr>
+            <a:spLocks noGrp="1"/>
+          </p:cNvSpPr>
+          <p:nvPr>
+            <p:ph idx="1"/>
+          </p:nvPr>
+        </p:nvSpPr>
+        <p:spPr/>
+        <p:txBody>
+          <a:bodyPr/>
+          <a:lstStyle/>
+          <a:p>
+            <a:r>
+              <a:rPr lang="en-US" altLang="zh-CN" dirty="0" smtClean="0"/>
+              <a:t>The same waveform (even when stretched) “should” have same timbre.</a:t>
+            </a:r>
+          </a:p>
+          <a:p>
+            <a:r>
+              <a:rPr lang="en-US" altLang="zh-CN" dirty="0" smtClean="0"/>
+              <a:t>Like </a:t>
+            </a:r>
+            <a:r>
+              <a:rPr lang="en-US" altLang="zh-CN" dirty="0" smtClean="0">
+                <a:solidFill>
+                  <a:srgbClr val="00FF00"/>
+                </a:solidFill>
+              </a:rPr>
+              <a:t>sin(x)+0.3sin(2x) </a:t>
+            </a:r>
+            <a:r>
+              <a:rPr lang="en-US" altLang="zh-CN" dirty="0" smtClean="0"/>
+              <a:t>and </a:t>
+            </a:r>
+            <a:r>
+              <a:rPr lang="en-US" altLang="zh-CN" dirty="0" smtClean="0">
+                <a:solidFill>
+                  <a:srgbClr val="00FF00"/>
+                </a:solidFill>
+              </a:rPr>
+              <a:t>2sin(2x)+0.6sin(4x).</a:t>
+            </a:r>
+          </a:p>
+          <a:p>
+            <a:r>
+              <a:rPr lang="en-US" altLang="zh-CN" dirty="0" smtClean="0"/>
+              <a:t>In frequency domain, they have the same peak patterns.</a:t>
+            </a:r>
+          </a:p>
+          <a:p>
+            <a:r>
+              <a:rPr lang="en-US" altLang="zh-CN" dirty="0" smtClean="0"/>
+              <a:t>Inversely…</a:t>
+            </a:r>
+            <a:endParaRPr lang="zh-CN" altLang="en-US" dirty="0"/>
+          </a:p>
+        </p:txBody>
+      </p:sp>
+    </p:spTree>
+  </p:cSld>
+  <p:clrMapOvr>
+    <a:masterClrMapping/>
+  </p:clrMapOvr>
+  <p:timing>
+    <p:tnLst>
+      <p:par>
+        <p:cTn id="1" dur="indefinite" restart="never" nodeType="tmRoot">
+          <p:childTnLst>
+            <p:seq concurrent="1" nextAc="seek">
+              <p:cTn id="2" dur="indefinite" nodeType="mainSeq">
+                <p:childTnLst>
+                  <p:par>
+                    <p:cTn id="3" fill="hold">
+                      <p:stCondLst>
+                        <p:cond delay="indefinite"/>
+                      </p:stCondLst>
+                      <p:childTnLst>
+                        <p:par>
+                          <p:cTn id="4" fill="hold">
+                            <p:stCondLst>
+                              <p:cond delay="0"/>
+                            </p:stCondLst>
+                            <p:childTnLst>
+                              <p:par>
+                                <p:cTn id="5" presetID="1" presetClass="entr" presetSubtype="0" fill="hold" nodeType="clickEffect">
+                                  <p:stCondLst>
+                                    <p:cond delay="0"/>
+                                  </p:stCondLst>
+                                  <p:childTnLst>
+                                    <p:set>
+                                      <p:cBhvr>
+                                        <p:cTn id="6" dur="1" fill="hold">
+                                          <p:stCondLst>
+                                            <p:cond delay="0"/>
+                                          </p:stCondLst>
+                                        </p:cTn>
+                                        <p:tgtEl>
+                                          <p:spTgt spid="3">
+                                            <p:txEl>
+                                              <p:pRg st="1" end="1"/>
+                                            </p:txEl>
+                                          </p:spTgt>
+                                        </p:tgtEl>
+                                        <p:attrNameLst>
+                                          <p:attrName>style.visibility</p:attrName>
+                                        </p:attrNameLst>
+                                      </p:cBhvr>
+                                      <p:to>
+                                        <p:strVal val="visible"/>
+                                      </p:to>
+                                    </p:set>
+                                  </p:childTnLst>
+                                </p:cTn>
+                              </p:par>
+                            </p:childTnLst>
+                          </p:cTn>
+                        </p:par>
+                      </p:childTnLst>
+                    </p:cTn>
+                  </p:par>
+                  <p:par>
+                    <p:cTn id="7" fill="hold">
+                      <p:stCondLst>
+                        <p:cond delay="indefinite"/>
+                      </p:stCondLst>
+                      <p:childTnLst>
+                        <p:par>
+                          <p:cTn id="8" fill="hold">
+                            <p:stCondLst>
+                              <p:cond delay="0"/>
+                            </p:stCondLst>
+                            <p:childTnLst>
+                              <p:par>
+                                <p:cTn id="9" presetID="1" presetClass="entr" presetSubtype="0" fill="hold" nodeType="clickEffect">
+                                  <p:stCondLst>
+                                    <p:cond delay="0"/>
+                                  </p:stCondLst>
+                                  <p:childTnLst>
+                                    <p:set>
+                                      <p:cBhvr>
+                                        <p:cTn id="10" dur="1" fill="hold">
+                                          <p:stCondLst>
+                                            <p:cond delay="0"/>
+                                          </p:stCondLst>
+                                        </p:cTn>
+                                        <p:tgtEl>
+                                          <p:spTgt spid="3">
+                                            <p:txEl>
+                                              <p:pRg st="2" end="2"/>
+                                            </p:txEl>
+                                          </p:spTgt>
+                                        </p:tgtEl>
+                                        <p:attrNameLst>
+                                          <p:attrName>style.visibility</p:attrName>
+                                        </p:attrNameLst>
+                                      </p:cBhvr>
+                                      <p:to>
+                                        <p:strVal val="visible"/>
+                                      </p:to>
+                                    </p:set>
+                                  </p:childTnLst>
+                                </p:cTn>
+                              </p:par>
+                            </p:childTnLst>
+                          </p:cTn>
+                        </p:par>
+                      </p:childTnLst>
+                    </p:cTn>
+                  </p:par>
+                  <p:par>
+                    <p:cTn id="11" fill="hold">
+                      <p:stCondLst>
+                        <p:cond delay="indefinite"/>
+                      </p:stCondLst>
+                      <p:childTnLst>
+                        <p:par>
+                          <p:cTn id="12" fill="hold">
+                            <p:stCondLst>
+                              <p:cond delay="0"/>
+                            </p:stCondLst>
+                            <p:childTnLst>
+                              <p:par>
+                                <p:cTn id="13" presetID="1" presetClass="entr" presetSubtype="0" fill="hold" nodeType="clickEffect">
+                                  <p:stCondLst>
+                                    <p:cond delay="0"/>
+                                  </p:stCondLst>
+                                  <p:childTnLst>
+                                    <p:set>
+                                      <p:cBhvr>
+                                        <p:cTn id="14" dur="1" fill="hold">
+                                          <p:stCondLst>
+                                            <p:cond delay="0"/>
+                                          </p:stCondLst>
+                                        </p:cTn>
+                                        <p:tgtEl>
+                                          <p:spTgt spid="3">
+                                            <p:txEl>
+                                              <p:pRg st="3" end="3"/>
+                                            </p:txEl>
+                                          </p:spTgt>
+                                        </p:tgtEl>
+                                        <p:attrNameLst>
+                                          <p:attrName>style.visibility</p:attrName>
+                                        </p:attrNameLst>
+                                      </p:cBhvr>
+                                      <p:to>
+                                        <p:strVal val="visible"/>
+                                      </p:to>
+                                    </p:set>
+                                  </p:childTnLst>
+                                </p:cTn>
+                              </p:par>
+                            </p:childTnLst>
+                          </p:cTn>
+                        </p:par>
+                      </p:childTnLst>
+                    </p:cTn>
+                  </p:par>
+                </p:childTnLst>
+              </p:cTn>
+              <p:prevCondLst>
+                <p:cond evt="onPrev" delay="0">
+                  <p:tgtEl>
+                    <p:sldTgt/>
+                  </p:tgtEl>
+                </p:cond>
+              </p:prevCondLst>
+              <p:nextCondLst>
+                <p:cond evt="onNext" delay="0">
+                  <p:tgtEl>
+                    <p:sldTgt/>
+                  </p:tgtEl>
+                </p:cond>
+              </p:nextCondLst>
+            </p:seq>
+          </p:childTnLst>
+        </p:cTn>
+      </p:par>
+    </p:tnLst>
+  </p:timing>
+</p:sld>
+</file>
+
+<file path=ppt/slides/slide9.xml><?xml version="1.0" encoding="utf-8"?>
+<p:sld xmlns:a="http://schemas.openxmlformats.org/drawingml/2006/main" xmlns:r="http://schemas.openxmlformats.org/officeDocument/2006/relationships" xmlns:p="http://schemas.openxmlformats.org/presentationml/2006/main">
+  <p:cSld>
+    <p:spTree>
+      <p:nvGrpSpPr>
+        <p:cNvPr id="1" name=""/>
+        <p:cNvGrpSpPr/>
+        <p:nvPr/>
+      </p:nvGrpSpPr>
+      <p:grpSpPr>
+        <a:xfrm>
+          <a:off x="0" y="0"/>
+          <a:ext cx="0" cy="0"/>
+          <a:chOff x="0" y="0"/>
+          <a:chExt cx="0" cy="0"/>
+        </a:xfrm>
+      </p:grpSpPr>
+      <p:sp>
+        <p:nvSpPr>
+          <p:cNvPr id="2" name="标题 1"/>
+          <p:cNvSpPr>
+            <a:spLocks noGrp="1"/>
+          </p:cNvSpPr>
+          <p:nvPr>
+            <p:ph type="title"/>
+          </p:nvPr>
+        </p:nvSpPr>
+        <p:spPr/>
+        <p:txBody>
+          <a:bodyPr/>
+          <a:lstStyle/>
+          <a:p>
+            <a:r>
+              <a:rPr lang="en-US" altLang="zh-CN" dirty="0" smtClean="0"/>
+              <a:t>Intuition</a:t>
+            </a:r>
+            <a:endParaRPr lang="zh-CN" altLang="en-US" dirty="0"/>
+          </a:p>
+        </p:txBody>
+      </p:sp>
+      <p:sp>
+        <p:nvSpPr>
+          <p:cNvPr id="3" name="内容占位符 2"/>
+          <p:cNvSpPr>
+            <a:spLocks noGrp="1"/>
+          </p:cNvSpPr>
+          <p:nvPr>
+            <p:ph idx="1"/>
+          </p:nvPr>
+        </p:nvSpPr>
+        <p:spPr/>
+        <p:txBody>
+          <a:bodyPr/>
+          <a:lstStyle/>
+          <a:p>
+            <a:r>
+              <a:rPr lang="en-US" altLang="zh-CN" dirty="0" smtClean="0"/>
+              <a:t>However…</a:t>
+            </a:r>
+          </a:p>
+          <a:p>
+            <a:r>
+              <a:rPr lang="en-US" altLang="zh-CN" dirty="0" smtClean="0"/>
+              <a:t>Their harmonic series do NOT look the same…</a:t>
+            </a:r>
+            <a:endParaRPr lang="zh-CN" altLang="en-US" dirty="0"/>
+          </a:p>
+        </p:txBody>
+      </p:sp>
+      <p:pic>
+        <p:nvPicPr>
+          <p:cNvPr id="4" name="图片 3" descr="sp1.png"/>
+          <p:cNvPicPr>
+            <a:picLocks noChangeAspect="1"/>
+          </p:cNvPicPr>
+          <p:nvPr/>
+        </p:nvPicPr>
+        <p:blipFill>
+          <a:blip r:embed="rId2" cstate="print"/>
+          <a:stretch>
+            <a:fillRect/>
+          </a:stretch>
+        </p:blipFill>
+        <p:spPr>
+          <a:xfrm>
+            <a:off x="2411760" y="3212976"/>
+            <a:ext cx="4248472" cy="3475586"/>
+          </a:xfrm>
+          <a:prstGeom prst="rect">
+            <a:avLst/>
+          </a:prstGeom>
+        </p:spPr>
+      </p:pic>
+    </p:spTree>
+  </p:cSld>
+  <p:clrMapOvr>
+    <a:masterClrMapping/>
+  </p:clrMapOvr>
+  <p:timing>
+    <p:tnLst>
+      <p:par>
+        <p:cTn id="1" dur="indefinite" restart="never" nodeType="tmRoot">
+          <p:childTnLst>
+            <p:seq concurrent="1" nextAc="seek">
+              <p:cTn id="2" dur="indefinite" nodeType="mainSeq">
+                <p:childTnLst>
+                  <p:par>
+                    <p:cTn id="3" fill="hold">
+                      <p:stCondLst>
+                        <p:cond delay="indefinite"/>
+                      </p:stCondLst>
+                      <p:childTnLst>
+                        <p:par>
+                          <p:cTn id="4" fill="hold">
+                            <p:stCondLst>
+                              <p:cond delay="0"/>
+                            </p:stCondLst>
+                            <p:childTnLst>
+                              <p:par>
+                                <p:cTn id="5" presetID="3" presetClass="entr" presetSubtype="10" fill="hold" nodeType="clickEffect">
+                                  <p:stCondLst>
+                                    <p:cond delay="0"/>
+                                  </p:stCondLst>
+                                  <p:childTnLst>
+                                    <p:set>
+                                      <p:cBhvr>
+                                        <p:cTn id="6" dur="1" fill="hold">
+                                          <p:stCondLst>
+                                            <p:cond delay="0"/>
+                                          </p:stCondLst>
+                                        </p:cTn>
+                                        <p:tgtEl>
+                                          <p:spTgt spid="4"/>
+                                        </p:tgtEl>
+                                        <p:attrNameLst>
+                                          <p:attrName>style.visibility</p:attrName>
+                                        </p:attrNameLst>
+                                      </p:cBhvr>
+                                      <p:to>
+                                        <p:strVal val="visible"/>
+                                      </p:to>
+                                    </p:set>
+                                    <p:animEffect transition="in" filter="blinds(horizontal)">
+                                      <p:cBhvr>
+                                        <p:cTn id="7" dur="500"/>
+                                        <p:tgtEl>
+                                          <p:spTgt spid="4"/>
+                                        </p:tgtEl>
+                                      </p:cBhvr>
+                                    </p:animEffect>
+                                  </p:childTnLst>
+                                </p:cTn>
+                              </p:par>
+                            </p:childTnLst>
+                          </p:cTn>
+                        </p:par>
+                        <p:par>
+                          <p:cTn id="8" fill="hold">
+                            <p:stCondLst>
+                              <p:cond delay="500"/>
+                            </p:stCondLst>
+                            <p:childTnLst>
+                              <p:par>
+                                <p:cTn id="9" presetID="27" presetClass="entr" presetSubtype="0" fill="hold" nodeType="afterEffect">
+                                  <p:stCondLst>
+                                    <p:cond delay="0"/>
+                                  </p:stCondLst>
+                                  <p:iterate type="lt">
+                                    <p:tmPct val="50000"/>
+                                  </p:iterate>
+                                  <p:childTnLst>
+                                    <p:set>
+                                      <p:cBhvr>
+                                        <p:cTn id="10" dur="1" fill="hold">
+                                          <p:stCondLst>
+                                            <p:cond delay="0"/>
+                                          </p:stCondLst>
+                                        </p:cTn>
+                                        <p:tgtEl>
+                                          <p:spTgt spid="3">
+                                            <p:txEl>
+                                              <p:pRg st="1" end="1"/>
+                                            </p:txEl>
+                                          </p:spTgt>
+                                        </p:tgtEl>
+                                        <p:attrNameLst>
+                                          <p:attrName>style.visibility</p:attrName>
+                                        </p:attrNameLst>
+                                      </p:cBhvr>
+                                      <p:to>
+                                        <p:strVal val="visible"/>
+                                      </p:to>
+                                    </p:set>
+                                    <p:anim calcmode="discrete" valueType="clr">
+                                      <p:cBhvr override="childStyle">
+                                        <p:cTn id="11" dur="80"/>
+                                        <p:tgtEl>
+                                          <p:spTgt spid="3">
+                                            <p:txEl>
+                                              <p:pRg st="1" end="1"/>
+                                            </p:txEl>
+                                          </p:spTgt>
+                                        </p:tgtEl>
+                                        <p:attrNameLst>
+                                          <p:attrName>style.color</p:attrName>
+                                        </p:attrNameLst>
+                                      </p:cBhvr>
+                                      <p:tavLst>
+                                        <p:tav tm="0">
+                                          <p:val>
+                                            <p:clrVal>
+                                              <a:schemeClr val="accent2"/>
+                                            </p:clrVal>
+                                          </p:val>
+                                        </p:tav>
+                                        <p:tav tm="50000">
+                                          <p:val>
+                                            <p:clrVal>
+                                              <a:schemeClr val="hlink"/>
+                                            </p:clrVal>
+                                          </p:val>
+                                        </p:tav>
+                                      </p:tavLst>
+                                    </p:anim>
+                                    <p:anim calcmode="discrete" valueType="clr">
+                                      <p:cBhvr>
+                                        <p:cTn id="12" dur="80"/>
+                                        <p:tgtEl>
+                                          <p:spTgt spid="3">
+                                            <p:txEl>
+                                              <p:pRg st="1" end="1"/>
+                                            </p:txEl>
+                                          </p:spTgt>
+                                        </p:tgtEl>
+                                        <p:attrNameLst>
+                                          <p:attrName>fillcolor</p:attrName>
+                                        </p:attrNameLst>
+                                      </p:cBhvr>
+                                      <p:tavLst>
+                                        <p:tav tm="0">
+                                          <p:val>
+                                            <p:clrVal>
+                                              <a:schemeClr val="accent2"/>
+                                            </p:clrVal>
+                                          </p:val>
+                                        </p:tav>
+                                        <p:tav tm="50000">
+                                          <p:val>
+                                            <p:clrVal>
+                                              <a:schemeClr val="hlink"/>
+                                            </p:clrVal>
+                                          </p:val>
+                                        </p:tav>
+                                      </p:tavLst>
+                                    </p:anim>
+                                    <p:set>
+                                      <p:cBhvr>
+                                        <p:cTn id="13" dur="80"/>
+                                        <p:tgtEl>
+                                          <p:spTgt spid="3">
+                                            <p:txEl>
+                                              <p:pRg st="1" end="1"/>
+                                            </p:txEl>
+                                          </p:spTgt>
+                                        </p:tgtEl>
+                                        <p:attrNameLst>
+                                          <p:attrName>fill.type</p:attrName>
+                                        </p:attrNameLst>
+                                      </p:cBhvr>
+                                      <p:to>
+                                        <p:strVal val="solid"/>
+                                      </p:to>
+                                    </p:set>
+                                  </p:childTnLst>
+                                </p:cTn>
+                              </p:par>
+                            </p:childTnLst>
+                          </p:cTn>
+                        </p:par>
+                      </p:childTnLst>
+                    </p:cTn>
+                  </p:par>
+                </p:childTnLst>
+              </p:cTn>
+              <p:prevCondLst>
+                <p:cond evt="onPrev" delay="0">
+                  <p:tgtEl>
+                    <p:sldTgt/>
+                  </p:tgtEl>
+                </p:cond>
+              </p:prevCondLst>
+              <p:nextCondLst>
+                <p:cond evt="onNext" delay="0">
+                  <p:tgtEl>
+                    <p:sldTgt/>
+                  </p:tgtEl>
+                </p:cond>
+              </p:nextCondLst>
+            </p:seq>
+          </p:childTnLst>
+        </p:cTn>
+      </p:par>
+    </p:tnLst>
+  </p:timing>
+</p:sld>
+</file>
+
 <file path=ppt/theme/theme1.xml><?xml version="1.0" encoding="utf-8"?>
 <a:theme xmlns:a="http://schemas.openxmlformats.org/drawingml/2006/main" name="LaLaLab">
   <a:themeElements>
@@ -6393,4 +8500,287 @@
   <a:objectDefaults/>
   <a:extraClrSchemeLst/>
 </a:theme>
+</file>
+
+<file path=ppt/theme/theme2.xml><?xml version="1.0" encoding="utf-8"?>
+<a:theme xmlns:a="http://schemas.openxmlformats.org/drawingml/2006/main" name="Office 主题">
+  <a:themeElements>
+    <a:clrScheme name="Office">
+      <a:dk1>
+        <a:sysClr val="windowText" lastClr="000000"/>
+      </a:dk1>
+      <a:lt1>
+        <a:sysClr val="window" lastClr="FFFFFF"/>
+      </a:lt1>
+      <a:dk2>
+        <a:srgbClr val="1F497D"/>
+      </a:dk2>
+      <a:lt2>
+        <a:srgbClr val="EEECE1"/>
+      </a:lt2>
+      <a:accent1>
+        <a:srgbClr val="4F81BD"/>
+      </a:accent1>
+      <a:accent2>
+        <a:srgbClr val="C0504D"/>
+      </a:accent2>
+      <a:accent3>
+        <a:srgbClr val="9BBB59"/>
+      </a:accent3>
+      <a:accent4>
+        <a:srgbClr val="8064A2"/>
+      </a:accent4>
+      <a:accent5>
+        <a:srgbClr val="4BACC6"/>
+      </a:accent5>
+      <a:accent6>
+        <a:srgbClr val="F79646"/>
+      </a:accent6>
+      <a:hlink>
+        <a:srgbClr val="0000FF"/>
+      </a:hlink>
+      <a:folHlink>
+        <a:srgbClr val="800080"/>
+      </a:folHlink>
+    </a:clrScheme>
+    <a:fontScheme name="Office">
+      <a:majorFont>
+        <a:latin typeface="Calibri"/>
+        <a:ea typeface=""/>
+        <a:cs typeface=""/>
+        <a:font script="Jpan" typeface="ＭＳ Ｐゴシック"/>
+        <a:font script="Hang" typeface="맑은 고딕"/>
+        <a:font script="Hans" typeface="宋体"/>
+        <a:font script="Hant" typeface="新細明體"/>
+        <a:font script="Arab" typeface="Times New Roman"/>
+        <a:font script="Hebr" typeface="Times New Roman"/>
+        <a:font script="Thai" typeface="Angsana New"/>
+        <a:font script="Ethi" typeface="Nyala"/>
+        <a:font script="Beng" typeface="Vrinda"/>
+        <a:font script="Gujr" typeface="Shruti"/>
+        <a:font script="Khmr" typeface="MoolBoran"/>
+        <a:font script="Knda" typeface="Tunga"/>
+        <a:font script="Guru" typeface="Raavi"/>
+        <a:font script="Cans" typeface="Euphemia"/>
+        <a:font script="Cher" typeface="Plantagenet Cherokee"/>
+        <a:font script="Yiii" typeface="Microsoft Yi Baiti"/>
+        <a:font script="Tibt" typeface="Microsoft Himalaya"/>
+        <a:font script="Thaa" typeface="MV Boli"/>
+        <a:font script="Deva" typeface="Mangal"/>
+        <a:font script="Telu" typeface="Gautami"/>
+        <a:font script="Taml" typeface="Latha"/>
+        <a:font script="Syrc" typeface="Estrangelo Edessa"/>
+        <a:font script="Orya" typeface="Kalinga"/>
+        <a:font script="Mlym" typeface="Kartika"/>
+        <a:font script="Laoo" typeface="DokChampa"/>
+        <a:font script="Sinh" typeface="Iskoola Pota"/>
+        <a:font script="Mong" typeface="Mongolian Baiti"/>
+        <a:font script="Viet" typeface="Times New Roman"/>
+        <a:font script="Uigh" typeface="Microsoft Uighur"/>
+      </a:majorFont>
+      <a:minorFont>
+        <a:latin typeface="Calibri"/>
+        <a:ea typeface=""/>
+        <a:cs typeface=""/>
+        <a:font script="Jpan" typeface="ＭＳ Ｐゴシック"/>
+        <a:font script="Hang" typeface="맑은 고딕"/>
+        <a:font script="Hans" typeface="宋体"/>
+        <a:font script="Hant" typeface="新細明體"/>
+        <a:font script="Arab" typeface="Arial"/>
+        <a:font script="Hebr" typeface="Arial"/>
+        <a:font script="Thai" typeface="Cordia New"/>
+        <a:font script="Ethi" typeface="Nyala"/>
+        <a:font script="Beng" typeface="Vrinda"/>
+        <a:font script="Gujr" typeface="Shruti"/>
+        <a:font script="Khmr" typeface="DaunPenh"/>
+        <a:font script="Knda" typeface="Tunga"/>
+        <a:font script="Guru" typeface="Raavi"/>
+        <a:font script="Cans" typeface="Euphemia"/>
+        <a:font script="Cher" typeface="Plantagenet Cherokee"/>
+        <a:font script="Yiii" typeface="Microsoft Yi Baiti"/>
+        <a:font script="Tibt" typeface="Microsoft Himalaya"/>
+        <a:font script="Thaa" typeface="MV Boli"/>
+        <a:font script="Deva" typeface="Mangal"/>
+        <a:font script="Telu" typeface="Gautami"/>
+        <a:font script="Taml" typeface="Latha"/>
+        <a:font script="Syrc" typeface="Estrangelo Edessa"/>
+        <a:font script="Orya" typeface="Kalinga"/>
+        <a:font script="Mlym" typeface="Kartika"/>
+        <a:font script="Laoo" typeface="DokChampa"/>
+        <a:font script="Sinh" typeface="Iskoola Pota"/>
+        <a:font script="Mong" typeface="Mongolian Baiti"/>
+        <a:font script="Viet" typeface="Arial"/>
+        <a:font script="Uigh" typeface="Microsoft Uighur"/>
+      </a:minorFont>
+    </a:fontScheme>
+    <a:fmtScheme name="Office">
+      <a:fillStyleLst>
+        <a:solidFill>
+          <a:schemeClr val="phClr"/>
+        </a:solidFill>
+        <a:gradFill rotWithShape="1">
+          <a:gsLst>
+            <a:gs pos="0">
+              <a:schemeClr val="phClr">
+                <a:tint val="50000"/>
+                <a:satMod val="300000"/>
+              </a:schemeClr>
+            </a:gs>
+            <a:gs pos="35000">
+              <a:schemeClr val="phClr">
+                <a:tint val="37000"/>
+                <a:satMod val="300000"/>
+              </a:schemeClr>
+            </a:gs>
+            <a:gs pos="100000">
+              <a:schemeClr val="phClr">
+                <a:tint val="15000"/>
+                <a:satMod val="350000"/>
+              </a:schemeClr>
+            </a:gs>
+          </a:gsLst>
+          <a:lin ang="16200000" scaled="1"/>
+        </a:gradFill>
+        <a:gradFill rotWithShape="1">
+          <a:gsLst>
+            <a:gs pos="0">
+              <a:schemeClr val="phClr">
+                <a:shade val="51000"/>
+                <a:satMod val="130000"/>
+              </a:schemeClr>
+            </a:gs>
+            <a:gs pos="80000">
+              <a:schemeClr val="phClr">
+                <a:shade val="93000"/>
+                <a:satMod val="130000"/>
+              </a:schemeClr>
+            </a:gs>
+            <a:gs pos="100000">
+              <a:schemeClr val="phClr">
+                <a:shade val="94000"/>
+                <a:satMod val="135000"/>
+              </a:schemeClr>
+            </a:gs>
+          </a:gsLst>
+          <a:lin ang="16200000" scaled="0"/>
+        </a:gradFill>
+      </a:fillStyleLst>
+      <a:lnStyleLst>
+        <a:ln w="9525" cap="flat" cmpd="sng" algn="ctr">
+          <a:solidFill>
+            <a:schemeClr val="phClr">
+              <a:shade val="95000"/>
+              <a:satMod val="105000"/>
+            </a:schemeClr>
+          </a:solidFill>
+          <a:prstDash val="solid"/>
+        </a:ln>
+        <a:ln w="25400" cap="flat" cmpd="sng" algn="ctr">
+          <a:solidFill>
+            <a:schemeClr val="phClr"/>
+          </a:solidFill>
+          <a:prstDash val="solid"/>
+        </a:ln>
+        <a:ln w="38100" cap="flat" cmpd="sng" algn="ctr">
+          <a:solidFill>
+            <a:schemeClr val="phClr"/>
+          </a:solidFill>
+          <a:prstDash val="solid"/>
+        </a:ln>
+      </a:lnStyleLst>
+      <a:effectStyleLst>
+        <a:effectStyle>
+          <a:effectLst>
+            <a:outerShdw blurRad="40000" dist="20000" dir="5400000" rotWithShape="0">
+              <a:srgbClr val="000000">
+                <a:alpha val="38000"/>
+              </a:srgbClr>
+            </a:outerShdw>
+          </a:effectLst>
+        </a:effectStyle>
+        <a:effectStyle>
+          <a:effectLst>
+            <a:outerShdw blurRad="40000" dist="23000" dir="5400000" rotWithShape="0">
+              <a:srgbClr val="000000">
+                <a:alpha val="35000"/>
+              </a:srgbClr>
+            </a:outerShdw>
+          </a:effectLst>
+        </a:effectStyle>
+        <a:effectStyle>
+          <a:effectLst>
+            <a:outerShdw blurRad="40000" dist="23000" dir="5400000" rotWithShape="0">
+              <a:srgbClr val="000000">
+                <a:alpha val="35000"/>
+              </a:srgbClr>
+            </a:outerShdw>
+          </a:effectLst>
+          <a:scene3d>
+            <a:camera prst="orthographicFront">
+              <a:rot lat="0" lon="0" rev="0"/>
+            </a:camera>
+            <a:lightRig rig="threePt" dir="t">
+              <a:rot lat="0" lon="0" rev="1200000"/>
+            </a:lightRig>
+          </a:scene3d>
+          <a:sp3d>
+            <a:bevelT w="63500" h="25400"/>
+          </a:sp3d>
+        </a:effectStyle>
+      </a:effectStyleLst>
+      <a:bgFillStyleLst>
+        <a:solidFill>
+          <a:schemeClr val="phClr"/>
+        </a:solidFill>
+        <a:gradFill rotWithShape="1">
+          <a:gsLst>
+            <a:gs pos="0">
+              <a:schemeClr val="phClr">
+                <a:tint val="40000"/>
+                <a:satMod val="350000"/>
+              </a:schemeClr>
+            </a:gs>
+            <a:gs pos="40000">
+              <a:schemeClr val="phClr">
+                <a:tint val="45000"/>
+                <a:shade val="99000"/>
+                <a:satMod val="350000"/>
+              </a:schemeClr>
+            </a:gs>
+            <a:gs pos="100000">
+              <a:schemeClr val="phClr">
+                <a:shade val="20000"/>
+                <a:satMod val="255000"/>
+              </a:schemeClr>
+            </a:gs>
+          </a:gsLst>
+          <a:path path="circle">
+            <a:fillToRect l="50000" t="-80000" r="50000" b="180000"/>
+          </a:path>
+        </a:gradFill>
+        <a:gradFill rotWithShape="1">
+          <a:gsLst>
+            <a:gs pos="0">
+              <a:schemeClr val="phClr">
+                <a:tint val="80000"/>
+                <a:satMod val="300000"/>
+              </a:schemeClr>
+            </a:gs>
+            <a:gs pos="100000">
+              <a:schemeClr val="phClr">
+                <a:shade val="30000"/>
+                <a:satMod val="200000"/>
+              </a:schemeClr>
+            </a:gs>
+          </a:gsLst>
+          <a:path path="circle">
+            <a:fillToRect l="50000" t="50000" r="50000" b="50000"/>
+          </a:path>
+        </a:gradFill>
+      </a:bgFillStyleLst>
+    </a:fmtScheme>
+  </a:themeElements>
+  <a:objectDefaults/>
+  <a:extraClrSchemeLst/>
+</a:theme>
 </file>
--- a/ppt/SST.pptx
+++ b/ppt/SST.pptx
@@ -5,7 +5,7 @@
     <p:sldMasterId id="2147483673" r:id="rId1"/>
   </p:sldMasterIdLst>
   <p:notesMasterIdLst>
-    <p:notesMasterId r:id="rId15"/>
+    <p:notesMasterId r:id="rId27"/>
   </p:notesMasterIdLst>
   <p:sldIdLst>
     <p:sldId id="256" r:id="rId2"/>
@@ -21,6 +21,18 @@
     <p:sldId id="266" r:id="rId12"/>
     <p:sldId id="267" r:id="rId13"/>
     <p:sldId id="268" r:id="rId14"/>
+    <p:sldId id="269" r:id="rId15"/>
+    <p:sldId id="270" r:id="rId16"/>
+    <p:sldId id="271" r:id="rId17"/>
+    <p:sldId id="272" r:id="rId18"/>
+    <p:sldId id="275" r:id="rId19"/>
+    <p:sldId id="276" r:id="rId20"/>
+    <p:sldId id="277" r:id="rId21"/>
+    <p:sldId id="278" r:id="rId22"/>
+    <p:sldId id="273" r:id="rId23"/>
+    <p:sldId id="279" r:id="rId24"/>
+    <p:sldId id="274" r:id="rId25"/>
+    <p:sldId id="280" r:id="rId26"/>
   </p:sldIdLst>
   <p:sldSz cx="9144000" cy="6858000" type="screen4x3"/>
   <p:notesSz cx="6858000" cy="9144000"/>
@@ -5624,6 +5636,3798 @@
 </p:sld>
 </file>
 
+<file path=ppt/slides/slide14.xml><?xml version="1.0" encoding="utf-8"?>
+<p:sld xmlns:a="http://schemas.openxmlformats.org/drawingml/2006/main" xmlns:r="http://schemas.openxmlformats.org/officeDocument/2006/relationships" xmlns:p="http://schemas.openxmlformats.org/presentationml/2006/main">
+  <p:cSld>
+    <p:spTree>
+      <p:nvGrpSpPr>
+        <p:cNvPr id="1" name=""/>
+        <p:cNvGrpSpPr/>
+        <p:nvPr/>
+      </p:nvGrpSpPr>
+      <p:grpSpPr>
+        <a:xfrm>
+          <a:off x="0" y="0"/>
+          <a:ext cx="0" cy="0"/>
+          <a:chOff x="0" y="0"/>
+          <a:chExt cx="0" cy="0"/>
+        </a:xfrm>
+      </p:grpSpPr>
+      <p:sp>
+        <p:nvSpPr>
+          <p:cNvPr id="2" name="标题 1"/>
+          <p:cNvSpPr>
+            <a:spLocks noGrp="1"/>
+          </p:cNvSpPr>
+          <p:nvPr>
+            <p:ph type="title"/>
+          </p:nvPr>
+        </p:nvSpPr>
+        <p:spPr/>
+        <p:txBody>
+          <a:bodyPr/>
+          <a:lstStyle/>
+          <a:p>
+            <a:r>
+              <a:rPr lang="en-US" altLang="zh-CN" dirty="0" smtClean="0"/>
+              <a:t>MFCC</a:t>
+            </a:r>
+            <a:endParaRPr lang="zh-CN" altLang="en-US" dirty="0"/>
+          </a:p>
+        </p:txBody>
+      </p:sp>
+      <p:sp>
+        <p:nvSpPr>
+          <p:cNvPr id="3" name="内容占位符 2"/>
+          <p:cNvSpPr>
+            <a:spLocks noGrp="1"/>
+          </p:cNvSpPr>
+          <p:nvPr>
+            <p:ph idx="1"/>
+          </p:nvPr>
+        </p:nvSpPr>
+        <p:spPr/>
+        <p:txBody>
+          <a:bodyPr/>
+          <a:lstStyle/>
+          <a:p>
+            <a:r>
+              <a:rPr lang="en-US" altLang="zh-CN" dirty="0" smtClean="0"/>
+              <a:t>A traditional method for speech analysis</a:t>
+            </a:r>
+          </a:p>
+          <a:p>
+            <a:r>
+              <a:rPr lang="en-US" altLang="zh-CN" dirty="0" smtClean="0"/>
+              <a:t>Designed for non-linear frequency response of human</a:t>
+            </a:r>
+          </a:p>
+          <a:p>
+            <a:r>
+              <a:rPr lang="en-US" altLang="zh-CN" dirty="0" smtClean="0"/>
+              <a:t>Describes energy distribution to frequencies in human’s perspective</a:t>
+            </a:r>
+          </a:p>
+          <a:p>
+            <a:r>
+              <a:rPr lang="en-US" altLang="zh-CN" dirty="0" smtClean="0"/>
+              <a:t>12-dim, </a:t>
+            </a:r>
+            <a:r>
+              <a:rPr lang="en-US" altLang="zh-CN" dirty="0" smtClean="0">
+                <a:solidFill>
+                  <a:srgbClr val="FFFF00"/>
+                </a:solidFill>
+              </a:rPr>
+              <a:t>85% </a:t>
+            </a:r>
+            <a:r>
+              <a:rPr lang="en-US" altLang="zh-CN" dirty="0" smtClean="0"/>
+              <a:t>accuracy</a:t>
+            </a:r>
+          </a:p>
+          <a:p>
+            <a:r>
+              <a:rPr lang="en-US" altLang="zh-CN" dirty="0" smtClean="0">
+                <a:solidFill>
+                  <a:srgbClr val="FFC000"/>
+                </a:solidFill>
+              </a:rPr>
+              <a:t>Human ears are marvelous!</a:t>
+            </a:r>
+            <a:endParaRPr lang="zh-CN" altLang="en-US" dirty="0">
+              <a:solidFill>
+                <a:srgbClr val="FFC000"/>
+              </a:solidFill>
+            </a:endParaRPr>
+          </a:p>
+        </p:txBody>
+      </p:sp>
+    </p:spTree>
+  </p:cSld>
+  <p:clrMapOvr>
+    <a:masterClrMapping/>
+  </p:clrMapOvr>
+  <p:timing>
+    <p:tnLst>
+      <p:par>
+        <p:cTn id="1" dur="indefinite" restart="never" nodeType="tmRoot">
+          <p:childTnLst>
+            <p:seq concurrent="1" nextAc="seek">
+              <p:cTn id="2" dur="indefinite" nodeType="mainSeq">
+                <p:childTnLst>
+                  <p:par>
+                    <p:cTn id="3" fill="hold">
+                      <p:stCondLst>
+                        <p:cond delay="indefinite"/>
+                      </p:stCondLst>
+                      <p:childTnLst>
+                        <p:par>
+                          <p:cTn id="4" fill="hold">
+                            <p:stCondLst>
+                              <p:cond delay="0"/>
+                            </p:stCondLst>
+                            <p:childTnLst>
+                              <p:par>
+                                <p:cTn id="5" presetID="1" presetClass="entr" presetSubtype="0" fill="hold" nodeType="clickEffect">
+                                  <p:stCondLst>
+                                    <p:cond delay="0"/>
+                                  </p:stCondLst>
+                                  <p:childTnLst>
+                                    <p:set>
+                                      <p:cBhvr>
+                                        <p:cTn id="6" dur="1" fill="hold">
+                                          <p:stCondLst>
+                                            <p:cond delay="0"/>
+                                          </p:stCondLst>
+                                        </p:cTn>
+                                        <p:tgtEl>
+                                          <p:spTgt spid="3">
+                                            <p:txEl>
+                                              <p:pRg st="0" end="0"/>
+                                            </p:txEl>
+                                          </p:spTgt>
+                                        </p:tgtEl>
+                                        <p:attrNameLst>
+                                          <p:attrName>style.visibility</p:attrName>
+                                        </p:attrNameLst>
+                                      </p:cBhvr>
+                                      <p:to>
+                                        <p:strVal val="visible"/>
+                                      </p:to>
+                                    </p:set>
+                                  </p:childTnLst>
+                                </p:cTn>
+                              </p:par>
+                            </p:childTnLst>
+                          </p:cTn>
+                        </p:par>
+                      </p:childTnLst>
+                    </p:cTn>
+                  </p:par>
+                  <p:par>
+                    <p:cTn id="7" fill="hold">
+                      <p:stCondLst>
+                        <p:cond delay="indefinite"/>
+                      </p:stCondLst>
+                      <p:childTnLst>
+                        <p:par>
+                          <p:cTn id="8" fill="hold">
+                            <p:stCondLst>
+                              <p:cond delay="0"/>
+                            </p:stCondLst>
+                            <p:childTnLst>
+                              <p:par>
+                                <p:cTn id="9" presetID="1" presetClass="entr" presetSubtype="0" fill="hold" nodeType="clickEffect">
+                                  <p:stCondLst>
+                                    <p:cond delay="0"/>
+                                  </p:stCondLst>
+                                  <p:childTnLst>
+                                    <p:set>
+                                      <p:cBhvr>
+                                        <p:cTn id="10" dur="1" fill="hold">
+                                          <p:stCondLst>
+                                            <p:cond delay="0"/>
+                                          </p:stCondLst>
+                                        </p:cTn>
+                                        <p:tgtEl>
+                                          <p:spTgt spid="3">
+                                            <p:txEl>
+                                              <p:pRg st="1" end="1"/>
+                                            </p:txEl>
+                                          </p:spTgt>
+                                        </p:tgtEl>
+                                        <p:attrNameLst>
+                                          <p:attrName>style.visibility</p:attrName>
+                                        </p:attrNameLst>
+                                      </p:cBhvr>
+                                      <p:to>
+                                        <p:strVal val="visible"/>
+                                      </p:to>
+                                    </p:set>
+                                  </p:childTnLst>
+                                </p:cTn>
+                              </p:par>
+                            </p:childTnLst>
+                          </p:cTn>
+                        </p:par>
+                      </p:childTnLst>
+                    </p:cTn>
+                  </p:par>
+                  <p:par>
+                    <p:cTn id="11" fill="hold">
+                      <p:stCondLst>
+                        <p:cond delay="indefinite"/>
+                      </p:stCondLst>
+                      <p:childTnLst>
+                        <p:par>
+                          <p:cTn id="12" fill="hold">
+                            <p:stCondLst>
+                              <p:cond delay="0"/>
+                            </p:stCondLst>
+                            <p:childTnLst>
+                              <p:par>
+                                <p:cTn id="13" presetID="1" presetClass="entr" presetSubtype="0" fill="hold" nodeType="clickEffect">
+                                  <p:stCondLst>
+                                    <p:cond delay="0"/>
+                                  </p:stCondLst>
+                                  <p:childTnLst>
+                                    <p:set>
+                                      <p:cBhvr>
+                                        <p:cTn id="14" dur="1" fill="hold">
+                                          <p:stCondLst>
+                                            <p:cond delay="0"/>
+                                          </p:stCondLst>
+                                        </p:cTn>
+                                        <p:tgtEl>
+                                          <p:spTgt spid="3">
+                                            <p:txEl>
+                                              <p:pRg st="2" end="2"/>
+                                            </p:txEl>
+                                          </p:spTgt>
+                                        </p:tgtEl>
+                                        <p:attrNameLst>
+                                          <p:attrName>style.visibility</p:attrName>
+                                        </p:attrNameLst>
+                                      </p:cBhvr>
+                                      <p:to>
+                                        <p:strVal val="visible"/>
+                                      </p:to>
+                                    </p:set>
+                                  </p:childTnLst>
+                                </p:cTn>
+                              </p:par>
+                            </p:childTnLst>
+                          </p:cTn>
+                        </p:par>
+                      </p:childTnLst>
+                    </p:cTn>
+                  </p:par>
+                  <p:par>
+                    <p:cTn id="15" fill="hold">
+                      <p:stCondLst>
+                        <p:cond delay="indefinite"/>
+                      </p:stCondLst>
+                      <p:childTnLst>
+                        <p:par>
+                          <p:cTn id="16" fill="hold">
+                            <p:stCondLst>
+                              <p:cond delay="0"/>
+                            </p:stCondLst>
+                            <p:childTnLst>
+                              <p:par>
+                                <p:cTn id="17" presetID="1" presetClass="entr" presetSubtype="0" fill="hold" nodeType="clickEffect">
+                                  <p:stCondLst>
+                                    <p:cond delay="0"/>
+                                  </p:stCondLst>
+                                  <p:childTnLst>
+                                    <p:set>
+                                      <p:cBhvr>
+                                        <p:cTn id="18" dur="1" fill="hold">
+                                          <p:stCondLst>
+                                            <p:cond delay="0"/>
+                                          </p:stCondLst>
+                                        </p:cTn>
+                                        <p:tgtEl>
+                                          <p:spTgt spid="3">
+                                            <p:txEl>
+                                              <p:pRg st="3" end="3"/>
+                                            </p:txEl>
+                                          </p:spTgt>
+                                        </p:tgtEl>
+                                        <p:attrNameLst>
+                                          <p:attrName>style.visibility</p:attrName>
+                                        </p:attrNameLst>
+                                      </p:cBhvr>
+                                      <p:to>
+                                        <p:strVal val="visible"/>
+                                      </p:to>
+                                    </p:set>
+                                  </p:childTnLst>
+                                </p:cTn>
+                              </p:par>
+                            </p:childTnLst>
+                          </p:cTn>
+                        </p:par>
+                      </p:childTnLst>
+                    </p:cTn>
+                  </p:par>
+                  <p:par>
+                    <p:cTn id="19" fill="hold">
+                      <p:stCondLst>
+                        <p:cond delay="indefinite"/>
+                      </p:stCondLst>
+                      <p:childTnLst>
+                        <p:par>
+                          <p:cTn id="20" fill="hold">
+                            <p:stCondLst>
+                              <p:cond delay="0"/>
+                            </p:stCondLst>
+                            <p:childTnLst>
+                              <p:par>
+                                <p:cTn id="21" presetID="1" presetClass="entr" presetSubtype="0" fill="hold" nodeType="clickEffect">
+                                  <p:stCondLst>
+                                    <p:cond delay="0"/>
+                                  </p:stCondLst>
+                                  <p:childTnLst>
+                                    <p:set>
+                                      <p:cBhvr>
+                                        <p:cTn id="22" dur="1" fill="hold">
+                                          <p:stCondLst>
+                                            <p:cond delay="0"/>
+                                          </p:stCondLst>
+                                        </p:cTn>
+                                        <p:tgtEl>
+                                          <p:spTgt spid="3">
+                                            <p:txEl>
+                                              <p:pRg st="4" end="4"/>
+                                            </p:txEl>
+                                          </p:spTgt>
+                                        </p:tgtEl>
+                                        <p:attrNameLst>
+                                          <p:attrName>style.visibility</p:attrName>
+                                        </p:attrNameLst>
+                                      </p:cBhvr>
+                                      <p:to>
+                                        <p:strVal val="visible"/>
+                                      </p:to>
+                                    </p:set>
+                                  </p:childTnLst>
+                                </p:cTn>
+                              </p:par>
+                            </p:childTnLst>
+                          </p:cTn>
+                        </p:par>
+                      </p:childTnLst>
+                    </p:cTn>
+                  </p:par>
+                </p:childTnLst>
+              </p:cTn>
+              <p:prevCondLst>
+                <p:cond evt="onPrev" delay="0">
+                  <p:tgtEl>
+                    <p:sldTgt/>
+                  </p:tgtEl>
+                </p:cond>
+              </p:prevCondLst>
+              <p:nextCondLst>
+                <p:cond evt="onNext" delay="0">
+                  <p:tgtEl>
+                    <p:sldTgt/>
+                  </p:tgtEl>
+                </p:cond>
+              </p:nextCondLst>
+            </p:seq>
+          </p:childTnLst>
+        </p:cTn>
+      </p:par>
+    </p:tnLst>
+  </p:timing>
+</p:sld>
+</file>
+
+<file path=ppt/slides/slide15.xml><?xml version="1.0" encoding="utf-8"?>
+<p:sld xmlns:a="http://schemas.openxmlformats.org/drawingml/2006/main" xmlns:r="http://schemas.openxmlformats.org/officeDocument/2006/relationships" xmlns:p="http://schemas.openxmlformats.org/presentationml/2006/main">
+  <p:cSld>
+    <p:spTree>
+      <p:nvGrpSpPr>
+        <p:cNvPr id="1" name=""/>
+        <p:cNvGrpSpPr/>
+        <p:nvPr/>
+      </p:nvGrpSpPr>
+      <p:grpSpPr>
+        <a:xfrm>
+          <a:off x="0" y="0"/>
+          <a:ext cx="0" cy="0"/>
+          <a:chOff x="0" y="0"/>
+          <a:chExt cx="0" cy="0"/>
+        </a:xfrm>
+      </p:grpSpPr>
+      <p:pic>
+        <p:nvPicPr>
+          <p:cNvPr id="4" name="图片 3" descr="sp1.png"/>
+          <p:cNvPicPr>
+            <a:picLocks noChangeAspect="1"/>
+          </p:cNvPicPr>
+          <p:nvPr/>
+        </p:nvPicPr>
+        <p:blipFill>
+          <a:blip r:embed="rId2" cstate="print"/>
+          <a:stretch>
+            <a:fillRect/>
+          </a:stretch>
+        </p:blipFill>
+        <p:spPr>
+          <a:xfrm>
+            <a:off x="3275856" y="4147118"/>
+            <a:ext cx="3313716" cy="2710882"/>
+          </a:xfrm>
+          <a:prstGeom prst="rect">
+            <a:avLst/>
+          </a:prstGeom>
+        </p:spPr>
+      </p:pic>
+      <p:sp>
+        <p:nvSpPr>
+          <p:cNvPr id="2" name="标题 1"/>
+          <p:cNvSpPr>
+            <a:spLocks noGrp="1"/>
+          </p:cNvSpPr>
+          <p:nvPr>
+            <p:ph type="title"/>
+          </p:nvPr>
+        </p:nvSpPr>
+        <p:spPr/>
+        <p:txBody>
+          <a:bodyPr/>
+          <a:lstStyle/>
+          <a:p>
+            <a:r>
+              <a:rPr lang="en-US" altLang="zh-CN" dirty="0" smtClean="0"/>
+              <a:t>Spectral </a:t>
+            </a:r>
+            <a:r>
+              <a:rPr lang="en-US" altLang="zh-CN" dirty="0" smtClean="0"/>
+              <a:t>Outline</a:t>
+            </a:r>
+            <a:endParaRPr lang="zh-CN" altLang="en-US" dirty="0"/>
+          </a:p>
+        </p:txBody>
+      </p:sp>
+      <p:sp>
+        <p:nvSpPr>
+          <p:cNvPr id="3" name="内容占位符 2"/>
+          <p:cNvSpPr>
+            <a:spLocks noGrp="1"/>
+          </p:cNvSpPr>
+          <p:nvPr>
+            <p:ph idx="1"/>
+          </p:nvPr>
+        </p:nvSpPr>
+        <p:spPr/>
+        <p:txBody>
+          <a:bodyPr/>
+          <a:lstStyle/>
+          <a:p>
+            <a:r>
+              <a:rPr lang="en-US" altLang="zh-CN" dirty="0" smtClean="0"/>
+              <a:t>How to smoothen the log-spectrum?</a:t>
+            </a:r>
+          </a:p>
+          <a:p>
+            <a:r>
+              <a:rPr lang="en-US" altLang="zh-CN" dirty="0" smtClean="0"/>
+              <a:t>Do FFT as if it is in time field, and pick low-freq components!</a:t>
+            </a:r>
+          </a:p>
+          <a:p>
+            <a:r>
+              <a:rPr lang="en-US" altLang="zh-CN" dirty="0" smtClean="0"/>
+              <a:t>Then IFFT, as a low-pass filter.</a:t>
+            </a:r>
+            <a:endParaRPr lang="en-US" altLang="zh-CN" dirty="0" smtClean="0"/>
+          </a:p>
+          <a:p>
+            <a:pPr>
+              <a:buNone/>
+            </a:pPr>
+            <a:endParaRPr lang="en-US" altLang="zh-CN" dirty="0" smtClean="0"/>
+          </a:p>
+          <a:p>
+            <a:endParaRPr lang="zh-CN" altLang="en-US" dirty="0"/>
+          </a:p>
+        </p:txBody>
+      </p:sp>
+      <p:sp>
+        <p:nvSpPr>
+          <p:cNvPr id="5" name="圆角矩形标注 4"/>
+          <p:cNvSpPr/>
+          <p:nvPr/>
+        </p:nvSpPr>
+        <p:spPr>
+          <a:xfrm>
+            <a:off x="6156176" y="3573016"/>
+            <a:ext cx="2232248" cy="864096"/>
+          </a:xfrm>
+          <a:prstGeom prst="wedgeRoundRectCallout">
+            <a:avLst>
+              <a:gd name="adj1" fmla="val -126440"/>
+              <a:gd name="adj2" fmla="val -153183"/>
+              <a:gd name="adj3" fmla="val 16667"/>
+            </a:avLst>
+          </a:prstGeom>
+        </p:spPr>
+        <p:style>
+          <a:lnRef idx="2">
+            <a:schemeClr val="accent1">
+              <a:shade val="50000"/>
+            </a:schemeClr>
+          </a:lnRef>
+          <a:fillRef idx="1">
+            <a:schemeClr val="accent1"/>
+          </a:fillRef>
+          <a:effectRef idx="0">
+            <a:schemeClr val="accent1"/>
+          </a:effectRef>
+          <a:fontRef idx="minor">
+            <a:schemeClr val="lt1"/>
+          </a:fontRef>
+        </p:style>
+        <p:txBody>
+          <a:bodyPr rtlCol="0" anchor="ctr"/>
+          <a:lstStyle/>
+          <a:p>
+            <a:pPr algn="ctr"/>
+            <a:r>
+              <a:rPr lang="en-US" altLang="zh-CN" sz="2800" dirty="0" smtClean="0"/>
+              <a:t>cepstrum!</a:t>
+            </a:r>
+            <a:endParaRPr lang="zh-CN" altLang="en-US" sz="2800" dirty="0"/>
+          </a:p>
+        </p:txBody>
+      </p:sp>
+    </p:spTree>
+  </p:cSld>
+  <p:clrMapOvr>
+    <a:masterClrMapping/>
+  </p:clrMapOvr>
+  <p:timing>
+    <p:tnLst>
+      <p:par>
+        <p:cTn id="1" dur="indefinite" restart="never" nodeType="tmRoot">
+          <p:childTnLst>
+            <p:seq concurrent="1" nextAc="seek">
+              <p:cTn id="2" dur="indefinite" nodeType="mainSeq">
+                <p:childTnLst>
+                  <p:par>
+                    <p:cTn id="3" fill="hold">
+                      <p:stCondLst>
+                        <p:cond delay="indefinite"/>
+                      </p:stCondLst>
+                      <p:childTnLst>
+                        <p:par>
+                          <p:cTn id="4" fill="hold">
+                            <p:stCondLst>
+                              <p:cond delay="0"/>
+                            </p:stCondLst>
+                            <p:childTnLst>
+                              <p:par>
+                                <p:cTn id="5" presetID="3" presetClass="entr" presetSubtype="10" fill="hold" nodeType="clickEffect">
+                                  <p:stCondLst>
+                                    <p:cond delay="0"/>
+                                  </p:stCondLst>
+                                  <p:childTnLst>
+                                    <p:set>
+                                      <p:cBhvr>
+                                        <p:cTn id="6" dur="1" fill="hold">
+                                          <p:stCondLst>
+                                            <p:cond delay="0"/>
+                                          </p:stCondLst>
+                                        </p:cTn>
+                                        <p:tgtEl>
+                                          <p:spTgt spid="4"/>
+                                        </p:tgtEl>
+                                        <p:attrNameLst>
+                                          <p:attrName>style.visibility</p:attrName>
+                                        </p:attrNameLst>
+                                      </p:cBhvr>
+                                      <p:to>
+                                        <p:strVal val="visible"/>
+                                      </p:to>
+                                    </p:set>
+                                    <p:animEffect transition="in" filter="blinds(horizontal)">
+                                      <p:cBhvr>
+                                        <p:cTn id="7" dur="500"/>
+                                        <p:tgtEl>
+                                          <p:spTgt spid="4"/>
+                                        </p:tgtEl>
+                                      </p:cBhvr>
+                                    </p:animEffect>
+                                  </p:childTnLst>
+                                </p:cTn>
+                              </p:par>
+                            </p:childTnLst>
+                          </p:cTn>
+                        </p:par>
+                        <p:par>
+                          <p:cTn id="8" fill="hold">
+                            <p:stCondLst>
+                              <p:cond delay="500"/>
+                            </p:stCondLst>
+                            <p:childTnLst>
+                              <p:par>
+                                <p:cTn id="9" presetID="1" presetClass="entr" presetSubtype="0" fill="hold" nodeType="afterEffect">
+                                  <p:stCondLst>
+                                    <p:cond delay="0"/>
+                                  </p:stCondLst>
+                                  <p:childTnLst>
+                                    <p:set>
+                                      <p:cBhvr>
+                                        <p:cTn id="10" dur="1" fill="hold">
+                                          <p:stCondLst>
+                                            <p:cond delay="0"/>
+                                          </p:stCondLst>
+                                        </p:cTn>
+                                        <p:tgtEl>
+                                          <p:spTgt spid="3">
+                                            <p:txEl>
+                                              <p:pRg st="0" end="0"/>
+                                            </p:txEl>
+                                          </p:spTgt>
+                                        </p:tgtEl>
+                                        <p:attrNameLst>
+                                          <p:attrName>style.visibility</p:attrName>
+                                        </p:attrNameLst>
+                                      </p:cBhvr>
+                                      <p:to>
+                                        <p:strVal val="visible"/>
+                                      </p:to>
+                                    </p:set>
+                                  </p:childTnLst>
+                                </p:cTn>
+                              </p:par>
+                            </p:childTnLst>
+                          </p:cTn>
+                        </p:par>
+                      </p:childTnLst>
+                    </p:cTn>
+                  </p:par>
+                  <p:par>
+                    <p:cTn id="11" fill="hold">
+                      <p:stCondLst>
+                        <p:cond delay="indefinite"/>
+                      </p:stCondLst>
+                      <p:childTnLst>
+                        <p:par>
+                          <p:cTn id="12" fill="hold">
+                            <p:stCondLst>
+                              <p:cond delay="0"/>
+                            </p:stCondLst>
+                            <p:childTnLst>
+                              <p:par>
+                                <p:cTn id="13" presetID="1" presetClass="entr" presetSubtype="0" fill="hold" nodeType="clickEffect">
+                                  <p:stCondLst>
+                                    <p:cond delay="0"/>
+                                  </p:stCondLst>
+                                  <p:childTnLst>
+                                    <p:set>
+                                      <p:cBhvr>
+                                        <p:cTn id="14" dur="1" fill="hold">
+                                          <p:stCondLst>
+                                            <p:cond delay="0"/>
+                                          </p:stCondLst>
+                                        </p:cTn>
+                                        <p:tgtEl>
+                                          <p:spTgt spid="3">
+                                            <p:txEl>
+                                              <p:pRg st="1" end="1"/>
+                                            </p:txEl>
+                                          </p:spTgt>
+                                        </p:tgtEl>
+                                        <p:attrNameLst>
+                                          <p:attrName>style.visibility</p:attrName>
+                                        </p:attrNameLst>
+                                      </p:cBhvr>
+                                      <p:to>
+                                        <p:strVal val="visible"/>
+                                      </p:to>
+                                    </p:set>
+                                  </p:childTnLst>
+                                </p:cTn>
+                              </p:par>
+                            </p:childTnLst>
+                          </p:cTn>
+                        </p:par>
+                      </p:childTnLst>
+                    </p:cTn>
+                  </p:par>
+                  <p:par>
+                    <p:cTn id="15" fill="hold">
+                      <p:stCondLst>
+                        <p:cond delay="indefinite"/>
+                      </p:stCondLst>
+                      <p:childTnLst>
+                        <p:par>
+                          <p:cTn id="16" fill="hold">
+                            <p:stCondLst>
+                              <p:cond delay="0"/>
+                            </p:stCondLst>
+                            <p:childTnLst>
+                              <p:par>
+                                <p:cTn id="17" presetID="1" presetClass="entr" presetSubtype="0" fill="hold" grpId="0" nodeType="clickEffect">
+                                  <p:stCondLst>
+                                    <p:cond delay="0"/>
+                                  </p:stCondLst>
+                                  <p:childTnLst>
+                                    <p:set>
+                                      <p:cBhvr>
+                                        <p:cTn id="18" dur="1" fill="hold">
+                                          <p:stCondLst>
+                                            <p:cond delay="0"/>
+                                          </p:stCondLst>
+                                        </p:cTn>
+                                        <p:tgtEl>
+                                          <p:spTgt spid="5"/>
+                                        </p:tgtEl>
+                                        <p:attrNameLst>
+                                          <p:attrName>style.visibility</p:attrName>
+                                        </p:attrNameLst>
+                                      </p:cBhvr>
+                                      <p:to>
+                                        <p:strVal val="visible"/>
+                                      </p:to>
+                                    </p:set>
+                                  </p:childTnLst>
+                                </p:cTn>
+                              </p:par>
+                            </p:childTnLst>
+                          </p:cTn>
+                        </p:par>
+                      </p:childTnLst>
+                    </p:cTn>
+                  </p:par>
+                  <p:par>
+                    <p:cTn id="19" fill="hold">
+                      <p:stCondLst>
+                        <p:cond delay="indefinite"/>
+                      </p:stCondLst>
+                      <p:childTnLst>
+                        <p:par>
+                          <p:cTn id="20" fill="hold">
+                            <p:stCondLst>
+                              <p:cond delay="0"/>
+                            </p:stCondLst>
+                            <p:childTnLst>
+                              <p:par>
+                                <p:cTn id="21" presetID="1" presetClass="entr" presetSubtype="0" fill="hold" nodeType="clickEffect">
+                                  <p:stCondLst>
+                                    <p:cond delay="0"/>
+                                  </p:stCondLst>
+                                  <p:childTnLst>
+                                    <p:set>
+                                      <p:cBhvr>
+                                        <p:cTn id="22" dur="1" fill="hold">
+                                          <p:stCondLst>
+                                            <p:cond delay="0"/>
+                                          </p:stCondLst>
+                                        </p:cTn>
+                                        <p:tgtEl>
+                                          <p:spTgt spid="3">
+                                            <p:txEl>
+                                              <p:pRg st="2" end="2"/>
+                                            </p:txEl>
+                                          </p:spTgt>
+                                        </p:tgtEl>
+                                        <p:attrNameLst>
+                                          <p:attrName>style.visibility</p:attrName>
+                                        </p:attrNameLst>
+                                      </p:cBhvr>
+                                      <p:to>
+                                        <p:strVal val="visible"/>
+                                      </p:to>
+                                    </p:set>
+                                  </p:childTnLst>
+                                </p:cTn>
+                              </p:par>
+                            </p:childTnLst>
+                          </p:cTn>
+                        </p:par>
+                      </p:childTnLst>
+                    </p:cTn>
+                  </p:par>
+                </p:childTnLst>
+              </p:cTn>
+              <p:prevCondLst>
+                <p:cond evt="onPrev" delay="0">
+                  <p:tgtEl>
+                    <p:sldTgt/>
+                  </p:tgtEl>
+                </p:cond>
+              </p:prevCondLst>
+              <p:nextCondLst>
+                <p:cond evt="onNext" delay="0">
+                  <p:tgtEl>
+                    <p:sldTgt/>
+                  </p:tgtEl>
+                </p:cond>
+              </p:nextCondLst>
+            </p:seq>
+          </p:childTnLst>
+        </p:cTn>
+      </p:par>
+    </p:tnLst>
+    <p:bldLst>
+      <p:bldP spid="5" grpId="0" animBg="1"/>
+    </p:bldLst>
+  </p:timing>
+</p:sld>
+</file>
+
+<file path=ppt/slides/slide16.xml><?xml version="1.0" encoding="utf-8"?>
+<p:sld xmlns:a="http://schemas.openxmlformats.org/drawingml/2006/main" xmlns:r="http://schemas.openxmlformats.org/officeDocument/2006/relationships" xmlns:p="http://schemas.openxmlformats.org/presentationml/2006/main">
+  <p:cSld>
+    <p:spTree>
+      <p:nvGrpSpPr>
+        <p:cNvPr id="1" name=""/>
+        <p:cNvGrpSpPr/>
+        <p:nvPr/>
+      </p:nvGrpSpPr>
+      <p:grpSpPr>
+        <a:xfrm>
+          <a:off x="0" y="0"/>
+          <a:ext cx="0" cy="0"/>
+          <a:chOff x="0" y="0"/>
+          <a:chExt cx="0" cy="0"/>
+        </a:xfrm>
+      </p:grpSpPr>
+      <p:sp>
+        <p:nvSpPr>
+          <p:cNvPr id="2" name="标题 1"/>
+          <p:cNvSpPr>
+            <a:spLocks noGrp="1"/>
+          </p:cNvSpPr>
+          <p:nvPr>
+            <p:ph type="title"/>
+          </p:nvPr>
+        </p:nvSpPr>
+        <p:spPr/>
+        <p:txBody>
+          <a:bodyPr/>
+          <a:lstStyle/>
+          <a:p>
+            <a:r>
+              <a:rPr lang="en-US" altLang="zh-CN" dirty="0" smtClean="0"/>
+              <a:t>Spectral Outline</a:t>
+            </a:r>
+            <a:endParaRPr lang="zh-CN" altLang="en-US" dirty="0"/>
+          </a:p>
+        </p:txBody>
+      </p:sp>
+      <p:sp>
+        <p:nvSpPr>
+          <p:cNvPr id="3" name="内容占位符 2"/>
+          <p:cNvSpPr>
+            <a:spLocks noGrp="1"/>
+          </p:cNvSpPr>
+          <p:nvPr>
+            <p:ph idx="1"/>
+          </p:nvPr>
+        </p:nvSpPr>
+        <p:spPr/>
+        <p:txBody>
+          <a:bodyPr/>
+          <a:lstStyle/>
+          <a:p>
+            <a:r>
+              <a:rPr lang="en-US" altLang="zh-CN" dirty="0" smtClean="0"/>
+              <a:t>Nearly a line at the beginning, with different slopes and fluctuations.</a:t>
+            </a:r>
+          </a:p>
+          <a:p>
+            <a:r>
+              <a:rPr lang="en-US" altLang="zh-CN" dirty="0" smtClean="0"/>
+              <a:t>Peaks seem to represent instruments, BUT SVM needs fixed-dimensional vector.</a:t>
+            </a:r>
+          </a:p>
+          <a:p>
+            <a:endParaRPr lang="zh-CN" altLang="en-US" dirty="0"/>
+          </a:p>
+        </p:txBody>
+      </p:sp>
+      <p:pic>
+        <p:nvPicPr>
+          <p:cNvPr id="4" name="图片 3" descr="ASNOF31envelop.png"/>
+          <p:cNvPicPr>
+            <a:picLocks noChangeAspect="1"/>
+          </p:cNvPicPr>
+          <p:nvPr/>
+        </p:nvPicPr>
+        <p:blipFill>
+          <a:blip r:embed="rId2" cstate="print"/>
+          <a:stretch>
+            <a:fillRect/>
+          </a:stretch>
+        </p:blipFill>
+        <p:spPr>
+          <a:xfrm>
+            <a:off x="3203848" y="4509120"/>
+            <a:ext cx="2880320" cy="2160240"/>
+          </a:xfrm>
+          <a:prstGeom prst="rect">
+            <a:avLst/>
+          </a:prstGeom>
+        </p:spPr>
+      </p:pic>
+      <p:pic>
+        <p:nvPicPr>
+          <p:cNvPr id="5" name="图片 4" descr="TRNOF34-envelop.png"/>
+          <p:cNvPicPr>
+            <a:picLocks noChangeAspect="1"/>
+          </p:cNvPicPr>
+          <p:nvPr/>
+        </p:nvPicPr>
+        <p:blipFill>
+          <a:blip r:embed="rId3" cstate="print"/>
+          <a:stretch>
+            <a:fillRect/>
+          </a:stretch>
+        </p:blipFill>
+        <p:spPr>
+          <a:xfrm>
+            <a:off x="6156176" y="4509120"/>
+            <a:ext cx="2880320" cy="2160240"/>
+          </a:xfrm>
+          <a:prstGeom prst="rect">
+            <a:avLst/>
+          </a:prstGeom>
+        </p:spPr>
+      </p:pic>
+      <p:pic>
+        <p:nvPicPr>
+          <p:cNvPr id="6" name="图片 5" descr="VNNOP30-envelop.png"/>
+          <p:cNvPicPr>
+            <a:picLocks noChangeAspect="1"/>
+          </p:cNvPicPr>
+          <p:nvPr/>
+        </p:nvPicPr>
+        <p:blipFill>
+          <a:blip r:embed="rId4" cstate="print"/>
+          <a:stretch>
+            <a:fillRect/>
+          </a:stretch>
+        </p:blipFill>
+        <p:spPr>
+          <a:xfrm>
+            <a:off x="251520" y="4509120"/>
+            <a:ext cx="2880320" cy="2160240"/>
+          </a:xfrm>
+          <a:prstGeom prst="rect">
+            <a:avLst/>
+          </a:prstGeom>
+        </p:spPr>
+      </p:pic>
+      <p:sp>
+        <p:nvSpPr>
+          <p:cNvPr id="7" name="TextBox 6"/>
+          <p:cNvSpPr txBox="1"/>
+          <p:nvPr/>
+        </p:nvSpPr>
+        <p:spPr>
+          <a:xfrm>
+            <a:off x="1331640" y="5301208"/>
+            <a:ext cx="718466" cy="369332"/>
+          </a:xfrm>
+          <a:prstGeom prst="rect">
+            <a:avLst/>
+          </a:prstGeom>
+          <a:noFill/>
+        </p:spPr>
+        <p:txBody>
+          <a:bodyPr wrap="none" rtlCol="0">
+            <a:spAutoFit/>
+          </a:bodyPr>
+          <a:lstStyle/>
+          <a:p>
+            <a:r>
+              <a:rPr lang="en-US" altLang="zh-CN" dirty="0" smtClean="0"/>
+              <a:t>Violin</a:t>
+            </a:r>
+            <a:endParaRPr lang="zh-CN" altLang="en-US" dirty="0"/>
+          </a:p>
+        </p:txBody>
+      </p:sp>
+      <p:sp>
+        <p:nvSpPr>
+          <p:cNvPr id="8" name="TextBox 7"/>
+          <p:cNvSpPr txBox="1"/>
+          <p:nvPr/>
+        </p:nvSpPr>
+        <p:spPr>
+          <a:xfrm>
+            <a:off x="4139952" y="5301208"/>
+            <a:ext cx="1216680" cy="369332"/>
+          </a:xfrm>
+          <a:prstGeom prst="rect">
+            <a:avLst/>
+          </a:prstGeom>
+          <a:noFill/>
+        </p:spPr>
+        <p:txBody>
+          <a:bodyPr wrap="none" rtlCol="0">
+            <a:spAutoFit/>
+          </a:bodyPr>
+          <a:lstStyle/>
+          <a:p>
+            <a:r>
+              <a:rPr lang="en-US" altLang="zh-CN" dirty="0" smtClean="0"/>
+              <a:t>Saxophone</a:t>
+            </a:r>
+            <a:endParaRPr lang="zh-CN" altLang="en-US" dirty="0"/>
+          </a:p>
+        </p:txBody>
+      </p:sp>
+      <p:sp>
+        <p:nvSpPr>
+          <p:cNvPr id="9" name="TextBox 8"/>
+          <p:cNvSpPr txBox="1"/>
+          <p:nvPr/>
+        </p:nvSpPr>
+        <p:spPr>
+          <a:xfrm>
+            <a:off x="7164288" y="5301208"/>
+            <a:ext cx="981872" cy="369332"/>
+          </a:xfrm>
+          <a:prstGeom prst="rect">
+            <a:avLst/>
+          </a:prstGeom>
+          <a:noFill/>
+        </p:spPr>
+        <p:txBody>
+          <a:bodyPr wrap="none" rtlCol="0">
+            <a:spAutoFit/>
+          </a:bodyPr>
+          <a:lstStyle/>
+          <a:p>
+            <a:r>
+              <a:rPr lang="en-US" altLang="zh-CN" dirty="0" smtClean="0"/>
+              <a:t>Trumpet</a:t>
+            </a:r>
+            <a:endParaRPr lang="zh-CN" altLang="en-US" dirty="0"/>
+          </a:p>
+        </p:txBody>
+      </p:sp>
+    </p:spTree>
+  </p:cSld>
+  <p:clrMapOvr>
+    <a:masterClrMapping/>
+  </p:clrMapOvr>
+  <p:timing>
+    <p:tnLst>
+      <p:par>
+        <p:cTn id="1" dur="indefinite" restart="never" nodeType="tmRoot">
+          <p:childTnLst>
+            <p:seq concurrent="1" nextAc="seek">
+              <p:cTn id="2" dur="indefinite" nodeType="mainSeq">
+                <p:childTnLst>
+                  <p:par>
+                    <p:cTn id="3" fill="hold">
+                      <p:stCondLst>
+                        <p:cond delay="indefinite"/>
+                      </p:stCondLst>
+                      <p:childTnLst>
+                        <p:par>
+                          <p:cTn id="4" fill="hold">
+                            <p:stCondLst>
+                              <p:cond delay="0"/>
+                            </p:stCondLst>
+                            <p:childTnLst>
+                              <p:par>
+                                <p:cTn id="5" presetID="26" presetClass="entr" presetSubtype="0" fill="hold" nodeType="clickEffect">
+                                  <p:stCondLst>
+                                    <p:cond delay="0"/>
+                                  </p:stCondLst>
+                                  <p:childTnLst>
+                                    <p:set>
+                                      <p:cBhvr>
+                                        <p:cTn id="6" dur="1" fill="hold">
+                                          <p:stCondLst>
+                                            <p:cond delay="0"/>
+                                          </p:stCondLst>
+                                        </p:cTn>
+                                        <p:tgtEl>
+                                          <p:spTgt spid="5"/>
+                                        </p:tgtEl>
+                                        <p:attrNameLst>
+                                          <p:attrName>style.visibility</p:attrName>
+                                        </p:attrNameLst>
+                                      </p:cBhvr>
+                                      <p:to>
+                                        <p:strVal val="visible"/>
+                                      </p:to>
+                                    </p:set>
+                                    <p:animEffect transition="in" filter="wipe(down)">
+                                      <p:cBhvr>
+                                        <p:cTn id="7" dur="580">
+                                          <p:stCondLst>
+                                            <p:cond delay="0"/>
+                                          </p:stCondLst>
+                                        </p:cTn>
+                                        <p:tgtEl>
+                                          <p:spTgt spid="5"/>
+                                        </p:tgtEl>
+                                      </p:cBhvr>
+                                    </p:animEffect>
+                                    <p:anim calcmode="lin" valueType="num">
+                                      <p:cBhvr>
+                                        <p:cTn id="8" dur="1822" tmFilter="0,0; 0.14,0.36; 0.43,0.73; 0.71,0.91; 1.0,1.0">
+                                          <p:stCondLst>
+                                            <p:cond delay="0"/>
+                                          </p:stCondLst>
+                                        </p:cTn>
+                                        <p:tgtEl>
+                                          <p:spTgt spid="5"/>
+                                        </p:tgtEl>
+                                        <p:attrNameLst>
+                                          <p:attrName>ppt_x</p:attrName>
+                                        </p:attrNameLst>
+                                      </p:cBhvr>
+                                      <p:tavLst>
+                                        <p:tav tm="0">
+                                          <p:val>
+                                            <p:strVal val="#ppt_x-0.25"/>
+                                          </p:val>
+                                        </p:tav>
+                                        <p:tav tm="100000">
+                                          <p:val>
+                                            <p:strVal val="#ppt_x"/>
+                                          </p:val>
+                                        </p:tav>
+                                      </p:tavLst>
+                                    </p:anim>
+                                    <p:anim calcmode="lin" valueType="num">
+                                      <p:cBhvr>
+                                        <p:cTn id="9" dur="664" tmFilter="0.0,0.0; 0.25,0.07; 0.50,0.2; 0.75,0.467; 1.0,1.0">
+                                          <p:stCondLst>
+                                            <p:cond delay="0"/>
+                                          </p:stCondLst>
+                                        </p:cTn>
+                                        <p:tgtEl>
+                                          <p:spTgt spid="5"/>
+                                        </p:tgtEl>
+                                        <p:attrNameLst>
+                                          <p:attrName>ppt_y</p:attrName>
+                                        </p:attrNameLst>
+                                      </p:cBhvr>
+                                      <p:tavLst>
+                                        <p:tav tm="0" fmla="#ppt_y-sin(pi*$)/3">
+                                          <p:val>
+                                            <p:fltVal val="0.5"/>
+                                          </p:val>
+                                        </p:tav>
+                                        <p:tav tm="100000">
+                                          <p:val>
+                                            <p:fltVal val="1"/>
+                                          </p:val>
+                                        </p:tav>
+                                      </p:tavLst>
+                                    </p:anim>
+                                    <p:anim calcmode="lin" valueType="num">
+                                      <p:cBhvr>
+                                        <p:cTn id="10" dur="664" tmFilter="0, 0; 0.125,0.2665; 0.25,0.4; 0.375,0.465; 0.5,0.5;  0.625,0.535; 0.75,0.6; 0.875,0.7335; 1,1">
+                                          <p:stCondLst>
+                                            <p:cond delay="664"/>
+                                          </p:stCondLst>
+                                        </p:cTn>
+                                        <p:tgtEl>
+                                          <p:spTgt spid="5"/>
+                                        </p:tgtEl>
+                                        <p:attrNameLst>
+                                          <p:attrName>ppt_y</p:attrName>
+                                        </p:attrNameLst>
+                                      </p:cBhvr>
+                                      <p:tavLst>
+                                        <p:tav tm="0" fmla="#ppt_y-sin(pi*$)/9">
+                                          <p:val>
+                                            <p:fltVal val="0"/>
+                                          </p:val>
+                                        </p:tav>
+                                        <p:tav tm="100000">
+                                          <p:val>
+                                            <p:fltVal val="1"/>
+                                          </p:val>
+                                        </p:tav>
+                                      </p:tavLst>
+                                    </p:anim>
+                                    <p:anim calcmode="lin" valueType="num">
+                                      <p:cBhvr>
+                                        <p:cTn id="11" dur="332" tmFilter="0, 0; 0.125,0.2665; 0.25,0.4; 0.375,0.465; 0.5,0.5;  0.625,0.535; 0.75,0.6; 0.875,0.7335; 1,1">
+                                          <p:stCondLst>
+                                            <p:cond delay="1324"/>
+                                          </p:stCondLst>
+                                        </p:cTn>
+                                        <p:tgtEl>
+                                          <p:spTgt spid="5"/>
+                                        </p:tgtEl>
+                                        <p:attrNameLst>
+                                          <p:attrName>ppt_y</p:attrName>
+                                        </p:attrNameLst>
+                                      </p:cBhvr>
+                                      <p:tavLst>
+                                        <p:tav tm="0" fmla="#ppt_y-sin(pi*$)/27">
+                                          <p:val>
+                                            <p:fltVal val="0"/>
+                                          </p:val>
+                                        </p:tav>
+                                        <p:tav tm="100000">
+                                          <p:val>
+                                            <p:fltVal val="1"/>
+                                          </p:val>
+                                        </p:tav>
+                                      </p:tavLst>
+                                    </p:anim>
+                                    <p:anim calcmode="lin" valueType="num">
+                                      <p:cBhvr>
+                                        <p:cTn id="12" dur="164" tmFilter="0, 0; 0.125,0.2665; 0.25,0.4; 0.375,0.465; 0.5,0.5;  0.625,0.535; 0.75,0.6; 0.875,0.7335; 1,1">
+                                          <p:stCondLst>
+                                            <p:cond delay="1656"/>
+                                          </p:stCondLst>
+                                        </p:cTn>
+                                        <p:tgtEl>
+                                          <p:spTgt spid="5"/>
+                                        </p:tgtEl>
+                                        <p:attrNameLst>
+                                          <p:attrName>ppt_y</p:attrName>
+                                        </p:attrNameLst>
+                                      </p:cBhvr>
+                                      <p:tavLst>
+                                        <p:tav tm="0" fmla="#ppt_y-sin(pi*$)/81">
+                                          <p:val>
+                                            <p:fltVal val="0"/>
+                                          </p:val>
+                                        </p:tav>
+                                        <p:tav tm="100000">
+                                          <p:val>
+                                            <p:fltVal val="1"/>
+                                          </p:val>
+                                        </p:tav>
+                                      </p:tavLst>
+                                    </p:anim>
+                                    <p:animScale>
+                                      <p:cBhvr>
+                                        <p:cTn id="13" dur="26">
+                                          <p:stCondLst>
+                                            <p:cond delay="650"/>
+                                          </p:stCondLst>
+                                        </p:cTn>
+                                        <p:tgtEl>
+                                          <p:spTgt spid="5"/>
+                                        </p:tgtEl>
+                                      </p:cBhvr>
+                                      <p:to x="100000" y="60000"/>
+                                    </p:animScale>
+                                    <p:animScale>
+                                      <p:cBhvr>
+                                        <p:cTn id="14" dur="166" decel="50000">
+                                          <p:stCondLst>
+                                            <p:cond delay="676"/>
+                                          </p:stCondLst>
+                                        </p:cTn>
+                                        <p:tgtEl>
+                                          <p:spTgt spid="5"/>
+                                        </p:tgtEl>
+                                      </p:cBhvr>
+                                      <p:to x="100000" y="100000"/>
+                                    </p:animScale>
+                                    <p:animScale>
+                                      <p:cBhvr>
+                                        <p:cTn id="15" dur="26">
+                                          <p:stCondLst>
+                                            <p:cond delay="1312"/>
+                                          </p:stCondLst>
+                                        </p:cTn>
+                                        <p:tgtEl>
+                                          <p:spTgt spid="5"/>
+                                        </p:tgtEl>
+                                      </p:cBhvr>
+                                      <p:to x="100000" y="80000"/>
+                                    </p:animScale>
+                                    <p:animScale>
+                                      <p:cBhvr>
+                                        <p:cTn id="16" dur="166" decel="50000">
+                                          <p:stCondLst>
+                                            <p:cond delay="1338"/>
+                                          </p:stCondLst>
+                                        </p:cTn>
+                                        <p:tgtEl>
+                                          <p:spTgt spid="5"/>
+                                        </p:tgtEl>
+                                      </p:cBhvr>
+                                      <p:to x="100000" y="100000"/>
+                                    </p:animScale>
+                                    <p:animScale>
+                                      <p:cBhvr>
+                                        <p:cTn id="17" dur="26">
+                                          <p:stCondLst>
+                                            <p:cond delay="1642"/>
+                                          </p:stCondLst>
+                                        </p:cTn>
+                                        <p:tgtEl>
+                                          <p:spTgt spid="5"/>
+                                        </p:tgtEl>
+                                      </p:cBhvr>
+                                      <p:to x="100000" y="90000"/>
+                                    </p:animScale>
+                                    <p:animScale>
+                                      <p:cBhvr>
+                                        <p:cTn id="18" dur="166" decel="50000">
+                                          <p:stCondLst>
+                                            <p:cond delay="1668"/>
+                                          </p:stCondLst>
+                                        </p:cTn>
+                                        <p:tgtEl>
+                                          <p:spTgt spid="5"/>
+                                        </p:tgtEl>
+                                      </p:cBhvr>
+                                      <p:to x="100000" y="100000"/>
+                                    </p:animScale>
+                                    <p:animScale>
+                                      <p:cBhvr>
+                                        <p:cTn id="19" dur="26">
+                                          <p:stCondLst>
+                                            <p:cond delay="1808"/>
+                                          </p:stCondLst>
+                                        </p:cTn>
+                                        <p:tgtEl>
+                                          <p:spTgt spid="5"/>
+                                        </p:tgtEl>
+                                      </p:cBhvr>
+                                      <p:to x="100000" y="95000"/>
+                                    </p:animScale>
+                                    <p:animScale>
+                                      <p:cBhvr>
+                                        <p:cTn id="20" dur="166" decel="50000">
+                                          <p:stCondLst>
+                                            <p:cond delay="1834"/>
+                                          </p:stCondLst>
+                                        </p:cTn>
+                                        <p:tgtEl>
+                                          <p:spTgt spid="5"/>
+                                        </p:tgtEl>
+                                      </p:cBhvr>
+                                      <p:to x="100000" y="100000"/>
+                                    </p:animScale>
+                                  </p:childTnLst>
+                                </p:cTn>
+                              </p:par>
+                              <p:par>
+                                <p:cTn id="21" presetID="26" presetClass="entr" presetSubtype="0" fill="hold" nodeType="withEffect">
+                                  <p:stCondLst>
+                                    <p:cond delay="0"/>
+                                  </p:stCondLst>
+                                  <p:childTnLst>
+                                    <p:set>
+                                      <p:cBhvr>
+                                        <p:cTn id="22" dur="1" fill="hold">
+                                          <p:stCondLst>
+                                            <p:cond delay="0"/>
+                                          </p:stCondLst>
+                                        </p:cTn>
+                                        <p:tgtEl>
+                                          <p:spTgt spid="6"/>
+                                        </p:tgtEl>
+                                        <p:attrNameLst>
+                                          <p:attrName>style.visibility</p:attrName>
+                                        </p:attrNameLst>
+                                      </p:cBhvr>
+                                      <p:to>
+                                        <p:strVal val="visible"/>
+                                      </p:to>
+                                    </p:set>
+                                    <p:animEffect transition="in" filter="wipe(down)">
+                                      <p:cBhvr>
+                                        <p:cTn id="23" dur="580">
+                                          <p:stCondLst>
+                                            <p:cond delay="0"/>
+                                          </p:stCondLst>
+                                        </p:cTn>
+                                        <p:tgtEl>
+                                          <p:spTgt spid="6"/>
+                                        </p:tgtEl>
+                                      </p:cBhvr>
+                                    </p:animEffect>
+                                    <p:anim calcmode="lin" valueType="num">
+                                      <p:cBhvr>
+                                        <p:cTn id="24" dur="1822" tmFilter="0,0; 0.14,0.36; 0.43,0.73; 0.71,0.91; 1.0,1.0">
+                                          <p:stCondLst>
+                                            <p:cond delay="0"/>
+                                          </p:stCondLst>
+                                        </p:cTn>
+                                        <p:tgtEl>
+                                          <p:spTgt spid="6"/>
+                                        </p:tgtEl>
+                                        <p:attrNameLst>
+                                          <p:attrName>ppt_x</p:attrName>
+                                        </p:attrNameLst>
+                                      </p:cBhvr>
+                                      <p:tavLst>
+                                        <p:tav tm="0">
+                                          <p:val>
+                                            <p:strVal val="#ppt_x-0.25"/>
+                                          </p:val>
+                                        </p:tav>
+                                        <p:tav tm="100000">
+                                          <p:val>
+                                            <p:strVal val="#ppt_x"/>
+                                          </p:val>
+                                        </p:tav>
+                                      </p:tavLst>
+                                    </p:anim>
+                                    <p:anim calcmode="lin" valueType="num">
+                                      <p:cBhvr>
+                                        <p:cTn id="25" dur="664" tmFilter="0.0,0.0; 0.25,0.07; 0.50,0.2; 0.75,0.467; 1.0,1.0">
+                                          <p:stCondLst>
+                                            <p:cond delay="0"/>
+                                          </p:stCondLst>
+                                        </p:cTn>
+                                        <p:tgtEl>
+                                          <p:spTgt spid="6"/>
+                                        </p:tgtEl>
+                                        <p:attrNameLst>
+                                          <p:attrName>ppt_y</p:attrName>
+                                        </p:attrNameLst>
+                                      </p:cBhvr>
+                                      <p:tavLst>
+                                        <p:tav tm="0" fmla="#ppt_y-sin(pi*$)/3">
+                                          <p:val>
+                                            <p:fltVal val="0.5"/>
+                                          </p:val>
+                                        </p:tav>
+                                        <p:tav tm="100000">
+                                          <p:val>
+                                            <p:fltVal val="1"/>
+                                          </p:val>
+                                        </p:tav>
+                                      </p:tavLst>
+                                    </p:anim>
+                                    <p:anim calcmode="lin" valueType="num">
+                                      <p:cBhvr>
+                                        <p:cTn id="26" dur="664" tmFilter="0, 0; 0.125,0.2665; 0.25,0.4; 0.375,0.465; 0.5,0.5;  0.625,0.535; 0.75,0.6; 0.875,0.7335; 1,1">
+                                          <p:stCondLst>
+                                            <p:cond delay="664"/>
+                                          </p:stCondLst>
+                                        </p:cTn>
+                                        <p:tgtEl>
+                                          <p:spTgt spid="6"/>
+                                        </p:tgtEl>
+                                        <p:attrNameLst>
+                                          <p:attrName>ppt_y</p:attrName>
+                                        </p:attrNameLst>
+                                      </p:cBhvr>
+                                      <p:tavLst>
+                                        <p:tav tm="0" fmla="#ppt_y-sin(pi*$)/9">
+                                          <p:val>
+                                            <p:fltVal val="0"/>
+                                          </p:val>
+                                        </p:tav>
+                                        <p:tav tm="100000">
+                                          <p:val>
+                                            <p:fltVal val="1"/>
+                                          </p:val>
+                                        </p:tav>
+                                      </p:tavLst>
+                                    </p:anim>
+                                    <p:anim calcmode="lin" valueType="num">
+                                      <p:cBhvr>
+                                        <p:cTn id="27" dur="332" tmFilter="0, 0; 0.125,0.2665; 0.25,0.4; 0.375,0.465; 0.5,0.5;  0.625,0.535; 0.75,0.6; 0.875,0.7335; 1,1">
+                                          <p:stCondLst>
+                                            <p:cond delay="1324"/>
+                                          </p:stCondLst>
+                                        </p:cTn>
+                                        <p:tgtEl>
+                                          <p:spTgt spid="6"/>
+                                        </p:tgtEl>
+                                        <p:attrNameLst>
+                                          <p:attrName>ppt_y</p:attrName>
+                                        </p:attrNameLst>
+                                      </p:cBhvr>
+                                      <p:tavLst>
+                                        <p:tav tm="0" fmla="#ppt_y-sin(pi*$)/27">
+                                          <p:val>
+                                            <p:fltVal val="0"/>
+                                          </p:val>
+                                        </p:tav>
+                                        <p:tav tm="100000">
+                                          <p:val>
+                                            <p:fltVal val="1"/>
+                                          </p:val>
+                                        </p:tav>
+                                      </p:tavLst>
+                                    </p:anim>
+                                    <p:anim calcmode="lin" valueType="num">
+                                      <p:cBhvr>
+                                        <p:cTn id="28" dur="164" tmFilter="0, 0; 0.125,0.2665; 0.25,0.4; 0.375,0.465; 0.5,0.5;  0.625,0.535; 0.75,0.6; 0.875,0.7335; 1,1">
+                                          <p:stCondLst>
+                                            <p:cond delay="1656"/>
+                                          </p:stCondLst>
+                                        </p:cTn>
+                                        <p:tgtEl>
+                                          <p:spTgt spid="6"/>
+                                        </p:tgtEl>
+                                        <p:attrNameLst>
+                                          <p:attrName>ppt_y</p:attrName>
+                                        </p:attrNameLst>
+                                      </p:cBhvr>
+                                      <p:tavLst>
+                                        <p:tav tm="0" fmla="#ppt_y-sin(pi*$)/81">
+                                          <p:val>
+                                            <p:fltVal val="0"/>
+                                          </p:val>
+                                        </p:tav>
+                                        <p:tav tm="100000">
+                                          <p:val>
+                                            <p:fltVal val="1"/>
+                                          </p:val>
+                                        </p:tav>
+                                      </p:tavLst>
+                                    </p:anim>
+                                    <p:animScale>
+                                      <p:cBhvr>
+                                        <p:cTn id="29" dur="26">
+                                          <p:stCondLst>
+                                            <p:cond delay="650"/>
+                                          </p:stCondLst>
+                                        </p:cTn>
+                                        <p:tgtEl>
+                                          <p:spTgt spid="6"/>
+                                        </p:tgtEl>
+                                      </p:cBhvr>
+                                      <p:to x="100000" y="60000"/>
+                                    </p:animScale>
+                                    <p:animScale>
+                                      <p:cBhvr>
+                                        <p:cTn id="30" dur="166" decel="50000">
+                                          <p:stCondLst>
+                                            <p:cond delay="676"/>
+                                          </p:stCondLst>
+                                        </p:cTn>
+                                        <p:tgtEl>
+                                          <p:spTgt spid="6"/>
+                                        </p:tgtEl>
+                                      </p:cBhvr>
+                                      <p:to x="100000" y="100000"/>
+                                    </p:animScale>
+                                    <p:animScale>
+                                      <p:cBhvr>
+                                        <p:cTn id="31" dur="26">
+                                          <p:stCondLst>
+                                            <p:cond delay="1312"/>
+                                          </p:stCondLst>
+                                        </p:cTn>
+                                        <p:tgtEl>
+                                          <p:spTgt spid="6"/>
+                                        </p:tgtEl>
+                                      </p:cBhvr>
+                                      <p:to x="100000" y="80000"/>
+                                    </p:animScale>
+                                    <p:animScale>
+                                      <p:cBhvr>
+                                        <p:cTn id="32" dur="166" decel="50000">
+                                          <p:stCondLst>
+                                            <p:cond delay="1338"/>
+                                          </p:stCondLst>
+                                        </p:cTn>
+                                        <p:tgtEl>
+                                          <p:spTgt spid="6"/>
+                                        </p:tgtEl>
+                                      </p:cBhvr>
+                                      <p:to x="100000" y="100000"/>
+                                    </p:animScale>
+                                    <p:animScale>
+                                      <p:cBhvr>
+                                        <p:cTn id="33" dur="26">
+                                          <p:stCondLst>
+                                            <p:cond delay="1642"/>
+                                          </p:stCondLst>
+                                        </p:cTn>
+                                        <p:tgtEl>
+                                          <p:spTgt spid="6"/>
+                                        </p:tgtEl>
+                                      </p:cBhvr>
+                                      <p:to x="100000" y="90000"/>
+                                    </p:animScale>
+                                    <p:animScale>
+                                      <p:cBhvr>
+                                        <p:cTn id="34" dur="166" decel="50000">
+                                          <p:stCondLst>
+                                            <p:cond delay="1668"/>
+                                          </p:stCondLst>
+                                        </p:cTn>
+                                        <p:tgtEl>
+                                          <p:spTgt spid="6"/>
+                                        </p:tgtEl>
+                                      </p:cBhvr>
+                                      <p:to x="100000" y="100000"/>
+                                    </p:animScale>
+                                    <p:animScale>
+                                      <p:cBhvr>
+                                        <p:cTn id="35" dur="26">
+                                          <p:stCondLst>
+                                            <p:cond delay="1808"/>
+                                          </p:stCondLst>
+                                        </p:cTn>
+                                        <p:tgtEl>
+                                          <p:spTgt spid="6"/>
+                                        </p:tgtEl>
+                                      </p:cBhvr>
+                                      <p:to x="100000" y="95000"/>
+                                    </p:animScale>
+                                    <p:animScale>
+                                      <p:cBhvr>
+                                        <p:cTn id="36" dur="166" decel="50000">
+                                          <p:stCondLst>
+                                            <p:cond delay="1834"/>
+                                          </p:stCondLst>
+                                        </p:cTn>
+                                        <p:tgtEl>
+                                          <p:spTgt spid="6"/>
+                                        </p:tgtEl>
+                                      </p:cBhvr>
+                                      <p:to x="100000" y="100000"/>
+                                    </p:animScale>
+                                  </p:childTnLst>
+                                </p:cTn>
+                              </p:par>
+                              <p:par>
+                                <p:cTn id="37" presetID="26" presetClass="entr" presetSubtype="0" fill="hold" grpId="0" nodeType="withEffect">
+                                  <p:stCondLst>
+                                    <p:cond delay="0"/>
+                                  </p:stCondLst>
+                                  <p:childTnLst>
+                                    <p:set>
+                                      <p:cBhvr>
+                                        <p:cTn id="38" dur="1" fill="hold">
+                                          <p:stCondLst>
+                                            <p:cond delay="0"/>
+                                          </p:stCondLst>
+                                        </p:cTn>
+                                        <p:tgtEl>
+                                          <p:spTgt spid="7"/>
+                                        </p:tgtEl>
+                                        <p:attrNameLst>
+                                          <p:attrName>style.visibility</p:attrName>
+                                        </p:attrNameLst>
+                                      </p:cBhvr>
+                                      <p:to>
+                                        <p:strVal val="visible"/>
+                                      </p:to>
+                                    </p:set>
+                                    <p:animEffect transition="in" filter="wipe(down)">
+                                      <p:cBhvr>
+                                        <p:cTn id="39" dur="580">
+                                          <p:stCondLst>
+                                            <p:cond delay="0"/>
+                                          </p:stCondLst>
+                                        </p:cTn>
+                                        <p:tgtEl>
+                                          <p:spTgt spid="7"/>
+                                        </p:tgtEl>
+                                      </p:cBhvr>
+                                    </p:animEffect>
+                                    <p:anim calcmode="lin" valueType="num">
+                                      <p:cBhvr>
+                                        <p:cTn id="40" dur="1822" tmFilter="0,0; 0.14,0.36; 0.43,0.73; 0.71,0.91; 1.0,1.0">
+                                          <p:stCondLst>
+                                            <p:cond delay="0"/>
+                                          </p:stCondLst>
+                                        </p:cTn>
+                                        <p:tgtEl>
+                                          <p:spTgt spid="7"/>
+                                        </p:tgtEl>
+                                        <p:attrNameLst>
+                                          <p:attrName>ppt_x</p:attrName>
+                                        </p:attrNameLst>
+                                      </p:cBhvr>
+                                      <p:tavLst>
+                                        <p:tav tm="0">
+                                          <p:val>
+                                            <p:strVal val="#ppt_x-0.25"/>
+                                          </p:val>
+                                        </p:tav>
+                                        <p:tav tm="100000">
+                                          <p:val>
+                                            <p:strVal val="#ppt_x"/>
+                                          </p:val>
+                                        </p:tav>
+                                      </p:tavLst>
+                                    </p:anim>
+                                    <p:anim calcmode="lin" valueType="num">
+                                      <p:cBhvr>
+                                        <p:cTn id="41" dur="664" tmFilter="0.0,0.0; 0.25,0.07; 0.50,0.2; 0.75,0.467; 1.0,1.0">
+                                          <p:stCondLst>
+                                            <p:cond delay="0"/>
+                                          </p:stCondLst>
+                                        </p:cTn>
+                                        <p:tgtEl>
+                                          <p:spTgt spid="7"/>
+                                        </p:tgtEl>
+                                        <p:attrNameLst>
+                                          <p:attrName>ppt_y</p:attrName>
+                                        </p:attrNameLst>
+                                      </p:cBhvr>
+                                      <p:tavLst>
+                                        <p:tav tm="0" fmla="#ppt_y-sin(pi*$)/3">
+                                          <p:val>
+                                            <p:fltVal val="0.5"/>
+                                          </p:val>
+                                        </p:tav>
+                                        <p:tav tm="100000">
+                                          <p:val>
+                                            <p:fltVal val="1"/>
+                                          </p:val>
+                                        </p:tav>
+                                      </p:tavLst>
+                                    </p:anim>
+                                    <p:anim calcmode="lin" valueType="num">
+                                      <p:cBhvr>
+                                        <p:cTn id="42" dur="664" tmFilter="0, 0; 0.125,0.2665; 0.25,0.4; 0.375,0.465; 0.5,0.5;  0.625,0.535; 0.75,0.6; 0.875,0.7335; 1,1">
+                                          <p:stCondLst>
+                                            <p:cond delay="664"/>
+                                          </p:stCondLst>
+                                        </p:cTn>
+                                        <p:tgtEl>
+                                          <p:spTgt spid="7"/>
+                                        </p:tgtEl>
+                                        <p:attrNameLst>
+                                          <p:attrName>ppt_y</p:attrName>
+                                        </p:attrNameLst>
+                                      </p:cBhvr>
+                                      <p:tavLst>
+                                        <p:tav tm="0" fmla="#ppt_y-sin(pi*$)/9">
+                                          <p:val>
+                                            <p:fltVal val="0"/>
+                                          </p:val>
+                                        </p:tav>
+                                        <p:tav tm="100000">
+                                          <p:val>
+                                            <p:fltVal val="1"/>
+                                          </p:val>
+                                        </p:tav>
+                                      </p:tavLst>
+                                    </p:anim>
+                                    <p:anim calcmode="lin" valueType="num">
+                                      <p:cBhvr>
+                                        <p:cTn id="43" dur="332" tmFilter="0, 0; 0.125,0.2665; 0.25,0.4; 0.375,0.465; 0.5,0.5;  0.625,0.535; 0.75,0.6; 0.875,0.7335; 1,1">
+                                          <p:stCondLst>
+                                            <p:cond delay="1324"/>
+                                          </p:stCondLst>
+                                        </p:cTn>
+                                        <p:tgtEl>
+                                          <p:spTgt spid="7"/>
+                                        </p:tgtEl>
+                                        <p:attrNameLst>
+                                          <p:attrName>ppt_y</p:attrName>
+                                        </p:attrNameLst>
+                                      </p:cBhvr>
+                                      <p:tavLst>
+                                        <p:tav tm="0" fmla="#ppt_y-sin(pi*$)/27">
+                                          <p:val>
+                                            <p:fltVal val="0"/>
+                                          </p:val>
+                                        </p:tav>
+                                        <p:tav tm="100000">
+                                          <p:val>
+                                            <p:fltVal val="1"/>
+                                          </p:val>
+                                        </p:tav>
+                                      </p:tavLst>
+                                    </p:anim>
+                                    <p:anim calcmode="lin" valueType="num">
+                                      <p:cBhvr>
+                                        <p:cTn id="44" dur="164" tmFilter="0, 0; 0.125,0.2665; 0.25,0.4; 0.375,0.465; 0.5,0.5;  0.625,0.535; 0.75,0.6; 0.875,0.7335; 1,1">
+                                          <p:stCondLst>
+                                            <p:cond delay="1656"/>
+                                          </p:stCondLst>
+                                        </p:cTn>
+                                        <p:tgtEl>
+                                          <p:spTgt spid="7"/>
+                                        </p:tgtEl>
+                                        <p:attrNameLst>
+                                          <p:attrName>ppt_y</p:attrName>
+                                        </p:attrNameLst>
+                                      </p:cBhvr>
+                                      <p:tavLst>
+                                        <p:tav tm="0" fmla="#ppt_y-sin(pi*$)/81">
+                                          <p:val>
+                                            <p:fltVal val="0"/>
+                                          </p:val>
+                                        </p:tav>
+                                        <p:tav tm="100000">
+                                          <p:val>
+                                            <p:fltVal val="1"/>
+                                          </p:val>
+                                        </p:tav>
+                                      </p:tavLst>
+                                    </p:anim>
+                                    <p:animScale>
+                                      <p:cBhvr>
+                                        <p:cTn id="45" dur="26">
+                                          <p:stCondLst>
+                                            <p:cond delay="650"/>
+                                          </p:stCondLst>
+                                        </p:cTn>
+                                        <p:tgtEl>
+                                          <p:spTgt spid="7"/>
+                                        </p:tgtEl>
+                                      </p:cBhvr>
+                                      <p:to x="100000" y="60000"/>
+                                    </p:animScale>
+                                    <p:animScale>
+                                      <p:cBhvr>
+                                        <p:cTn id="46" dur="166" decel="50000">
+                                          <p:stCondLst>
+                                            <p:cond delay="676"/>
+                                          </p:stCondLst>
+                                        </p:cTn>
+                                        <p:tgtEl>
+                                          <p:spTgt spid="7"/>
+                                        </p:tgtEl>
+                                      </p:cBhvr>
+                                      <p:to x="100000" y="100000"/>
+                                    </p:animScale>
+                                    <p:animScale>
+                                      <p:cBhvr>
+                                        <p:cTn id="47" dur="26">
+                                          <p:stCondLst>
+                                            <p:cond delay="1312"/>
+                                          </p:stCondLst>
+                                        </p:cTn>
+                                        <p:tgtEl>
+                                          <p:spTgt spid="7"/>
+                                        </p:tgtEl>
+                                      </p:cBhvr>
+                                      <p:to x="100000" y="80000"/>
+                                    </p:animScale>
+                                    <p:animScale>
+                                      <p:cBhvr>
+                                        <p:cTn id="48" dur="166" decel="50000">
+                                          <p:stCondLst>
+                                            <p:cond delay="1338"/>
+                                          </p:stCondLst>
+                                        </p:cTn>
+                                        <p:tgtEl>
+                                          <p:spTgt spid="7"/>
+                                        </p:tgtEl>
+                                      </p:cBhvr>
+                                      <p:to x="100000" y="100000"/>
+                                    </p:animScale>
+                                    <p:animScale>
+                                      <p:cBhvr>
+                                        <p:cTn id="49" dur="26">
+                                          <p:stCondLst>
+                                            <p:cond delay="1642"/>
+                                          </p:stCondLst>
+                                        </p:cTn>
+                                        <p:tgtEl>
+                                          <p:spTgt spid="7"/>
+                                        </p:tgtEl>
+                                      </p:cBhvr>
+                                      <p:to x="100000" y="90000"/>
+                                    </p:animScale>
+                                    <p:animScale>
+                                      <p:cBhvr>
+                                        <p:cTn id="50" dur="166" decel="50000">
+                                          <p:stCondLst>
+                                            <p:cond delay="1668"/>
+                                          </p:stCondLst>
+                                        </p:cTn>
+                                        <p:tgtEl>
+                                          <p:spTgt spid="7"/>
+                                        </p:tgtEl>
+                                      </p:cBhvr>
+                                      <p:to x="100000" y="100000"/>
+                                    </p:animScale>
+                                    <p:animScale>
+                                      <p:cBhvr>
+                                        <p:cTn id="51" dur="26">
+                                          <p:stCondLst>
+                                            <p:cond delay="1808"/>
+                                          </p:stCondLst>
+                                        </p:cTn>
+                                        <p:tgtEl>
+                                          <p:spTgt spid="7"/>
+                                        </p:tgtEl>
+                                      </p:cBhvr>
+                                      <p:to x="100000" y="95000"/>
+                                    </p:animScale>
+                                    <p:animScale>
+                                      <p:cBhvr>
+                                        <p:cTn id="52" dur="166" decel="50000">
+                                          <p:stCondLst>
+                                            <p:cond delay="1834"/>
+                                          </p:stCondLst>
+                                        </p:cTn>
+                                        <p:tgtEl>
+                                          <p:spTgt spid="7"/>
+                                        </p:tgtEl>
+                                      </p:cBhvr>
+                                      <p:to x="100000" y="100000"/>
+                                    </p:animScale>
+                                  </p:childTnLst>
+                                </p:cTn>
+                              </p:par>
+                              <p:par>
+                                <p:cTn id="53" presetID="26" presetClass="entr" presetSubtype="0" fill="hold" grpId="0" nodeType="withEffect">
+                                  <p:stCondLst>
+                                    <p:cond delay="0"/>
+                                  </p:stCondLst>
+                                  <p:childTnLst>
+                                    <p:set>
+                                      <p:cBhvr>
+                                        <p:cTn id="54" dur="1" fill="hold">
+                                          <p:stCondLst>
+                                            <p:cond delay="0"/>
+                                          </p:stCondLst>
+                                        </p:cTn>
+                                        <p:tgtEl>
+                                          <p:spTgt spid="8"/>
+                                        </p:tgtEl>
+                                        <p:attrNameLst>
+                                          <p:attrName>style.visibility</p:attrName>
+                                        </p:attrNameLst>
+                                      </p:cBhvr>
+                                      <p:to>
+                                        <p:strVal val="visible"/>
+                                      </p:to>
+                                    </p:set>
+                                    <p:animEffect transition="in" filter="wipe(down)">
+                                      <p:cBhvr>
+                                        <p:cTn id="55" dur="580">
+                                          <p:stCondLst>
+                                            <p:cond delay="0"/>
+                                          </p:stCondLst>
+                                        </p:cTn>
+                                        <p:tgtEl>
+                                          <p:spTgt spid="8"/>
+                                        </p:tgtEl>
+                                      </p:cBhvr>
+                                    </p:animEffect>
+                                    <p:anim calcmode="lin" valueType="num">
+                                      <p:cBhvr>
+                                        <p:cTn id="56" dur="1822" tmFilter="0,0; 0.14,0.36; 0.43,0.73; 0.71,0.91; 1.0,1.0">
+                                          <p:stCondLst>
+                                            <p:cond delay="0"/>
+                                          </p:stCondLst>
+                                        </p:cTn>
+                                        <p:tgtEl>
+                                          <p:spTgt spid="8"/>
+                                        </p:tgtEl>
+                                        <p:attrNameLst>
+                                          <p:attrName>ppt_x</p:attrName>
+                                        </p:attrNameLst>
+                                      </p:cBhvr>
+                                      <p:tavLst>
+                                        <p:tav tm="0">
+                                          <p:val>
+                                            <p:strVal val="#ppt_x-0.25"/>
+                                          </p:val>
+                                        </p:tav>
+                                        <p:tav tm="100000">
+                                          <p:val>
+                                            <p:strVal val="#ppt_x"/>
+                                          </p:val>
+                                        </p:tav>
+                                      </p:tavLst>
+                                    </p:anim>
+                                    <p:anim calcmode="lin" valueType="num">
+                                      <p:cBhvr>
+                                        <p:cTn id="57" dur="664" tmFilter="0.0,0.0; 0.25,0.07; 0.50,0.2; 0.75,0.467; 1.0,1.0">
+                                          <p:stCondLst>
+                                            <p:cond delay="0"/>
+                                          </p:stCondLst>
+                                        </p:cTn>
+                                        <p:tgtEl>
+                                          <p:spTgt spid="8"/>
+                                        </p:tgtEl>
+                                        <p:attrNameLst>
+                                          <p:attrName>ppt_y</p:attrName>
+                                        </p:attrNameLst>
+                                      </p:cBhvr>
+                                      <p:tavLst>
+                                        <p:tav tm="0" fmla="#ppt_y-sin(pi*$)/3">
+                                          <p:val>
+                                            <p:fltVal val="0.5"/>
+                                          </p:val>
+                                        </p:tav>
+                                        <p:tav tm="100000">
+                                          <p:val>
+                                            <p:fltVal val="1"/>
+                                          </p:val>
+                                        </p:tav>
+                                      </p:tavLst>
+                                    </p:anim>
+                                    <p:anim calcmode="lin" valueType="num">
+                                      <p:cBhvr>
+                                        <p:cTn id="58" dur="664" tmFilter="0, 0; 0.125,0.2665; 0.25,0.4; 0.375,0.465; 0.5,0.5;  0.625,0.535; 0.75,0.6; 0.875,0.7335; 1,1">
+                                          <p:stCondLst>
+                                            <p:cond delay="664"/>
+                                          </p:stCondLst>
+                                        </p:cTn>
+                                        <p:tgtEl>
+                                          <p:spTgt spid="8"/>
+                                        </p:tgtEl>
+                                        <p:attrNameLst>
+                                          <p:attrName>ppt_y</p:attrName>
+                                        </p:attrNameLst>
+                                      </p:cBhvr>
+                                      <p:tavLst>
+                                        <p:tav tm="0" fmla="#ppt_y-sin(pi*$)/9">
+                                          <p:val>
+                                            <p:fltVal val="0"/>
+                                          </p:val>
+                                        </p:tav>
+                                        <p:tav tm="100000">
+                                          <p:val>
+                                            <p:fltVal val="1"/>
+                                          </p:val>
+                                        </p:tav>
+                                      </p:tavLst>
+                                    </p:anim>
+                                    <p:anim calcmode="lin" valueType="num">
+                                      <p:cBhvr>
+                                        <p:cTn id="59" dur="332" tmFilter="0, 0; 0.125,0.2665; 0.25,0.4; 0.375,0.465; 0.5,0.5;  0.625,0.535; 0.75,0.6; 0.875,0.7335; 1,1">
+                                          <p:stCondLst>
+                                            <p:cond delay="1324"/>
+                                          </p:stCondLst>
+                                        </p:cTn>
+                                        <p:tgtEl>
+                                          <p:spTgt spid="8"/>
+                                        </p:tgtEl>
+                                        <p:attrNameLst>
+                                          <p:attrName>ppt_y</p:attrName>
+                                        </p:attrNameLst>
+                                      </p:cBhvr>
+                                      <p:tavLst>
+                                        <p:tav tm="0" fmla="#ppt_y-sin(pi*$)/27">
+                                          <p:val>
+                                            <p:fltVal val="0"/>
+                                          </p:val>
+                                        </p:tav>
+                                        <p:tav tm="100000">
+                                          <p:val>
+                                            <p:fltVal val="1"/>
+                                          </p:val>
+                                        </p:tav>
+                                      </p:tavLst>
+                                    </p:anim>
+                                    <p:anim calcmode="lin" valueType="num">
+                                      <p:cBhvr>
+                                        <p:cTn id="60" dur="164" tmFilter="0, 0; 0.125,0.2665; 0.25,0.4; 0.375,0.465; 0.5,0.5;  0.625,0.535; 0.75,0.6; 0.875,0.7335; 1,1">
+                                          <p:stCondLst>
+                                            <p:cond delay="1656"/>
+                                          </p:stCondLst>
+                                        </p:cTn>
+                                        <p:tgtEl>
+                                          <p:spTgt spid="8"/>
+                                        </p:tgtEl>
+                                        <p:attrNameLst>
+                                          <p:attrName>ppt_y</p:attrName>
+                                        </p:attrNameLst>
+                                      </p:cBhvr>
+                                      <p:tavLst>
+                                        <p:tav tm="0" fmla="#ppt_y-sin(pi*$)/81">
+                                          <p:val>
+                                            <p:fltVal val="0"/>
+                                          </p:val>
+                                        </p:tav>
+                                        <p:tav tm="100000">
+                                          <p:val>
+                                            <p:fltVal val="1"/>
+                                          </p:val>
+                                        </p:tav>
+                                      </p:tavLst>
+                                    </p:anim>
+                                    <p:animScale>
+                                      <p:cBhvr>
+                                        <p:cTn id="61" dur="26">
+                                          <p:stCondLst>
+                                            <p:cond delay="650"/>
+                                          </p:stCondLst>
+                                        </p:cTn>
+                                        <p:tgtEl>
+                                          <p:spTgt spid="8"/>
+                                        </p:tgtEl>
+                                      </p:cBhvr>
+                                      <p:to x="100000" y="60000"/>
+                                    </p:animScale>
+                                    <p:animScale>
+                                      <p:cBhvr>
+                                        <p:cTn id="62" dur="166" decel="50000">
+                                          <p:stCondLst>
+                                            <p:cond delay="676"/>
+                                          </p:stCondLst>
+                                        </p:cTn>
+                                        <p:tgtEl>
+                                          <p:spTgt spid="8"/>
+                                        </p:tgtEl>
+                                      </p:cBhvr>
+                                      <p:to x="100000" y="100000"/>
+                                    </p:animScale>
+                                    <p:animScale>
+                                      <p:cBhvr>
+                                        <p:cTn id="63" dur="26">
+                                          <p:stCondLst>
+                                            <p:cond delay="1312"/>
+                                          </p:stCondLst>
+                                        </p:cTn>
+                                        <p:tgtEl>
+                                          <p:spTgt spid="8"/>
+                                        </p:tgtEl>
+                                      </p:cBhvr>
+                                      <p:to x="100000" y="80000"/>
+                                    </p:animScale>
+                                    <p:animScale>
+                                      <p:cBhvr>
+                                        <p:cTn id="64" dur="166" decel="50000">
+                                          <p:stCondLst>
+                                            <p:cond delay="1338"/>
+                                          </p:stCondLst>
+                                        </p:cTn>
+                                        <p:tgtEl>
+                                          <p:spTgt spid="8"/>
+                                        </p:tgtEl>
+                                      </p:cBhvr>
+                                      <p:to x="100000" y="100000"/>
+                                    </p:animScale>
+                                    <p:animScale>
+                                      <p:cBhvr>
+                                        <p:cTn id="65" dur="26">
+                                          <p:stCondLst>
+                                            <p:cond delay="1642"/>
+                                          </p:stCondLst>
+                                        </p:cTn>
+                                        <p:tgtEl>
+                                          <p:spTgt spid="8"/>
+                                        </p:tgtEl>
+                                      </p:cBhvr>
+                                      <p:to x="100000" y="90000"/>
+                                    </p:animScale>
+                                    <p:animScale>
+                                      <p:cBhvr>
+                                        <p:cTn id="66" dur="166" decel="50000">
+                                          <p:stCondLst>
+                                            <p:cond delay="1668"/>
+                                          </p:stCondLst>
+                                        </p:cTn>
+                                        <p:tgtEl>
+                                          <p:spTgt spid="8"/>
+                                        </p:tgtEl>
+                                      </p:cBhvr>
+                                      <p:to x="100000" y="100000"/>
+                                    </p:animScale>
+                                    <p:animScale>
+                                      <p:cBhvr>
+                                        <p:cTn id="67" dur="26">
+                                          <p:stCondLst>
+                                            <p:cond delay="1808"/>
+                                          </p:stCondLst>
+                                        </p:cTn>
+                                        <p:tgtEl>
+                                          <p:spTgt spid="8"/>
+                                        </p:tgtEl>
+                                      </p:cBhvr>
+                                      <p:to x="100000" y="95000"/>
+                                    </p:animScale>
+                                    <p:animScale>
+                                      <p:cBhvr>
+                                        <p:cTn id="68" dur="166" decel="50000">
+                                          <p:stCondLst>
+                                            <p:cond delay="1834"/>
+                                          </p:stCondLst>
+                                        </p:cTn>
+                                        <p:tgtEl>
+                                          <p:spTgt spid="8"/>
+                                        </p:tgtEl>
+                                      </p:cBhvr>
+                                      <p:to x="100000" y="100000"/>
+                                    </p:animScale>
+                                  </p:childTnLst>
+                                </p:cTn>
+                              </p:par>
+                              <p:par>
+                                <p:cTn id="69" presetID="26" presetClass="entr" presetSubtype="0" fill="hold" grpId="0" nodeType="withEffect">
+                                  <p:stCondLst>
+                                    <p:cond delay="0"/>
+                                  </p:stCondLst>
+                                  <p:childTnLst>
+                                    <p:set>
+                                      <p:cBhvr>
+                                        <p:cTn id="70" dur="1" fill="hold">
+                                          <p:stCondLst>
+                                            <p:cond delay="0"/>
+                                          </p:stCondLst>
+                                        </p:cTn>
+                                        <p:tgtEl>
+                                          <p:spTgt spid="9"/>
+                                        </p:tgtEl>
+                                        <p:attrNameLst>
+                                          <p:attrName>style.visibility</p:attrName>
+                                        </p:attrNameLst>
+                                      </p:cBhvr>
+                                      <p:to>
+                                        <p:strVal val="visible"/>
+                                      </p:to>
+                                    </p:set>
+                                    <p:animEffect transition="in" filter="wipe(down)">
+                                      <p:cBhvr>
+                                        <p:cTn id="71" dur="580">
+                                          <p:stCondLst>
+                                            <p:cond delay="0"/>
+                                          </p:stCondLst>
+                                        </p:cTn>
+                                        <p:tgtEl>
+                                          <p:spTgt spid="9"/>
+                                        </p:tgtEl>
+                                      </p:cBhvr>
+                                    </p:animEffect>
+                                    <p:anim calcmode="lin" valueType="num">
+                                      <p:cBhvr>
+                                        <p:cTn id="72" dur="1822" tmFilter="0,0; 0.14,0.36; 0.43,0.73; 0.71,0.91; 1.0,1.0">
+                                          <p:stCondLst>
+                                            <p:cond delay="0"/>
+                                          </p:stCondLst>
+                                        </p:cTn>
+                                        <p:tgtEl>
+                                          <p:spTgt spid="9"/>
+                                        </p:tgtEl>
+                                        <p:attrNameLst>
+                                          <p:attrName>ppt_x</p:attrName>
+                                        </p:attrNameLst>
+                                      </p:cBhvr>
+                                      <p:tavLst>
+                                        <p:tav tm="0">
+                                          <p:val>
+                                            <p:strVal val="#ppt_x-0.25"/>
+                                          </p:val>
+                                        </p:tav>
+                                        <p:tav tm="100000">
+                                          <p:val>
+                                            <p:strVal val="#ppt_x"/>
+                                          </p:val>
+                                        </p:tav>
+                                      </p:tavLst>
+                                    </p:anim>
+                                    <p:anim calcmode="lin" valueType="num">
+                                      <p:cBhvr>
+                                        <p:cTn id="73" dur="664" tmFilter="0.0,0.0; 0.25,0.07; 0.50,0.2; 0.75,0.467; 1.0,1.0">
+                                          <p:stCondLst>
+                                            <p:cond delay="0"/>
+                                          </p:stCondLst>
+                                        </p:cTn>
+                                        <p:tgtEl>
+                                          <p:spTgt spid="9"/>
+                                        </p:tgtEl>
+                                        <p:attrNameLst>
+                                          <p:attrName>ppt_y</p:attrName>
+                                        </p:attrNameLst>
+                                      </p:cBhvr>
+                                      <p:tavLst>
+                                        <p:tav tm="0" fmla="#ppt_y-sin(pi*$)/3">
+                                          <p:val>
+                                            <p:fltVal val="0.5"/>
+                                          </p:val>
+                                        </p:tav>
+                                        <p:tav tm="100000">
+                                          <p:val>
+                                            <p:fltVal val="1"/>
+                                          </p:val>
+                                        </p:tav>
+                                      </p:tavLst>
+                                    </p:anim>
+                                    <p:anim calcmode="lin" valueType="num">
+                                      <p:cBhvr>
+                                        <p:cTn id="74" dur="664" tmFilter="0, 0; 0.125,0.2665; 0.25,0.4; 0.375,0.465; 0.5,0.5;  0.625,0.535; 0.75,0.6; 0.875,0.7335; 1,1">
+                                          <p:stCondLst>
+                                            <p:cond delay="664"/>
+                                          </p:stCondLst>
+                                        </p:cTn>
+                                        <p:tgtEl>
+                                          <p:spTgt spid="9"/>
+                                        </p:tgtEl>
+                                        <p:attrNameLst>
+                                          <p:attrName>ppt_y</p:attrName>
+                                        </p:attrNameLst>
+                                      </p:cBhvr>
+                                      <p:tavLst>
+                                        <p:tav tm="0" fmla="#ppt_y-sin(pi*$)/9">
+                                          <p:val>
+                                            <p:fltVal val="0"/>
+                                          </p:val>
+                                        </p:tav>
+                                        <p:tav tm="100000">
+                                          <p:val>
+                                            <p:fltVal val="1"/>
+                                          </p:val>
+                                        </p:tav>
+                                      </p:tavLst>
+                                    </p:anim>
+                                    <p:anim calcmode="lin" valueType="num">
+                                      <p:cBhvr>
+                                        <p:cTn id="75" dur="332" tmFilter="0, 0; 0.125,0.2665; 0.25,0.4; 0.375,0.465; 0.5,0.5;  0.625,0.535; 0.75,0.6; 0.875,0.7335; 1,1">
+                                          <p:stCondLst>
+                                            <p:cond delay="1324"/>
+                                          </p:stCondLst>
+                                        </p:cTn>
+                                        <p:tgtEl>
+                                          <p:spTgt spid="9"/>
+                                        </p:tgtEl>
+                                        <p:attrNameLst>
+                                          <p:attrName>ppt_y</p:attrName>
+                                        </p:attrNameLst>
+                                      </p:cBhvr>
+                                      <p:tavLst>
+                                        <p:tav tm="0" fmla="#ppt_y-sin(pi*$)/27">
+                                          <p:val>
+                                            <p:fltVal val="0"/>
+                                          </p:val>
+                                        </p:tav>
+                                        <p:tav tm="100000">
+                                          <p:val>
+                                            <p:fltVal val="1"/>
+                                          </p:val>
+                                        </p:tav>
+                                      </p:tavLst>
+                                    </p:anim>
+                                    <p:anim calcmode="lin" valueType="num">
+                                      <p:cBhvr>
+                                        <p:cTn id="76" dur="164" tmFilter="0, 0; 0.125,0.2665; 0.25,0.4; 0.375,0.465; 0.5,0.5;  0.625,0.535; 0.75,0.6; 0.875,0.7335; 1,1">
+                                          <p:stCondLst>
+                                            <p:cond delay="1656"/>
+                                          </p:stCondLst>
+                                        </p:cTn>
+                                        <p:tgtEl>
+                                          <p:spTgt spid="9"/>
+                                        </p:tgtEl>
+                                        <p:attrNameLst>
+                                          <p:attrName>ppt_y</p:attrName>
+                                        </p:attrNameLst>
+                                      </p:cBhvr>
+                                      <p:tavLst>
+                                        <p:tav tm="0" fmla="#ppt_y-sin(pi*$)/81">
+                                          <p:val>
+                                            <p:fltVal val="0"/>
+                                          </p:val>
+                                        </p:tav>
+                                        <p:tav tm="100000">
+                                          <p:val>
+                                            <p:fltVal val="1"/>
+                                          </p:val>
+                                        </p:tav>
+                                      </p:tavLst>
+                                    </p:anim>
+                                    <p:animScale>
+                                      <p:cBhvr>
+                                        <p:cTn id="77" dur="26">
+                                          <p:stCondLst>
+                                            <p:cond delay="650"/>
+                                          </p:stCondLst>
+                                        </p:cTn>
+                                        <p:tgtEl>
+                                          <p:spTgt spid="9"/>
+                                        </p:tgtEl>
+                                      </p:cBhvr>
+                                      <p:to x="100000" y="60000"/>
+                                    </p:animScale>
+                                    <p:animScale>
+                                      <p:cBhvr>
+                                        <p:cTn id="78" dur="166" decel="50000">
+                                          <p:stCondLst>
+                                            <p:cond delay="676"/>
+                                          </p:stCondLst>
+                                        </p:cTn>
+                                        <p:tgtEl>
+                                          <p:spTgt spid="9"/>
+                                        </p:tgtEl>
+                                      </p:cBhvr>
+                                      <p:to x="100000" y="100000"/>
+                                    </p:animScale>
+                                    <p:animScale>
+                                      <p:cBhvr>
+                                        <p:cTn id="79" dur="26">
+                                          <p:stCondLst>
+                                            <p:cond delay="1312"/>
+                                          </p:stCondLst>
+                                        </p:cTn>
+                                        <p:tgtEl>
+                                          <p:spTgt spid="9"/>
+                                        </p:tgtEl>
+                                      </p:cBhvr>
+                                      <p:to x="100000" y="80000"/>
+                                    </p:animScale>
+                                    <p:animScale>
+                                      <p:cBhvr>
+                                        <p:cTn id="80" dur="166" decel="50000">
+                                          <p:stCondLst>
+                                            <p:cond delay="1338"/>
+                                          </p:stCondLst>
+                                        </p:cTn>
+                                        <p:tgtEl>
+                                          <p:spTgt spid="9"/>
+                                        </p:tgtEl>
+                                      </p:cBhvr>
+                                      <p:to x="100000" y="100000"/>
+                                    </p:animScale>
+                                    <p:animScale>
+                                      <p:cBhvr>
+                                        <p:cTn id="81" dur="26">
+                                          <p:stCondLst>
+                                            <p:cond delay="1642"/>
+                                          </p:stCondLst>
+                                        </p:cTn>
+                                        <p:tgtEl>
+                                          <p:spTgt spid="9"/>
+                                        </p:tgtEl>
+                                      </p:cBhvr>
+                                      <p:to x="100000" y="90000"/>
+                                    </p:animScale>
+                                    <p:animScale>
+                                      <p:cBhvr>
+                                        <p:cTn id="82" dur="166" decel="50000">
+                                          <p:stCondLst>
+                                            <p:cond delay="1668"/>
+                                          </p:stCondLst>
+                                        </p:cTn>
+                                        <p:tgtEl>
+                                          <p:spTgt spid="9"/>
+                                        </p:tgtEl>
+                                      </p:cBhvr>
+                                      <p:to x="100000" y="100000"/>
+                                    </p:animScale>
+                                    <p:animScale>
+                                      <p:cBhvr>
+                                        <p:cTn id="83" dur="26">
+                                          <p:stCondLst>
+                                            <p:cond delay="1808"/>
+                                          </p:stCondLst>
+                                        </p:cTn>
+                                        <p:tgtEl>
+                                          <p:spTgt spid="9"/>
+                                        </p:tgtEl>
+                                      </p:cBhvr>
+                                      <p:to x="100000" y="95000"/>
+                                    </p:animScale>
+                                    <p:animScale>
+                                      <p:cBhvr>
+                                        <p:cTn id="84" dur="166" decel="50000">
+                                          <p:stCondLst>
+                                            <p:cond delay="1834"/>
+                                          </p:stCondLst>
+                                        </p:cTn>
+                                        <p:tgtEl>
+                                          <p:spTgt spid="9"/>
+                                        </p:tgtEl>
+                                      </p:cBhvr>
+                                      <p:to x="100000" y="100000"/>
+                                    </p:animScale>
+                                  </p:childTnLst>
+                                </p:cTn>
+                              </p:par>
+                              <p:par>
+                                <p:cTn id="85" presetID="26" presetClass="entr" presetSubtype="0" fill="hold" nodeType="withEffect">
+                                  <p:stCondLst>
+                                    <p:cond delay="0"/>
+                                  </p:stCondLst>
+                                  <p:childTnLst>
+                                    <p:set>
+                                      <p:cBhvr>
+                                        <p:cTn id="86" dur="1" fill="hold">
+                                          <p:stCondLst>
+                                            <p:cond delay="0"/>
+                                          </p:stCondLst>
+                                        </p:cTn>
+                                        <p:tgtEl>
+                                          <p:spTgt spid="4"/>
+                                        </p:tgtEl>
+                                        <p:attrNameLst>
+                                          <p:attrName>style.visibility</p:attrName>
+                                        </p:attrNameLst>
+                                      </p:cBhvr>
+                                      <p:to>
+                                        <p:strVal val="visible"/>
+                                      </p:to>
+                                    </p:set>
+                                    <p:animEffect transition="in" filter="wipe(down)">
+                                      <p:cBhvr>
+                                        <p:cTn id="87" dur="580">
+                                          <p:stCondLst>
+                                            <p:cond delay="0"/>
+                                          </p:stCondLst>
+                                        </p:cTn>
+                                        <p:tgtEl>
+                                          <p:spTgt spid="4"/>
+                                        </p:tgtEl>
+                                      </p:cBhvr>
+                                    </p:animEffect>
+                                    <p:anim calcmode="lin" valueType="num">
+                                      <p:cBhvr>
+                                        <p:cTn id="88" dur="1822" tmFilter="0,0; 0.14,0.36; 0.43,0.73; 0.71,0.91; 1.0,1.0">
+                                          <p:stCondLst>
+                                            <p:cond delay="0"/>
+                                          </p:stCondLst>
+                                        </p:cTn>
+                                        <p:tgtEl>
+                                          <p:spTgt spid="4"/>
+                                        </p:tgtEl>
+                                        <p:attrNameLst>
+                                          <p:attrName>ppt_x</p:attrName>
+                                        </p:attrNameLst>
+                                      </p:cBhvr>
+                                      <p:tavLst>
+                                        <p:tav tm="0">
+                                          <p:val>
+                                            <p:strVal val="#ppt_x-0.25"/>
+                                          </p:val>
+                                        </p:tav>
+                                        <p:tav tm="100000">
+                                          <p:val>
+                                            <p:strVal val="#ppt_x"/>
+                                          </p:val>
+                                        </p:tav>
+                                      </p:tavLst>
+                                    </p:anim>
+                                    <p:anim calcmode="lin" valueType="num">
+                                      <p:cBhvr>
+                                        <p:cTn id="89" dur="664" tmFilter="0.0,0.0; 0.25,0.07; 0.50,0.2; 0.75,0.467; 1.0,1.0">
+                                          <p:stCondLst>
+                                            <p:cond delay="0"/>
+                                          </p:stCondLst>
+                                        </p:cTn>
+                                        <p:tgtEl>
+                                          <p:spTgt spid="4"/>
+                                        </p:tgtEl>
+                                        <p:attrNameLst>
+                                          <p:attrName>ppt_y</p:attrName>
+                                        </p:attrNameLst>
+                                      </p:cBhvr>
+                                      <p:tavLst>
+                                        <p:tav tm="0" fmla="#ppt_y-sin(pi*$)/3">
+                                          <p:val>
+                                            <p:fltVal val="0.5"/>
+                                          </p:val>
+                                        </p:tav>
+                                        <p:tav tm="100000">
+                                          <p:val>
+                                            <p:fltVal val="1"/>
+                                          </p:val>
+                                        </p:tav>
+                                      </p:tavLst>
+                                    </p:anim>
+                                    <p:anim calcmode="lin" valueType="num">
+                                      <p:cBhvr>
+                                        <p:cTn id="90" dur="664" tmFilter="0, 0; 0.125,0.2665; 0.25,0.4; 0.375,0.465; 0.5,0.5;  0.625,0.535; 0.75,0.6; 0.875,0.7335; 1,1">
+                                          <p:stCondLst>
+                                            <p:cond delay="664"/>
+                                          </p:stCondLst>
+                                        </p:cTn>
+                                        <p:tgtEl>
+                                          <p:spTgt spid="4"/>
+                                        </p:tgtEl>
+                                        <p:attrNameLst>
+                                          <p:attrName>ppt_y</p:attrName>
+                                        </p:attrNameLst>
+                                      </p:cBhvr>
+                                      <p:tavLst>
+                                        <p:tav tm="0" fmla="#ppt_y-sin(pi*$)/9">
+                                          <p:val>
+                                            <p:fltVal val="0"/>
+                                          </p:val>
+                                        </p:tav>
+                                        <p:tav tm="100000">
+                                          <p:val>
+                                            <p:fltVal val="1"/>
+                                          </p:val>
+                                        </p:tav>
+                                      </p:tavLst>
+                                    </p:anim>
+                                    <p:anim calcmode="lin" valueType="num">
+                                      <p:cBhvr>
+                                        <p:cTn id="91" dur="332" tmFilter="0, 0; 0.125,0.2665; 0.25,0.4; 0.375,0.465; 0.5,0.5;  0.625,0.535; 0.75,0.6; 0.875,0.7335; 1,1">
+                                          <p:stCondLst>
+                                            <p:cond delay="1324"/>
+                                          </p:stCondLst>
+                                        </p:cTn>
+                                        <p:tgtEl>
+                                          <p:spTgt spid="4"/>
+                                        </p:tgtEl>
+                                        <p:attrNameLst>
+                                          <p:attrName>ppt_y</p:attrName>
+                                        </p:attrNameLst>
+                                      </p:cBhvr>
+                                      <p:tavLst>
+                                        <p:tav tm="0" fmla="#ppt_y-sin(pi*$)/27">
+                                          <p:val>
+                                            <p:fltVal val="0"/>
+                                          </p:val>
+                                        </p:tav>
+                                        <p:tav tm="100000">
+                                          <p:val>
+                                            <p:fltVal val="1"/>
+                                          </p:val>
+                                        </p:tav>
+                                      </p:tavLst>
+                                    </p:anim>
+                                    <p:anim calcmode="lin" valueType="num">
+                                      <p:cBhvr>
+                                        <p:cTn id="92" dur="164" tmFilter="0, 0; 0.125,0.2665; 0.25,0.4; 0.375,0.465; 0.5,0.5;  0.625,0.535; 0.75,0.6; 0.875,0.7335; 1,1">
+                                          <p:stCondLst>
+                                            <p:cond delay="1656"/>
+                                          </p:stCondLst>
+                                        </p:cTn>
+                                        <p:tgtEl>
+                                          <p:spTgt spid="4"/>
+                                        </p:tgtEl>
+                                        <p:attrNameLst>
+                                          <p:attrName>ppt_y</p:attrName>
+                                        </p:attrNameLst>
+                                      </p:cBhvr>
+                                      <p:tavLst>
+                                        <p:tav tm="0" fmla="#ppt_y-sin(pi*$)/81">
+                                          <p:val>
+                                            <p:fltVal val="0"/>
+                                          </p:val>
+                                        </p:tav>
+                                        <p:tav tm="100000">
+                                          <p:val>
+                                            <p:fltVal val="1"/>
+                                          </p:val>
+                                        </p:tav>
+                                      </p:tavLst>
+                                    </p:anim>
+                                    <p:animScale>
+                                      <p:cBhvr>
+                                        <p:cTn id="93" dur="26">
+                                          <p:stCondLst>
+                                            <p:cond delay="650"/>
+                                          </p:stCondLst>
+                                        </p:cTn>
+                                        <p:tgtEl>
+                                          <p:spTgt spid="4"/>
+                                        </p:tgtEl>
+                                      </p:cBhvr>
+                                      <p:to x="100000" y="60000"/>
+                                    </p:animScale>
+                                    <p:animScale>
+                                      <p:cBhvr>
+                                        <p:cTn id="94" dur="166" decel="50000">
+                                          <p:stCondLst>
+                                            <p:cond delay="676"/>
+                                          </p:stCondLst>
+                                        </p:cTn>
+                                        <p:tgtEl>
+                                          <p:spTgt spid="4"/>
+                                        </p:tgtEl>
+                                      </p:cBhvr>
+                                      <p:to x="100000" y="100000"/>
+                                    </p:animScale>
+                                    <p:animScale>
+                                      <p:cBhvr>
+                                        <p:cTn id="95" dur="26">
+                                          <p:stCondLst>
+                                            <p:cond delay="1312"/>
+                                          </p:stCondLst>
+                                        </p:cTn>
+                                        <p:tgtEl>
+                                          <p:spTgt spid="4"/>
+                                        </p:tgtEl>
+                                      </p:cBhvr>
+                                      <p:to x="100000" y="80000"/>
+                                    </p:animScale>
+                                    <p:animScale>
+                                      <p:cBhvr>
+                                        <p:cTn id="96" dur="166" decel="50000">
+                                          <p:stCondLst>
+                                            <p:cond delay="1338"/>
+                                          </p:stCondLst>
+                                        </p:cTn>
+                                        <p:tgtEl>
+                                          <p:spTgt spid="4"/>
+                                        </p:tgtEl>
+                                      </p:cBhvr>
+                                      <p:to x="100000" y="100000"/>
+                                    </p:animScale>
+                                    <p:animScale>
+                                      <p:cBhvr>
+                                        <p:cTn id="97" dur="26">
+                                          <p:stCondLst>
+                                            <p:cond delay="1642"/>
+                                          </p:stCondLst>
+                                        </p:cTn>
+                                        <p:tgtEl>
+                                          <p:spTgt spid="4"/>
+                                        </p:tgtEl>
+                                      </p:cBhvr>
+                                      <p:to x="100000" y="90000"/>
+                                    </p:animScale>
+                                    <p:animScale>
+                                      <p:cBhvr>
+                                        <p:cTn id="98" dur="166" decel="50000">
+                                          <p:stCondLst>
+                                            <p:cond delay="1668"/>
+                                          </p:stCondLst>
+                                        </p:cTn>
+                                        <p:tgtEl>
+                                          <p:spTgt spid="4"/>
+                                        </p:tgtEl>
+                                      </p:cBhvr>
+                                      <p:to x="100000" y="100000"/>
+                                    </p:animScale>
+                                    <p:animScale>
+                                      <p:cBhvr>
+                                        <p:cTn id="99" dur="26">
+                                          <p:stCondLst>
+                                            <p:cond delay="1808"/>
+                                          </p:stCondLst>
+                                        </p:cTn>
+                                        <p:tgtEl>
+                                          <p:spTgt spid="4"/>
+                                        </p:tgtEl>
+                                      </p:cBhvr>
+                                      <p:to x="100000" y="95000"/>
+                                    </p:animScale>
+                                    <p:animScale>
+                                      <p:cBhvr>
+                                        <p:cTn id="100" dur="166" decel="50000">
+                                          <p:stCondLst>
+                                            <p:cond delay="1834"/>
+                                          </p:stCondLst>
+                                        </p:cTn>
+                                        <p:tgtEl>
+                                          <p:spTgt spid="4"/>
+                                        </p:tgtEl>
+                                      </p:cBhvr>
+                                      <p:to x="100000" y="100000"/>
+                                    </p:animScale>
+                                  </p:childTnLst>
+                                </p:cTn>
+                              </p:par>
+                            </p:childTnLst>
+                          </p:cTn>
+                        </p:par>
+                      </p:childTnLst>
+                    </p:cTn>
+                  </p:par>
+                  <p:par>
+                    <p:cTn id="101" fill="hold">
+                      <p:stCondLst>
+                        <p:cond delay="indefinite"/>
+                      </p:stCondLst>
+                      <p:childTnLst>
+                        <p:par>
+                          <p:cTn id="102" fill="hold">
+                            <p:stCondLst>
+                              <p:cond delay="0"/>
+                            </p:stCondLst>
+                            <p:childTnLst>
+                              <p:par>
+                                <p:cTn id="103" presetID="1" presetClass="entr" presetSubtype="0" fill="hold" nodeType="clickEffect">
+                                  <p:stCondLst>
+                                    <p:cond delay="0"/>
+                                  </p:stCondLst>
+                                  <p:childTnLst>
+                                    <p:set>
+                                      <p:cBhvr>
+                                        <p:cTn id="104" dur="1" fill="hold">
+                                          <p:stCondLst>
+                                            <p:cond delay="0"/>
+                                          </p:stCondLst>
+                                        </p:cTn>
+                                        <p:tgtEl>
+                                          <p:spTgt spid="3">
+                                            <p:txEl>
+                                              <p:pRg st="0" end="0"/>
+                                            </p:txEl>
+                                          </p:spTgt>
+                                        </p:tgtEl>
+                                        <p:attrNameLst>
+                                          <p:attrName>style.visibility</p:attrName>
+                                        </p:attrNameLst>
+                                      </p:cBhvr>
+                                      <p:to>
+                                        <p:strVal val="visible"/>
+                                      </p:to>
+                                    </p:set>
+                                  </p:childTnLst>
+                                </p:cTn>
+                              </p:par>
+                            </p:childTnLst>
+                          </p:cTn>
+                        </p:par>
+                      </p:childTnLst>
+                    </p:cTn>
+                  </p:par>
+                  <p:par>
+                    <p:cTn id="105" fill="hold">
+                      <p:stCondLst>
+                        <p:cond delay="indefinite"/>
+                      </p:stCondLst>
+                      <p:childTnLst>
+                        <p:par>
+                          <p:cTn id="106" fill="hold">
+                            <p:stCondLst>
+                              <p:cond delay="0"/>
+                            </p:stCondLst>
+                            <p:childTnLst>
+                              <p:par>
+                                <p:cTn id="107" presetID="1" presetClass="entr" presetSubtype="0" fill="hold" nodeType="clickEffect">
+                                  <p:stCondLst>
+                                    <p:cond delay="0"/>
+                                  </p:stCondLst>
+                                  <p:childTnLst>
+                                    <p:set>
+                                      <p:cBhvr>
+                                        <p:cTn id="108" dur="1" fill="hold">
+                                          <p:stCondLst>
+                                            <p:cond delay="0"/>
+                                          </p:stCondLst>
+                                        </p:cTn>
+                                        <p:tgtEl>
+                                          <p:spTgt spid="3">
+                                            <p:txEl>
+                                              <p:pRg st="1" end="1"/>
+                                            </p:txEl>
+                                          </p:spTgt>
+                                        </p:tgtEl>
+                                        <p:attrNameLst>
+                                          <p:attrName>style.visibility</p:attrName>
+                                        </p:attrNameLst>
+                                      </p:cBhvr>
+                                      <p:to>
+                                        <p:strVal val="visible"/>
+                                      </p:to>
+                                    </p:set>
+                                  </p:childTnLst>
+                                </p:cTn>
+                              </p:par>
+                            </p:childTnLst>
+                          </p:cTn>
+                        </p:par>
+                      </p:childTnLst>
+                    </p:cTn>
+                  </p:par>
+                </p:childTnLst>
+              </p:cTn>
+              <p:prevCondLst>
+                <p:cond evt="onPrev" delay="0">
+                  <p:tgtEl>
+                    <p:sldTgt/>
+                  </p:tgtEl>
+                </p:cond>
+              </p:prevCondLst>
+              <p:nextCondLst>
+                <p:cond evt="onNext" delay="0">
+                  <p:tgtEl>
+                    <p:sldTgt/>
+                  </p:tgtEl>
+                </p:cond>
+              </p:nextCondLst>
+            </p:seq>
+          </p:childTnLst>
+        </p:cTn>
+      </p:par>
+    </p:tnLst>
+    <p:bldLst>
+      <p:bldP spid="7" grpId="0"/>
+      <p:bldP spid="8" grpId="0"/>
+      <p:bldP spid="9" grpId="0"/>
+    </p:bldLst>
+  </p:timing>
+</p:sld>
+</file>
+
+<file path=ppt/slides/slide17.xml><?xml version="1.0" encoding="utf-8"?>
+<p:sld xmlns:a="http://schemas.openxmlformats.org/drawingml/2006/main" xmlns:r="http://schemas.openxmlformats.org/officeDocument/2006/relationships" xmlns:p="http://schemas.openxmlformats.org/presentationml/2006/main">
+  <p:cSld>
+    <p:spTree>
+      <p:nvGrpSpPr>
+        <p:cNvPr id="1" name=""/>
+        <p:cNvGrpSpPr/>
+        <p:nvPr/>
+      </p:nvGrpSpPr>
+      <p:grpSpPr>
+        <a:xfrm>
+          <a:off x="0" y="0"/>
+          <a:ext cx="0" cy="0"/>
+          <a:chOff x="0" y="0"/>
+          <a:chExt cx="0" cy="0"/>
+        </a:xfrm>
+      </p:grpSpPr>
+      <p:sp>
+        <p:nvSpPr>
+          <p:cNvPr id="2" name="标题 1"/>
+          <p:cNvSpPr>
+            <a:spLocks noGrp="1"/>
+          </p:cNvSpPr>
+          <p:nvPr>
+            <p:ph type="title"/>
+          </p:nvPr>
+        </p:nvSpPr>
+        <p:spPr/>
+        <p:txBody>
+          <a:bodyPr/>
+          <a:lstStyle/>
+          <a:p>
+            <a:r>
+              <a:rPr lang="en-US" altLang="zh-CN" dirty="0" smtClean="0"/>
+              <a:t>Spectral Outline</a:t>
+            </a:r>
+            <a:endParaRPr lang="zh-CN" altLang="en-US" dirty="0"/>
+          </a:p>
+        </p:txBody>
+      </p:sp>
+      <p:sp>
+        <p:nvSpPr>
+          <p:cNvPr id="3" name="内容占位符 2"/>
+          <p:cNvSpPr>
+            <a:spLocks noGrp="1"/>
+          </p:cNvSpPr>
+          <p:nvPr>
+            <p:ph idx="1"/>
+          </p:nvPr>
+        </p:nvSpPr>
+        <p:spPr/>
+        <p:txBody>
+          <a:bodyPr/>
+          <a:lstStyle/>
+          <a:p>
+            <a:r>
+              <a:rPr lang="en-US" altLang="zh-CN" dirty="0" smtClean="0"/>
+              <a:t>A naive way: Linear Regression!</a:t>
+            </a:r>
+          </a:p>
+          <a:p>
+            <a:r>
+              <a:rPr lang="en-US" altLang="zh-CN" dirty="0" smtClean="0"/>
+              <a:t>To project the resonance feature onto an 2D space.</a:t>
+            </a:r>
+          </a:p>
+          <a:p>
+            <a:r>
+              <a:rPr lang="en-US" altLang="zh-CN" dirty="0" smtClean="0"/>
+              <a:t>Hope that it works.</a:t>
+            </a:r>
+          </a:p>
+          <a:p>
+            <a:r>
+              <a:rPr lang="en-US" altLang="zh-CN" dirty="0" smtClean="0">
+                <a:solidFill>
+                  <a:srgbClr val="FFFF00"/>
+                </a:solidFill>
+              </a:rPr>
+              <a:t>37% </a:t>
+            </a:r>
+            <a:r>
+              <a:rPr lang="en-US" altLang="zh-CN" dirty="0" smtClean="0"/>
+              <a:t>accuracy, fairly better than random guess for </a:t>
+            </a:r>
+            <a:r>
+              <a:rPr lang="en-US" altLang="zh-CN" sz="5400" dirty="0" smtClean="0">
+                <a:solidFill>
+                  <a:srgbClr val="C00000"/>
+                </a:solidFill>
+              </a:rPr>
+              <a:t>2-DIM</a:t>
+            </a:r>
+            <a:r>
+              <a:rPr lang="en-US" altLang="zh-CN" dirty="0" smtClean="0"/>
+              <a:t>!</a:t>
+            </a:r>
+            <a:endParaRPr lang="zh-CN" altLang="en-US" dirty="0"/>
+          </a:p>
+        </p:txBody>
+      </p:sp>
+    </p:spTree>
+  </p:cSld>
+  <p:clrMapOvr>
+    <a:masterClrMapping/>
+  </p:clrMapOvr>
+  <p:timing>
+    <p:tnLst>
+      <p:par>
+        <p:cTn id="1" dur="indefinite" restart="never" nodeType="tmRoot">
+          <p:childTnLst>
+            <p:seq concurrent="1" nextAc="seek">
+              <p:cTn id="2" dur="indefinite" nodeType="mainSeq">
+                <p:childTnLst>
+                  <p:par>
+                    <p:cTn id="3" fill="hold">
+                      <p:stCondLst>
+                        <p:cond delay="indefinite"/>
+                      </p:stCondLst>
+                      <p:childTnLst>
+                        <p:par>
+                          <p:cTn id="4" fill="hold">
+                            <p:stCondLst>
+                              <p:cond delay="0"/>
+                            </p:stCondLst>
+                            <p:childTnLst>
+                              <p:par>
+                                <p:cTn id="5" presetID="1" presetClass="entr" presetSubtype="0" fill="hold" nodeType="clickEffect">
+                                  <p:stCondLst>
+                                    <p:cond delay="0"/>
+                                  </p:stCondLst>
+                                  <p:childTnLst>
+                                    <p:set>
+                                      <p:cBhvr>
+                                        <p:cTn id="6" dur="1" fill="hold">
+                                          <p:stCondLst>
+                                            <p:cond delay="0"/>
+                                          </p:stCondLst>
+                                        </p:cTn>
+                                        <p:tgtEl>
+                                          <p:spTgt spid="3">
+                                            <p:txEl>
+                                              <p:pRg st="0" end="0"/>
+                                            </p:txEl>
+                                          </p:spTgt>
+                                        </p:tgtEl>
+                                        <p:attrNameLst>
+                                          <p:attrName>style.visibility</p:attrName>
+                                        </p:attrNameLst>
+                                      </p:cBhvr>
+                                      <p:to>
+                                        <p:strVal val="visible"/>
+                                      </p:to>
+                                    </p:set>
+                                  </p:childTnLst>
+                                </p:cTn>
+                              </p:par>
+                            </p:childTnLst>
+                          </p:cTn>
+                        </p:par>
+                      </p:childTnLst>
+                    </p:cTn>
+                  </p:par>
+                  <p:par>
+                    <p:cTn id="7" fill="hold">
+                      <p:stCondLst>
+                        <p:cond delay="indefinite"/>
+                      </p:stCondLst>
+                      <p:childTnLst>
+                        <p:par>
+                          <p:cTn id="8" fill="hold">
+                            <p:stCondLst>
+                              <p:cond delay="0"/>
+                            </p:stCondLst>
+                            <p:childTnLst>
+                              <p:par>
+                                <p:cTn id="9" presetID="1" presetClass="entr" presetSubtype="0" fill="hold" nodeType="clickEffect">
+                                  <p:stCondLst>
+                                    <p:cond delay="0"/>
+                                  </p:stCondLst>
+                                  <p:childTnLst>
+                                    <p:set>
+                                      <p:cBhvr>
+                                        <p:cTn id="10" dur="1" fill="hold">
+                                          <p:stCondLst>
+                                            <p:cond delay="0"/>
+                                          </p:stCondLst>
+                                        </p:cTn>
+                                        <p:tgtEl>
+                                          <p:spTgt spid="3">
+                                            <p:txEl>
+                                              <p:pRg st="1" end="1"/>
+                                            </p:txEl>
+                                          </p:spTgt>
+                                        </p:tgtEl>
+                                        <p:attrNameLst>
+                                          <p:attrName>style.visibility</p:attrName>
+                                        </p:attrNameLst>
+                                      </p:cBhvr>
+                                      <p:to>
+                                        <p:strVal val="visible"/>
+                                      </p:to>
+                                    </p:set>
+                                  </p:childTnLst>
+                                </p:cTn>
+                              </p:par>
+                            </p:childTnLst>
+                          </p:cTn>
+                        </p:par>
+                      </p:childTnLst>
+                    </p:cTn>
+                  </p:par>
+                  <p:par>
+                    <p:cTn id="11" fill="hold">
+                      <p:stCondLst>
+                        <p:cond delay="indefinite"/>
+                      </p:stCondLst>
+                      <p:childTnLst>
+                        <p:par>
+                          <p:cTn id="12" fill="hold">
+                            <p:stCondLst>
+                              <p:cond delay="0"/>
+                            </p:stCondLst>
+                            <p:childTnLst>
+                              <p:par>
+                                <p:cTn id="13" presetID="1" presetClass="entr" presetSubtype="0" fill="hold" nodeType="clickEffect">
+                                  <p:stCondLst>
+                                    <p:cond delay="0"/>
+                                  </p:stCondLst>
+                                  <p:childTnLst>
+                                    <p:set>
+                                      <p:cBhvr>
+                                        <p:cTn id="14" dur="1" fill="hold">
+                                          <p:stCondLst>
+                                            <p:cond delay="0"/>
+                                          </p:stCondLst>
+                                        </p:cTn>
+                                        <p:tgtEl>
+                                          <p:spTgt spid="3">
+                                            <p:txEl>
+                                              <p:pRg st="2" end="2"/>
+                                            </p:txEl>
+                                          </p:spTgt>
+                                        </p:tgtEl>
+                                        <p:attrNameLst>
+                                          <p:attrName>style.visibility</p:attrName>
+                                        </p:attrNameLst>
+                                      </p:cBhvr>
+                                      <p:to>
+                                        <p:strVal val="visible"/>
+                                      </p:to>
+                                    </p:set>
+                                  </p:childTnLst>
+                                </p:cTn>
+                              </p:par>
+                            </p:childTnLst>
+                          </p:cTn>
+                        </p:par>
+                      </p:childTnLst>
+                    </p:cTn>
+                  </p:par>
+                  <p:par>
+                    <p:cTn id="15" fill="hold">
+                      <p:stCondLst>
+                        <p:cond delay="indefinite"/>
+                      </p:stCondLst>
+                      <p:childTnLst>
+                        <p:par>
+                          <p:cTn id="16" fill="hold">
+                            <p:stCondLst>
+                              <p:cond delay="0"/>
+                            </p:stCondLst>
+                            <p:childTnLst>
+                              <p:par>
+                                <p:cTn id="17" presetID="1" presetClass="entr" presetSubtype="0" fill="hold" nodeType="clickEffect">
+                                  <p:stCondLst>
+                                    <p:cond delay="0"/>
+                                  </p:stCondLst>
+                                  <p:childTnLst>
+                                    <p:set>
+                                      <p:cBhvr>
+                                        <p:cTn id="18" dur="1" fill="hold">
+                                          <p:stCondLst>
+                                            <p:cond delay="0"/>
+                                          </p:stCondLst>
+                                        </p:cTn>
+                                        <p:tgtEl>
+                                          <p:spTgt spid="3">
+                                            <p:txEl>
+                                              <p:pRg st="3" end="3"/>
+                                            </p:txEl>
+                                          </p:spTgt>
+                                        </p:tgtEl>
+                                        <p:attrNameLst>
+                                          <p:attrName>style.visibility</p:attrName>
+                                        </p:attrNameLst>
+                                      </p:cBhvr>
+                                      <p:to>
+                                        <p:strVal val="visible"/>
+                                      </p:to>
+                                    </p:set>
+                                  </p:childTnLst>
+                                </p:cTn>
+                              </p:par>
+                            </p:childTnLst>
+                          </p:cTn>
+                        </p:par>
+                      </p:childTnLst>
+                    </p:cTn>
+                  </p:par>
+                </p:childTnLst>
+              </p:cTn>
+              <p:prevCondLst>
+                <p:cond evt="onPrev" delay="0">
+                  <p:tgtEl>
+                    <p:sldTgt/>
+                  </p:tgtEl>
+                </p:cond>
+              </p:prevCondLst>
+              <p:nextCondLst>
+                <p:cond evt="onNext" delay="0">
+                  <p:tgtEl>
+                    <p:sldTgt/>
+                  </p:tgtEl>
+                </p:cond>
+              </p:nextCondLst>
+            </p:seq>
+          </p:childTnLst>
+        </p:cTn>
+      </p:par>
+    </p:tnLst>
+  </p:timing>
+</p:sld>
+</file>
+
+<file path=ppt/slides/slide18.xml><?xml version="1.0" encoding="utf-8"?>
+<p:sld xmlns:a="http://schemas.openxmlformats.org/drawingml/2006/main" xmlns:r="http://schemas.openxmlformats.org/officeDocument/2006/relationships" xmlns:p="http://schemas.openxmlformats.org/presentationml/2006/main">
+  <p:cSld>
+    <p:spTree>
+      <p:nvGrpSpPr>
+        <p:cNvPr id="1" name=""/>
+        <p:cNvGrpSpPr/>
+        <p:nvPr/>
+      </p:nvGrpSpPr>
+      <p:grpSpPr>
+        <a:xfrm>
+          <a:off x="0" y="0"/>
+          <a:ext cx="0" cy="0"/>
+          <a:chOff x="0" y="0"/>
+          <a:chExt cx="0" cy="0"/>
+        </a:xfrm>
+      </p:grpSpPr>
+      <p:sp>
+        <p:nvSpPr>
+          <p:cNvPr id="2" name="标题 1"/>
+          <p:cNvSpPr>
+            <a:spLocks noGrp="1"/>
+          </p:cNvSpPr>
+          <p:nvPr>
+            <p:ph type="title"/>
+          </p:nvPr>
+        </p:nvSpPr>
+        <p:spPr/>
+        <p:txBody>
+          <a:bodyPr/>
+          <a:lstStyle/>
+          <a:p>
+            <a:r>
+              <a:rPr lang="en-US" altLang="zh-CN" dirty="0" smtClean="0"/>
+              <a:t>Cepstrum Peaks</a:t>
+            </a:r>
+            <a:endParaRPr lang="zh-CN" altLang="en-US" dirty="0"/>
+          </a:p>
+        </p:txBody>
+      </p:sp>
+      <p:sp>
+        <p:nvSpPr>
+          <p:cNvPr id="3" name="内容占位符 2"/>
+          <p:cNvSpPr>
+            <a:spLocks noGrp="1"/>
+          </p:cNvSpPr>
+          <p:nvPr>
+            <p:ph idx="1"/>
+          </p:nvPr>
+        </p:nvSpPr>
+        <p:spPr/>
+        <p:txBody>
+          <a:bodyPr/>
+          <a:lstStyle/>
+          <a:p>
+            <a:r>
+              <a:rPr lang="en-US" altLang="zh-CN" dirty="0" smtClean="0"/>
+              <a:t>How to measure the fluctuation of log-spectrum?</a:t>
+            </a:r>
+          </a:p>
+          <a:p>
+            <a:r>
+              <a:rPr lang="en-US" altLang="zh-CN" dirty="0" smtClean="0"/>
+              <a:t>Peaks of its FFT (cepstrum).</a:t>
+            </a:r>
+            <a:endParaRPr lang="zh-CN" altLang="en-US" dirty="0"/>
+          </a:p>
+        </p:txBody>
+      </p:sp>
+      <p:pic>
+        <p:nvPicPr>
+          <p:cNvPr id="1026" name="Picture 2" descr="W:\SST\SST\doc\Cepstrum.png"/>
+          <p:cNvPicPr>
+            <a:picLocks noChangeAspect="1" noChangeArrowheads="1"/>
+          </p:cNvPicPr>
+          <p:nvPr/>
+        </p:nvPicPr>
+        <p:blipFill>
+          <a:blip r:embed="rId2" cstate="print"/>
+          <a:srcRect/>
+          <a:stretch>
+            <a:fillRect/>
+          </a:stretch>
+        </p:blipFill>
+        <p:spPr bwMode="auto">
+          <a:xfrm>
+            <a:off x="1835696" y="3429000"/>
+            <a:ext cx="5189771" cy="3297610"/>
+          </a:xfrm>
+          <a:prstGeom prst="rect">
+            <a:avLst/>
+          </a:prstGeom>
+          <a:noFill/>
+        </p:spPr>
+      </p:pic>
+    </p:spTree>
+  </p:cSld>
+  <p:clrMapOvr>
+    <a:masterClrMapping/>
+  </p:clrMapOvr>
+  <p:timing>
+    <p:tnLst>
+      <p:par>
+        <p:cTn id="1" dur="indefinite" restart="never" nodeType="tmRoot">
+          <p:childTnLst>
+            <p:seq concurrent="1" nextAc="seek">
+              <p:cTn id="2" dur="indefinite" nodeType="mainSeq">
+                <p:childTnLst>
+                  <p:par>
+                    <p:cTn id="3" fill="hold">
+                      <p:stCondLst>
+                        <p:cond delay="indefinite"/>
+                      </p:stCondLst>
+                      <p:childTnLst>
+                        <p:par>
+                          <p:cTn id="4" fill="hold">
+                            <p:stCondLst>
+                              <p:cond delay="0"/>
+                            </p:stCondLst>
+                            <p:childTnLst>
+                              <p:par>
+                                <p:cTn id="5" presetID="1" presetClass="entr" presetSubtype="0" fill="hold" nodeType="clickEffect">
+                                  <p:stCondLst>
+                                    <p:cond delay="0"/>
+                                  </p:stCondLst>
+                                  <p:childTnLst>
+                                    <p:set>
+                                      <p:cBhvr>
+                                        <p:cTn id="6" dur="1" fill="hold">
+                                          <p:stCondLst>
+                                            <p:cond delay="0"/>
+                                          </p:stCondLst>
+                                        </p:cTn>
+                                        <p:tgtEl>
+                                          <p:spTgt spid="3">
+                                            <p:txEl>
+                                              <p:pRg st="0" end="0"/>
+                                            </p:txEl>
+                                          </p:spTgt>
+                                        </p:tgtEl>
+                                        <p:attrNameLst>
+                                          <p:attrName>style.visibility</p:attrName>
+                                        </p:attrNameLst>
+                                      </p:cBhvr>
+                                      <p:to>
+                                        <p:strVal val="visible"/>
+                                      </p:to>
+                                    </p:set>
+                                  </p:childTnLst>
+                                </p:cTn>
+                              </p:par>
+                            </p:childTnLst>
+                          </p:cTn>
+                        </p:par>
+                      </p:childTnLst>
+                    </p:cTn>
+                  </p:par>
+                  <p:par>
+                    <p:cTn id="7" fill="hold">
+                      <p:stCondLst>
+                        <p:cond delay="indefinite"/>
+                      </p:stCondLst>
+                      <p:childTnLst>
+                        <p:par>
+                          <p:cTn id="8" fill="hold">
+                            <p:stCondLst>
+                              <p:cond delay="0"/>
+                            </p:stCondLst>
+                            <p:childTnLst>
+                              <p:par>
+                                <p:cTn id="9" presetID="1" presetClass="entr" presetSubtype="0" fill="hold" nodeType="clickEffect">
+                                  <p:stCondLst>
+                                    <p:cond delay="0"/>
+                                  </p:stCondLst>
+                                  <p:childTnLst>
+                                    <p:set>
+                                      <p:cBhvr>
+                                        <p:cTn id="10" dur="1" fill="hold">
+                                          <p:stCondLst>
+                                            <p:cond delay="0"/>
+                                          </p:stCondLst>
+                                        </p:cTn>
+                                        <p:tgtEl>
+                                          <p:spTgt spid="3">
+                                            <p:txEl>
+                                              <p:pRg st="1" end="1"/>
+                                            </p:txEl>
+                                          </p:spTgt>
+                                        </p:tgtEl>
+                                        <p:attrNameLst>
+                                          <p:attrName>style.visibility</p:attrName>
+                                        </p:attrNameLst>
+                                      </p:cBhvr>
+                                      <p:to>
+                                        <p:strVal val="visible"/>
+                                      </p:to>
+                                    </p:set>
+                                  </p:childTnLst>
+                                </p:cTn>
+                              </p:par>
+                            </p:childTnLst>
+                          </p:cTn>
+                        </p:par>
+                      </p:childTnLst>
+                    </p:cTn>
+                  </p:par>
+                  <p:par>
+                    <p:cTn id="11" fill="hold">
+                      <p:stCondLst>
+                        <p:cond delay="indefinite"/>
+                      </p:stCondLst>
+                      <p:childTnLst>
+                        <p:par>
+                          <p:cTn id="12" fill="hold">
+                            <p:stCondLst>
+                              <p:cond delay="0"/>
+                            </p:stCondLst>
+                            <p:childTnLst>
+                              <p:par>
+                                <p:cTn id="13" presetID="1" presetClass="entr" presetSubtype="0" fill="hold" nodeType="clickEffect">
+                                  <p:stCondLst>
+                                    <p:cond delay="0"/>
+                                  </p:stCondLst>
+                                  <p:childTnLst>
+                                    <p:set>
+                                      <p:cBhvr>
+                                        <p:cTn id="14" dur="1" fill="hold">
+                                          <p:stCondLst>
+                                            <p:cond delay="0"/>
+                                          </p:stCondLst>
+                                        </p:cTn>
+                                        <p:tgtEl>
+                                          <p:spTgt spid="1026"/>
+                                        </p:tgtEl>
+                                        <p:attrNameLst>
+                                          <p:attrName>style.visibility</p:attrName>
+                                        </p:attrNameLst>
+                                      </p:cBhvr>
+                                      <p:to>
+                                        <p:strVal val="visible"/>
+                                      </p:to>
+                                    </p:set>
+                                  </p:childTnLst>
+                                </p:cTn>
+                              </p:par>
+                            </p:childTnLst>
+                          </p:cTn>
+                        </p:par>
+                      </p:childTnLst>
+                    </p:cTn>
+                  </p:par>
+                </p:childTnLst>
+              </p:cTn>
+              <p:prevCondLst>
+                <p:cond evt="onPrev" delay="0">
+                  <p:tgtEl>
+                    <p:sldTgt/>
+                  </p:tgtEl>
+                </p:cond>
+              </p:prevCondLst>
+              <p:nextCondLst>
+                <p:cond evt="onNext" delay="0">
+                  <p:tgtEl>
+                    <p:sldTgt/>
+                  </p:tgtEl>
+                </p:cond>
+              </p:nextCondLst>
+            </p:seq>
+          </p:childTnLst>
+        </p:cTn>
+      </p:par>
+    </p:tnLst>
+  </p:timing>
+</p:sld>
+</file>
+
+<file path=ppt/slides/slide19.xml><?xml version="1.0" encoding="utf-8"?>
+<p:sld xmlns:a="http://schemas.openxmlformats.org/drawingml/2006/main" xmlns:r="http://schemas.openxmlformats.org/officeDocument/2006/relationships" xmlns:p="http://schemas.openxmlformats.org/presentationml/2006/main">
+  <p:cSld>
+    <p:spTree>
+      <p:nvGrpSpPr>
+        <p:cNvPr id="1" name=""/>
+        <p:cNvGrpSpPr/>
+        <p:nvPr/>
+      </p:nvGrpSpPr>
+      <p:grpSpPr>
+        <a:xfrm>
+          <a:off x="0" y="0"/>
+          <a:ext cx="0" cy="0"/>
+          <a:chOff x="0" y="0"/>
+          <a:chExt cx="0" cy="0"/>
+        </a:xfrm>
+      </p:grpSpPr>
+      <p:sp>
+        <p:nvSpPr>
+          <p:cNvPr id="2" name="标题 1"/>
+          <p:cNvSpPr>
+            <a:spLocks noGrp="1"/>
+          </p:cNvSpPr>
+          <p:nvPr>
+            <p:ph type="title"/>
+          </p:nvPr>
+        </p:nvSpPr>
+        <p:spPr/>
+        <p:txBody>
+          <a:bodyPr/>
+          <a:lstStyle/>
+          <a:p>
+            <a:r>
+              <a:rPr lang="en-US" altLang="zh-CN" dirty="0" smtClean="0"/>
+              <a:t>Cepstrum Peaks</a:t>
+            </a:r>
+            <a:endParaRPr lang="zh-CN" altLang="en-US" dirty="0"/>
+          </a:p>
+        </p:txBody>
+      </p:sp>
+      <p:sp>
+        <p:nvSpPr>
+          <p:cNvPr id="3" name="内容占位符 2"/>
+          <p:cNvSpPr>
+            <a:spLocks noGrp="1"/>
+          </p:cNvSpPr>
+          <p:nvPr>
+            <p:ph idx="1"/>
+          </p:nvPr>
+        </p:nvSpPr>
+        <p:spPr/>
+        <p:txBody>
+          <a:bodyPr/>
+          <a:lstStyle/>
+          <a:p>
+            <a:r>
+              <a:rPr lang="en-US" altLang="zh-CN" dirty="0" smtClean="0"/>
+              <a:t>Does distinguish in a way.</a:t>
+            </a:r>
+          </a:p>
+          <a:p>
+            <a:r>
+              <a:rPr lang="en-US" altLang="zh-CN" dirty="0" smtClean="0"/>
+              <a:t>Record heights of first 4 significant peaks</a:t>
+            </a:r>
+          </a:p>
+          <a:p>
+            <a:r>
+              <a:rPr lang="en-US" altLang="zh-CN" dirty="0" smtClean="0">
+                <a:solidFill>
+                  <a:srgbClr val="FFFF00"/>
+                </a:solidFill>
+              </a:rPr>
+              <a:t>43% </a:t>
+            </a:r>
+            <a:r>
+              <a:rPr lang="en-US" altLang="zh-CN" dirty="0" smtClean="0"/>
+              <a:t>accuracy in 4-dim.</a:t>
+            </a:r>
+            <a:endParaRPr lang="zh-CN" altLang="en-US" dirty="0"/>
+          </a:p>
+        </p:txBody>
+      </p:sp>
+      <p:pic>
+        <p:nvPicPr>
+          <p:cNvPr id="1026" name="Picture 2" descr="W:\SST\SST\doc\Cepstrum.png"/>
+          <p:cNvPicPr>
+            <a:picLocks noChangeAspect="1" noChangeArrowheads="1"/>
+          </p:cNvPicPr>
+          <p:nvPr/>
+        </p:nvPicPr>
+        <p:blipFill>
+          <a:blip r:embed="rId2" cstate="print"/>
+          <a:srcRect/>
+          <a:stretch>
+            <a:fillRect/>
+          </a:stretch>
+        </p:blipFill>
+        <p:spPr bwMode="auto">
+          <a:xfrm>
+            <a:off x="1835696" y="3429000"/>
+            <a:ext cx="5189771" cy="3297610"/>
+          </a:xfrm>
+          <a:prstGeom prst="rect">
+            <a:avLst/>
+          </a:prstGeom>
+          <a:noFill/>
+        </p:spPr>
+      </p:pic>
+    </p:spTree>
+  </p:cSld>
+  <p:clrMapOvr>
+    <a:masterClrMapping/>
+  </p:clrMapOvr>
+  <p:timing>
+    <p:tnLst>
+      <p:par>
+        <p:cTn id="1" dur="indefinite" restart="never" nodeType="tmRoot">
+          <p:childTnLst>
+            <p:seq concurrent="1" nextAc="seek">
+              <p:cTn id="2" dur="indefinite" nodeType="mainSeq">
+                <p:childTnLst>
+                  <p:par>
+                    <p:cTn id="3" fill="hold">
+                      <p:stCondLst>
+                        <p:cond delay="indefinite"/>
+                      </p:stCondLst>
+                      <p:childTnLst>
+                        <p:par>
+                          <p:cTn id="4" fill="hold">
+                            <p:stCondLst>
+                              <p:cond delay="0"/>
+                            </p:stCondLst>
+                            <p:childTnLst>
+                              <p:par>
+                                <p:cTn id="5" presetID="1" presetClass="entr" presetSubtype="0" fill="hold" nodeType="clickEffect">
+                                  <p:stCondLst>
+                                    <p:cond delay="0"/>
+                                  </p:stCondLst>
+                                  <p:childTnLst>
+                                    <p:set>
+                                      <p:cBhvr>
+                                        <p:cTn id="6" dur="1" fill="hold">
+                                          <p:stCondLst>
+                                            <p:cond delay="0"/>
+                                          </p:stCondLst>
+                                        </p:cTn>
+                                        <p:tgtEl>
+                                          <p:spTgt spid="3">
+                                            <p:txEl>
+                                              <p:pRg st="0" end="0"/>
+                                            </p:txEl>
+                                          </p:spTgt>
+                                        </p:tgtEl>
+                                        <p:attrNameLst>
+                                          <p:attrName>style.visibility</p:attrName>
+                                        </p:attrNameLst>
+                                      </p:cBhvr>
+                                      <p:to>
+                                        <p:strVal val="visible"/>
+                                      </p:to>
+                                    </p:set>
+                                  </p:childTnLst>
+                                </p:cTn>
+                              </p:par>
+                            </p:childTnLst>
+                          </p:cTn>
+                        </p:par>
+                      </p:childTnLst>
+                    </p:cTn>
+                  </p:par>
+                  <p:par>
+                    <p:cTn id="7" fill="hold">
+                      <p:stCondLst>
+                        <p:cond delay="indefinite"/>
+                      </p:stCondLst>
+                      <p:childTnLst>
+                        <p:par>
+                          <p:cTn id="8" fill="hold">
+                            <p:stCondLst>
+                              <p:cond delay="0"/>
+                            </p:stCondLst>
+                            <p:childTnLst>
+                              <p:par>
+                                <p:cTn id="9" presetID="1" presetClass="entr" presetSubtype="0" fill="hold" nodeType="clickEffect">
+                                  <p:stCondLst>
+                                    <p:cond delay="0"/>
+                                  </p:stCondLst>
+                                  <p:childTnLst>
+                                    <p:set>
+                                      <p:cBhvr>
+                                        <p:cTn id="10" dur="1" fill="hold">
+                                          <p:stCondLst>
+                                            <p:cond delay="0"/>
+                                          </p:stCondLst>
+                                        </p:cTn>
+                                        <p:tgtEl>
+                                          <p:spTgt spid="3">
+                                            <p:txEl>
+                                              <p:pRg st="1" end="1"/>
+                                            </p:txEl>
+                                          </p:spTgt>
+                                        </p:tgtEl>
+                                        <p:attrNameLst>
+                                          <p:attrName>style.visibility</p:attrName>
+                                        </p:attrNameLst>
+                                      </p:cBhvr>
+                                      <p:to>
+                                        <p:strVal val="visible"/>
+                                      </p:to>
+                                    </p:set>
+                                  </p:childTnLst>
+                                </p:cTn>
+                              </p:par>
+                            </p:childTnLst>
+                          </p:cTn>
+                        </p:par>
+                      </p:childTnLst>
+                    </p:cTn>
+                  </p:par>
+                  <p:par>
+                    <p:cTn id="11" fill="hold">
+                      <p:stCondLst>
+                        <p:cond delay="indefinite"/>
+                      </p:stCondLst>
+                      <p:childTnLst>
+                        <p:par>
+                          <p:cTn id="12" fill="hold">
+                            <p:stCondLst>
+                              <p:cond delay="0"/>
+                            </p:stCondLst>
+                            <p:childTnLst>
+                              <p:par>
+                                <p:cTn id="13" presetID="1" presetClass="entr" presetSubtype="0" fill="hold" nodeType="clickEffect">
+                                  <p:stCondLst>
+                                    <p:cond delay="0"/>
+                                  </p:stCondLst>
+                                  <p:childTnLst>
+                                    <p:set>
+                                      <p:cBhvr>
+                                        <p:cTn id="14" dur="1" fill="hold">
+                                          <p:stCondLst>
+                                            <p:cond delay="0"/>
+                                          </p:stCondLst>
+                                        </p:cTn>
+                                        <p:tgtEl>
+                                          <p:spTgt spid="3">
+                                            <p:txEl>
+                                              <p:pRg st="2" end="2"/>
+                                            </p:txEl>
+                                          </p:spTgt>
+                                        </p:tgtEl>
+                                        <p:attrNameLst>
+                                          <p:attrName>style.visibility</p:attrName>
+                                        </p:attrNameLst>
+                                      </p:cBhvr>
+                                      <p:to>
+                                        <p:strVal val="visible"/>
+                                      </p:to>
+                                    </p:set>
+                                  </p:childTnLst>
+                                </p:cTn>
+                              </p:par>
+                            </p:childTnLst>
+                          </p:cTn>
+                        </p:par>
+                      </p:childTnLst>
+                    </p:cTn>
+                  </p:par>
+                </p:childTnLst>
+              </p:cTn>
+              <p:prevCondLst>
+                <p:cond evt="onPrev" delay="0">
+                  <p:tgtEl>
+                    <p:sldTgt/>
+                  </p:tgtEl>
+                </p:cond>
+              </p:prevCondLst>
+              <p:nextCondLst>
+                <p:cond evt="onNext" delay="0">
+                  <p:tgtEl>
+                    <p:sldTgt/>
+                  </p:tgtEl>
+                </p:cond>
+              </p:nextCondLst>
+            </p:seq>
+          </p:childTnLst>
+        </p:cTn>
+      </p:par>
+    </p:tnLst>
+  </p:timing>
+</p:sld>
+</file>
+
 <file path=ppt/slides/slide2.xml><?xml version="1.0" encoding="utf-8"?>
 <p:sld xmlns:a="http://schemas.openxmlformats.org/drawingml/2006/main" xmlns:r="http://schemas.openxmlformats.org/officeDocument/2006/relationships" xmlns:p="http://schemas.openxmlformats.org/presentationml/2006/main">
   <p:cSld>
@@ -5719,6 +9523,1246 @@
           </a:xfrm>
         </p:spPr>
       </p:pic>
+    </p:spTree>
+  </p:cSld>
+  <p:clrMapOvr>
+    <a:masterClrMapping/>
+  </p:clrMapOvr>
+  <p:timing>
+    <p:tnLst>
+      <p:par>
+        <p:cTn id="1" dur="indefinite" restart="never" nodeType="tmRoot"/>
+      </p:par>
+    </p:tnLst>
+  </p:timing>
+</p:sld>
+</file>
+
+<file path=ppt/slides/slide20.xml><?xml version="1.0" encoding="utf-8"?>
+<p:sld xmlns:a="http://schemas.openxmlformats.org/drawingml/2006/main" xmlns:r="http://schemas.openxmlformats.org/officeDocument/2006/relationships" xmlns:p="http://schemas.openxmlformats.org/presentationml/2006/main">
+  <p:cSld>
+    <p:spTree>
+      <p:nvGrpSpPr>
+        <p:cNvPr id="1" name=""/>
+        <p:cNvGrpSpPr/>
+        <p:nvPr/>
+      </p:nvGrpSpPr>
+      <p:grpSpPr>
+        <a:xfrm>
+          <a:off x="0" y="0"/>
+          <a:ext cx="0" cy="0"/>
+          <a:chOff x="0" y="0"/>
+          <a:chExt cx="0" cy="0"/>
+        </a:xfrm>
+      </p:grpSpPr>
+      <p:sp>
+        <p:nvSpPr>
+          <p:cNvPr id="2" name="标题 1"/>
+          <p:cNvSpPr>
+            <a:spLocks noGrp="1"/>
+          </p:cNvSpPr>
+          <p:nvPr>
+            <p:ph type="title"/>
+          </p:nvPr>
+        </p:nvSpPr>
+        <p:spPr/>
+        <p:txBody>
+          <a:bodyPr/>
+          <a:lstStyle/>
+          <a:p>
+            <a:r>
+              <a:rPr lang="en-US" altLang="zh-CN" dirty="0" smtClean="0"/>
+              <a:t>6-dim designed feature</a:t>
+            </a:r>
+            <a:endParaRPr lang="zh-CN" altLang="en-US" dirty="0"/>
+          </a:p>
+        </p:txBody>
+      </p:sp>
+      <p:sp>
+        <p:nvSpPr>
+          <p:cNvPr id="3" name="内容占位符 2"/>
+          <p:cNvSpPr>
+            <a:spLocks noGrp="1"/>
+          </p:cNvSpPr>
+          <p:nvPr>
+            <p:ph idx="1"/>
+          </p:nvPr>
+        </p:nvSpPr>
+        <p:spPr/>
+        <p:txBody>
+          <a:bodyPr/>
+          <a:lstStyle/>
+          <a:p>
+            <a:r>
+              <a:rPr lang="en-US" altLang="zh-CN" dirty="0" smtClean="0">
+                <a:solidFill>
+                  <a:srgbClr val="FFFF00"/>
+                </a:solidFill>
+              </a:rPr>
+              <a:t>53% </a:t>
+            </a:r>
+            <a:r>
+              <a:rPr lang="en-US" altLang="zh-CN" dirty="0" smtClean="0"/>
+              <a:t>accuracy in only 6-dim, for 6-classification.</a:t>
+            </a:r>
+          </a:p>
+          <a:p>
+            <a:r>
+              <a:rPr lang="en-US" altLang="zh-CN" dirty="0" smtClean="0"/>
+              <a:t>Does decrease error by ¼  as auxiliary to LPC &amp; MFCC.</a:t>
+            </a:r>
+          </a:p>
+          <a:p>
+            <a:r>
+              <a:rPr lang="en-US" altLang="zh-CN" dirty="0" smtClean="0"/>
+              <a:t>By observation and attempt, enlighten our understanding of music.</a:t>
+            </a:r>
+            <a:endParaRPr lang="zh-CN" altLang="en-US" dirty="0"/>
+          </a:p>
+        </p:txBody>
+      </p:sp>
+    </p:spTree>
+  </p:cSld>
+  <p:clrMapOvr>
+    <a:masterClrMapping/>
+  </p:clrMapOvr>
+  <p:timing>
+    <p:tnLst>
+      <p:par>
+        <p:cTn id="1" dur="indefinite" restart="never" nodeType="tmRoot">
+          <p:childTnLst>
+            <p:seq concurrent="1" nextAc="seek">
+              <p:cTn id="2" dur="indefinite" nodeType="mainSeq">
+                <p:childTnLst>
+                  <p:par>
+                    <p:cTn id="3" fill="hold">
+                      <p:stCondLst>
+                        <p:cond delay="indefinite"/>
+                      </p:stCondLst>
+                      <p:childTnLst>
+                        <p:par>
+                          <p:cTn id="4" fill="hold">
+                            <p:stCondLst>
+                              <p:cond delay="0"/>
+                            </p:stCondLst>
+                            <p:childTnLst>
+                              <p:par>
+                                <p:cTn id="5" presetID="1" presetClass="entr" presetSubtype="0" fill="hold" nodeType="clickEffect">
+                                  <p:stCondLst>
+                                    <p:cond delay="0"/>
+                                  </p:stCondLst>
+                                  <p:childTnLst>
+                                    <p:set>
+                                      <p:cBhvr>
+                                        <p:cTn id="6" dur="1" fill="hold">
+                                          <p:stCondLst>
+                                            <p:cond delay="0"/>
+                                          </p:stCondLst>
+                                        </p:cTn>
+                                        <p:tgtEl>
+                                          <p:spTgt spid="3">
+                                            <p:txEl>
+                                              <p:pRg st="0" end="0"/>
+                                            </p:txEl>
+                                          </p:spTgt>
+                                        </p:tgtEl>
+                                        <p:attrNameLst>
+                                          <p:attrName>style.visibility</p:attrName>
+                                        </p:attrNameLst>
+                                      </p:cBhvr>
+                                      <p:to>
+                                        <p:strVal val="visible"/>
+                                      </p:to>
+                                    </p:set>
+                                  </p:childTnLst>
+                                </p:cTn>
+                              </p:par>
+                            </p:childTnLst>
+                          </p:cTn>
+                        </p:par>
+                      </p:childTnLst>
+                    </p:cTn>
+                  </p:par>
+                  <p:par>
+                    <p:cTn id="7" fill="hold">
+                      <p:stCondLst>
+                        <p:cond delay="indefinite"/>
+                      </p:stCondLst>
+                      <p:childTnLst>
+                        <p:par>
+                          <p:cTn id="8" fill="hold">
+                            <p:stCondLst>
+                              <p:cond delay="0"/>
+                            </p:stCondLst>
+                            <p:childTnLst>
+                              <p:par>
+                                <p:cTn id="9" presetID="1" presetClass="entr" presetSubtype="0" fill="hold" nodeType="clickEffect">
+                                  <p:stCondLst>
+                                    <p:cond delay="0"/>
+                                  </p:stCondLst>
+                                  <p:childTnLst>
+                                    <p:set>
+                                      <p:cBhvr>
+                                        <p:cTn id="10" dur="1" fill="hold">
+                                          <p:stCondLst>
+                                            <p:cond delay="0"/>
+                                          </p:stCondLst>
+                                        </p:cTn>
+                                        <p:tgtEl>
+                                          <p:spTgt spid="3">
+                                            <p:txEl>
+                                              <p:pRg st="1" end="1"/>
+                                            </p:txEl>
+                                          </p:spTgt>
+                                        </p:tgtEl>
+                                        <p:attrNameLst>
+                                          <p:attrName>style.visibility</p:attrName>
+                                        </p:attrNameLst>
+                                      </p:cBhvr>
+                                      <p:to>
+                                        <p:strVal val="visible"/>
+                                      </p:to>
+                                    </p:set>
+                                  </p:childTnLst>
+                                </p:cTn>
+                              </p:par>
+                            </p:childTnLst>
+                          </p:cTn>
+                        </p:par>
+                      </p:childTnLst>
+                    </p:cTn>
+                  </p:par>
+                  <p:par>
+                    <p:cTn id="11" fill="hold">
+                      <p:stCondLst>
+                        <p:cond delay="indefinite"/>
+                      </p:stCondLst>
+                      <p:childTnLst>
+                        <p:par>
+                          <p:cTn id="12" fill="hold">
+                            <p:stCondLst>
+                              <p:cond delay="0"/>
+                            </p:stCondLst>
+                            <p:childTnLst>
+                              <p:par>
+                                <p:cTn id="13" presetID="1" presetClass="entr" presetSubtype="0" fill="hold" nodeType="clickEffect">
+                                  <p:stCondLst>
+                                    <p:cond delay="0"/>
+                                  </p:stCondLst>
+                                  <p:childTnLst>
+                                    <p:set>
+                                      <p:cBhvr>
+                                        <p:cTn id="14" dur="1" fill="hold">
+                                          <p:stCondLst>
+                                            <p:cond delay="0"/>
+                                          </p:stCondLst>
+                                        </p:cTn>
+                                        <p:tgtEl>
+                                          <p:spTgt spid="3">
+                                            <p:txEl>
+                                              <p:pRg st="2" end="2"/>
+                                            </p:txEl>
+                                          </p:spTgt>
+                                        </p:tgtEl>
+                                        <p:attrNameLst>
+                                          <p:attrName>style.visibility</p:attrName>
+                                        </p:attrNameLst>
+                                      </p:cBhvr>
+                                      <p:to>
+                                        <p:strVal val="visible"/>
+                                      </p:to>
+                                    </p:set>
+                                  </p:childTnLst>
+                                </p:cTn>
+                              </p:par>
+                            </p:childTnLst>
+                          </p:cTn>
+                        </p:par>
+                      </p:childTnLst>
+                    </p:cTn>
+                  </p:par>
+                </p:childTnLst>
+              </p:cTn>
+              <p:prevCondLst>
+                <p:cond evt="onPrev" delay="0">
+                  <p:tgtEl>
+                    <p:sldTgt/>
+                  </p:tgtEl>
+                </p:cond>
+              </p:prevCondLst>
+              <p:nextCondLst>
+                <p:cond evt="onNext" delay="0">
+                  <p:tgtEl>
+                    <p:sldTgt/>
+                  </p:tgtEl>
+                </p:cond>
+              </p:nextCondLst>
+            </p:seq>
+          </p:childTnLst>
+        </p:cTn>
+      </p:par>
+    </p:tnLst>
+  </p:timing>
+</p:sld>
+</file>
+
+<file path=ppt/slides/slide21.xml><?xml version="1.0" encoding="utf-8"?>
+<p:sld xmlns:a="http://schemas.openxmlformats.org/drawingml/2006/main" xmlns:r="http://schemas.openxmlformats.org/officeDocument/2006/relationships" xmlns:p="http://schemas.openxmlformats.org/presentationml/2006/main">
+  <p:cSld>
+    <p:spTree>
+      <p:nvGrpSpPr>
+        <p:cNvPr id="1" name=""/>
+        <p:cNvGrpSpPr/>
+        <p:nvPr/>
+      </p:nvGrpSpPr>
+      <p:grpSpPr>
+        <a:xfrm>
+          <a:off x="0" y="0"/>
+          <a:ext cx="0" cy="0"/>
+          <a:chOff x="0" y="0"/>
+          <a:chExt cx="0" cy="0"/>
+        </a:xfrm>
+      </p:grpSpPr>
+      <p:sp>
+        <p:nvSpPr>
+          <p:cNvPr id="2" name="标题 1"/>
+          <p:cNvSpPr>
+            <a:spLocks noGrp="1"/>
+          </p:cNvSpPr>
+          <p:nvPr>
+            <p:ph type="title"/>
+          </p:nvPr>
+        </p:nvSpPr>
+        <p:spPr/>
+        <p:txBody>
+          <a:bodyPr/>
+          <a:lstStyle/>
+          <a:p>
+            <a:r>
+              <a:rPr lang="en-US" altLang="zh-CN" dirty="0" smtClean="0"/>
+              <a:t>Results</a:t>
+            </a:r>
+            <a:endParaRPr lang="zh-CN" altLang="en-US" dirty="0"/>
+          </a:p>
+        </p:txBody>
+      </p:sp>
+      <p:sp>
+        <p:nvSpPr>
+          <p:cNvPr id="3" name="内容占位符 2"/>
+          <p:cNvSpPr>
+            <a:spLocks noGrp="1"/>
+          </p:cNvSpPr>
+          <p:nvPr>
+            <p:ph idx="1"/>
+          </p:nvPr>
+        </p:nvSpPr>
+        <p:spPr/>
+        <p:txBody>
+          <a:bodyPr>
+            <a:normAutofit lnSpcReduction="10000"/>
+          </a:bodyPr>
+          <a:lstStyle/>
+          <a:p>
+            <a:r>
+              <a:rPr lang="en-US" altLang="zh-CN" dirty="0" smtClean="0"/>
+              <a:t>32-dim feature vector.</a:t>
+            </a:r>
+          </a:p>
+          <a:p>
+            <a:r>
+              <a:rPr lang="en-US" altLang="zh-CN" dirty="0" smtClean="0">
+                <a:solidFill>
+                  <a:srgbClr val="FFFF00"/>
+                </a:solidFill>
+              </a:rPr>
+              <a:t>91% </a:t>
+            </a:r>
+            <a:r>
+              <a:rPr lang="en-US" altLang="zh-CN" dirty="0" smtClean="0"/>
+              <a:t>accuracy in 50/50 cross validation.</a:t>
+            </a:r>
+          </a:p>
+          <a:p>
+            <a:r>
+              <a:rPr lang="en-US" altLang="zh-CN" dirty="0" smtClean="0"/>
+              <a:t>Generally less accurate in real music, due to noises, multiple instruments and different playing styles.</a:t>
+            </a:r>
+          </a:p>
+          <a:p>
+            <a:r>
+              <a:rPr lang="en-US" altLang="zh-CN" dirty="0" smtClean="0"/>
+              <a:t>Better for piano, guitar and violin, moderate for flute, poor for trumpet and saxophone.</a:t>
+            </a:r>
+          </a:p>
+          <a:p>
+            <a:r>
+              <a:rPr lang="en-US" altLang="zh-CN" dirty="0" smtClean="0"/>
+              <a:t>For those two, timbre is more variable with playing style, even pitch!</a:t>
+            </a:r>
+            <a:endParaRPr lang="zh-CN" altLang="en-US" dirty="0"/>
+          </a:p>
+        </p:txBody>
+      </p:sp>
+    </p:spTree>
+  </p:cSld>
+  <p:clrMapOvr>
+    <a:masterClrMapping/>
+  </p:clrMapOvr>
+  <p:timing>
+    <p:tnLst>
+      <p:par>
+        <p:cTn id="1" dur="indefinite" restart="never" nodeType="tmRoot">
+          <p:childTnLst>
+            <p:seq concurrent="1" nextAc="seek">
+              <p:cTn id="2" dur="indefinite" nodeType="mainSeq">
+                <p:childTnLst>
+                  <p:par>
+                    <p:cTn id="3" fill="hold">
+                      <p:stCondLst>
+                        <p:cond delay="indefinite"/>
+                      </p:stCondLst>
+                      <p:childTnLst>
+                        <p:par>
+                          <p:cTn id="4" fill="hold">
+                            <p:stCondLst>
+                              <p:cond delay="0"/>
+                            </p:stCondLst>
+                            <p:childTnLst>
+                              <p:par>
+                                <p:cTn id="5" presetID="1" presetClass="entr" presetSubtype="0" fill="hold" nodeType="clickEffect">
+                                  <p:stCondLst>
+                                    <p:cond delay="0"/>
+                                  </p:stCondLst>
+                                  <p:childTnLst>
+                                    <p:set>
+                                      <p:cBhvr>
+                                        <p:cTn id="6" dur="1" fill="hold">
+                                          <p:stCondLst>
+                                            <p:cond delay="0"/>
+                                          </p:stCondLst>
+                                        </p:cTn>
+                                        <p:tgtEl>
+                                          <p:spTgt spid="3">
+                                            <p:txEl>
+                                              <p:pRg st="0" end="0"/>
+                                            </p:txEl>
+                                          </p:spTgt>
+                                        </p:tgtEl>
+                                        <p:attrNameLst>
+                                          <p:attrName>style.visibility</p:attrName>
+                                        </p:attrNameLst>
+                                      </p:cBhvr>
+                                      <p:to>
+                                        <p:strVal val="visible"/>
+                                      </p:to>
+                                    </p:set>
+                                  </p:childTnLst>
+                                </p:cTn>
+                              </p:par>
+                            </p:childTnLst>
+                          </p:cTn>
+                        </p:par>
+                      </p:childTnLst>
+                    </p:cTn>
+                  </p:par>
+                  <p:par>
+                    <p:cTn id="7" fill="hold">
+                      <p:stCondLst>
+                        <p:cond delay="indefinite"/>
+                      </p:stCondLst>
+                      <p:childTnLst>
+                        <p:par>
+                          <p:cTn id="8" fill="hold">
+                            <p:stCondLst>
+                              <p:cond delay="0"/>
+                            </p:stCondLst>
+                            <p:childTnLst>
+                              <p:par>
+                                <p:cTn id="9" presetID="1" presetClass="entr" presetSubtype="0" fill="hold" nodeType="clickEffect">
+                                  <p:stCondLst>
+                                    <p:cond delay="0"/>
+                                  </p:stCondLst>
+                                  <p:childTnLst>
+                                    <p:set>
+                                      <p:cBhvr>
+                                        <p:cTn id="10" dur="1" fill="hold">
+                                          <p:stCondLst>
+                                            <p:cond delay="0"/>
+                                          </p:stCondLst>
+                                        </p:cTn>
+                                        <p:tgtEl>
+                                          <p:spTgt spid="3">
+                                            <p:txEl>
+                                              <p:pRg st="1" end="1"/>
+                                            </p:txEl>
+                                          </p:spTgt>
+                                        </p:tgtEl>
+                                        <p:attrNameLst>
+                                          <p:attrName>style.visibility</p:attrName>
+                                        </p:attrNameLst>
+                                      </p:cBhvr>
+                                      <p:to>
+                                        <p:strVal val="visible"/>
+                                      </p:to>
+                                    </p:set>
+                                  </p:childTnLst>
+                                </p:cTn>
+                              </p:par>
+                            </p:childTnLst>
+                          </p:cTn>
+                        </p:par>
+                      </p:childTnLst>
+                    </p:cTn>
+                  </p:par>
+                  <p:par>
+                    <p:cTn id="11" fill="hold">
+                      <p:stCondLst>
+                        <p:cond delay="indefinite"/>
+                      </p:stCondLst>
+                      <p:childTnLst>
+                        <p:par>
+                          <p:cTn id="12" fill="hold">
+                            <p:stCondLst>
+                              <p:cond delay="0"/>
+                            </p:stCondLst>
+                            <p:childTnLst>
+                              <p:par>
+                                <p:cTn id="13" presetID="1" presetClass="entr" presetSubtype="0" fill="hold" nodeType="clickEffect">
+                                  <p:stCondLst>
+                                    <p:cond delay="0"/>
+                                  </p:stCondLst>
+                                  <p:childTnLst>
+                                    <p:set>
+                                      <p:cBhvr>
+                                        <p:cTn id="14" dur="1" fill="hold">
+                                          <p:stCondLst>
+                                            <p:cond delay="0"/>
+                                          </p:stCondLst>
+                                        </p:cTn>
+                                        <p:tgtEl>
+                                          <p:spTgt spid="3">
+                                            <p:txEl>
+                                              <p:pRg st="2" end="2"/>
+                                            </p:txEl>
+                                          </p:spTgt>
+                                        </p:tgtEl>
+                                        <p:attrNameLst>
+                                          <p:attrName>style.visibility</p:attrName>
+                                        </p:attrNameLst>
+                                      </p:cBhvr>
+                                      <p:to>
+                                        <p:strVal val="visible"/>
+                                      </p:to>
+                                    </p:set>
+                                  </p:childTnLst>
+                                </p:cTn>
+                              </p:par>
+                            </p:childTnLst>
+                          </p:cTn>
+                        </p:par>
+                      </p:childTnLst>
+                    </p:cTn>
+                  </p:par>
+                  <p:par>
+                    <p:cTn id="15" fill="hold">
+                      <p:stCondLst>
+                        <p:cond delay="indefinite"/>
+                      </p:stCondLst>
+                      <p:childTnLst>
+                        <p:par>
+                          <p:cTn id="16" fill="hold">
+                            <p:stCondLst>
+                              <p:cond delay="0"/>
+                            </p:stCondLst>
+                            <p:childTnLst>
+                              <p:par>
+                                <p:cTn id="17" presetID="1" presetClass="entr" presetSubtype="0" fill="hold" nodeType="clickEffect">
+                                  <p:stCondLst>
+                                    <p:cond delay="0"/>
+                                  </p:stCondLst>
+                                  <p:childTnLst>
+                                    <p:set>
+                                      <p:cBhvr>
+                                        <p:cTn id="18" dur="1" fill="hold">
+                                          <p:stCondLst>
+                                            <p:cond delay="0"/>
+                                          </p:stCondLst>
+                                        </p:cTn>
+                                        <p:tgtEl>
+                                          <p:spTgt spid="3">
+                                            <p:txEl>
+                                              <p:pRg st="3" end="3"/>
+                                            </p:txEl>
+                                          </p:spTgt>
+                                        </p:tgtEl>
+                                        <p:attrNameLst>
+                                          <p:attrName>style.visibility</p:attrName>
+                                        </p:attrNameLst>
+                                      </p:cBhvr>
+                                      <p:to>
+                                        <p:strVal val="visible"/>
+                                      </p:to>
+                                    </p:set>
+                                  </p:childTnLst>
+                                </p:cTn>
+                              </p:par>
+                            </p:childTnLst>
+                          </p:cTn>
+                        </p:par>
+                      </p:childTnLst>
+                    </p:cTn>
+                  </p:par>
+                  <p:par>
+                    <p:cTn id="19" fill="hold">
+                      <p:stCondLst>
+                        <p:cond delay="indefinite"/>
+                      </p:stCondLst>
+                      <p:childTnLst>
+                        <p:par>
+                          <p:cTn id="20" fill="hold">
+                            <p:stCondLst>
+                              <p:cond delay="0"/>
+                            </p:stCondLst>
+                            <p:childTnLst>
+                              <p:par>
+                                <p:cTn id="21" presetID="1" presetClass="entr" presetSubtype="0" fill="hold" nodeType="clickEffect">
+                                  <p:stCondLst>
+                                    <p:cond delay="0"/>
+                                  </p:stCondLst>
+                                  <p:childTnLst>
+                                    <p:set>
+                                      <p:cBhvr>
+                                        <p:cTn id="22" dur="1" fill="hold">
+                                          <p:stCondLst>
+                                            <p:cond delay="0"/>
+                                          </p:stCondLst>
+                                        </p:cTn>
+                                        <p:tgtEl>
+                                          <p:spTgt spid="3">
+                                            <p:txEl>
+                                              <p:pRg st="4" end="4"/>
+                                            </p:txEl>
+                                          </p:spTgt>
+                                        </p:tgtEl>
+                                        <p:attrNameLst>
+                                          <p:attrName>style.visibility</p:attrName>
+                                        </p:attrNameLst>
+                                      </p:cBhvr>
+                                      <p:to>
+                                        <p:strVal val="visible"/>
+                                      </p:to>
+                                    </p:set>
+                                  </p:childTnLst>
+                                </p:cTn>
+                              </p:par>
+                            </p:childTnLst>
+                          </p:cTn>
+                        </p:par>
+                      </p:childTnLst>
+                    </p:cTn>
+                  </p:par>
+                </p:childTnLst>
+              </p:cTn>
+              <p:prevCondLst>
+                <p:cond evt="onPrev" delay="0">
+                  <p:tgtEl>
+                    <p:sldTgt/>
+                  </p:tgtEl>
+                </p:cond>
+              </p:prevCondLst>
+              <p:nextCondLst>
+                <p:cond evt="onNext" delay="0">
+                  <p:tgtEl>
+                    <p:sldTgt/>
+                  </p:tgtEl>
+                </p:cond>
+              </p:nextCondLst>
+            </p:seq>
+          </p:childTnLst>
+        </p:cTn>
+      </p:par>
+    </p:tnLst>
+  </p:timing>
+</p:sld>
+</file>
+
+<file path=ppt/slides/slide22.xml><?xml version="1.0" encoding="utf-8"?>
+<p:sld xmlns:a="http://schemas.openxmlformats.org/drawingml/2006/main" xmlns:r="http://schemas.openxmlformats.org/officeDocument/2006/relationships" xmlns:p="http://schemas.openxmlformats.org/presentationml/2006/main">
+  <p:cSld>
+    <p:spTree>
+      <p:nvGrpSpPr>
+        <p:cNvPr id="1" name=""/>
+        <p:cNvGrpSpPr/>
+        <p:nvPr/>
+      </p:nvGrpSpPr>
+      <p:grpSpPr>
+        <a:xfrm>
+          <a:off x="0" y="0"/>
+          <a:ext cx="0" cy="0"/>
+          <a:chOff x="0" y="0"/>
+          <a:chExt cx="0" cy="0"/>
+        </a:xfrm>
+      </p:grpSpPr>
+      <p:sp>
+        <p:nvSpPr>
+          <p:cNvPr id="2" name="标题 1"/>
+          <p:cNvSpPr>
+            <a:spLocks noGrp="1"/>
+          </p:cNvSpPr>
+          <p:nvPr>
+            <p:ph type="title"/>
+          </p:nvPr>
+        </p:nvSpPr>
+        <p:spPr/>
+        <p:txBody>
+          <a:bodyPr/>
+          <a:lstStyle/>
+          <a:p>
+            <a:r>
+              <a:rPr lang="en-US" altLang="zh-CN" dirty="0" smtClean="0"/>
+              <a:t>Future work</a:t>
+            </a:r>
+            <a:endParaRPr lang="zh-CN" altLang="en-US" dirty="0"/>
+          </a:p>
+        </p:txBody>
+      </p:sp>
+      <p:sp>
+        <p:nvSpPr>
+          <p:cNvPr id="3" name="内容占位符 2"/>
+          <p:cNvSpPr>
+            <a:spLocks noGrp="1"/>
+          </p:cNvSpPr>
+          <p:nvPr>
+            <p:ph idx="1"/>
+          </p:nvPr>
+        </p:nvSpPr>
+        <p:spPr/>
+        <p:txBody>
+          <a:bodyPr/>
+          <a:lstStyle/>
+          <a:p>
+            <a:r>
+              <a:rPr lang="en-US" altLang="zh-CN" dirty="0" smtClean="0"/>
+              <a:t>Robustness against noise to be improved.</a:t>
+            </a:r>
+          </a:p>
+          <a:p>
+            <a:r>
+              <a:rPr lang="en-US" altLang="zh-CN" dirty="0" smtClean="0"/>
+              <a:t>Temporal analysis on notes to be adopted. (hopeful to increase accuracy in real-music)</a:t>
+            </a:r>
+            <a:endParaRPr lang="zh-CN" altLang="en-US" dirty="0"/>
+          </a:p>
+        </p:txBody>
+      </p:sp>
+    </p:spTree>
+  </p:cSld>
+  <p:clrMapOvr>
+    <a:masterClrMapping/>
+  </p:clrMapOvr>
+  <p:timing>
+    <p:tnLst>
+      <p:par>
+        <p:cTn id="1" dur="indefinite" restart="never" nodeType="tmRoot">
+          <p:childTnLst>
+            <p:seq concurrent="1" nextAc="seek">
+              <p:cTn id="2" dur="indefinite" nodeType="mainSeq">
+                <p:childTnLst>
+                  <p:par>
+                    <p:cTn id="3" fill="hold">
+                      <p:stCondLst>
+                        <p:cond delay="indefinite"/>
+                      </p:stCondLst>
+                      <p:childTnLst>
+                        <p:par>
+                          <p:cTn id="4" fill="hold">
+                            <p:stCondLst>
+                              <p:cond delay="0"/>
+                            </p:stCondLst>
+                            <p:childTnLst>
+                              <p:par>
+                                <p:cTn id="5" presetID="1" presetClass="entr" presetSubtype="0" fill="hold" nodeType="clickEffect">
+                                  <p:stCondLst>
+                                    <p:cond delay="0"/>
+                                  </p:stCondLst>
+                                  <p:childTnLst>
+                                    <p:set>
+                                      <p:cBhvr>
+                                        <p:cTn id="6" dur="1" fill="hold">
+                                          <p:stCondLst>
+                                            <p:cond delay="0"/>
+                                          </p:stCondLst>
+                                        </p:cTn>
+                                        <p:tgtEl>
+                                          <p:spTgt spid="3">
+                                            <p:txEl>
+                                              <p:pRg st="0" end="0"/>
+                                            </p:txEl>
+                                          </p:spTgt>
+                                        </p:tgtEl>
+                                        <p:attrNameLst>
+                                          <p:attrName>style.visibility</p:attrName>
+                                        </p:attrNameLst>
+                                      </p:cBhvr>
+                                      <p:to>
+                                        <p:strVal val="visible"/>
+                                      </p:to>
+                                    </p:set>
+                                  </p:childTnLst>
+                                </p:cTn>
+                              </p:par>
+                            </p:childTnLst>
+                          </p:cTn>
+                        </p:par>
+                      </p:childTnLst>
+                    </p:cTn>
+                  </p:par>
+                  <p:par>
+                    <p:cTn id="7" fill="hold">
+                      <p:stCondLst>
+                        <p:cond delay="indefinite"/>
+                      </p:stCondLst>
+                      <p:childTnLst>
+                        <p:par>
+                          <p:cTn id="8" fill="hold">
+                            <p:stCondLst>
+                              <p:cond delay="0"/>
+                            </p:stCondLst>
+                            <p:childTnLst>
+                              <p:par>
+                                <p:cTn id="9" presetID="1" presetClass="entr" presetSubtype="0" fill="hold" nodeType="clickEffect">
+                                  <p:stCondLst>
+                                    <p:cond delay="0"/>
+                                  </p:stCondLst>
+                                  <p:childTnLst>
+                                    <p:set>
+                                      <p:cBhvr>
+                                        <p:cTn id="10" dur="1" fill="hold">
+                                          <p:stCondLst>
+                                            <p:cond delay="0"/>
+                                          </p:stCondLst>
+                                        </p:cTn>
+                                        <p:tgtEl>
+                                          <p:spTgt spid="3">
+                                            <p:txEl>
+                                              <p:pRg st="1" end="1"/>
+                                            </p:txEl>
+                                          </p:spTgt>
+                                        </p:tgtEl>
+                                        <p:attrNameLst>
+                                          <p:attrName>style.visibility</p:attrName>
+                                        </p:attrNameLst>
+                                      </p:cBhvr>
+                                      <p:to>
+                                        <p:strVal val="visible"/>
+                                      </p:to>
+                                    </p:set>
+                                  </p:childTnLst>
+                                </p:cTn>
+                              </p:par>
+                            </p:childTnLst>
+                          </p:cTn>
+                        </p:par>
+                      </p:childTnLst>
+                    </p:cTn>
+                  </p:par>
+                </p:childTnLst>
+              </p:cTn>
+              <p:prevCondLst>
+                <p:cond evt="onPrev" delay="0">
+                  <p:tgtEl>
+                    <p:sldTgt/>
+                  </p:tgtEl>
+                </p:cond>
+              </p:prevCondLst>
+              <p:nextCondLst>
+                <p:cond evt="onNext" delay="0">
+                  <p:tgtEl>
+                    <p:sldTgt/>
+                  </p:tgtEl>
+                </p:cond>
+              </p:nextCondLst>
+            </p:seq>
+          </p:childTnLst>
+        </p:cTn>
+      </p:par>
+    </p:tnLst>
+  </p:timing>
+</p:sld>
+</file>
+
+<file path=ppt/slides/slide23.xml><?xml version="1.0" encoding="utf-8"?>
+<p:sld xmlns:a="http://schemas.openxmlformats.org/drawingml/2006/main" xmlns:r="http://schemas.openxmlformats.org/officeDocument/2006/relationships" xmlns:p="http://schemas.openxmlformats.org/presentationml/2006/main">
+  <p:cSld>
+    <p:spTree>
+      <p:nvGrpSpPr>
+        <p:cNvPr id="1" name=""/>
+        <p:cNvGrpSpPr/>
+        <p:nvPr/>
+      </p:nvGrpSpPr>
+      <p:grpSpPr>
+        <a:xfrm>
+          <a:off x="0" y="0"/>
+          <a:ext cx="0" cy="0"/>
+          <a:chOff x="0" y="0"/>
+          <a:chExt cx="0" cy="0"/>
+        </a:xfrm>
+      </p:grpSpPr>
+      <p:sp>
+        <p:nvSpPr>
+          <p:cNvPr id="2" name="标题 1"/>
+          <p:cNvSpPr>
+            <a:spLocks noGrp="1"/>
+          </p:cNvSpPr>
+          <p:nvPr>
+            <p:ph type="title"/>
+          </p:nvPr>
+        </p:nvSpPr>
+        <p:spPr>
+          <a:xfrm>
+            <a:off x="467544" y="2636912"/>
+            <a:ext cx="8229600" cy="1143000"/>
+          </a:xfrm>
+        </p:spPr>
+        <p:txBody>
+          <a:bodyPr/>
+          <a:lstStyle/>
+          <a:p>
+            <a:r>
+              <a:rPr lang="en-US" altLang="zh-CN" dirty="0" smtClean="0"/>
+              <a:t>Demo for real music</a:t>
+            </a:r>
+            <a:endParaRPr lang="zh-CN" altLang="en-US" dirty="0"/>
+          </a:p>
+        </p:txBody>
+      </p:sp>
+    </p:spTree>
+  </p:cSld>
+  <p:clrMapOvr>
+    <a:masterClrMapping/>
+  </p:clrMapOvr>
+  <p:timing>
+    <p:tnLst>
+      <p:par>
+        <p:cTn id="1" dur="indefinite" restart="never" nodeType="tmRoot"/>
+      </p:par>
+    </p:tnLst>
+  </p:timing>
+</p:sld>
+</file>
+
+<file path=ppt/slides/slide24.xml><?xml version="1.0" encoding="utf-8"?>
+<p:sld xmlns:a="http://schemas.openxmlformats.org/drawingml/2006/main" xmlns:r="http://schemas.openxmlformats.org/officeDocument/2006/relationships" xmlns:p="http://schemas.openxmlformats.org/presentationml/2006/main">
+  <p:cSld>
+    <p:spTree>
+      <p:nvGrpSpPr>
+        <p:cNvPr id="1" name=""/>
+        <p:cNvGrpSpPr/>
+        <p:nvPr/>
+      </p:nvGrpSpPr>
+      <p:grpSpPr>
+        <a:xfrm>
+          <a:off x="0" y="0"/>
+          <a:ext cx="0" cy="0"/>
+          <a:chOff x="0" y="0"/>
+          <a:chExt cx="0" cy="0"/>
+        </a:xfrm>
+      </p:grpSpPr>
+      <p:sp>
+        <p:nvSpPr>
+          <p:cNvPr id="2" name="标题 1"/>
+          <p:cNvSpPr>
+            <a:spLocks noGrp="1"/>
+          </p:cNvSpPr>
+          <p:nvPr>
+            <p:ph type="title"/>
+          </p:nvPr>
+        </p:nvSpPr>
+        <p:spPr/>
+        <p:txBody>
+          <a:bodyPr/>
+          <a:lstStyle/>
+          <a:p>
+            <a:r>
+              <a:rPr lang="en-US" altLang="zh-CN" dirty="0" smtClean="0"/>
+              <a:t>Music material in Demo:</a:t>
+            </a:r>
+            <a:endParaRPr lang="zh-CN" altLang="en-US" dirty="0"/>
+          </a:p>
+        </p:txBody>
+      </p:sp>
+      <p:sp>
+        <p:nvSpPr>
+          <p:cNvPr id="3" name="内容占位符 2"/>
+          <p:cNvSpPr>
+            <a:spLocks noGrp="1"/>
+          </p:cNvSpPr>
+          <p:nvPr>
+            <p:ph idx="1"/>
+          </p:nvPr>
+        </p:nvSpPr>
+        <p:spPr/>
+        <p:txBody>
+          <a:bodyPr/>
+          <a:lstStyle/>
+          <a:p>
+            <a:r>
+              <a:rPr lang="en-US" altLang="zh-CN" i="1" dirty="0" smtClean="0">
+                <a:solidFill>
+                  <a:srgbClr val="FFFF00"/>
+                </a:solidFill>
+              </a:rPr>
+              <a:t>Canon</a:t>
+            </a:r>
+            <a:r>
+              <a:rPr lang="en-US" altLang="zh-CN" dirty="0" smtClean="0"/>
+              <a:t> by </a:t>
+            </a:r>
+            <a:r>
+              <a:rPr lang="en-US" altLang="zh-CN" dirty="0" smtClean="0">
+                <a:solidFill>
+                  <a:srgbClr val="FF0080"/>
+                </a:solidFill>
+              </a:rPr>
+              <a:t>Johann </a:t>
+            </a:r>
+            <a:r>
+              <a:rPr lang="en-US" altLang="zh-CN" dirty="0" err="1" smtClean="0">
+                <a:solidFill>
+                  <a:srgbClr val="FF0080"/>
+                </a:solidFill>
+              </a:rPr>
+              <a:t>Pachelbel</a:t>
+            </a:r>
+            <a:endParaRPr lang="en-US" altLang="zh-CN" dirty="0" smtClean="0">
+              <a:solidFill>
+                <a:srgbClr val="FF0080"/>
+              </a:solidFill>
+            </a:endParaRPr>
+          </a:p>
+          <a:p>
+            <a:r>
+              <a:rPr lang="en-US" altLang="zh-CN" i="1" dirty="0" smtClean="0">
+                <a:solidFill>
+                  <a:srgbClr val="FFFF00"/>
+                </a:solidFill>
+              </a:rPr>
+              <a:t>Carrying you </a:t>
+            </a:r>
+            <a:r>
+              <a:rPr lang="en-US" altLang="zh-CN" dirty="0" smtClean="0"/>
+              <a:t>from </a:t>
+            </a:r>
+            <a:r>
+              <a:rPr lang="en-US" altLang="zh-CN" i="1" dirty="0" err="1" smtClean="0">
+                <a:solidFill>
+                  <a:srgbClr val="0000FF"/>
+                </a:solidFill>
+              </a:rPr>
+              <a:t>Laputa</a:t>
+            </a:r>
+            <a:r>
+              <a:rPr lang="en-US" altLang="zh-CN" i="1" dirty="0" smtClean="0">
+                <a:solidFill>
+                  <a:srgbClr val="0000FF"/>
+                </a:solidFill>
+              </a:rPr>
+              <a:t>: Castle in the Sky</a:t>
+            </a:r>
+          </a:p>
+          <a:p>
+            <a:r>
+              <a:rPr lang="en-US" altLang="zh-CN" i="1" dirty="0" smtClean="0">
+                <a:solidFill>
+                  <a:srgbClr val="FFFF00"/>
+                </a:solidFill>
+              </a:rPr>
+              <a:t>《</a:t>
+            </a:r>
+            <a:r>
+              <a:rPr lang="zh-CN" altLang="en-US" i="1" dirty="0" smtClean="0">
+                <a:solidFill>
+                  <a:srgbClr val="FFFF00"/>
+                </a:solidFill>
+              </a:rPr>
+              <a:t>好想好想</a:t>
+            </a:r>
+            <a:r>
+              <a:rPr lang="en-US" altLang="zh-CN" i="1" dirty="0" smtClean="0">
+                <a:solidFill>
+                  <a:srgbClr val="FFFF00"/>
+                </a:solidFill>
+              </a:rPr>
+              <a:t>》 </a:t>
+            </a:r>
+            <a:r>
+              <a:rPr lang="en-US" altLang="zh-CN" dirty="0" smtClean="0"/>
+              <a:t>V</a:t>
+            </a:r>
+            <a:r>
+              <a:rPr lang="en-US" altLang="zh-CN" dirty="0" smtClean="0"/>
+              <a:t>iolin Version</a:t>
+            </a:r>
+          </a:p>
+          <a:p>
+            <a:r>
+              <a:rPr lang="en-US" altLang="zh-CN" i="1" dirty="0" smtClean="0">
+                <a:solidFill>
+                  <a:srgbClr val="FFFF00"/>
+                </a:solidFill>
+              </a:rPr>
+              <a:t>Edelweiss</a:t>
+            </a:r>
+            <a:r>
+              <a:rPr lang="en-US" altLang="zh-CN" dirty="0" smtClean="0"/>
+              <a:t> Saxophone Version</a:t>
+            </a:r>
+          </a:p>
+          <a:p>
+            <a:r>
+              <a:rPr lang="en-US" altLang="zh-CN" i="1" dirty="0" smtClean="0">
+                <a:solidFill>
+                  <a:srgbClr val="FFFF00"/>
+                </a:solidFill>
+              </a:rPr>
+              <a:t>Sparkle</a:t>
+            </a:r>
+            <a:r>
+              <a:rPr lang="en-US" altLang="zh-CN" dirty="0" smtClean="0"/>
+              <a:t> from </a:t>
+            </a:r>
+            <a:r>
+              <a:rPr lang="en-US" altLang="zh-CN" i="1" dirty="0" smtClean="0">
+                <a:solidFill>
+                  <a:srgbClr val="0000FF"/>
+                </a:solidFill>
+              </a:rPr>
+              <a:t>Your Name</a:t>
+            </a:r>
+          </a:p>
+          <a:p>
+            <a:endParaRPr lang="zh-CN" altLang="en-US" dirty="0"/>
+          </a:p>
+        </p:txBody>
+      </p:sp>
+    </p:spTree>
+  </p:cSld>
+  <p:clrMapOvr>
+    <a:masterClrMapping/>
+  </p:clrMapOvr>
+  <p:timing>
+    <p:tnLst>
+      <p:par>
+        <p:cTn id="1" dur="indefinite" restart="never" nodeType="tmRoot"/>
+      </p:par>
+    </p:tnLst>
+  </p:timing>
+</p:sld>
+</file>
+
+<file path=ppt/slides/slide25.xml><?xml version="1.0" encoding="utf-8"?>
+<p:sld xmlns:a="http://schemas.openxmlformats.org/drawingml/2006/main" xmlns:r="http://schemas.openxmlformats.org/officeDocument/2006/relationships" xmlns:p="http://schemas.openxmlformats.org/presentationml/2006/main">
+  <p:cSld>
+    <p:spTree>
+      <p:nvGrpSpPr>
+        <p:cNvPr id="1" name=""/>
+        <p:cNvGrpSpPr/>
+        <p:nvPr/>
+      </p:nvGrpSpPr>
+      <p:grpSpPr>
+        <a:xfrm>
+          <a:off x="0" y="0"/>
+          <a:ext cx="0" cy="0"/>
+          <a:chOff x="0" y="0"/>
+          <a:chExt cx="0" cy="0"/>
+        </a:xfrm>
+      </p:grpSpPr>
+      <p:sp>
+        <p:nvSpPr>
+          <p:cNvPr id="4" name="标题 1"/>
+          <p:cNvSpPr txBox="1">
+            <a:spLocks/>
+          </p:cNvSpPr>
+          <p:nvPr/>
+        </p:nvSpPr>
+        <p:spPr>
+          <a:xfrm>
+            <a:off x="467544" y="2636912"/>
+            <a:ext cx="8229600" cy="1143000"/>
+          </a:xfrm>
+          <a:prstGeom prst="rect">
+            <a:avLst/>
+          </a:prstGeom>
+        </p:spPr>
+        <p:txBody>
+          <a:bodyPr vert="horz" lIns="91440" tIns="45720" rIns="91440" bIns="45720" rtlCol="0" anchor="ctr">
+            <a:normAutofit/>
+          </a:bodyPr>
+          <a:lstStyle/>
+          <a:p>
+            <a:pPr marL="0" marR="0" lvl="0" indent="0" algn="ctr" defTabSz="914400" rtl="0" eaLnBrk="1" fontAlgn="auto" latinLnBrk="0" hangingPunct="1">
+              <a:lnSpc>
+                <a:spcPct val="100000"/>
+              </a:lnSpc>
+              <a:spcBef>
+                <a:spcPct val="0"/>
+              </a:spcBef>
+              <a:spcAft>
+                <a:spcPts val="0"/>
+              </a:spcAft>
+              <a:buClrTx/>
+              <a:buSzTx/>
+              <a:buFontTx/>
+              <a:buNone/>
+              <a:tabLst/>
+              <a:defRPr/>
+            </a:pPr>
+            <a:r>
+              <a:rPr kumimoji="0" lang="en-US" altLang="zh-CN" sz="4400" b="0" i="0" u="none" strike="noStrike" kern="1200" cap="none" spc="0" normalizeH="0" baseline="0" noProof="0" dirty="0" smtClean="0">
+                <a:ln>
+                  <a:noFill/>
+                </a:ln>
+                <a:solidFill>
+                  <a:srgbClr val="E0E0FF"/>
+                </a:solidFill>
+                <a:effectLst>
+                  <a:outerShdw blurRad="76200" dist="177800" dir="2700000" algn="ctr" rotWithShape="0">
+                    <a:srgbClr val="000000">
+                      <a:alpha val="50000"/>
+                    </a:srgbClr>
+                  </a:outerShdw>
+                </a:effectLst>
+                <a:uLnTx/>
+                <a:uFillTx/>
+                <a:latin typeface="+mj-lt"/>
+                <a:ea typeface="+mj-ea"/>
+                <a:cs typeface="+mj-cs"/>
+              </a:rPr>
+              <a:t>Thanks!</a:t>
+            </a:r>
+            <a:endParaRPr kumimoji="0" lang="zh-CN" altLang="en-US" sz="4400" b="0" i="0" u="none" strike="noStrike" kern="1200" cap="none" spc="0" normalizeH="0" baseline="0" noProof="0" dirty="0">
+              <a:ln>
+                <a:noFill/>
+              </a:ln>
+              <a:solidFill>
+                <a:srgbClr val="E0E0FF"/>
+              </a:solidFill>
+              <a:effectLst>
+                <a:outerShdw blurRad="76200" dist="177800" dir="2700000" algn="ctr" rotWithShape="0">
+                  <a:srgbClr val="000000">
+                    <a:alpha val="50000"/>
+                  </a:srgbClr>
+                </a:outerShdw>
+              </a:effectLst>
+              <a:uLnTx/>
+              <a:uFillTx/>
+              <a:latin typeface="+mj-lt"/>
+              <a:ea typeface="+mj-ea"/>
+              <a:cs typeface="+mj-cs"/>
+            </a:endParaRPr>
+          </a:p>
+        </p:txBody>
+      </p:sp>
     </p:spTree>
   </p:cSld>
   <p:clrMapOvr>
@@ -6652,7 +11696,11 @@
           <a:p>
             <a:r>
               <a:rPr lang="en-US" altLang="zh-CN" dirty="0" smtClean="0"/>
-              <a:t>Spectrum Outline &amp; Cepstrum Peaks (our handwork, 6D)</a:t>
+              <a:t>Spectral </a:t>
+            </a:r>
+            <a:r>
+              <a:rPr lang="en-US" altLang="zh-CN" dirty="0" smtClean="0"/>
+              <a:t>Outline &amp; Cepstrum Peaks (our handwork, 6D)</a:t>
             </a:r>
           </a:p>
           <a:p>

--- a/ppt/SST.pptx
+++ b/ppt/SST.pptx
@@ -5,7 +5,7 @@
     <p:sldMasterId id="2147483673" r:id="rId1"/>
   </p:sldMasterIdLst>
   <p:notesMasterIdLst>
-    <p:notesMasterId r:id="rId27"/>
+    <p:notesMasterId r:id="rId28"/>
   </p:notesMasterIdLst>
   <p:sldIdLst>
     <p:sldId id="256" r:id="rId2"/>
@@ -29,10 +29,11 @@
     <p:sldId id="276" r:id="rId20"/>
     <p:sldId id="277" r:id="rId21"/>
     <p:sldId id="278" r:id="rId22"/>
-    <p:sldId id="273" r:id="rId23"/>
-    <p:sldId id="279" r:id="rId24"/>
-    <p:sldId id="274" r:id="rId25"/>
-    <p:sldId id="280" r:id="rId26"/>
+    <p:sldId id="281" r:id="rId23"/>
+    <p:sldId id="273" r:id="rId24"/>
+    <p:sldId id="279" r:id="rId25"/>
+    <p:sldId id="274" r:id="rId26"/>
+    <p:sldId id="280" r:id="rId27"/>
   </p:sldIdLst>
   <p:sldSz cx="9144000" cy="6858000" type="screen4x3"/>
   <p:notesSz cx="6858000" cy="9144000"/>
@@ -5235,7 +5236,7 @@
           <a:blip r:embed="rId2" cstate="print">
             <a:extLst>
               <a:ext uri="{28A0092B-C50C-407E-A947-70E740481C1C}">
-                <a14:useLocalDpi xmlns="" xmlns:wpc="http://schemas.microsoft.com/office/word/2010/wordprocessingCanvas" xmlns:mo="http://schemas.microsoft.com/office/mac/office/2008/main" xmlns:mc="http://schemas.openxmlformats.org/markup-compatibility/2006" xmlns:mv="urn:schemas-microsoft-com:mac:vml" xmlns:o="urn:schemas-microsoft-com:office:office" xmlns:m="http://schemas.openxmlformats.org/officeDocument/2006/math" xmlns:v="urn:schemas-microsoft-com:vml" xmlns:wp14="http://schemas.microsoft.com/office/word/2010/wordprocessingDrawing" xmlns:wp="http://schemas.openxmlformats.org/drawingml/2006/wordprocessingDrawing" xmlns:w10="urn:schemas-microsoft-com:office:word" xmlns:w="http://schemas.openxmlformats.org/wordprocessingml/2006/main" xmlns:w14="http://schemas.microsoft.com/office/word/2010/wordml" xmlns:wpg="http://schemas.microsoft.com/office/word/2010/wordprocessingGroup" xmlns:wpi="http://schemas.microsoft.com/office/word/2010/wordprocessingInk" xmlns:wne="http://schemas.microsoft.com/office/word/2006/wordml" xmlns:wps="http://schemas.microsoft.com/office/word/2010/wordprocessingShape" xmlns:a14="http://schemas.microsoft.com/office/drawing/2010/main" xmlns:pic="http://schemas.openxmlformats.org/drawingml/2006/picture" xmlns:lc="http://schemas.openxmlformats.org/drawingml/2006/lockedCanvas" val="0"/>
+                <a14:useLocalDpi xmlns:lc="http://schemas.openxmlformats.org/drawingml/2006/lockedCanvas" xmlns:pic="http://schemas.openxmlformats.org/drawingml/2006/picture" xmlns:a14="http://schemas.microsoft.com/office/drawing/2010/main" xmlns:wps="http://schemas.microsoft.com/office/word/2010/wordprocessingShape" xmlns:wne="http://schemas.microsoft.com/office/word/2006/wordml" xmlns:wpi="http://schemas.microsoft.com/office/word/2010/wordprocessingInk" xmlns:wpg="http://schemas.microsoft.com/office/word/2010/wordprocessingGroup" xmlns:w14="http://schemas.microsoft.com/office/word/2010/wordml" xmlns:w="http://schemas.openxmlformats.org/wordprocessingml/2006/main" xmlns:w10="urn:schemas-microsoft-com:office:word" xmlns:wp="http://schemas.openxmlformats.org/drawingml/2006/wordprocessingDrawing" xmlns:wp14="http://schemas.microsoft.com/office/word/2010/wordprocessingDrawing" xmlns:v="urn:schemas-microsoft-com:vml" xmlns:m="http://schemas.openxmlformats.org/officeDocument/2006/math" xmlns:o="urn:schemas-microsoft-com:office:office" xmlns:mv="urn:schemas-microsoft-com:mac:vml" xmlns:mc="http://schemas.openxmlformats.org/markup-compatibility/2006" xmlns:mo="http://schemas.microsoft.com/office/mac/office/2008/main" xmlns:wpc="http://schemas.microsoft.com/office/word/2010/wordprocessingCanvas" xmlns="" val="0"/>
               </a:ext>
             </a:extLst>
           </a:blip>
@@ -5295,7 +5296,7 @@
           <a:blip r:embed="rId2" cstate="print">
             <a:extLst>
               <a:ext uri="{28A0092B-C50C-407E-A947-70E740481C1C}">
-                <a14:useLocalDpi xmlns="" xmlns:wpc="http://schemas.microsoft.com/office/word/2010/wordprocessingCanvas" xmlns:mo="http://schemas.microsoft.com/office/mac/office/2008/main" xmlns:mc="http://schemas.openxmlformats.org/markup-compatibility/2006" xmlns:mv="urn:schemas-microsoft-com:mac:vml" xmlns:o="urn:schemas-microsoft-com:office:office" xmlns:m="http://schemas.openxmlformats.org/officeDocument/2006/math" xmlns:v="urn:schemas-microsoft-com:vml" xmlns:wp14="http://schemas.microsoft.com/office/word/2010/wordprocessingDrawing" xmlns:wp="http://schemas.openxmlformats.org/drawingml/2006/wordprocessingDrawing" xmlns:w10="urn:schemas-microsoft-com:office:word" xmlns:w="http://schemas.openxmlformats.org/wordprocessingml/2006/main" xmlns:w14="http://schemas.microsoft.com/office/word/2010/wordml" xmlns:wpg="http://schemas.microsoft.com/office/word/2010/wordprocessingGroup" xmlns:wpi="http://schemas.microsoft.com/office/word/2010/wordprocessingInk" xmlns:wne="http://schemas.microsoft.com/office/word/2006/wordml" xmlns:wps="http://schemas.microsoft.com/office/word/2010/wordprocessingShape" xmlns:a14="http://schemas.microsoft.com/office/drawing/2010/main" xmlns:pic="http://schemas.openxmlformats.org/drawingml/2006/picture" xmlns:lc="http://schemas.openxmlformats.org/drawingml/2006/lockedCanvas" val="0"/>
+                <a14:useLocalDpi xmlns:lc="http://schemas.openxmlformats.org/drawingml/2006/lockedCanvas" xmlns:pic="http://schemas.openxmlformats.org/drawingml/2006/picture" xmlns:a14="http://schemas.microsoft.com/office/drawing/2010/main" xmlns:wps="http://schemas.microsoft.com/office/word/2010/wordprocessingShape" xmlns:wne="http://schemas.microsoft.com/office/word/2006/wordml" xmlns:wpi="http://schemas.microsoft.com/office/word/2010/wordprocessingInk" xmlns:wpg="http://schemas.microsoft.com/office/word/2010/wordprocessingGroup" xmlns:w14="http://schemas.microsoft.com/office/word/2010/wordml" xmlns:w="http://schemas.openxmlformats.org/wordprocessingml/2006/main" xmlns:w10="urn:schemas-microsoft-com:office:word" xmlns:wp="http://schemas.openxmlformats.org/drawingml/2006/wordprocessingDrawing" xmlns:wp14="http://schemas.microsoft.com/office/word/2010/wordprocessingDrawing" xmlns:v="urn:schemas-microsoft-com:vml" xmlns:m="http://schemas.openxmlformats.org/officeDocument/2006/math" xmlns:o="urn:schemas-microsoft-com:office:office" xmlns:mv="urn:schemas-microsoft-com:mac:vml" xmlns:mc="http://schemas.openxmlformats.org/markup-compatibility/2006" xmlns:mo="http://schemas.microsoft.com/office/mac/office/2008/main" xmlns:wpc="http://schemas.microsoft.com/office/word/2010/wordprocessingCanvas" xmlns="" val="0"/>
               </a:ext>
             </a:extLst>
           </a:blip>
@@ -6084,11 +6085,7 @@
           <a:p>
             <a:r>
               <a:rPr lang="en-US" altLang="zh-CN" dirty="0" smtClean="0"/>
-              <a:t>Spectral </a:t>
-            </a:r>
-            <a:r>
-              <a:rPr lang="en-US" altLang="zh-CN" dirty="0" smtClean="0"/>
-              <a:t>Outline</a:t>
+              <a:t>Spectral Outline</a:t>
             </a:r>
             <a:endParaRPr lang="zh-CN" altLang="en-US" dirty="0"/>
           </a:p>
@@ -6125,7 +6122,6 @@
               <a:rPr lang="en-US" altLang="zh-CN" dirty="0" smtClean="0"/>
               <a:t>Then IFFT, as a low-pass filter.</a:t>
             </a:r>
-            <a:endParaRPr lang="en-US" altLang="zh-CN" dirty="0" smtClean="0"/>
           </a:p>
           <a:p>
             <a:pPr>
@@ -10220,38 +10216,154 @@
           <a:p>
             <a:r>
               <a:rPr lang="en-US" altLang="zh-CN" dirty="0" smtClean="0"/>
-              <a:t>Future work</a:t>
+              <a:t>Results</a:t>
             </a:r>
             <a:endParaRPr lang="zh-CN" altLang="en-US" dirty="0"/>
           </a:p>
         </p:txBody>
       </p:sp>
-      <p:sp>
-        <p:nvSpPr>
-          <p:cNvPr id="3" name="内容占位符 2"/>
-          <p:cNvSpPr>
-            <a:spLocks noGrp="1"/>
-          </p:cNvSpPr>
+      <p:pic>
+        <p:nvPicPr>
+          <p:cNvPr id="1027" name="Picture 3"/>
+          <p:cNvPicPr>
+            <a:picLocks noGrp="1" noChangeAspect="1" noChangeArrowheads="1"/>
+          </p:cNvPicPr>
           <p:nvPr>
             <p:ph idx="1"/>
           </p:nvPr>
+        </p:nvPicPr>
+        <p:blipFill>
+          <a:blip r:embed="rId2" cstate="print"/>
+          <a:srcRect/>
+          <a:stretch>
+            <a:fillRect/>
+          </a:stretch>
+        </p:blipFill>
+        <p:spPr bwMode="auto">
+          <a:xfrm>
+            <a:off x="1115616" y="2924944"/>
+            <a:ext cx="7090750" cy="2448272"/>
+          </a:xfrm>
+          <a:prstGeom prst="rect">
+            <a:avLst/>
+          </a:prstGeom>
+          <a:noFill/>
+          <a:ln w="9525">
+            <a:noFill/>
+            <a:miter lim="800000"/>
+            <a:headEnd/>
+            <a:tailEnd/>
+          </a:ln>
+        </p:spPr>
+      </p:pic>
+      <p:sp>
+        <p:nvSpPr>
+          <p:cNvPr id="6" name="内容占位符 2"/>
+          <p:cNvSpPr txBox="1">
+            <a:spLocks/>
+          </p:cNvSpPr>
+          <p:nvPr/>
         </p:nvSpPr>
-        <p:spPr/>
+        <p:spPr>
+          <a:xfrm>
+            <a:off x="457200" y="1600201"/>
+            <a:ext cx="8229600" cy="4525963"/>
+          </a:xfrm>
+          <a:prstGeom prst="rect">
+            <a:avLst/>
+          </a:prstGeom>
+        </p:spPr>
         <p:txBody>
-          <a:bodyPr/>
+          <a:bodyPr vert="horz" lIns="91440" tIns="45720" rIns="91440" bIns="45720" rtlCol="0">
+            <a:normAutofit/>
+          </a:bodyPr>
           <a:lstStyle/>
           <a:p>
-            <a:r>
-              <a:rPr lang="en-US" altLang="zh-CN" dirty="0" smtClean="0"/>
-              <a:t>Robustness against noise to be improved.</a:t>
-            </a:r>
-          </a:p>
-          <a:p>
-            <a:r>
-              <a:rPr lang="en-US" altLang="zh-CN" dirty="0" smtClean="0"/>
-              <a:t>Temporal analysis on notes to be adopted. (hopeful to increase accuracy in real-music)</a:t>
-            </a:r>
-            <a:endParaRPr lang="zh-CN" altLang="en-US" dirty="0"/>
+            <a:pPr marL="342900" marR="0" lvl="0" indent="-342900" algn="l" defTabSz="914400" rtl="0" eaLnBrk="1" fontAlgn="auto" latinLnBrk="0" hangingPunct="1">
+              <a:lnSpc>
+                <a:spcPct val="100000"/>
+              </a:lnSpc>
+              <a:spcBef>
+                <a:spcPct val="20000"/>
+              </a:spcBef>
+              <a:spcAft>
+                <a:spcPts val="0"/>
+              </a:spcAft>
+              <a:buClrTx/>
+              <a:buSzTx/>
+              <a:buFont typeface="Arial" pitchFamily="34" charset="0"/>
+              <a:buChar char="•"/>
+              <a:tabLst/>
+              <a:defRPr/>
+            </a:pPr>
+            <a:r>
+              <a:rPr kumimoji="0" lang="en-US" altLang="zh-CN" sz="3200" b="0" i="0" u="none" strike="noStrike" kern="1200" cap="none" spc="0" normalizeH="0" baseline="0" noProof="0" dirty="0" smtClean="0">
+                <a:ln>
+                  <a:noFill/>
+                </a:ln>
+                <a:solidFill>
+                  <a:srgbClr val="E0E0FF"/>
+                </a:solidFill>
+                <a:effectLst>
+                  <a:outerShdw blurRad="50800" dist="139700" dir="2700000" algn="ctr" rotWithShape="0">
+                    <a:srgbClr val="000000">
+                      <a:alpha val="50000"/>
+                    </a:srgbClr>
+                  </a:outerShdw>
+                </a:effectLst>
+                <a:uLnTx/>
+                <a:uFillTx/>
+                <a:latin typeface="+mn-lt"/>
+                <a:ea typeface="+mn-ea"/>
+                <a:cs typeface="+mn-cs"/>
+              </a:rPr>
+              <a:t>Confusion matrix:</a:t>
+            </a:r>
+            <a:br>
+              <a:rPr kumimoji="0" lang="en-US" altLang="zh-CN" sz="3200" b="0" i="0" u="none" strike="noStrike" kern="1200" cap="none" spc="0" normalizeH="0" baseline="0" noProof="0" dirty="0" smtClean="0">
+                <a:ln>
+                  <a:noFill/>
+                </a:ln>
+                <a:solidFill>
+                  <a:srgbClr val="E0E0FF"/>
+                </a:solidFill>
+                <a:effectLst>
+                  <a:outerShdw blurRad="50800" dist="139700" dir="2700000" algn="ctr" rotWithShape="0">
+                    <a:srgbClr val="000000">
+                      <a:alpha val="50000"/>
+                    </a:srgbClr>
+                  </a:outerShdw>
+                </a:effectLst>
+                <a:uLnTx/>
+                <a:uFillTx/>
+                <a:latin typeface="+mn-lt"/>
+                <a:ea typeface="+mn-ea"/>
+                <a:cs typeface="+mn-cs"/>
+              </a:rPr>
+            </a:br>
+            <a:r>
+              <a:rPr kumimoji="0" lang="en-US" altLang="zh-CN" sz="3200" b="0" i="0" u="none" strike="noStrike" kern="1200" cap="none" spc="0" normalizeH="0" baseline="0" noProof="0" dirty="0" smtClean="0">
+                <a:ln>
+                  <a:noFill/>
+                </a:ln>
+                <a:solidFill>
+                  <a:srgbClr val="E0E0FF"/>
+                </a:solidFill>
+                <a:effectLst>
+                  <a:outerShdw blurRad="50800" dist="139700" dir="2700000" algn="ctr" rotWithShape="0">
+                    <a:srgbClr val="000000">
+                      <a:alpha val="50000"/>
+                    </a:srgbClr>
+                  </a:outerShdw>
+                </a:effectLst>
+                <a:uLnTx/>
+                <a:uFillTx/>
+                <a:latin typeface="+mn-lt"/>
+                <a:ea typeface="+mn-ea"/>
+                <a:cs typeface="+mn-cs"/>
+              </a:rPr>
+              <a:t>(Guitar Saxophone Flute Piano Trumpet Violin)</a:t>
+            </a:r>
           </a:p>
         </p:txBody>
       </p:sp>
@@ -10294,58 +10406,9 @@
                                           </p:stCondLst>
                                         </p:cTn>
                                         <p:tgtEl>
-                                          <p:spTgt spid="3">
+                                          <p:spTgt spid="6">
                                             <p:txEl>
                                               <p:pRg st="0" end="0"/>
-                                            </p:txEl>
-                                          </p:spTgt>
-                                        </p:tgtEl>
-                                        <p:attrNameLst>
-                                          <p:attrName>style.visibility</p:attrName>
-                                        </p:attrNameLst>
-                                      </p:cBhvr>
-                                      <p:to>
-                                        <p:strVal val="visible"/>
-                                      </p:to>
-                                    </p:set>
-                                  </p:childTnLst>
-                                </p:cTn>
-                              </p:par>
-                            </p:childTnLst>
-                          </p:cTn>
-                        </p:par>
-                      </p:childTnLst>
-                    </p:cTn>
-                  </p:par>
-                  <p:par>
-                    <p:cTn id="7" fill="hold">
-                      <p:stCondLst>
-                        <p:cond delay="indefinite"/>
-                      </p:stCondLst>
-                      <p:childTnLst>
-                        <p:par>
-                          <p:cTn id="8" fill="hold">
-                            <p:stCondLst>
-                              <p:cond delay="0"/>
-                            </p:stCondLst>
-                            <p:childTnLst>
-                              <p:par>
-                                <p:cTn id="9" presetID="1" presetClass="entr" presetSubtype="0" fill="hold" nodeType="clickEffect">
-                                  <p:stCondLst>
-                                    <p:cond delay="0"/>
-                                  </p:stCondLst>
-                                  <p:childTnLst>
-                                    <p:set>
-                                      <p:cBhvr>
-                                        <p:cTn id="10" dur="1" fill="hold">
-                                          <p:stCondLst>
-                                            <p:cond delay="0"/>
-                                          </p:stCondLst>
-                                        </p:cTn>
-                                        <p:tgtEl>
-                                          <p:spTgt spid="3">
-                                            <p:txEl>
-                                              <p:pRg st="1" end="1"/>
                                             </p:txEl>
                                           </p:spTgt>
                                         </p:tgtEl>
@@ -10418,19 +10481,43 @@
             <p:ph type="title"/>
           </p:nvPr>
         </p:nvSpPr>
-        <p:spPr>
-          <a:xfrm>
-            <a:off x="467544" y="2636912"/>
-            <a:ext cx="8229600" cy="1143000"/>
-          </a:xfrm>
-        </p:spPr>
+        <p:spPr/>
         <p:txBody>
           <a:bodyPr/>
           <a:lstStyle/>
           <a:p>
             <a:r>
               <a:rPr lang="en-US" altLang="zh-CN" dirty="0" smtClean="0"/>
-              <a:t>Demo for real music</a:t>
+              <a:t>Future work</a:t>
+            </a:r>
+            <a:endParaRPr lang="zh-CN" altLang="en-US" dirty="0"/>
+          </a:p>
+        </p:txBody>
+      </p:sp>
+      <p:sp>
+        <p:nvSpPr>
+          <p:cNvPr id="3" name="内容占位符 2"/>
+          <p:cNvSpPr>
+            <a:spLocks noGrp="1"/>
+          </p:cNvSpPr>
+          <p:nvPr>
+            <p:ph idx="1"/>
+          </p:nvPr>
+        </p:nvSpPr>
+        <p:spPr/>
+        <p:txBody>
+          <a:bodyPr/>
+          <a:lstStyle/>
+          <a:p>
+            <a:r>
+              <a:rPr lang="en-US" altLang="zh-CN" dirty="0" smtClean="0"/>
+              <a:t>Robustness against noise to be improved.</a:t>
+            </a:r>
+          </a:p>
+          <a:p>
+            <a:r>
+              <a:rPr lang="en-US" altLang="zh-CN" dirty="0" smtClean="0"/>
+              <a:t>Temporal analysis on notes to be adopted. (hopeful to increase accuracy in real-music)</a:t>
             </a:r>
             <a:endParaRPr lang="zh-CN" altLang="en-US" dirty="0"/>
           </a:p>
@@ -10444,7 +10531,128 @@
   <p:timing>
     <p:tnLst>
       <p:par>
-        <p:cTn id="1" dur="indefinite" restart="never" nodeType="tmRoot"/>
+        <p:cTn id="1" dur="indefinite" restart="never" nodeType="tmRoot">
+          <p:childTnLst>
+            <p:seq concurrent="1" nextAc="seek">
+              <p:cTn id="2" dur="indefinite" nodeType="mainSeq">
+                <p:childTnLst>
+                  <p:par>
+                    <p:cTn id="3" fill="hold">
+                      <p:stCondLst>
+                        <p:cond delay="indefinite"/>
+                      </p:stCondLst>
+                      <p:childTnLst>
+                        <p:par>
+                          <p:cTn id="4" fill="hold">
+                            <p:stCondLst>
+                              <p:cond delay="0"/>
+                            </p:stCondLst>
+                            <p:childTnLst>
+                              <p:par>
+                                <p:cTn id="5" presetID="1" presetClass="entr" presetSubtype="0" fill="hold" nodeType="clickEffect">
+                                  <p:stCondLst>
+                                    <p:cond delay="0"/>
+                                  </p:stCondLst>
+                                  <p:childTnLst>
+                                    <p:set>
+                                      <p:cBhvr>
+                                        <p:cTn id="6" dur="1" fill="hold">
+                                          <p:stCondLst>
+                                            <p:cond delay="0"/>
+                                          </p:stCondLst>
+                                        </p:cTn>
+                                        <p:tgtEl>
+                                          <p:spTgt spid="3">
+                                            <p:txEl>
+                                              <p:pRg st="0" end="0"/>
+                                            </p:txEl>
+                                          </p:spTgt>
+                                        </p:tgtEl>
+                                        <p:attrNameLst>
+                                          <p:attrName>style.visibility</p:attrName>
+                                        </p:attrNameLst>
+                                      </p:cBhvr>
+                                      <p:to>
+                                        <p:strVal val="visible"/>
+                                      </p:to>
+                                    </p:set>
+                                  </p:childTnLst>
+                                </p:cTn>
+                              </p:par>
+                            </p:childTnLst>
+                          </p:cTn>
+                        </p:par>
+                      </p:childTnLst>
+                    </p:cTn>
+                  </p:par>
+                  <p:par>
+                    <p:cTn id="7" fill="hold">
+                      <p:stCondLst>
+                        <p:cond delay="indefinite"/>
+                      </p:stCondLst>
+                      <p:childTnLst>
+                        <p:par>
+                          <p:cTn id="8" fill="hold">
+                            <p:stCondLst>
+                              <p:cond delay="0"/>
+                            </p:stCondLst>
+                            <p:childTnLst>
+                              <p:par>
+                                <p:cTn id="9" presetID="1" presetClass="entr" presetSubtype="0" fill="hold" nodeType="clickEffect">
+                                  <p:stCondLst>
+                                    <p:cond delay="0"/>
+                                  </p:stCondLst>
+                                  <p:childTnLst>
+                                    <p:set>
+                                      <p:cBhvr>
+                                        <p:cTn id="10" dur="1" fill="hold">
+                                          <p:stCondLst>
+                                            <p:cond delay="0"/>
+                                          </p:stCondLst>
+                                        </p:cTn>
+                                        <p:tgtEl>
+                                          <p:spTgt spid="3">
+                                            <p:txEl>
+                                              <p:pRg st="1" end="1"/>
+                                            </p:txEl>
+                                          </p:spTgt>
+                                        </p:tgtEl>
+                                        <p:attrNameLst>
+                                          <p:attrName>style.visibility</p:attrName>
+                                        </p:attrNameLst>
+                                      </p:cBhvr>
+                                      <p:to>
+                                        <p:strVal val="visible"/>
+                                      </p:to>
+                                    </p:set>
+                                  </p:childTnLst>
+                                </p:cTn>
+                              </p:par>
+                            </p:childTnLst>
+                          </p:cTn>
+                        </p:par>
+                      </p:childTnLst>
+                    </p:cTn>
+                  </p:par>
+                </p:childTnLst>
+              </p:cTn>
+              <p:prevCondLst>
+                <p:cond evt="onPrev" delay="0">
+                  <p:tgtEl>
+                    <p:sldTgt/>
+                  </p:tgtEl>
+                </p:cond>
+              </p:prevCondLst>
+              <p:nextCondLst>
+                <p:cond evt="onNext" delay="0">
+                  <p:tgtEl>
+                    <p:sldTgt/>
+                  </p:tgtEl>
+                </p:cond>
+              </p:nextCondLst>
+            </p:seq>
+          </p:childTnLst>
+        </p:cTn>
       </p:par>
     </p:tnLst>
   </p:timing>
@@ -10478,169 +10686,20 @@
             <p:ph type="title"/>
           </p:nvPr>
         </p:nvSpPr>
-        <p:spPr/>
+        <p:spPr>
+          <a:xfrm>
+            <a:off x="467544" y="2636912"/>
+            <a:ext cx="8229600" cy="1143000"/>
+          </a:xfrm>
+        </p:spPr>
         <p:txBody>
           <a:bodyPr/>
           <a:lstStyle/>
           <a:p>
             <a:r>
               <a:rPr lang="en-US" altLang="zh-CN" dirty="0" smtClean="0"/>
-              <a:t>Music material in Demo:</a:t>
-            </a:r>
-            <a:endParaRPr lang="zh-CN" altLang="en-US" dirty="0"/>
-          </a:p>
-        </p:txBody>
-      </p:sp>
-      <p:sp>
-        <p:nvSpPr>
-          <p:cNvPr id="3" name="内容占位符 2"/>
-          <p:cNvSpPr>
-            <a:spLocks noGrp="1"/>
-          </p:cNvSpPr>
-          <p:nvPr>
-            <p:ph idx="1"/>
-          </p:nvPr>
-        </p:nvSpPr>
-        <p:spPr/>
-        <p:txBody>
-          <a:bodyPr/>
-          <a:lstStyle/>
-          <a:p>
-            <a:r>
-              <a:rPr lang="en-US" altLang="zh-CN" i="1" dirty="0" smtClean="0">
-                <a:solidFill>
-                  <a:srgbClr val="FFFF00"/>
-                </a:solidFill>
-              </a:rPr>
-              <a:t>Canon</a:t>
-            </a:r>
-            <a:r>
-              <a:rPr lang="en-US" altLang="zh-CN" dirty="0" smtClean="0"/>
-              <a:t> by </a:t>
-            </a:r>
-            <a:r>
-              <a:rPr lang="en-US" altLang="zh-CN" dirty="0" smtClean="0">
-                <a:solidFill>
-                  <a:srgbClr val="FF0080"/>
-                </a:solidFill>
-              </a:rPr>
-              <a:t>Johann </a:t>
-            </a:r>
-            <a:r>
-              <a:rPr lang="en-US" altLang="zh-CN" dirty="0" err="1" smtClean="0">
-                <a:solidFill>
-                  <a:srgbClr val="FF0080"/>
-                </a:solidFill>
-              </a:rPr>
-              <a:t>Pachelbel</a:t>
-            </a:r>
-            <a:endParaRPr lang="en-US" altLang="zh-CN" dirty="0" smtClean="0">
-              <a:solidFill>
-                <a:srgbClr val="FF0080"/>
-              </a:solidFill>
-            </a:endParaRPr>
-          </a:p>
-          <a:p>
-            <a:r>
-              <a:rPr lang="en-US" altLang="zh-CN" i="1" dirty="0" smtClean="0">
-                <a:solidFill>
-                  <a:srgbClr val="FFFF00"/>
-                </a:solidFill>
-              </a:rPr>
-              <a:t>Carrying you </a:t>
-            </a:r>
-            <a:r>
-              <a:rPr lang="en-US" altLang="zh-CN" dirty="0" smtClean="0"/>
-              <a:t>from </a:t>
-            </a:r>
-            <a:r>
-              <a:rPr lang="en-US" altLang="zh-CN" i="1" dirty="0" err="1" smtClean="0">
-                <a:solidFill>
-                  <a:srgbClr val="0000FF"/>
-                </a:solidFill>
-              </a:rPr>
-              <a:t>Laputa</a:t>
-            </a:r>
-            <a:r>
-              <a:rPr lang="en-US" altLang="zh-CN" i="1" dirty="0" smtClean="0">
-                <a:solidFill>
-                  <a:srgbClr val="0000FF"/>
-                </a:solidFill>
-              </a:rPr>
-              <a:t>: Castle in the Sky</a:t>
-            </a:r>
-          </a:p>
-          <a:p>
-            <a:r>
-              <a:rPr lang="en-US" altLang="zh-CN" i="1" dirty="0" smtClean="0">
-                <a:solidFill>
-                  <a:srgbClr val="FFFF00"/>
-                </a:solidFill>
-              </a:rPr>
-              <a:t>《</a:t>
-            </a:r>
-            <a:r>
-              <a:rPr lang="zh-CN" altLang="en-US" i="1" dirty="0" smtClean="0">
-                <a:solidFill>
-                  <a:srgbClr val="FFFF00"/>
-                </a:solidFill>
-              </a:rPr>
-              <a:t>好想好想</a:t>
-            </a:r>
-            <a:r>
-              <a:rPr lang="en-US" altLang="zh-CN" i="1" dirty="0" smtClean="0">
-                <a:solidFill>
-                  <a:srgbClr val="FFFF00"/>
-                </a:solidFill>
-              </a:rPr>
-              <a:t>》 </a:t>
-            </a:r>
-            <a:r>
-              <a:rPr lang="en-US" altLang="zh-CN" dirty="0" smtClean="0"/>
-              <a:t>V</a:t>
-            </a:r>
-            <a:r>
-              <a:rPr lang="en-US" altLang="zh-CN" dirty="0" smtClean="0"/>
-              <a:t>iolin Version</a:t>
-            </a:r>
-          </a:p>
-          <a:p>
-            <a:r>
-              <a:rPr lang="en-US" altLang="zh-CN" i="1" dirty="0" smtClean="0">
-                <a:solidFill>
-                  <a:srgbClr val="FFFF00"/>
-                </a:solidFill>
-              </a:rPr>
-              <a:t>Edelweiss</a:t>
-            </a:r>
-            <a:r>
-              <a:rPr lang="en-US" altLang="zh-CN" dirty="0" smtClean="0"/>
-              <a:t> Saxophone Version</a:t>
-            </a:r>
-          </a:p>
-          <a:p>
-            <a:r>
-              <a:rPr lang="en-US" altLang="zh-CN" i="1" dirty="0" smtClean="0">
-                <a:solidFill>
-                  <a:srgbClr val="FFFF00"/>
-                </a:solidFill>
-              </a:rPr>
-              <a:t>Sparkle</a:t>
-            </a:r>
-            <a:r>
-              <a:rPr lang="en-US" altLang="zh-CN" dirty="0" smtClean="0"/>
-              <a:t> from </a:t>
-            </a:r>
-            <a:r>
-              <a:rPr lang="en-US" altLang="zh-CN" i="1" dirty="0" smtClean="0">
-                <a:solidFill>
-                  <a:srgbClr val="0000FF"/>
-                </a:solidFill>
-              </a:rPr>
-              <a:t>Your Name</a:t>
-            </a:r>
-          </a:p>
-          <a:p>
+              <a:t>Demo for real music</a:t>
+            </a:r>
             <a:endParaRPr lang="zh-CN" altLang="en-US" dirty="0"/>
           </a:p>
         </p:txBody>
@@ -10661,6 +10720,211 @@
 </file>
 
 <file path=ppt/slides/slide25.xml><?xml version="1.0" encoding="utf-8"?>
+<p:sld xmlns:a="http://schemas.openxmlformats.org/drawingml/2006/main" xmlns:r="http://schemas.openxmlformats.org/officeDocument/2006/relationships" xmlns:p="http://schemas.openxmlformats.org/presentationml/2006/main">
+  <p:cSld>
+    <p:spTree>
+      <p:nvGrpSpPr>
+        <p:cNvPr id="1" name=""/>
+        <p:cNvGrpSpPr/>
+        <p:nvPr/>
+      </p:nvGrpSpPr>
+      <p:grpSpPr>
+        <a:xfrm>
+          <a:off x="0" y="0"/>
+          <a:ext cx="0" cy="0"/>
+          <a:chOff x="0" y="0"/>
+          <a:chExt cx="0" cy="0"/>
+        </a:xfrm>
+      </p:grpSpPr>
+      <p:sp>
+        <p:nvSpPr>
+          <p:cNvPr id="2" name="标题 1"/>
+          <p:cNvSpPr>
+            <a:spLocks noGrp="1"/>
+          </p:cNvSpPr>
+          <p:nvPr>
+            <p:ph type="title"/>
+          </p:nvPr>
+        </p:nvSpPr>
+        <p:spPr/>
+        <p:txBody>
+          <a:bodyPr/>
+          <a:lstStyle/>
+          <a:p>
+            <a:r>
+              <a:rPr lang="en-US" altLang="zh-CN" dirty="0" smtClean="0"/>
+              <a:t>Music material in Demo:</a:t>
+            </a:r>
+            <a:endParaRPr lang="zh-CN" altLang="en-US" dirty="0"/>
+          </a:p>
+        </p:txBody>
+      </p:sp>
+      <p:sp>
+        <p:nvSpPr>
+          <p:cNvPr id="3" name="内容占位符 2"/>
+          <p:cNvSpPr>
+            <a:spLocks noGrp="1"/>
+          </p:cNvSpPr>
+          <p:nvPr>
+            <p:ph idx="1"/>
+          </p:nvPr>
+        </p:nvSpPr>
+        <p:spPr/>
+        <p:txBody>
+          <a:bodyPr/>
+          <a:lstStyle/>
+          <a:p>
+            <a:r>
+              <a:rPr lang="en-US" altLang="zh-CN" i="1" dirty="0" smtClean="0">
+                <a:solidFill>
+                  <a:srgbClr val="FFFF00"/>
+                </a:solidFill>
+              </a:rPr>
+              <a:t>Canon</a:t>
+            </a:r>
+            <a:r>
+              <a:rPr lang="en-US" altLang="zh-CN" dirty="0" smtClean="0"/>
+              <a:t> by </a:t>
+            </a:r>
+            <a:r>
+              <a:rPr lang="en-US" altLang="zh-CN" dirty="0" smtClean="0">
+                <a:solidFill>
+                  <a:srgbClr val="FF0080"/>
+                </a:solidFill>
+              </a:rPr>
+              <a:t>Johann </a:t>
+            </a:r>
+            <a:r>
+              <a:rPr lang="en-US" altLang="zh-CN" dirty="0" err="1" smtClean="0">
+                <a:solidFill>
+                  <a:srgbClr val="FF0080"/>
+                </a:solidFill>
+              </a:rPr>
+              <a:t>Pachelbel</a:t>
+            </a:r>
+            <a:endParaRPr lang="en-US" altLang="zh-CN" dirty="0" smtClean="0">
+              <a:solidFill>
+                <a:srgbClr val="FF0080"/>
+              </a:solidFill>
+            </a:endParaRPr>
+          </a:p>
+          <a:p>
+            <a:r>
+              <a:rPr lang="en-US" altLang="zh-CN" i="1" dirty="0" smtClean="0">
+                <a:solidFill>
+                  <a:srgbClr val="FFFF00"/>
+                </a:solidFill>
+              </a:rPr>
+              <a:t>Carrying you </a:t>
+            </a:r>
+            <a:r>
+              <a:rPr lang="en-US" altLang="zh-CN" dirty="0" smtClean="0"/>
+              <a:t>from </a:t>
+            </a:r>
+            <a:r>
+              <a:rPr lang="en-US" altLang="zh-CN" i="1" dirty="0" err="1" smtClean="0">
+                <a:solidFill>
+                  <a:srgbClr val="0000FF"/>
+                </a:solidFill>
+              </a:rPr>
+              <a:t>Laputa</a:t>
+            </a:r>
+            <a:r>
+              <a:rPr lang="en-US" altLang="zh-CN" i="1" dirty="0" smtClean="0">
+                <a:solidFill>
+                  <a:srgbClr val="0000FF"/>
+                </a:solidFill>
+              </a:rPr>
+              <a:t>: Castle in the Sky</a:t>
+            </a:r>
+          </a:p>
+          <a:p>
+            <a:r>
+              <a:rPr lang="en-US" altLang="zh-CN" i="1" dirty="0" smtClean="0">
+                <a:solidFill>
+                  <a:srgbClr val="FFFF00"/>
+                </a:solidFill>
+              </a:rPr>
+              <a:t>《</a:t>
+            </a:r>
+            <a:r>
+              <a:rPr lang="zh-CN" altLang="en-US" i="1" dirty="0" smtClean="0">
+                <a:solidFill>
+                  <a:srgbClr val="FFFF00"/>
+                </a:solidFill>
+              </a:rPr>
+              <a:t>好想好想</a:t>
+            </a:r>
+            <a:r>
+              <a:rPr lang="en-US" altLang="zh-CN" i="1" dirty="0" smtClean="0">
+                <a:solidFill>
+                  <a:srgbClr val="FFFF00"/>
+                </a:solidFill>
+              </a:rPr>
+              <a:t>》 </a:t>
+            </a:r>
+            <a:r>
+              <a:rPr lang="en-US" altLang="zh-CN" dirty="0" smtClean="0"/>
+              <a:t>Violin Version</a:t>
+            </a:r>
+          </a:p>
+          <a:p>
+            <a:r>
+              <a:rPr lang="en-US" altLang="zh-CN" i="1" dirty="0" smtClean="0">
+                <a:solidFill>
+                  <a:srgbClr val="FFFF00"/>
+                </a:solidFill>
+              </a:rPr>
+              <a:t>Edelweiss</a:t>
+            </a:r>
+            <a:r>
+              <a:rPr lang="en-US" altLang="zh-CN" dirty="0" smtClean="0"/>
+              <a:t> Saxophone Version</a:t>
+            </a:r>
+          </a:p>
+          <a:p>
+            <a:r>
+              <a:rPr lang="en-US" altLang="zh-CN" i="1" dirty="0" smtClean="0">
+                <a:solidFill>
+                  <a:srgbClr val="FFFF00"/>
+                </a:solidFill>
+              </a:rPr>
+              <a:t>Sparkle</a:t>
+            </a:r>
+            <a:r>
+              <a:rPr lang="en-US" altLang="zh-CN" dirty="0" smtClean="0"/>
+              <a:t> from </a:t>
+            </a:r>
+            <a:r>
+              <a:rPr lang="en-US" altLang="zh-CN" i="1" dirty="0" smtClean="0">
+                <a:solidFill>
+                  <a:srgbClr val="0000FF"/>
+                </a:solidFill>
+              </a:rPr>
+              <a:t>Your Name</a:t>
+            </a:r>
+          </a:p>
+          <a:p>
+            <a:endParaRPr lang="zh-CN" altLang="en-US" dirty="0"/>
+          </a:p>
+        </p:txBody>
+      </p:sp>
+    </p:spTree>
+  </p:cSld>
+  <p:clrMapOvr>
+    <a:masterClrMapping/>
+  </p:clrMapOvr>
+  <p:timing>
+    <p:tnLst>
+      <p:par>
+        <p:cTn id="1" dur="indefinite" restart="never" nodeType="tmRoot"/>
+      </p:par>
+    </p:tnLst>
+  </p:timing>
+</p:sld>
+</file>
+
+<file path=ppt/slides/slide26.xml><?xml version="1.0" encoding="utf-8"?>
 <p:sld xmlns:a="http://schemas.openxmlformats.org/drawingml/2006/main" xmlns:r="http://schemas.openxmlformats.org/officeDocument/2006/relationships" xmlns:p="http://schemas.openxmlformats.org/presentationml/2006/main">
   <p:cSld>
     <p:spTree>
@@ -11696,11 +11960,7 @@
           <a:p>
             <a:r>
               <a:rPr lang="en-US" altLang="zh-CN" dirty="0" smtClean="0"/>
-              <a:t>Spectral </a:t>
-            </a:r>
-            <a:r>
-              <a:rPr lang="en-US" altLang="zh-CN" dirty="0" smtClean="0"/>
-              <a:t>Outline &amp; Cepstrum Peaks (our handwork, 6D)</a:t>
+              <a:t>Spectral Outline &amp; Cepstrum Peaks (our handwork, 6D)</a:t>
             </a:r>
           </a:p>
           <a:p>

--- a/ppt/SST.pptx
+++ b/ppt/SST.pptx
@@ -28,7 +28,7 @@
     <p:sldId id="275" r:id="rId19"/>
     <p:sldId id="276" r:id="rId20"/>
     <p:sldId id="277" r:id="rId21"/>
-    <p:sldId id="278" r:id="rId22"/>
+    <p:sldId id="282" r:id="rId22"/>
     <p:sldId id="281" r:id="rId23"/>
     <p:sldId id="273" r:id="rId24"/>
     <p:sldId id="279" r:id="rId25"/>
@@ -218,7 +218,7 @@
             <a:fld id="{E02A487C-6838-4A0E-A1DD-90604E3C1CFD}" type="datetimeFigureOut">
               <a:rPr lang="zh-CN" altLang="en-US" smtClean="0"/>
               <a:pPr/>
-              <a:t>2017/6/16</a:t>
+              <a:t>17/6/17</a:t>
             </a:fld>
             <a:endParaRPr lang="zh-CN" altLang="en-US"/>
           </a:p>
@@ -387,6 +387,11 @@
         </p:txBody>
       </p:sp>
     </p:spTree>
+    <p:extLst>
+      <p:ext uri="{BB962C8B-B14F-4D97-AF65-F5344CB8AC3E}">
+        <p14:creationId xmlns:p14="http://schemas.microsoft.com/office/powerpoint/2010/main" val="4058125126"/>
+      </p:ext>
+    </p:extLst>
   </p:cSld>
   <p:clrMap bg1="lt1" tx1="dk1" bg2="lt2" tx2="dk2" accent1="accent1" accent2="accent2" accent3="accent3" accent4="accent4" accent5="accent5" accent6="accent6" hlink="hlink" folHlink="folHlink"/>
   <p:notesStyle>
@@ -659,7 +664,7 @@
   <p:timing>
     <p:tnLst>
       <p:par>
-        <p:cTn id="1" dur="indefinite" restart="never" nodeType="tmRoot"/>
+        <p:cTn xmlns:p14="http://schemas.microsoft.com/office/powerpoint/2010/main" id="1" dur="indefinite" restart="never" nodeType="tmRoot"/>
       </p:par>
     </p:tnLst>
   </p:timing>
@@ -836,7 +841,7 @@
   <p:timing>
     <p:tnLst>
       <p:par>
-        <p:cTn id="1" dur="indefinite" restart="never" nodeType="tmRoot"/>
+        <p:cTn xmlns:p14="http://schemas.microsoft.com/office/powerpoint/2010/main" id="1" dur="indefinite" restart="never" nodeType="tmRoot"/>
       </p:par>
     </p:tnLst>
   </p:timing>
@@ -1779,7 +1784,7 @@
   <p:timing>
     <p:tnLst>
       <p:par>
-        <p:cTn id="1" dur="indefinite" restart="never" nodeType="tmRoot">
+        <p:cTn xmlns:p14="http://schemas.microsoft.com/office/powerpoint/2010/main" id="1" dur="indefinite" restart="never" nodeType="tmRoot">
           <p:childTnLst>
             <p:seq concurrent="1" nextAc="seek">
               <p:cTn id="2" dur="indefinite" nodeType="mainSeq">
@@ -2125,7 +2130,7 @@
   <p:timing>
     <p:tnLst>
       <p:par>
-        <p:cTn id="1" dur="indefinite" restart="never" nodeType="tmRoot"/>
+        <p:cTn xmlns:p14="http://schemas.microsoft.com/office/powerpoint/2010/main" id="1" dur="indefinite" restart="never" nodeType="tmRoot"/>
       </p:par>
     </p:tnLst>
   </p:timing>
@@ -3299,7 +3304,7 @@
   <p:timing>
     <p:tnLst>
       <p:par>
-        <p:cTn id="1" dur="indefinite" restart="never" nodeType="tmRoot"/>
+        <p:cTn xmlns:p14="http://schemas.microsoft.com/office/powerpoint/2010/main" id="1" dur="indefinite" restart="never" nodeType="tmRoot"/>
       </p:par>
     </p:tnLst>
   </p:timing>
@@ -3840,7 +3845,7 @@
   <p:timing>
     <p:tnLst>
       <p:par>
-        <p:cTn id="1" dur="indefinite" restart="never" nodeType="tmRoot"/>
+        <p:cTn xmlns:p14="http://schemas.microsoft.com/office/powerpoint/2010/main" id="1" dur="indefinite" restart="never" nodeType="tmRoot"/>
       </p:par>
     </p:tnLst>
   </p:timing>
@@ -4107,7 +4112,7 @@
   <p:timing>
     <p:tnLst>
       <p:par>
-        <p:cTn id="1" dur="indefinite" restart="never" nodeType="tmRoot"/>
+        <p:cTn xmlns:p14="http://schemas.microsoft.com/office/powerpoint/2010/main" id="1" dur="indefinite" restart="never" nodeType="tmRoot"/>
       </p:par>
     </p:tnLst>
   </p:timing>
@@ -4520,7 +4525,7 @@
   <p:timing>
     <p:tnLst>
       <p:par>
-        <p:cTn id="1" dur="indefinite" restart="never" nodeType="tmRoot"/>
+        <p:cTn xmlns:p14="http://schemas.microsoft.com/office/powerpoint/2010/main" id="1" dur="indefinite" restart="never" nodeType="tmRoot"/>
       </p:par>
     </p:tnLst>
   </p:timing>
@@ -4640,7 +4645,7 @@
   <p:timing>
     <p:tnLst>
       <p:par>
-        <p:cTn id="1" dur="indefinite" restart="never" nodeType="tmRoot">
+        <p:cTn xmlns:p14="http://schemas.microsoft.com/office/powerpoint/2010/main" id="1" dur="indefinite" restart="never" nodeType="tmRoot">
           <p:childTnLst>
             <p:seq concurrent="1" nextAc="seek">
               <p:cTn id="2" dur="indefinite" nodeType="mainSeq">
@@ -4984,7 +4989,7 @@
   <p:timing>
     <p:tnLst>
       <p:par>
-        <p:cTn id="1" dur="indefinite" restart="never" nodeType="tmRoot">
+        <p:cTn xmlns:p14="http://schemas.microsoft.com/office/powerpoint/2010/main" id="1" dur="indefinite" restart="never" nodeType="tmRoot">
           <p:childTnLst>
             <p:seq concurrent="1" nextAc="seek">
               <p:cTn id="2" dur="indefinite" nodeType="mainSeq">
@@ -5236,7 +5241,7 @@
           <a:blip r:embed="rId2" cstate="print">
             <a:extLst>
               <a:ext uri="{28A0092B-C50C-407E-A947-70E740481C1C}">
-                <a14:useLocalDpi xmlns:lc="http://schemas.openxmlformats.org/drawingml/2006/lockedCanvas" xmlns:pic="http://schemas.openxmlformats.org/drawingml/2006/picture" xmlns:a14="http://schemas.microsoft.com/office/drawing/2010/main" xmlns:wps="http://schemas.microsoft.com/office/word/2010/wordprocessingShape" xmlns:wne="http://schemas.microsoft.com/office/word/2006/wordml" xmlns:wpi="http://schemas.microsoft.com/office/word/2010/wordprocessingInk" xmlns:wpg="http://schemas.microsoft.com/office/word/2010/wordprocessingGroup" xmlns:w14="http://schemas.microsoft.com/office/word/2010/wordml" xmlns:w="http://schemas.openxmlformats.org/wordprocessingml/2006/main" xmlns:w10="urn:schemas-microsoft-com:office:word" xmlns:wp="http://schemas.openxmlformats.org/drawingml/2006/wordprocessingDrawing" xmlns:wp14="http://schemas.microsoft.com/office/word/2010/wordprocessingDrawing" xmlns:v="urn:schemas-microsoft-com:vml" xmlns:m="http://schemas.openxmlformats.org/officeDocument/2006/math" xmlns:o="urn:schemas-microsoft-com:office:office" xmlns:mv="urn:schemas-microsoft-com:mac:vml" xmlns:mc="http://schemas.openxmlformats.org/markup-compatibility/2006" xmlns:mo="http://schemas.microsoft.com/office/mac/office/2008/main" xmlns:wpc="http://schemas.microsoft.com/office/word/2010/wordprocessingCanvas" xmlns="" val="0"/>
+                <a14:useLocalDpi xmlns:a14="http://schemas.microsoft.com/office/drawing/2010/main" val="0"/>
               </a:ext>
             </a:extLst>
           </a:blip>
@@ -5262,7 +5267,7 @@
   <p:timing>
     <p:tnLst>
       <p:par>
-        <p:cTn id="1" dur="indefinite" restart="never" nodeType="tmRoot"/>
+        <p:cTn xmlns:p14="http://schemas.microsoft.com/office/powerpoint/2010/main" id="1" dur="indefinite" restart="never" nodeType="tmRoot"/>
       </p:par>
     </p:tnLst>
   </p:timing>
@@ -5296,7 +5301,7 @@
           <a:blip r:embed="rId2" cstate="print">
             <a:extLst>
               <a:ext uri="{28A0092B-C50C-407E-A947-70E740481C1C}">
-                <a14:useLocalDpi xmlns:lc="http://schemas.openxmlformats.org/drawingml/2006/lockedCanvas" xmlns:pic="http://schemas.openxmlformats.org/drawingml/2006/picture" xmlns:a14="http://schemas.microsoft.com/office/drawing/2010/main" xmlns:wps="http://schemas.microsoft.com/office/word/2010/wordprocessingShape" xmlns:wne="http://schemas.microsoft.com/office/word/2006/wordml" xmlns:wpi="http://schemas.microsoft.com/office/word/2010/wordprocessingInk" xmlns:wpg="http://schemas.microsoft.com/office/word/2010/wordprocessingGroup" xmlns:w14="http://schemas.microsoft.com/office/word/2010/wordml" xmlns:w="http://schemas.openxmlformats.org/wordprocessingml/2006/main" xmlns:w10="urn:schemas-microsoft-com:office:word" xmlns:wp="http://schemas.openxmlformats.org/drawingml/2006/wordprocessingDrawing" xmlns:wp14="http://schemas.microsoft.com/office/word/2010/wordprocessingDrawing" xmlns:v="urn:schemas-microsoft-com:vml" xmlns:m="http://schemas.openxmlformats.org/officeDocument/2006/math" xmlns:o="urn:schemas-microsoft-com:office:office" xmlns:mv="urn:schemas-microsoft-com:mac:vml" xmlns:mc="http://schemas.openxmlformats.org/markup-compatibility/2006" xmlns:mo="http://schemas.microsoft.com/office/mac/office/2008/main" xmlns:wpc="http://schemas.microsoft.com/office/word/2010/wordprocessingCanvas" xmlns="" val="0"/>
+                <a14:useLocalDpi xmlns:a14="http://schemas.microsoft.com/office/drawing/2010/main" val="0"/>
               </a:ext>
             </a:extLst>
           </a:blip>
@@ -5382,7 +5387,7 @@
   <p:timing>
     <p:tnLst>
       <p:par>
-        <p:cTn id="1" dur="indefinite" restart="never" nodeType="tmRoot">
+        <p:cTn xmlns:p14="http://schemas.microsoft.com/office/powerpoint/2010/main" id="1" dur="indefinite" restart="never" nodeType="tmRoot">
           <p:childTnLst>
             <p:seq concurrent="1" nextAc="seek">
               <p:cTn id="2" dur="indefinite" nodeType="mainSeq">
@@ -5752,7 +5757,7 @@
   <p:timing>
     <p:tnLst>
       <p:par>
-        <p:cTn id="1" dur="indefinite" restart="never" nodeType="tmRoot">
+        <p:cTn xmlns:p14="http://schemas.microsoft.com/office/powerpoint/2010/main" id="1" dur="indefinite" restart="never" nodeType="tmRoot">
           <p:childTnLst>
             <p:seq concurrent="1" nextAc="seek">
               <p:cTn id="2" dur="indefinite" nodeType="mainSeq">
@@ -6190,7 +6195,7 @@
   <p:timing>
     <p:tnLst>
       <p:par>
-        <p:cTn id="1" dur="indefinite" restart="never" nodeType="tmRoot">
+        <p:cTn xmlns:p14="http://schemas.microsoft.com/office/powerpoint/2010/main" id="1" dur="indefinite" restart="never" nodeType="tmRoot">
           <p:childTnLst>
             <p:seq concurrent="1" nextAc="seek">
               <p:cTn id="2" dur="indefinite" nodeType="mainSeq">
@@ -6515,15 +6520,16 @@
           <a:lstStyle/>
           <a:p>
             <a:r>
+              <a:rPr lang="en-US" altLang="zh-CN" dirty="0"/>
+              <a:t>Peaks seem to represent instruments, BUT SVM needs fixed-dimensional vector.</a:t>
+            </a:r>
+          </a:p>
+          <a:p>
+            <a:r>
               <a:rPr lang="en-US" altLang="zh-CN" dirty="0" smtClean="0"/>
-              <a:t>Nearly a line at the beginning, with different slopes and fluctuations.</a:t>
-            </a:r>
-          </a:p>
-          <a:p>
-            <a:r>
-              <a:rPr lang="en-US" altLang="zh-CN" dirty="0" smtClean="0"/>
-              <a:t>Peaks seem to represent instruments, BUT SVM needs fixed-dimensional vector.</a:t>
-            </a:r>
+              <a:t>Use linear regression, get the average slope and mean square deviation</a:t>
+            </a:r>
+            <a:endParaRPr lang="en-US" altLang="zh-CN" dirty="0" smtClean="0"/>
           </a:p>
           <a:p>
             <a:endParaRPr lang="zh-CN" altLang="en-US" dirty="0"/>
@@ -6700,7 +6706,7 @@
   <p:timing>
     <p:tnLst>
       <p:par>
-        <p:cTn id="1" dur="indefinite" restart="never" nodeType="tmRoot">
+        <p:cTn xmlns:p14="http://schemas.microsoft.com/office/powerpoint/2010/main" id="1" dur="indefinite" restart="never" nodeType="tmRoot">
           <p:childTnLst>
             <p:seq concurrent="1" nextAc="seek">
               <p:cTn id="2" dur="indefinite" nodeType="mainSeq">
@@ -8628,7 +8634,7 @@
   <p:timing>
     <p:tnLst>
       <p:par>
-        <p:cTn id="1" dur="indefinite" restart="never" nodeType="tmRoot">
+        <p:cTn xmlns:p14="http://schemas.microsoft.com/office/powerpoint/2010/main" id="1" dur="indefinite" restart="never" nodeType="tmRoot">
           <p:childTnLst>
             <p:seq concurrent="1" nextAc="seek">
               <p:cTn id="2" dur="indefinite" nodeType="mainSeq">
@@ -8957,7 +8963,7 @@
   <p:timing>
     <p:tnLst>
       <p:par>
-        <p:cTn id="1" dur="indefinite" restart="never" nodeType="tmRoot">
+        <p:cTn xmlns:p14="http://schemas.microsoft.com/office/powerpoint/2010/main" id="1" dur="indefinite" restart="never" nodeType="tmRoot">
           <p:childTnLst>
             <p:seq concurrent="1" nextAc="seek">
               <p:cTn id="2" dur="indefinite" nodeType="mainSeq">
@@ -9247,7 +9253,7 @@
   <p:timing>
     <p:tnLst>
       <p:par>
-        <p:cTn id="1" dur="indefinite" restart="never" nodeType="tmRoot">
+        <p:cTn xmlns:p14="http://schemas.microsoft.com/office/powerpoint/2010/main" id="1" dur="indefinite" restart="never" nodeType="tmRoot">
           <p:childTnLst>
             <p:seq concurrent="1" nextAc="seek">
               <p:cTn id="2" dur="indefinite" nodeType="mainSeq">
@@ -9527,7 +9533,7 @@
   <p:timing>
     <p:tnLst>
       <p:par>
-        <p:cTn id="1" dur="indefinite" restart="never" nodeType="tmRoot"/>
+        <p:cTn xmlns:p14="http://schemas.microsoft.com/office/powerpoint/2010/main" id="1" dur="indefinite" restart="never" nodeType="tmRoot"/>
       </p:par>
     </p:tnLst>
   </p:timing>
@@ -9625,7 +9631,7 @@
   <p:timing>
     <p:tnLst>
       <p:par>
-        <p:cTn id="1" dur="indefinite" restart="never" nodeType="tmRoot">
+        <p:cTn xmlns:p14="http://schemas.microsoft.com/office/powerpoint/2010/main" id="1" dur="indefinite" restart="never" nodeType="tmRoot">
           <p:childTnLst>
             <p:seq concurrent="1" nextAc="seek">
               <p:cTn id="2" dur="indefinite" nodeType="mainSeq">
@@ -9900,6 +9906,11 @@
         </p:txBody>
       </p:sp>
     </p:spTree>
+    <p:extLst>
+      <p:ext uri="{BB962C8B-B14F-4D97-AF65-F5344CB8AC3E}">
+        <p14:creationId xmlns:p14="http://schemas.microsoft.com/office/powerpoint/2010/main" val="1697334037"/>
+      </p:ext>
+    </p:extLst>
   </p:cSld>
   <p:clrMapOvr>
     <a:masterClrMapping/>
@@ -9907,7 +9918,7 @@
   <p:timing>
     <p:tnLst>
       <p:par>
-        <p:cTn id="1" dur="indefinite" restart="never" nodeType="tmRoot">
+        <p:cTn xmlns:p14="http://schemas.microsoft.com/office/powerpoint/2010/main" id="1" dur="indefinite" restart="never" nodeType="tmRoot">
           <p:childTnLst>
             <p:seq concurrent="1" nextAc="seek">
               <p:cTn id="2" dur="indefinite" nodeType="mainSeq">
@@ -10375,7 +10386,7 @@
   <p:timing>
     <p:tnLst>
       <p:par>
-        <p:cTn id="1" dur="indefinite" restart="never" nodeType="tmRoot">
+        <p:cTn xmlns:p14="http://schemas.microsoft.com/office/powerpoint/2010/main" id="1" dur="indefinite" restart="never" nodeType="tmRoot">
           <p:childTnLst>
             <p:seq concurrent="1" nextAc="seek">
               <p:cTn id="2" dur="indefinite" nodeType="mainSeq">
@@ -10531,7 +10542,7 @@
   <p:timing>
     <p:tnLst>
       <p:par>
-        <p:cTn id="1" dur="indefinite" restart="never" nodeType="tmRoot">
+        <p:cTn xmlns:p14="http://schemas.microsoft.com/office/powerpoint/2010/main" id="1" dur="indefinite" restart="never" nodeType="tmRoot">
           <p:childTnLst>
             <p:seq concurrent="1" nextAc="seek">
               <p:cTn id="2" dur="indefinite" nodeType="mainSeq">
@@ -10712,7 +10723,7 @@
   <p:timing>
     <p:tnLst>
       <p:par>
-        <p:cTn id="1" dur="indefinite" restart="never" nodeType="tmRoot"/>
+        <p:cTn xmlns:p14="http://schemas.microsoft.com/office/powerpoint/2010/main" id="1" dur="indefinite" restart="never" nodeType="tmRoot"/>
       </p:par>
     </p:tnLst>
   </p:timing>
@@ -10917,7 +10928,7 @@
   <p:timing>
     <p:tnLst>
       <p:par>
-        <p:cTn id="1" dur="indefinite" restart="never" nodeType="tmRoot"/>
+        <p:cTn xmlns:p14="http://schemas.microsoft.com/office/powerpoint/2010/main" id="1" dur="indefinite" restart="never" nodeType="tmRoot"/>
       </p:par>
     </p:tnLst>
   </p:timing>
@@ -11035,7 +11046,7 @@
   <p:timing>
     <p:tnLst>
       <p:par>
-        <p:cTn id="1" dur="indefinite" restart="never" nodeType="tmRoot"/>
+        <p:cTn xmlns:p14="http://schemas.microsoft.com/office/powerpoint/2010/main" id="1" dur="indefinite" restart="never" nodeType="tmRoot"/>
       </p:par>
     </p:tnLst>
   </p:timing>
@@ -11161,7 +11172,7 @@
   <p:timing>
     <p:tnLst>
       <p:par>
-        <p:cTn id="1" dur="indefinite" restart="never" nodeType="tmRoot">
+        <p:cTn xmlns:p14="http://schemas.microsoft.com/office/powerpoint/2010/main" id="1" dur="indefinite" restart="never" nodeType="tmRoot">
           <p:childTnLst>
             <p:seq concurrent="1" nextAc="seek">
               <p:cTn id="2" dur="indefinite" nodeType="mainSeq">
@@ -11440,7 +11451,7 @@
   <p:timing>
     <p:tnLst>
       <p:par>
-        <p:cTn id="1" dur="indefinite" restart="never" nodeType="tmRoot">
+        <p:cTn xmlns:p14="http://schemas.microsoft.com/office/powerpoint/2010/main" id="1" dur="indefinite" restart="never" nodeType="tmRoot">
           <p:childTnLst>
             <p:seq concurrent="1" nextAc="seek">
               <p:cTn id="2" dur="indefinite" nodeType="mainSeq">
@@ -11753,7 +11764,7 @@
   <p:timing>
     <p:tnLst>
       <p:par>
-        <p:cTn id="1" dur="indefinite" restart="never" nodeType="tmRoot">
+        <p:cTn xmlns:p14="http://schemas.microsoft.com/office/powerpoint/2010/main" id="1" dur="indefinite" restart="never" nodeType="tmRoot">
           <p:childTnLst>
             <p:seq concurrent="1" nextAc="seek">
               <p:cTn id="2" dur="indefinite" nodeType="mainSeq">
@@ -11976,7 +11987,7 @@
   <p:timing>
     <p:tnLst>
       <p:par>
-        <p:cTn id="1" dur="indefinite" restart="never" nodeType="tmRoot">
+        <p:cTn xmlns:p14="http://schemas.microsoft.com/office/powerpoint/2010/main" id="1" dur="indefinite" restart="never" nodeType="tmRoot">
           <p:childTnLst>
             <p:seq concurrent="1" nextAc="seek">
               <p:cTn id="2" dur="indefinite" nodeType="mainSeq">
@@ -12927,7 +12938,7 @@
   <p:timing>
     <p:tnLst>
       <p:par>
-        <p:cTn id="1" dur="indefinite" restart="never" nodeType="tmRoot"/>
+        <p:cTn xmlns:p14="http://schemas.microsoft.com/office/powerpoint/2010/main" id="1" dur="indefinite" restart="never" nodeType="tmRoot"/>
       </p:par>
     </p:tnLst>
   </p:timing>
@@ -13043,7 +13054,7 @@
   <p:timing>
     <p:tnLst>
       <p:par>
-        <p:cTn id="1" dur="indefinite" restart="never" nodeType="tmRoot">
+        <p:cTn xmlns:p14="http://schemas.microsoft.com/office/powerpoint/2010/main" id="1" dur="indefinite" restart="never" nodeType="tmRoot">
           <p:childTnLst>
             <p:seq concurrent="1" nextAc="seek">
               <p:cTn id="2" dur="indefinite" nodeType="mainSeq">
@@ -13321,7 +13332,7 @@
   <p:timing>
     <p:tnLst>
       <p:par>
-        <p:cTn id="1" dur="indefinite" restart="never" nodeType="tmRoot">
+        <p:cTn xmlns:p14="http://schemas.microsoft.com/office/powerpoint/2010/main" id="1" dur="indefinite" restart="never" nodeType="tmRoot">
           <p:childTnLst>
             <p:seq concurrent="1" nextAc="seek">
               <p:cTn id="2" dur="indefinite" nodeType="mainSeq">

--- a/ppt/SST.pptx
+++ b/ppt/SST.pptx
@@ -218,7 +218,7 @@
             <a:fld id="{E02A487C-6838-4A0E-A1DD-90604E3C1CFD}" type="datetimeFigureOut">
               <a:rPr lang="zh-CN" altLang="en-US" smtClean="0"/>
               <a:pPr/>
-              <a:t>17/6/17</a:t>
+              <a:t>2017/6/17</a:t>
             </a:fld>
             <a:endParaRPr lang="zh-CN" altLang="en-US"/>
           </a:p>
@@ -389,7 +389,7 @@
     </p:spTree>
     <p:extLst>
       <p:ext uri="{BB962C8B-B14F-4D97-AF65-F5344CB8AC3E}">
-        <p14:creationId xmlns:p14="http://schemas.microsoft.com/office/powerpoint/2010/main" val="4058125126"/>
+        <p14:creationId xmlns:p14="http://schemas.microsoft.com/office/powerpoint/2010/main" xmlns="" val="4058125126"/>
       </p:ext>
     </p:extLst>
   </p:cSld>
@@ -664,7 +664,7 @@
   <p:timing>
     <p:tnLst>
       <p:par>
-        <p:cTn xmlns:p14="http://schemas.microsoft.com/office/powerpoint/2010/main" id="1" dur="indefinite" restart="never" nodeType="tmRoot"/>
+        <p:cTn id="1" dur="indefinite" restart="never" nodeType="tmRoot"/>
       </p:par>
     </p:tnLst>
   </p:timing>
@@ -841,7 +841,7 @@
   <p:timing>
     <p:tnLst>
       <p:par>
-        <p:cTn xmlns:p14="http://schemas.microsoft.com/office/powerpoint/2010/main" id="1" dur="indefinite" restart="never" nodeType="tmRoot"/>
+        <p:cTn id="1" dur="indefinite" restart="never" nodeType="tmRoot"/>
       </p:par>
     </p:tnLst>
   </p:timing>
@@ -1784,7 +1784,7 @@
   <p:timing>
     <p:tnLst>
       <p:par>
-        <p:cTn xmlns:p14="http://schemas.microsoft.com/office/powerpoint/2010/main" id="1" dur="indefinite" restart="never" nodeType="tmRoot">
+        <p:cTn id="1" dur="indefinite" restart="never" nodeType="tmRoot">
           <p:childTnLst>
             <p:seq concurrent="1" nextAc="seek">
               <p:cTn id="2" dur="indefinite" nodeType="mainSeq">
@@ -2130,7 +2130,7 @@
   <p:timing>
     <p:tnLst>
       <p:par>
-        <p:cTn xmlns:p14="http://schemas.microsoft.com/office/powerpoint/2010/main" id="1" dur="indefinite" restart="never" nodeType="tmRoot"/>
+        <p:cTn id="1" dur="indefinite" restart="never" nodeType="tmRoot"/>
       </p:par>
     </p:tnLst>
   </p:timing>
@@ -3304,7 +3304,7 @@
   <p:timing>
     <p:tnLst>
       <p:par>
-        <p:cTn xmlns:p14="http://schemas.microsoft.com/office/powerpoint/2010/main" id="1" dur="indefinite" restart="never" nodeType="tmRoot"/>
+        <p:cTn id="1" dur="indefinite" restart="never" nodeType="tmRoot"/>
       </p:par>
     </p:tnLst>
   </p:timing>
@@ -3845,7 +3845,7 @@
   <p:timing>
     <p:tnLst>
       <p:par>
-        <p:cTn xmlns:p14="http://schemas.microsoft.com/office/powerpoint/2010/main" id="1" dur="indefinite" restart="never" nodeType="tmRoot"/>
+        <p:cTn id="1" dur="indefinite" restart="never" nodeType="tmRoot"/>
       </p:par>
     </p:tnLst>
   </p:timing>
@@ -4112,7 +4112,7 @@
   <p:timing>
     <p:tnLst>
       <p:par>
-        <p:cTn xmlns:p14="http://schemas.microsoft.com/office/powerpoint/2010/main" id="1" dur="indefinite" restart="never" nodeType="tmRoot"/>
+        <p:cTn id="1" dur="indefinite" restart="never" nodeType="tmRoot"/>
       </p:par>
     </p:tnLst>
   </p:timing>
@@ -4525,7 +4525,7 @@
   <p:timing>
     <p:tnLst>
       <p:par>
-        <p:cTn xmlns:p14="http://schemas.microsoft.com/office/powerpoint/2010/main" id="1" dur="indefinite" restart="never" nodeType="tmRoot"/>
+        <p:cTn id="1" dur="indefinite" restart="never" nodeType="tmRoot"/>
       </p:par>
     </p:tnLst>
   </p:timing>
@@ -4645,7 +4645,7 @@
   <p:timing>
     <p:tnLst>
       <p:par>
-        <p:cTn xmlns:p14="http://schemas.microsoft.com/office/powerpoint/2010/main" id="1" dur="indefinite" restart="never" nodeType="tmRoot">
+        <p:cTn id="1" dur="indefinite" restart="never" nodeType="tmRoot">
           <p:childTnLst>
             <p:seq concurrent="1" nextAc="seek">
               <p:cTn id="2" dur="indefinite" nodeType="mainSeq">
@@ -4989,7 +4989,7 @@
   <p:timing>
     <p:tnLst>
       <p:par>
-        <p:cTn xmlns:p14="http://schemas.microsoft.com/office/powerpoint/2010/main" id="1" dur="indefinite" restart="never" nodeType="tmRoot">
+        <p:cTn id="1" dur="indefinite" restart="never" nodeType="tmRoot">
           <p:childTnLst>
             <p:seq concurrent="1" nextAc="seek">
               <p:cTn id="2" dur="indefinite" nodeType="mainSeq">
@@ -5241,7 +5241,7 @@
           <a:blip r:embed="rId2" cstate="print">
             <a:extLst>
               <a:ext uri="{28A0092B-C50C-407E-A947-70E740481C1C}">
-                <a14:useLocalDpi xmlns:a14="http://schemas.microsoft.com/office/drawing/2010/main" val="0"/>
+                <a14:useLocalDpi xmlns:a14="http://schemas.microsoft.com/office/drawing/2010/main" xmlns="" val="0"/>
               </a:ext>
             </a:extLst>
           </a:blip>
@@ -5267,7 +5267,7 @@
   <p:timing>
     <p:tnLst>
       <p:par>
-        <p:cTn xmlns:p14="http://schemas.microsoft.com/office/powerpoint/2010/main" id="1" dur="indefinite" restart="never" nodeType="tmRoot"/>
+        <p:cTn id="1" dur="indefinite" restart="never" nodeType="tmRoot"/>
       </p:par>
     </p:tnLst>
   </p:timing>
@@ -5301,7 +5301,7 @@
           <a:blip r:embed="rId2" cstate="print">
             <a:extLst>
               <a:ext uri="{28A0092B-C50C-407E-A947-70E740481C1C}">
-                <a14:useLocalDpi xmlns:a14="http://schemas.microsoft.com/office/drawing/2010/main" val="0"/>
+                <a14:useLocalDpi xmlns:a14="http://schemas.microsoft.com/office/drawing/2010/main" xmlns="" val="0"/>
               </a:ext>
             </a:extLst>
           </a:blip>
@@ -5387,7 +5387,7 @@
   <p:timing>
     <p:tnLst>
       <p:par>
-        <p:cTn xmlns:p14="http://schemas.microsoft.com/office/powerpoint/2010/main" id="1" dur="indefinite" restart="never" nodeType="tmRoot">
+        <p:cTn id="1" dur="indefinite" restart="never" nodeType="tmRoot">
           <p:childTnLst>
             <p:seq concurrent="1" nextAc="seek">
               <p:cTn id="2" dur="indefinite" nodeType="mainSeq">
@@ -5757,7 +5757,7 @@
   <p:timing>
     <p:tnLst>
       <p:par>
-        <p:cTn xmlns:p14="http://schemas.microsoft.com/office/powerpoint/2010/main" id="1" dur="indefinite" restart="never" nodeType="tmRoot">
+        <p:cTn id="1" dur="indefinite" restart="never" nodeType="tmRoot">
           <p:childTnLst>
             <p:seq concurrent="1" nextAc="seek">
               <p:cTn id="2" dur="indefinite" nodeType="mainSeq">
@@ -6195,7 +6195,7 @@
   <p:timing>
     <p:tnLst>
       <p:par>
-        <p:cTn xmlns:p14="http://schemas.microsoft.com/office/powerpoint/2010/main" id="1" dur="indefinite" restart="never" nodeType="tmRoot">
+        <p:cTn id="1" dur="indefinite" restart="never" nodeType="tmRoot">
           <p:childTnLst>
             <p:seq concurrent="1" nextAc="seek">
               <p:cTn id="2" dur="indefinite" nodeType="mainSeq">
@@ -6529,7 +6529,6 @@
               <a:rPr lang="en-US" altLang="zh-CN" dirty="0" smtClean="0"/>
               <a:t>Use linear regression, get the average slope and mean square deviation</a:t>
             </a:r>
-            <a:endParaRPr lang="en-US" altLang="zh-CN" dirty="0" smtClean="0"/>
           </a:p>
           <a:p>
             <a:endParaRPr lang="zh-CN" altLang="en-US" dirty="0"/>
@@ -6706,7 +6705,7 @@
   <p:timing>
     <p:tnLst>
       <p:par>
-        <p:cTn xmlns:p14="http://schemas.microsoft.com/office/powerpoint/2010/main" id="1" dur="indefinite" restart="never" nodeType="tmRoot">
+        <p:cTn id="1" dur="indefinite" restart="never" nodeType="tmRoot">
           <p:childTnLst>
             <p:seq concurrent="1" nextAc="seek">
               <p:cTn id="2" dur="indefinite" nodeType="mainSeq">
@@ -8634,7 +8633,7 @@
   <p:timing>
     <p:tnLst>
       <p:par>
-        <p:cTn xmlns:p14="http://schemas.microsoft.com/office/powerpoint/2010/main" id="1" dur="indefinite" restart="never" nodeType="tmRoot">
+        <p:cTn id="1" dur="indefinite" restart="never" nodeType="tmRoot">
           <p:childTnLst>
             <p:seq concurrent="1" nextAc="seek">
               <p:cTn id="2" dur="indefinite" nodeType="mainSeq">
@@ -8963,7 +8962,7 @@
   <p:timing>
     <p:tnLst>
       <p:par>
-        <p:cTn xmlns:p14="http://schemas.microsoft.com/office/powerpoint/2010/main" id="1" dur="indefinite" restart="never" nodeType="tmRoot">
+        <p:cTn id="1" dur="indefinite" restart="never" nodeType="tmRoot">
           <p:childTnLst>
             <p:seq concurrent="1" nextAc="seek">
               <p:cTn id="2" dur="indefinite" nodeType="mainSeq">
@@ -9253,7 +9252,7 @@
   <p:timing>
     <p:tnLst>
       <p:par>
-        <p:cTn xmlns:p14="http://schemas.microsoft.com/office/powerpoint/2010/main" id="1" dur="indefinite" restart="never" nodeType="tmRoot">
+        <p:cTn id="1" dur="indefinite" restart="never" nodeType="tmRoot">
           <p:childTnLst>
             <p:seq concurrent="1" nextAc="seek">
               <p:cTn id="2" dur="indefinite" nodeType="mainSeq">
@@ -9533,7 +9532,7 @@
   <p:timing>
     <p:tnLst>
       <p:par>
-        <p:cTn xmlns:p14="http://schemas.microsoft.com/office/powerpoint/2010/main" id="1" dur="indefinite" restart="never" nodeType="tmRoot"/>
+        <p:cTn id="1" dur="indefinite" restart="never" nodeType="tmRoot"/>
       </p:par>
     </p:tnLst>
   </p:timing>
@@ -9631,7 +9630,7 @@
   <p:timing>
     <p:tnLst>
       <p:par>
-        <p:cTn xmlns:p14="http://schemas.microsoft.com/office/powerpoint/2010/main" id="1" dur="indefinite" restart="never" nodeType="tmRoot">
+        <p:cTn id="1" dur="indefinite" restart="never" nodeType="tmRoot">
           <p:childTnLst>
             <p:seq concurrent="1" nextAc="seek">
               <p:cTn id="2" dur="indefinite" nodeType="mainSeq">
@@ -9908,7 +9907,7 @@
     </p:spTree>
     <p:extLst>
       <p:ext uri="{BB962C8B-B14F-4D97-AF65-F5344CB8AC3E}">
-        <p14:creationId xmlns:p14="http://schemas.microsoft.com/office/powerpoint/2010/main" val="1697334037"/>
+        <p14:creationId xmlns:p14="http://schemas.microsoft.com/office/powerpoint/2010/main" xmlns="" val="1697334037"/>
       </p:ext>
     </p:extLst>
   </p:cSld>
@@ -9918,7 +9917,7 @@
   <p:timing>
     <p:tnLst>
       <p:par>
-        <p:cTn xmlns:p14="http://schemas.microsoft.com/office/powerpoint/2010/main" id="1" dur="indefinite" restart="never" nodeType="tmRoot">
+        <p:cTn id="1" dur="indefinite" restart="never" nodeType="tmRoot">
           <p:childTnLst>
             <p:seq concurrent="1" nextAc="seek">
               <p:cTn id="2" dur="indefinite" nodeType="mainSeq">
@@ -10386,7 +10385,7 @@
   <p:timing>
     <p:tnLst>
       <p:par>
-        <p:cTn xmlns:p14="http://schemas.microsoft.com/office/powerpoint/2010/main" id="1" dur="indefinite" restart="never" nodeType="tmRoot">
+        <p:cTn id="1" dur="indefinite" restart="never" nodeType="tmRoot">
           <p:childTnLst>
             <p:seq concurrent="1" nextAc="seek">
               <p:cTn id="2" dur="indefinite" nodeType="mainSeq">
@@ -10542,7 +10541,7 @@
   <p:timing>
     <p:tnLst>
       <p:par>
-        <p:cTn xmlns:p14="http://schemas.microsoft.com/office/powerpoint/2010/main" id="1" dur="indefinite" restart="never" nodeType="tmRoot">
+        <p:cTn id="1" dur="indefinite" restart="never" nodeType="tmRoot">
           <p:childTnLst>
             <p:seq concurrent="1" nextAc="seek">
               <p:cTn id="2" dur="indefinite" nodeType="mainSeq">
@@ -10723,7 +10722,7 @@
   <p:timing>
     <p:tnLst>
       <p:par>
-        <p:cTn xmlns:p14="http://schemas.microsoft.com/office/powerpoint/2010/main" id="1" dur="indefinite" restart="never" nodeType="tmRoot"/>
+        <p:cTn id="1" dur="indefinite" restart="never" nodeType="tmRoot"/>
       </p:par>
     </p:tnLst>
   </p:timing>
@@ -10876,8 +10875,71 @@
             </a:r>
             <a:r>
               <a:rPr lang="en-US" altLang="zh-CN" dirty="0" smtClean="0"/>
-              <a:t>Violin Version</a:t>
-            </a:r>
+              <a:t>Violin </a:t>
+            </a:r>
+            <a:r>
+              <a:rPr lang="en-US" altLang="zh-CN" dirty="0" smtClean="0"/>
+              <a:t>Version</a:t>
+            </a:r>
+          </a:p>
+          <a:p>
+            <a:r>
+              <a:rPr lang="en-US" altLang="zh-CN" i="1" dirty="0" smtClean="0">
+                <a:solidFill>
+                  <a:srgbClr val="FFFF00"/>
+                </a:solidFill>
+              </a:rPr>
+              <a:t>Mia &amp; </a:t>
+            </a:r>
+            <a:r>
+              <a:rPr lang="en-US" altLang="zh-CN" i="1" dirty="0" err="1" smtClean="0">
+                <a:solidFill>
+                  <a:srgbClr val="FFFF00"/>
+                </a:solidFill>
+              </a:rPr>
+              <a:t>Seb’s</a:t>
+            </a:r>
+            <a:r>
+              <a:rPr lang="en-US" altLang="zh-CN" i="1" dirty="0" smtClean="0">
+                <a:solidFill>
+                  <a:srgbClr val="FFFF00"/>
+                </a:solidFill>
+              </a:rPr>
+              <a:t> Theme </a:t>
+            </a:r>
+            <a:r>
+              <a:rPr lang="en-US" altLang="zh-CN" dirty="0" smtClean="0"/>
+              <a:t>from </a:t>
+            </a:r>
+            <a:r>
+              <a:rPr lang="en-US" altLang="zh-CN" i="1" dirty="0" smtClean="0">
+                <a:solidFill>
+                  <a:srgbClr val="0000FF"/>
+                </a:solidFill>
+              </a:rPr>
+              <a:t>La </a:t>
+            </a:r>
+            <a:r>
+              <a:rPr lang="en-US" altLang="zh-CN" i="1" dirty="0" err="1" smtClean="0">
+                <a:solidFill>
+                  <a:srgbClr val="0000FF"/>
+                </a:solidFill>
+              </a:rPr>
+              <a:t>La</a:t>
+            </a:r>
+            <a:r>
+              <a:rPr lang="en-US" altLang="zh-CN" i="1" dirty="0" smtClean="0">
+                <a:solidFill>
+                  <a:srgbClr val="0000FF"/>
+                </a:solidFill>
+              </a:rPr>
+              <a:t> Land</a:t>
+            </a:r>
+            <a:endParaRPr lang="en-US" altLang="zh-CN" i="1" dirty="0" smtClean="0">
+              <a:solidFill>
+                <a:srgbClr val="0000FF"/>
+              </a:solidFill>
+            </a:endParaRPr>
           </a:p>
           <a:p>
             <a:r>
@@ -10928,7 +10990,7 @@
   <p:timing>
     <p:tnLst>
       <p:par>
-        <p:cTn xmlns:p14="http://schemas.microsoft.com/office/powerpoint/2010/main" id="1" dur="indefinite" restart="never" nodeType="tmRoot"/>
+        <p:cTn id="1" dur="indefinite" restart="never" nodeType="tmRoot"/>
       </p:par>
     </p:tnLst>
   </p:timing>
@@ -11046,7 +11108,7 @@
   <p:timing>
     <p:tnLst>
       <p:par>
-        <p:cTn xmlns:p14="http://schemas.microsoft.com/office/powerpoint/2010/main" id="1" dur="indefinite" restart="never" nodeType="tmRoot"/>
+        <p:cTn id="1" dur="indefinite" restart="never" nodeType="tmRoot"/>
       </p:par>
     </p:tnLst>
   </p:timing>
@@ -11172,7 +11234,7 @@
   <p:timing>
     <p:tnLst>
       <p:par>
-        <p:cTn xmlns:p14="http://schemas.microsoft.com/office/powerpoint/2010/main" id="1" dur="indefinite" restart="never" nodeType="tmRoot">
+        <p:cTn id="1" dur="indefinite" restart="never" nodeType="tmRoot">
           <p:childTnLst>
             <p:seq concurrent="1" nextAc="seek">
               <p:cTn id="2" dur="indefinite" nodeType="mainSeq">
@@ -11451,7 +11513,7 @@
   <p:timing>
     <p:tnLst>
       <p:par>
-        <p:cTn xmlns:p14="http://schemas.microsoft.com/office/powerpoint/2010/main" id="1" dur="indefinite" restart="never" nodeType="tmRoot">
+        <p:cTn id="1" dur="indefinite" restart="never" nodeType="tmRoot">
           <p:childTnLst>
             <p:seq concurrent="1" nextAc="seek">
               <p:cTn id="2" dur="indefinite" nodeType="mainSeq">
@@ -11764,7 +11826,7 @@
   <p:timing>
     <p:tnLst>
       <p:par>
-        <p:cTn xmlns:p14="http://schemas.microsoft.com/office/powerpoint/2010/main" id="1" dur="indefinite" restart="never" nodeType="tmRoot">
+        <p:cTn id="1" dur="indefinite" restart="never" nodeType="tmRoot">
           <p:childTnLst>
             <p:seq concurrent="1" nextAc="seek">
               <p:cTn id="2" dur="indefinite" nodeType="mainSeq">
@@ -11987,7 +12049,7 @@
   <p:timing>
     <p:tnLst>
       <p:par>
-        <p:cTn xmlns:p14="http://schemas.microsoft.com/office/powerpoint/2010/main" id="1" dur="indefinite" restart="never" nodeType="tmRoot">
+        <p:cTn id="1" dur="indefinite" restart="never" nodeType="tmRoot">
           <p:childTnLst>
             <p:seq concurrent="1" nextAc="seek">
               <p:cTn id="2" dur="indefinite" nodeType="mainSeq">
@@ -12938,7 +13000,7 @@
   <p:timing>
     <p:tnLst>
       <p:par>
-        <p:cTn xmlns:p14="http://schemas.microsoft.com/office/powerpoint/2010/main" id="1" dur="indefinite" restart="never" nodeType="tmRoot"/>
+        <p:cTn id="1" dur="indefinite" restart="never" nodeType="tmRoot"/>
       </p:par>
     </p:tnLst>
   </p:timing>
@@ -13054,7 +13116,7 @@
   <p:timing>
     <p:tnLst>
       <p:par>
-        <p:cTn xmlns:p14="http://schemas.microsoft.com/office/powerpoint/2010/main" id="1" dur="indefinite" restart="never" nodeType="tmRoot">
+        <p:cTn id="1" dur="indefinite" restart="never" nodeType="tmRoot">
           <p:childTnLst>
             <p:seq concurrent="1" nextAc="seek">
               <p:cTn id="2" dur="indefinite" nodeType="mainSeq">
@@ -13332,7 +13394,7 @@
   <p:timing>
     <p:tnLst>
       <p:par>
-        <p:cTn xmlns:p14="http://schemas.microsoft.com/office/powerpoint/2010/main" id="1" dur="indefinite" restart="never" nodeType="tmRoot">
+        <p:cTn id="1" dur="indefinite" restart="never" nodeType="tmRoot">
           <p:childTnLst>
             <p:seq concurrent="1" nextAc="seek">
               <p:cTn id="2" dur="indefinite" nodeType="mainSeq">

--- a/ppt/SST.pptx
+++ b/ppt/SST.pptx
@@ -5,7 +5,7 @@
     <p:sldMasterId id="2147483673" r:id="rId1"/>
   </p:sldMasterIdLst>
   <p:notesMasterIdLst>
-    <p:notesMasterId r:id="rId28"/>
+    <p:notesMasterId r:id="rId29"/>
   </p:notesMasterIdLst>
   <p:sldIdLst>
     <p:sldId id="256" r:id="rId2"/>
@@ -30,10 +30,11 @@
     <p:sldId id="277" r:id="rId21"/>
     <p:sldId id="282" r:id="rId22"/>
     <p:sldId id="281" r:id="rId23"/>
-    <p:sldId id="273" r:id="rId24"/>
-    <p:sldId id="279" r:id="rId25"/>
-    <p:sldId id="274" r:id="rId26"/>
-    <p:sldId id="280" r:id="rId27"/>
+    <p:sldId id="283" r:id="rId24"/>
+    <p:sldId id="273" r:id="rId25"/>
+    <p:sldId id="279" r:id="rId26"/>
+    <p:sldId id="274" r:id="rId27"/>
+    <p:sldId id="280" r:id="rId28"/>
   </p:sldIdLst>
   <p:sldSz cx="9144000" cy="6858000" type="screen4x3"/>
   <p:notesSz cx="6858000" cy="9144000"/>
@@ -389,7 +390,7 @@
     </p:spTree>
     <p:extLst>
       <p:ext uri="{BB962C8B-B14F-4D97-AF65-F5344CB8AC3E}">
-        <p14:creationId xmlns:p14="http://schemas.microsoft.com/office/powerpoint/2010/main" xmlns="" val="4058125126"/>
+        <p14:creationId xmlns="" xmlns:p14="http://schemas.microsoft.com/office/powerpoint/2010/main" val="4058125126"/>
       </p:ext>
     </p:extLst>
   </p:cSld>
@@ -5241,7 +5242,7 @@
           <a:blip r:embed="rId2" cstate="print">
             <a:extLst>
               <a:ext uri="{28A0092B-C50C-407E-A947-70E740481C1C}">
-                <a14:useLocalDpi xmlns:a14="http://schemas.microsoft.com/office/drawing/2010/main" xmlns="" val="0"/>
+                <a14:useLocalDpi xmlns="" xmlns:a14="http://schemas.microsoft.com/office/drawing/2010/main" val="0"/>
               </a:ext>
             </a:extLst>
           </a:blip>
@@ -5301,7 +5302,7 @@
           <a:blip r:embed="rId2" cstate="print">
             <a:extLst>
               <a:ext uri="{28A0092B-C50C-407E-A947-70E740481C1C}">
-                <a14:useLocalDpi xmlns:a14="http://schemas.microsoft.com/office/drawing/2010/main" xmlns="" val="0"/>
+                <a14:useLocalDpi xmlns="" xmlns:a14="http://schemas.microsoft.com/office/drawing/2010/main" val="0"/>
               </a:ext>
             </a:extLst>
           </a:blip>
@@ -9907,7 +9908,7 @@
     </p:spTree>
     <p:extLst>
       <p:ext uri="{BB962C8B-B14F-4D97-AF65-F5344CB8AC3E}">
-        <p14:creationId xmlns:p14="http://schemas.microsoft.com/office/powerpoint/2010/main" xmlns="" val="1697334037"/>
+        <p14:creationId xmlns="" xmlns:p14="http://schemas.microsoft.com/office/powerpoint/2010/main" val="1697334037"/>
       </p:ext>
     </p:extLst>
   </p:cSld>
@@ -10498,6 +10499,103 @@
           <a:p>
             <a:r>
               <a:rPr lang="en-US" altLang="zh-CN" dirty="0" smtClean="0"/>
+              <a:t>Results:</a:t>
+            </a:r>
+            <a:endParaRPr lang="zh-CN" altLang="en-US" dirty="0"/>
+          </a:p>
+        </p:txBody>
+      </p:sp>
+      <p:sp>
+        <p:nvSpPr>
+          <p:cNvPr id="3" name="内容占位符 2"/>
+          <p:cNvSpPr>
+            <a:spLocks noGrp="1"/>
+          </p:cNvSpPr>
+          <p:nvPr>
+            <p:ph idx="1"/>
+          </p:nvPr>
+        </p:nvSpPr>
+        <p:spPr/>
+        <p:txBody>
+          <a:bodyPr/>
+          <a:lstStyle/>
+          <a:p>
+            <a:r>
+              <a:rPr lang="en-US" altLang="zh-CN" dirty="0" smtClean="0"/>
+              <a:t>Confusion matrix when some “outlying” styles are add into dataset:</a:t>
+            </a:r>
+            <a:endParaRPr lang="zh-CN" altLang="en-US" dirty="0"/>
+          </a:p>
+        </p:txBody>
+      </p:sp>
+      <p:pic>
+        <p:nvPicPr>
+          <p:cNvPr id="1026" name="Picture 2" descr="W:\SST\SST\ppt\屏幕快照 2017-06-17 上午9.24.56.png"/>
+          <p:cNvPicPr>
+            <a:picLocks noChangeAspect="1" noChangeArrowheads="1"/>
+          </p:cNvPicPr>
+          <p:nvPr/>
+        </p:nvPicPr>
+        <p:blipFill>
+          <a:blip r:embed="rId2" cstate="print"/>
+          <a:srcRect/>
+          <a:stretch>
+            <a:fillRect/>
+          </a:stretch>
+        </p:blipFill>
+        <p:spPr bwMode="auto">
+          <a:xfrm>
+            <a:off x="611560" y="2996952"/>
+            <a:ext cx="8111314" cy="2088232"/>
+          </a:xfrm>
+          <a:prstGeom prst="rect">
+            <a:avLst/>
+          </a:prstGeom>
+          <a:noFill/>
+        </p:spPr>
+      </p:pic>
+    </p:spTree>
+  </p:cSld>
+  <p:clrMapOvr>
+    <a:masterClrMapping/>
+  </p:clrMapOvr>
+</p:sld>
+</file>
+
+<file path=ppt/slides/slide24.xml><?xml version="1.0" encoding="utf-8"?>
+<p:sld xmlns:a="http://schemas.openxmlformats.org/drawingml/2006/main" xmlns:r="http://schemas.openxmlformats.org/officeDocument/2006/relationships" xmlns:p="http://schemas.openxmlformats.org/presentationml/2006/main">
+  <p:cSld>
+    <p:spTree>
+      <p:nvGrpSpPr>
+        <p:cNvPr id="1" name=""/>
+        <p:cNvGrpSpPr/>
+        <p:nvPr/>
+      </p:nvGrpSpPr>
+      <p:grpSpPr>
+        <a:xfrm>
+          <a:off x="0" y="0"/>
+          <a:ext cx="0" cy="0"/>
+          <a:chOff x="0" y="0"/>
+          <a:chExt cx="0" cy="0"/>
+        </a:xfrm>
+      </p:grpSpPr>
+      <p:sp>
+        <p:nvSpPr>
+          <p:cNvPr id="2" name="标题 1"/>
+          <p:cNvSpPr>
+            <a:spLocks noGrp="1"/>
+          </p:cNvSpPr>
+          <p:nvPr>
+            <p:ph type="title"/>
+          </p:nvPr>
+        </p:nvSpPr>
+        <p:spPr/>
+        <p:txBody>
+          <a:bodyPr/>
+          <a:lstStyle/>
+          <a:p>
+            <a:r>
+              <a:rPr lang="en-US" altLang="zh-CN" dirty="0" smtClean="0"/>
               <a:t>Future work</a:t>
             </a:r>
             <a:endParaRPr lang="zh-CN" altLang="en-US" dirty="0"/>
@@ -10669,7 +10767,7 @@
 </p:sld>
 </file>
 
-<file path=ppt/slides/slide24.xml><?xml version="1.0" encoding="utf-8"?>
+<file path=ppt/slides/slide25.xml><?xml version="1.0" encoding="utf-8"?>
 <p:sld xmlns:a="http://schemas.openxmlformats.org/drawingml/2006/main" xmlns:r="http://schemas.openxmlformats.org/officeDocument/2006/relationships" xmlns:p="http://schemas.openxmlformats.org/presentationml/2006/main">
   <p:cSld>
     <p:spTree>
@@ -10729,7 +10827,7 @@
 </p:sld>
 </file>
 
-<file path=ppt/slides/slide25.xml><?xml version="1.0" encoding="utf-8"?>
+<file path=ppt/slides/slide26.xml><?xml version="1.0" encoding="utf-8"?>
 <p:sld xmlns:a="http://schemas.openxmlformats.org/drawingml/2006/main" xmlns:r="http://schemas.openxmlformats.org/officeDocument/2006/relationships" xmlns:p="http://schemas.openxmlformats.org/presentationml/2006/main">
   <p:cSld>
     <p:spTree>
@@ -10875,11 +10973,7 @@
             </a:r>
             <a:r>
               <a:rPr lang="en-US" altLang="zh-CN" dirty="0" smtClean="0"/>
-              <a:t>Violin </a:t>
-            </a:r>
-            <a:r>
-              <a:rPr lang="en-US" altLang="zh-CN" dirty="0" smtClean="0"/>
-              <a:t>Version</a:t>
+              <a:t>Violin Version</a:t>
             </a:r>
           </a:p>
           <a:p>
@@ -10935,11 +11029,6 @@
               </a:rPr>
               <a:t> Land</a:t>
             </a:r>
-            <a:endParaRPr lang="en-US" altLang="zh-CN" i="1" dirty="0" smtClean="0">
-              <a:solidFill>
-                <a:srgbClr val="0000FF"/>
-              </a:solidFill>
-            </a:endParaRPr>
           </a:p>
           <a:p>
             <a:r>
@@ -10997,7 +11086,7 @@
 </p:sld>
 </file>
 
-<file path=ppt/slides/slide26.xml><?xml version="1.0" encoding="utf-8"?>
+<file path=ppt/slides/slide27.xml><?xml version="1.0" encoding="utf-8"?>
 <p:sld xmlns:a="http://schemas.openxmlformats.org/drawingml/2006/main" xmlns:r="http://schemas.openxmlformats.org/officeDocument/2006/relationships" xmlns:p="http://schemas.openxmlformats.org/presentationml/2006/main">
   <p:cSld>
     <p:spTree>

--- a/ppt/SST.pptx
+++ b/ppt/SST.pptx
@@ -390,7 +390,7 @@
     </p:spTree>
     <p:extLst>
       <p:ext uri="{BB962C8B-B14F-4D97-AF65-F5344CB8AC3E}">
-        <p14:creationId xmlns="" xmlns:p14="http://schemas.microsoft.com/office/powerpoint/2010/main" val="4058125126"/>
+        <p14:creationId xmlns:p14="http://schemas.microsoft.com/office/powerpoint/2010/main" xmlns="" val="4058125126"/>
       </p:ext>
     </p:extLst>
   </p:cSld>
@@ -5242,7 +5242,7 @@
           <a:blip r:embed="rId2" cstate="print">
             <a:extLst>
               <a:ext uri="{28A0092B-C50C-407E-A947-70E740481C1C}">
-                <a14:useLocalDpi xmlns="" xmlns:a14="http://schemas.microsoft.com/office/drawing/2010/main" val="0"/>
+                <a14:useLocalDpi xmlns:a14="http://schemas.microsoft.com/office/drawing/2010/main" xmlns="" val="0"/>
               </a:ext>
             </a:extLst>
           </a:blip>
@@ -5302,7 +5302,7 @@
           <a:blip r:embed="rId2" cstate="print">
             <a:extLst>
               <a:ext uri="{28A0092B-C50C-407E-A947-70E740481C1C}">
-                <a14:useLocalDpi xmlns="" xmlns:a14="http://schemas.microsoft.com/office/drawing/2010/main" val="0"/>
+                <a14:useLocalDpi xmlns:a14="http://schemas.microsoft.com/office/drawing/2010/main" xmlns="" val="0"/>
               </a:ext>
             </a:extLst>
           </a:blip>
@@ -6523,12 +6523,6 @@
             <a:r>
               <a:rPr lang="en-US" altLang="zh-CN" dirty="0"/>
               <a:t>Peaks seem to represent instruments, BUT SVM needs fixed-dimensional vector.</a:t>
-            </a:r>
-          </a:p>
-          <a:p>
-            <a:r>
-              <a:rPr lang="en-US" altLang="zh-CN" dirty="0" smtClean="0"/>
-              <a:t>Use linear regression, get the average slope and mean square deviation</a:t>
             </a:r>
           </a:p>
           <a:p>
@@ -8446,55 +8440,6 @@
                       </p:childTnLst>
                     </p:cTn>
                   </p:par>
-                  <p:par>
-                    <p:cTn id="105" fill="hold">
-                      <p:stCondLst>
-                        <p:cond delay="indefinite"/>
-                      </p:stCondLst>
-                      <p:childTnLst>
-                        <p:par>
-                          <p:cTn id="106" fill="hold">
-                            <p:stCondLst>
-                              <p:cond delay="0"/>
-                            </p:stCondLst>
-                            <p:childTnLst>
-                              <p:par>
-                                <p:cTn id="107" presetID="1" presetClass="entr" presetSubtype="0" fill="hold" nodeType="clickEffect">
-                                  <p:stCondLst>
-                                    <p:cond delay="0"/>
-                                  </p:stCondLst>
-                                  <p:childTnLst>
-                                    <p:set>
-                                      <p:cBhvr>
-                                        <p:cTn id="108" dur="1" fill="hold">
-                                          <p:stCondLst>
-                                            <p:cond delay="0"/>
-                                          </p:stCondLst>
-                                        </p:cTn>
-                                        <p:tgtEl>
-                                          <p:spTgt spid="3">
-                                            <p:txEl>
-                                              <p:pRg st="1" end="1"/>
-                                            </p:txEl>
-                                          </p:spTgt>
-                                        </p:tgtEl>
-                                        <p:attrNameLst>
-                                          <p:attrName>style.visibility</p:attrName>
-                                        </p:attrNameLst>
-                                      </p:cBhvr>
-                                      <p:to>
-                                        <p:strVal val="visible"/>
-                                      </p:to>
-                                    </p:set>
-                                  </p:childTnLst>
-                                </p:cTn>
-                              </p:par>
-                            </p:childTnLst>
-                          </p:cTn>
-                        </p:par>
-                      </p:childTnLst>
-                    </p:cTn>
-                  </p:par>
                 </p:childTnLst>
               </p:cTn>
               <p:prevCondLst>
@@ -9908,7 +9853,7 @@
     </p:spTree>
     <p:extLst>
       <p:ext uri="{BB962C8B-B14F-4D97-AF65-F5344CB8AC3E}">
-        <p14:creationId xmlns="" xmlns:p14="http://schemas.microsoft.com/office/powerpoint/2010/main" val="1697334037"/>
+        <p14:creationId xmlns:p14="http://schemas.microsoft.com/office/powerpoint/2010/main" xmlns="" val="1697334037"/>
       </p:ext>
     </p:extLst>
   </p:cSld>

--- a/ppt/SST.pptx
+++ b/ppt/SST.pptx
@@ -390,7 +390,7 @@
     </p:spTree>
     <p:extLst>
       <p:ext uri="{BB962C8B-B14F-4D97-AF65-F5344CB8AC3E}">
-        <p14:creationId xmlns:p14="http://schemas.microsoft.com/office/powerpoint/2010/main" xmlns="" val="4058125126"/>
+        <p14:creationId xmlns="" xmlns:p14="http://schemas.microsoft.com/office/powerpoint/2010/main" val="4058125126"/>
       </p:ext>
     </p:extLst>
   </p:cSld>
@@ -5242,7 +5242,7 @@
           <a:blip r:embed="rId2" cstate="print">
             <a:extLst>
               <a:ext uri="{28A0092B-C50C-407E-A947-70E740481C1C}">
-                <a14:useLocalDpi xmlns:a14="http://schemas.microsoft.com/office/drawing/2010/main" xmlns="" val="0"/>
+                <a14:useLocalDpi xmlns="" xmlns:a14="http://schemas.microsoft.com/office/drawing/2010/main" val="0"/>
               </a:ext>
             </a:extLst>
           </a:blip>
@@ -5302,7 +5302,7 @@
           <a:blip r:embed="rId2" cstate="print">
             <a:extLst>
               <a:ext uri="{28A0092B-C50C-407E-A947-70E740481C1C}">
-                <a14:useLocalDpi xmlns:a14="http://schemas.microsoft.com/office/drawing/2010/main" xmlns="" val="0"/>
+                <a14:useLocalDpi xmlns="" xmlns:a14="http://schemas.microsoft.com/office/drawing/2010/main" val="0"/>
               </a:ext>
             </a:extLst>
           </a:blip>
@@ -9853,7 +9853,7 @@
     </p:spTree>
     <p:extLst>
       <p:ext uri="{BB962C8B-B14F-4D97-AF65-F5344CB8AC3E}">
-        <p14:creationId xmlns:p14="http://schemas.microsoft.com/office/powerpoint/2010/main" xmlns="" val="1697334037"/>
+        <p14:creationId xmlns="" xmlns:p14="http://schemas.microsoft.com/office/powerpoint/2010/main" val="1697334037"/>
       </p:ext>
     </p:extLst>
   </p:cSld>
@@ -11825,7 +11825,9 @@
         </p:nvSpPr>
         <p:spPr/>
         <p:txBody>
-          <a:bodyPr/>
+          <a:bodyPr>
+            <a:normAutofit fontScale="92500"/>
+          </a:bodyPr>
           <a:lstStyle/>
           <a:p>
             <a:r>
@@ -11846,7 +11848,33 @@
           <a:p>
             <a:r>
               <a:rPr lang="en-US" altLang="zh-CN" dirty="0" smtClean="0"/>
-              <a:t>Piano, Guitar, Saxophone, Flute, Trumpet, Violin</a:t>
+              <a:t>Piano, Guitar, Saxophone, Flute, Trumpet, </a:t>
+            </a:r>
+            <a:r>
+              <a:rPr lang="en-US" altLang="zh-CN" dirty="0" smtClean="0"/>
+              <a:t>Violin</a:t>
+            </a:r>
+          </a:p>
+          <a:p>
+            <a:r>
+              <a:rPr lang="en-US" altLang="zh-CN" dirty="0" smtClean="0"/>
+              <a:t>Basic dataset: conventional sounds of these instruments from RWC Music Database</a:t>
+            </a:r>
+          </a:p>
+          <a:p>
+            <a:r>
+              <a:rPr lang="en-US" altLang="zh-CN" dirty="0" smtClean="0"/>
+              <a:t>Augmented dataset: special playing styles added</a:t>
+            </a:r>
+          </a:p>
+          <a:p>
+            <a:r>
+              <a:rPr lang="en-US" altLang="zh-CN" dirty="0" smtClean="0"/>
+              <a:t>Mainly focused on </a:t>
+            </a:r>
+            <a:r>
+              <a:rPr lang="en-US" altLang="zh-CN" smtClean="0"/>
+              <a:t>basic dataset</a:t>
             </a:r>
             <a:endParaRPr lang="zh-CN" altLang="en-US" dirty="0"/>
           </a:p>
@@ -11943,6 +11971,153 @@
                                           <p:spTgt spid="3">
                                             <p:txEl>
                                               <p:pRg st="2" end="2"/>
+                                            </p:txEl>
+                                          </p:spTgt>
+                                        </p:tgtEl>
+                                        <p:attrNameLst>
+                                          <p:attrName>style.visibility</p:attrName>
+                                        </p:attrNameLst>
+                                      </p:cBhvr>
+                                      <p:to>
+                                        <p:strVal val="visible"/>
+                                      </p:to>
+                                    </p:set>
+                                  </p:childTnLst>
+                                </p:cTn>
+                              </p:par>
+                            </p:childTnLst>
+                          </p:cTn>
+                        </p:par>
+                      </p:childTnLst>
+                    </p:cTn>
+                  </p:par>
+                  <p:par>
+                    <p:cTn id="11" fill="hold">
+                      <p:stCondLst>
+                        <p:cond delay="indefinite"/>
+                      </p:stCondLst>
+                      <p:childTnLst>
+                        <p:par>
+                          <p:cTn id="12" fill="hold">
+                            <p:stCondLst>
+                              <p:cond delay="0"/>
+                            </p:stCondLst>
+                            <p:childTnLst>
+                              <p:par>
+                                <p:cTn id="13" presetID="1" presetClass="entr" presetSubtype="0" fill="hold" nodeType="clickEffect">
+                                  <p:stCondLst>
+                                    <p:cond delay="0"/>
+                                  </p:stCondLst>
+                                  <p:childTnLst>
+                                    <p:set>
+                                      <p:cBhvr>
+                                        <p:cTn id="14" dur="1" fill="hold">
+                                          <p:stCondLst>
+                                            <p:cond delay="0"/>
+                                          </p:stCondLst>
+                                        </p:cTn>
+                                        <p:tgtEl>
+                                          <p:spTgt spid="3">
+                                            <p:txEl>
+                                              <p:pRg st="3" end="3"/>
+                                            </p:txEl>
+                                          </p:spTgt>
+                                        </p:tgtEl>
+                                        <p:attrNameLst>
+                                          <p:attrName>style.visibility</p:attrName>
+                                        </p:attrNameLst>
+                                      </p:cBhvr>
+                                      <p:to>
+                                        <p:strVal val="visible"/>
+                                      </p:to>
+                                    </p:set>
+                                  </p:childTnLst>
+                                </p:cTn>
+                              </p:par>
+                            </p:childTnLst>
+                          </p:cTn>
+                        </p:par>
+                      </p:childTnLst>
+                    </p:cTn>
+                  </p:par>
+                  <p:par>
+                    <p:cTn id="15" fill="hold">
+                      <p:stCondLst>
+                        <p:cond delay="indefinite"/>
+                      </p:stCondLst>
+                      <p:childTnLst>
+                        <p:par>
+                          <p:cTn id="16" fill="hold">
+                            <p:stCondLst>
+                              <p:cond delay="0"/>
+                            </p:stCondLst>
+                            <p:childTnLst>
+                              <p:par>
+                                <p:cTn id="17" presetID="1" presetClass="entr" presetSubtype="0" fill="hold" nodeType="clickEffect">
+                                  <p:stCondLst>
+                                    <p:cond delay="0"/>
+                                  </p:stCondLst>
+                                  <p:childTnLst>
+                                    <p:set>
+                                      <p:cBhvr>
+                                        <p:cTn id="18" dur="1" fill="hold">
+                                          <p:stCondLst>
+                                            <p:cond delay="0"/>
+                                          </p:stCondLst>
+                                        </p:cTn>
+                                        <p:tgtEl>
+                                          <p:spTgt spid="3">
+                                            <p:txEl>
+                                              <p:pRg st="4" end="4"/>
+                                            </p:txEl>
+                                          </p:spTgt>
+                                        </p:tgtEl>
+                                        <p:attrNameLst>
+                                          <p:attrName>style.visibility</p:attrName>
+                                        </p:attrNameLst>
+                                      </p:cBhvr>
+                                      <p:to>
+                                        <p:strVal val="visible"/>
+                                      </p:to>
+                                    </p:set>
+                                  </p:childTnLst>
+                                </p:cTn>
+                              </p:par>
+                            </p:childTnLst>
+                          </p:cTn>
+                        </p:par>
+                      </p:childTnLst>
+                    </p:cTn>
+                  </p:par>
+                  <p:par>
+                    <p:cTn id="19" fill="hold">
+                      <p:stCondLst>
+                        <p:cond delay="indefinite"/>
+                      </p:stCondLst>
+                      <p:childTnLst>
+                        <p:par>
+                          <p:cTn id="20" fill="hold">
+                            <p:stCondLst>
+                              <p:cond delay="0"/>
+                            </p:stCondLst>
+                            <p:childTnLst>
+                              <p:par>
+                                <p:cTn id="21" presetID="1" presetClass="entr" presetSubtype="0" fill="hold" nodeType="clickEffect">
+                                  <p:stCondLst>
+                                    <p:cond delay="0"/>
+                                  </p:stCondLst>
+                                  <p:childTnLst>
+                                    <p:set>
+                                      <p:cBhvr>
+                                        <p:cTn id="22" dur="1" fill="hold">
+                                          <p:stCondLst>
+                                            <p:cond delay="0"/>
+                                          </p:stCondLst>
+                                        </p:cTn>
+                                        <p:tgtEl>
+                                          <p:spTgt spid="3">
+                                            <p:txEl>
+                                              <p:pRg st="5" end="5"/>
                                             </p:txEl>
                                           </p:spTgt>
                                         </p:tgtEl>
